--- a/HW4/r10943181_HW4.pptx
+++ b/HW4/r10943181_HW4.pptx
@@ -5,12 +5,17 @@
     <p:sldMasterId id="2147483648" r:id="rId1"/>
   </p:sldMasterIdLst>
   <p:notesMasterIdLst>
-    <p:notesMasterId r:id="rId5"/>
+    <p:notesMasterId r:id="rId10"/>
   </p:notesMasterIdLst>
   <p:sldIdLst>
     <p:sldId id="263" r:id="rId2"/>
-    <p:sldId id="266" r:id="rId3"/>
-    <p:sldId id="273" r:id="rId4"/>
+    <p:sldId id="274" r:id="rId3"/>
+    <p:sldId id="278" r:id="rId4"/>
+    <p:sldId id="275" r:id="rId5"/>
+    <p:sldId id="266" r:id="rId6"/>
+    <p:sldId id="277" r:id="rId7"/>
+    <p:sldId id="276" r:id="rId8"/>
+    <p:sldId id="273" r:id="rId9"/>
   </p:sldIdLst>
   <p:sldSz cx="9144000" cy="6858000" type="screen4x3"/>
   <p:notesSz cx="7099300" cy="10234613"/>
@@ -253,7 +258,7 @@
               <a:pPr>
                 <a:defRPr/>
               </a:pPr>
-              <a:t>2023/4/18</a:t>
+              <a:t>2023/5/17</a:t>
             </a:fld>
             <a:endParaRPr lang="zh-TW" altLang="en-US"/>
           </a:p>
@@ -770,7 +775,7 @@
     </p:spTree>
     <p:extLst>
       <p:ext uri="{BB962C8B-B14F-4D97-AF65-F5344CB8AC3E}">
-        <p14:creationId xmlns:p14="http://schemas.microsoft.com/office/powerpoint/2010/main" val="52222805"/>
+        <p14:creationId xmlns:p14="http://schemas.microsoft.com/office/powerpoint/2010/main" val="121481705"/>
       </p:ext>
     </p:extLst>
   </p:cSld>
@@ -873,7 +878,455 @@
             <a:fld id="{D2532A9D-695A-4DFE-87A7-585EA27BEF2A}" type="slidenum">
               <a:rPr lang="zh-TW" altLang="en-US" smtClean="0"/>
               <a:pPr/>
-              <a:t>3</a:t>
+              <a:t>4</a:t>
+            </a:fld>
+            <a:endParaRPr lang="zh-TW" altLang="en-US"/>
+          </a:p>
+        </p:txBody>
+      </p:sp>
+    </p:spTree>
+    <p:extLst>
+      <p:ext uri="{BB962C8B-B14F-4D97-AF65-F5344CB8AC3E}">
+        <p14:creationId xmlns:p14="http://schemas.microsoft.com/office/powerpoint/2010/main" val="2306871677"/>
+      </p:ext>
+    </p:extLst>
+  </p:cSld>
+  <p:clrMapOvr>
+    <a:masterClrMapping/>
+  </p:clrMapOvr>
+</p:notes>
+</file>
+
+<file path=ppt/notesSlides/notesSlide4.xml><?xml version="1.0" encoding="utf-8"?>
+<p:notes xmlns:a="http://schemas.openxmlformats.org/drawingml/2006/main" xmlns:r="http://schemas.openxmlformats.org/officeDocument/2006/relationships" xmlns:p="http://schemas.openxmlformats.org/presentationml/2006/main">
+  <p:cSld>
+    <p:spTree>
+      <p:nvGrpSpPr>
+        <p:cNvPr id="1" name=""/>
+        <p:cNvGrpSpPr/>
+        <p:nvPr/>
+      </p:nvGrpSpPr>
+      <p:grpSpPr>
+        <a:xfrm>
+          <a:off x="0" y="0"/>
+          <a:ext cx="0" cy="0"/>
+          <a:chOff x="0" y="0"/>
+          <a:chExt cx="0" cy="0"/>
+        </a:xfrm>
+      </p:grpSpPr>
+      <p:sp>
+        <p:nvSpPr>
+          <p:cNvPr id="6146" name="投影片圖像版面配置區 1"/>
+          <p:cNvSpPr>
+            <a:spLocks noGrp="1" noRot="1" noChangeAspect="1" noTextEdit="1"/>
+          </p:cNvSpPr>
+          <p:nvPr>
+            <p:ph type="sldImg"/>
+          </p:nvPr>
+        </p:nvSpPr>
+        <p:spPr bwMode="auto">
+          <a:noFill/>
+          <a:ln>
+            <a:solidFill>
+              <a:srgbClr val="000000"/>
+            </a:solidFill>
+            <a:miter lim="800000"/>
+            <a:headEnd/>
+            <a:tailEnd/>
+          </a:ln>
+        </p:spPr>
+      </p:sp>
+      <p:sp>
+        <p:nvSpPr>
+          <p:cNvPr id="6147" name="備忘稿版面配置區 2"/>
+          <p:cNvSpPr>
+            <a:spLocks noGrp="1"/>
+          </p:cNvSpPr>
+          <p:nvPr>
+            <p:ph type="body" idx="1"/>
+          </p:nvPr>
+        </p:nvSpPr>
+        <p:spPr bwMode="auto">
+          <a:noFill/>
+        </p:spPr>
+        <p:txBody>
+          <a:bodyPr wrap="square" numCol="1" anchor="t" anchorCtr="0" compatLnSpc="1">
+            <a:prstTxWarp prst="textNoShape">
+              <a:avLst/>
+            </a:prstTxWarp>
+          </a:bodyPr>
+          <a:lstStyle/>
+          <a:p>
+            <a:endParaRPr lang="zh-TW" altLang="en-US" dirty="0"/>
+          </a:p>
+        </p:txBody>
+      </p:sp>
+      <p:sp>
+        <p:nvSpPr>
+          <p:cNvPr id="6148" name="投影片編號版面配置區 3"/>
+          <p:cNvSpPr>
+            <a:spLocks noGrp="1"/>
+          </p:cNvSpPr>
+          <p:nvPr>
+            <p:ph type="sldNum" sz="quarter" idx="5"/>
+          </p:nvPr>
+        </p:nvSpPr>
+        <p:spPr bwMode="auto">
+          <a:noFill/>
+          <a:ln>
+            <a:miter lim="800000"/>
+            <a:headEnd/>
+            <a:tailEnd/>
+          </a:ln>
+        </p:spPr>
+        <p:txBody>
+          <a:bodyPr wrap="square" numCol="1" anchorCtr="0" compatLnSpc="1">
+            <a:prstTxWarp prst="textNoShape">
+              <a:avLst/>
+            </a:prstTxWarp>
+          </a:bodyPr>
+          <a:lstStyle/>
+          <a:p>
+            <a:fld id="{D2532A9D-695A-4DFE-87A7-585EA27BEF2A}" type="slidenum">
+              <a:rPr lang="zh-TW" altLang="en-US" smtClean="0"/>
+              <a:pPr/>
+              <a:t>5</a:t>
+            </a:fld>
+            <a:endParaRPr lang="zh-TW" altLang="en-US"/>
+          </a:p>
+        </p:txBody>
+      </p:sp>
+    </p:spTree>
+    <p:extLst>
+      <p:ext uri="{BB962C8B-B14F-4D97-AF65-F5344CB8AC3E}">
+        <p14:creationId xmlns:p14="http://schemas.microsoft.com/office/powerpoint/2010/main" val="52222805"/>
+      </p:ext>
+    </p:extLst>
+  </p:cSld>
+  <p:clrMapOvr>
+    <a:masterClrMapping/>
+  </p:clrMapOvr>
+</p:notes>
+</file>
+
+<file path=ppt/notesSlides/notesSlide5.xml><?xml version="1.0" encoding="utf-8"?>
+<p:notes xmlns:a="http://schemas.openxmlformats.org/drawingml/2006/main" xmlns:r="http://schemas.openxmlformats.org/officeDocument/2006/relationships" xmlns:p="http://schemas.openxmlformats.org/presentationml/2006/main">
+  <p:cSld>
+    <p:spTree>
+      <p:nvGrpSpPr>
+        <p:cNvPr id="1" name=""/>
+        <p:cNvGrpSpPr/>
+        <p:nvPr/>
+      </p:nvGrpSpPr>
+      <p:grpSpPr>
+        <a:xfrm>
+          <a:off x="0" y="0"/>
+          <a:ext cx="0" cy="0"/>
+          <a:chOff x="0" y="0"/>
+          <a:chExt cx="0" cy="0"/>
+        </a:xfrm>
+      </p:grpSpPr>
+      <p:sp>
+        <p:nvSpPr>
+          <p:cNvPr id="6146" name="投影片圖像版面配置區 1"/>
+          <p:cNvSpPr>
+            <a:spLocks noGrp="1" noRot="1" noChangeAspect="1" noTextEdit="1"/>
+          </p:cNvSpPr>
+          <p:nvPr>
+            <p:ph type="sldImg"/>
+          </p:nvPr>
+        </p:nvSpPr>
+        <p:spPr bwMode="auto">
+          <a:noFill/>
+          <a:ln>
+            <a:solidFill>
+              <a:srgbClr val="000000"/>
+            </a:solidFill>
+            <a:miter lim="800000"/>
+            <a:headEnd/>
+            <a:tailEnd/>
+          </a:ln>
+        </p:spPr>
+      </p:sp>
+      <p:sp>
+        <p:nvSpPr>
+          <p:cNvPr id="6147" name="備忘稿版面配置區 2"/>
+          <p:cNvSpPr>
+            <a:spLocks noGrp="1"/>
+          </p:cNvSpPr>
+          <p:nvPr>
+            <p:ph type="body" idx="1"/>
+          </p:nvPr>
+        </p:nvSpPr>
+        <p:spPr bwMode="auto">
+          <a:noFill/>
+        </p:spPr>
+        <p:txBody>
+          <a:bodyPr wrap="square" numCol="1" anchor="t" anchorCtr="0" compatLnSpc="1">
+            <a:prstTxWarp prst="textNoShape">
+              <a:avLst/>
+            </a:prstTxWarp>
+          </a:bodyPr>
+          <a:lstStyle/>
+          <a:p>
+            <a:endParaRPr lang="zh-TW" altLang="en-US" dirty="0"/>
+          </a:p>
+        </p:txBody>
+      </p:sp>
+      <p:sp>
+        <p:nvSpPr>
+          <p:cNvPr id="6148" name="投影片編號版面配置區 3"/>
+          <p:cNvSpPr>
+            <a:spLocks noGrp="1"/>
+          </p:cNvSpPr>
+          <p:nvPr>
+            <p:ph type="sldNum" sz="quarter" idx="5"/>
+          </p:nvPr>
+        </p:nvSpPr>
+        <p:spPr bwMode="auto">
+          <a:noFill/>
+          <a:ln>
+            <a:miter lim="800000"/>
+            <a:headEnd/>
+            <a:tailEnd/>
+          </a:ln>
+        </p:spPr>
+        <p:txBody>
+          <a:bodyPr wrap="square" numCol="1" anchorCtr="0" compatLnSpc="1">
+            <a:prstTxWarp prst="textNoShape">
+              <a:avLst/>
+            </a:prstTxWarp>
+          </a:bodyPr>
+          <a:lstStyle/>
+          <a:p>
+            <a:fld id="{D2532A9D-695A-4DFE-87A7-585EA27BEF2A}" type="slidenum">
+              <a:rPr lang="zh-TW" altLang="en-US" smtClean="0"/>
+              <a:pPr/>
+              <a:t>6</a:t>
+            </a:fld>
+            <a:endParaRPr lang="zh-TW" altLang="en-US"/>
+          </a:p>
+        </p:txBody>
+      </p:sp>
+    </p:spTree>
+    <p:extLst>
+      <p:ext uri="{BB962C8B-B14F-4D97-AF65-F5344CB8AC3E}">
+        <p14:creationId xmlns:p14="http://schemas.microsoft.com/office/powerpoint/2010/main" val="1124871388"/>
+      </p:ext>
+    </p:extLst>
+  </p:cSld>
+  <p:clrMapOvr>
+    <a:masterClrMapping/>
+  </p:clrMapOvr>
+</p:notes>
+</file>
+
+<file path=ppt/notesSlides/notesSlide6.xml><?xml version="1.0" encoding="utf-8"?>
+<p:notes xmlns:a="http://schemas.openxmlformats.org/drawingml/2006/main" xmlns:r="http://schemas.openxmlformats.org/officeDocument/2006/relationships" xmlns:p="http://schemas.openxmlformats.org/presentationml/2006/main">
+  <p:cSld>
+    <p:spTree>
+      <p:nvGrpSpPr>
+        <p:cNvPr id="1" name=""/>
+        <p:cNvGrpSpPr/>
+        <p:nvPr/>
+      </p:nvGrpSpPr>
+      <p:grpSpPr>
+        <a:xfrm>
+          <a:off x="0" y="0"/>
+          <a:ext cx="0" cy="0"/>
+          <a:chOff x="0" y="0"/>
+          <a:chExt cx="0" cy="0"/>
+        </a:xfrm>
+      </p:grpSpPr>
+      <p:sp>
+        <p:nvSpPr>
+          <p:cNvPr id="6146" name="投影片圖像版面配置區 1"/>
+          <p:cNvSpPr>
+            <a:spLocks noGrp="1" noRot="1" noChangeAspect="1" noTextEdit="1"/>
+          </p:cNvSpPr>
+          <p:nvPr>
+            <p:ph type="sldImg"/>
+          </p:nvPr>
+        </p:nvSpPr>
+        <p:spPr bwMode="auto">
+          <a:noFill/>
+          <a:ln>
+            <a:solidFill>
+              <a:srgbClr val="000000"/>
+            </a:solidFill>
+            <a:miter lim="800000"/>
+            <a:headEnd/>
+            <a:tailEnd/>
+          </a:ln>
+        </p:spPr>
+      </p:sp>
+      <p:sp>
+        <p:nvSpPr>
+          <p:cNvPr id="6147" name="備忘稿版面配置區 2"/>
+          <p:cNvSpPr>
+            <a:spLocks noGrp="1"/>
+          </p:cNvSpPr>
+          <p:nvPr>
+            <p:ph type="body" idx="1"/>
+          </p:nvPr>
+        </p:nvSpPr>
+        <p:spPr bwMode="auto">
+          <a:noFill/>
+        </p:spPr>
+        <p:txBody>
+          <a:bodyPr wrap="square" numCol="1" anchor="t" anchorCtr="0" compatLnSpc="1">
+            <a:prstTxWarp prst="textNoShape">
+              <a:avLst/>
+            </a:prstTxWarp>
+          </a:bodyPr>
+          <a:lstStyle/>
+          <a:p>
+            <a:endParaRPr lang="zh-TW" altLang="en-US" dirty="0"/>
+          </a:p>
+        </p:txBody>
+      </p:sp>
+      <p:sp>
+        <p:nvSpPr>
+          <p:cNvPr id="6148" name="投影片編號版面配置區 3"/>
+          <p:cNvSpPr>
+            <a:spLocks noGrp="1"/>
+          </p:cNvSpPr>
+          <p:nvPr>
+            <p:ph type="sldNum" sz="quarter" idx="5"/>
+          </p:nvPr>
+        </p:nvSpPr>
+        <p:spPr bwMode="auto">
+          <a:noFill/>
+          <a:ln>
+            <a:miter lim="800000"/>
+            <a:headEnd/>
+            <a:tailEnd/>
+          </a:ln>
+        </p:spPr>
+        <p:txBody>
+          <a:bodyPr wrap="square" numCol="1" anchorCtr="0" compatLnSpc="1">
+            <a:prstTxWarp prst="textNoShape">
+              <a:avLst/>
+            </a:prstTxWarp>
+          </a:bodyPr>
+          <a:lstStyle/>
+          <a:p>
+            <a:fld id="{D2532A9D-695A-4DFE-87A7-585EA27BEF2A}" type="slidenum">
+              <a:rPr lang="zh-TW" altLang="en-US" smtClean="0"/>
+              <a:pPr/>
+              <a:t>7</a:t>
+            </a:fld>
+            <a:endParaRPr lang="zh-TW" altLang="en-US"/>
+          </a:p>
+        </p:txBody>
+      </p:sp>
+    </p:spTree>
+    <p:extLst>
+      <p:ext uri="{BB962C8B-B14F-4D97-AF65-F5344CB8AC3E}">
+        <p14:creationId xmlns:p14="http://schemas.microsoft.com/office/powerpoint/2010/main" val="335848467"/>
+      </p:ext>
+    </p:extLst>
+  </p:cSld>
+  <p:clrMapOvr>
+    <a:masterClrMapping/>
+  </p:clrMapOvr>
+</p:notes>
+</file>
+
+<file path=ppt/notesSlides/notesSlide7.xml><?xml version="1.0" encoding="utf-8"?>
+<p:notes xmlns:a="http://schemas.openxmlformats.org/drawingml/2006/main" xmlns:r="http://schemas.openxmlformats.org/officeDocument/2006/relationships" xmlns:p="http://schemas.openxmlformats.org/presentationml/2006/main">
+  <p:cSld>
+    <p:spTree>
+      <p:nvGrpSpPr>
+        <p:cNvPr id="1" name=""/>
+        <p:cNvGrpSpPr/>
+        <p:nvPr/>
+      </p:nvGrpSpPr>
+      <p:grpSpPr>
+        <a:xfrm>
+          <a:off x="0" y="0"/>
+          <a:ext cx="0" cy="0"/>
+          <a:chOff x="0" y="0"/>
+          <a:chExt cx="0" cy="0"/>
+        </a:xfrm>
+      </p:grpSpPr>
+      <p:sp>
+        <p:nvSpPr>
+          <p:cNvPr id="6146" name="投影片圖像版面配置區 1"/>
+          <p:cNvSpPr>
+            <a:spLocks noGrp="1" noRot="1" noChangeAspect="1" noTextEdit="1"/>
+          </p:cNvSpPr>
+          <p:nvPr>
+            <p:ph type="sldImg"/>
+          </p:nvPr>
+        </p:nvSpPr>
+        <p:spPr bwMode="auto">
+          <a:noFill/>
+          <a:ln>
+            <a:solidFill>
+              <a:srgbClr val="000000"/>
+            </a:solidFill>
+            <a:miter lim="800000"/>
+            <a:headEnd/>
+            <a:tailEnd/>
+          </a:ln>
+        </p:spPr>
+      </p:sp>
+      <p:sp>
+        <p:nvSpPr>
+          <p:cNvPr id="6147" name="備忘稿版面配置區 2"/>
+          <p:cNvSpPr>
+            <a:spLocks noGrp="1"/>
+          </p:cNvSpPr>
+          <p:nvPr>
+            <p:ph type="body" idx="1"/>
+          </p:nvPr>
+        </p:nvSpPr>
+        <p:spPr bwMode="auto">
+          <a:noFill/>
+        </p:spPr>
+        <p:txBody>
+          <a:bodyPr wrap="square" numCol="1" anchor="t" anchorCtr="0" compatLnSpc="1">
+            <a:prstTxWarp prst="textNoShape">
+              <a:avLst/>
+            </a:prstTxWarp>
+          </a:bodyPr>
+          <a:lstStyle/>
+          <a:p>
+            <a:endParaRPr lang="zh-TW" altLang="en-US" dirty="0"/>
+          </a:p>
+        </p:txBody>
+      </p:sp>
+      <p:sp>
+        <p:nvSpPr>
+          <p:cNvPr id="6148" name="投影片編號版面配置區 3"/>
+          <p:cNvSpPr>
+            <a:spLocks noGrp="1"/>
+          </p:cNvSpPr>
+          <p:nvPr>
+            <p:ph type="sldNum" sz="quarter" idx="5"/>
+          </p:nvPr>
+        </p:nvSpPr>
+        <p:spPr bwMode="auto">
+          <a:noFill/>
+          <a:ln>
+            <a:miter lim="800000"/>
+            <a:headEnd/>
+            <a:tailEnd/>
+          </a:ln>
+        </p:spPr>
+        <p:txBody>
+          <a:bodyPr wrap="square" numCol="1" anchorCtr="0" compatLnSpc="1">
+            <a:prstTxWarp prst="textNoShape">
+              <a:avLst/>
+            </a:prstTxWarp>
+          </a:bodyPr>
+          <a:lstStyle/>
+          <a:p>
+            <a:fld id="{D2532A9D-695A-4DFE-87A7-585EA27BEF2A}" type="slidenum">
+              <a:rPr lang="zh-TW" altLang="en-US" smtClean="0"/>
+              <a:pPr/>
+              <a:t>8</a:t>
             </a:fld>
             <a:endParaRPr lang="zh-TW" altLang="en-US"/>
           </a:p>
@@ -4236,7 +4689,11 @@
           <a:prstGeom prst="rect">
             <a:avLst/>
           </a:prstGeom>
-          <a:noFill/>
+          <a:solidFill>
+            <a:schemeClr val="bg1">
+              <a:lumMod val="75000"/>
+            </a:schemeClr>
+          </a:solidFill>
           <a:ln w="9525">
             <a:noFill/>
             <a:miter lim="800000"/>
@@ -4319,332 +4776,78 @@
           </a:p>
         </p:txBody>
       </p:sp>
-      <p:sp>
-        <p:nvSpPr>
-          <p:cNvPr id="25" name="Rectangle 5">
+      <p:pic>
+        <p:nvPicPr>
+          <p:cNvPr id="3" name="圖片 2">
             <a:extLst>
               <a:ext uri="{FF2B5EF4-FFF2-40B4-BE49-F238E27FC236}">
-                <a16:creationId xmlns:a16="http://schemas.microsoft.com/office/drawing/2014/main" id="{FF5B5EDA-14FF-451F-B07E-5B49A70747E4}"/>
+                <a16:creationId xmlns:a16="http://schemas.microsoft.com/office/drawing/2014/main" id="{47E777F0-E018-F597-26BB-96A441057D88}"/>
               </a:ext>
             </a:extLst>
           </p:cNvPr>
-          <p:cNvSpPr>
-            <a:spLocks noChangeArrowheads="1"/>
-          </p:cNvSpPr>
+          <p:cNvPicPr>
+            <a:picLocks noChangeAspect="1"/>
+          </p:cNvPicPr>
           <p:nvPr/>
-        </p:nvSpPr>
-        <p:spPr bwMode="auto">
-          <a:xfrm>
-            <a:off x="250825" y="2636912"/>
-            <a:ext cx="8641357" cy="707886"/>
-          </a:xfrm>
-          <a:prstGeom prst="rect">
-            <a:avLst/>
-          </a:prstGeom>
-          <a:noFill/>
-          <a:ln w="9525">
-            <a:noFill/>
-            <a:miter lim="800000"/>
-            <a:headEnd/>
-            <a:tailEnd/>
-          </a:ln>
-        </p:spPr>
-        <p:txBody>
-          <a:bodyPr wrap="square">
-            <a:spAutoFit/>
-          </a:bodyPr>
-          <a:lstStyle/>
-          <a:p>
-            <a:pPr algn="just"/>
-            <a:r>
-              <a:rPr lang="en-US" altLang="zh-TW" dirty="0">
-                <a:ea typeface="標楷體" pitchFamily="65" charset="-120"/>
-              </a:rPr>
-              <a:t>(2) (a) How do we use </a:t>
-            </a:r>
-            <a:r>
-              <a:rPr lang="en-US" altLang="zh-TW" u="sng" dirty="0">
-                <a:ea typeface="標楷體" pitchFamily="65" charset="-120"/>
-              </a:rPr>
-              <a:t>three real multiplications</a:t>
-            </a:r>
-            <a:r>
-              <a:rPr lang="en-US" altLang="zh-TW" dirty="0">
-                <a:ea typeface="標楷體" pitchFamily="65" charset="-120"/>
-              </a:rPr>
-              <a:t> to implement a complex</a:t>
-            </a:r>
-            <a:br>
-              <a:rPr lang="en-US" altLang="zh-TW" dirty="0">
-                <a:ea typeface="標楷體" pitchFamily="65" charset="-120"/>
-              </a:rPr>
-            </a:br>
-            <a:r>
-              <a:rPr lang="en-US" altLang="zh-TW" dirty="0">
-                <a:ea typeface="標楷體" pitchFamily="65" charset="-120"/>
-              </a:rPr>
-              <a:t>             multiplication?                                                                           </a:t>
-            </a:r>
-            <a:r>
-              <a:rPr lang="en-US" altLang="zh-TW" dirty="0">
-                <a:sym typeface="Symbol"/>
-              </a:rPr>
-              <a:t>(10 scores)</a:t>
-            </a:r>
-          </a:p>
-        </p:txBody>
-      </p:sp>
-      <p:sp>
-        <p:nvSpPr>
-          <p:cNvPr id="26" name="Rectangle 5">
+        </p:nvPicPr>
+        <p:blipFill>
+          <a:blip r:embed="rId3">
             <a:extLst>
-              <a:ext uri="{FF2B5EF4-FFF2-40B4-BE49-F238E27FC236}">
-                <a16:creationId xmlns:a16="http://schemas.microsoft.com/office/drawing/2014/main" id="{01AD9887-1B1D-4D73-8938-66E1CF0B906A}"/>
+              <a:ext uri="{28A0092B-C50C-407E-A947-70E740481C1C}">
+                <a14:useLocalDpi xmlns:a14="http://schemas.microsoft.com/office/drawing/2010/main" val="0"/>
               </a:ext>
             </a:extLst>
-          </p:cNvPr>
-          <p:cNvSpPr>
-            <a:spLocks noChangeArrowheads="1"/>
-          </p:cNvSpPr>
-          <p:nvPr/>
-        </p:nvSpPr>
-        <p:spPr bwMode="auto">
-          <a:xfrm>
-            <a:off x="616475" y="3424335"/>
-            <a:ext cx="7920880" cy="400110"/>
-          </a:xfrm>
-          <a:prstGeom prst="rect">
-            <a:avLst/>
-          </a:prstGeom>
-          <a:noFill/>
-          <a:ln w="9525">
-            <a:noFill/>
-            <a:miter lim="800000"/>
-            <a:headEnd/>
-            <a:tailEnd/>
-          </a:ln>
-        </p:spPr>
-        <p:txBody>
-          <a:bodyPr wrap="square">
-            <a:spAutoFit/>
-          </a:bodyPr>
-          <a:lstStyle/>
-          <a:p>
-            <a:pPr algn="just"/>
-            <a:r>
-              <a:rPr lang="en-US" altLang="zh-TW" dirty="0">
-                <a:ea typeface="標楷體" pitchFamily="65" charset="-120"/>
-              </a:rPr>
-              <a:t>(b)</a:t>
-            </a:r>
-            <a:r>
-              <a:rPr lang="zh-TW" altLang="en-US" dirty="0">
-                <a:ea typeface="標楷體" pitchFamily="65" charset="-120"/>
-              </a:rPr>
-              <a:t> </a:t>
-            </a:r>
-            <a:r>
-              <a:rPr lang="en-US" altLang="zh-TW" dirty="0">
-                <a:ea typeface="標楷體" pitchFamily="65" charset="-120"/>
-              </a:rPr>
-              <a:t>Suppose</a:t>
-            </a:r>
-            <a:r>
-              <a:rPr lang="zh-TW" altLang="en-US" dirty="0">
-                <a:ea typeface="標楷體" pitchFamily="65" charset="-120"/>
-              </a:rPr>
-              <a:t> </a:t>
-            </a:r>
-            <a:r>
-              <a:rPr lang="en-US" altLang="zh-TW" dirty="0">
-                <a:ea typeface="標楷體" pitchFamily="65" charset="-120"/>
-              </a:rPr>
-              <a:t>that</a:t>
-            </a:r>
-            <a:endParaRPr lang="en-US" altLang="zh-TW" dirty="0">
-              <a:sym typeface="Symbol"/>
-            </a:endParaRPr>
-          </a:p>
-        </p:txBody>
-      </p:sp>
-      <p:sp>
-        <p:nvSpPr>
-          <p:cNvPr id="27" name="矩形 26">
-            <a:extLst>
-              <a:ext uri="{FF2B5EF4-FFF2-40B4-BE49-F238E27FC236}">
-                <a16:creationId xmlns:a16="http://schemas.microsoft.com/office/drawing/2014/main" id="{1FD5720E-623D-458C-8BB2-87BB8449D75C}"/>
-              </a:ext>
-            </a:extLst>
-          </p:cNvPr>
-          <p:cNvSpPr/>
-          <p:nvPr/>
-        </p:nvSpPr>
+          </a:blip>
+          <a:stretch>
+            <a:fillRect/>
+          </a:stretch>
+        </p:blipFill>
         <p:spPr>
           <a:xfrm>
-            <a:off x="755576" y="4998331"/>
-            <a:ext cx="7920880" cy="707886"/>
+            <a:off x="0" y="3173379"/>
+            <a:ext cx="4572000" cy="3429001"/>
           </a:xfrm>
           <a:prstGeom prst="rect">
             <a:avLst/>
           </a:prstGeom>
         </p:spPr>
-        <p:txBody>
-          <a:bodyPr wrap="square">
-            <a:spAutoFit/>
-          </a:bodyPr>
-          <a:lstStyle/>
-          <a:p>
-            <a:pPr algn="just"/>
-            <a:r>
-              <a:rPr lang="en-US" altLang="zh-TW" dirty="0">
-                <a:sym typeface="Symbol"/>
-              </a:rPr>
-              <a:t>How do we implement above matrix operation with the least number of real multiplications?                                                                              (10 scores)</a:t>
-            </a:r>
-            <a:endParaRPr lang="zh-TW" altLang="en-US" dirty="0"/>
-          </a:p>
-        </p:txBody>
-      </p:sp>
-      <p:graphicFrame>
-        <p:nvGraphicFramePr>
-          <p:cNvPr id="28" name="Object 3">
+      </p:pic>
+      <p:pic>
+        <p:nvPicPr>
+          <p:cNvPr id="5" name="圖片 4">
             <a:extLst>
               <a:ext uri="{FF2B5EF4-FFF2-40B4-BE49-F238E27FC236}">
-                <a16:creationId xmlns:a16="http://schemas.microsoft.com/office/drawing/2014/main" id="{A6FB0C44-0A58-42F1-9AD4-E3CE52A4D864}"/>
+                <a16:creationId xmlns:a16="http://schemas.microsoft.com/office/drawing/2014/main" id="{FF9A19D9-C3F0-30CE-A679-D5FD1CC24990}"/>
               </a:ext>
             </a:extLst>
           </p:cNvPr>
-          <p:cNvGraphicFramePr>
-            <a:graphicFrameLocks noChangeAspect="1"/>
-          </p:cNvGraphicFramePr>
-          <p:nvPr>
-            <p:extLst>
-              <p:ext uri="{D42A27DB-BD31-4B8C-83A1-F6EECF244321}">
-                <p14:modId xmlns:p14="http://schemas.microsoft.com/office/powerpoint/2010/main" val="2305683556"/>
-              </p:ext>
-            </p:extLst>
-          </p:nvPr>
-        </p:nvGraphicFramePr>
-        <p:xfrm>
-          <a:off x="2843808" y="3501318"/>
-          <a:ext cx="3249612" cy="1497013"/>
-        </p:xfrm>
-        <a:graphic>
-          <a:graphicData uri="http://schemas.openxmlformats.org/presentationml/2006/ole">
-            <mc:AlternateContent xmlns:mc="http://schemas.openxmlformats.org/markup-compatibility/2006">
-              <mc:Choice xmlns:v="urn:schemas-microsoft-com:vml" Requires="v">
-                <p:oleObj spid="_x0000_s20629" name="Equation" r:id="rId4" imgW="3593880" imgH="1498320" progId="Equation.DSMT4">
-                  <p:embed/>
-                </p:oleObj>
-              </mc:Choice>
-              <mc:Fallback>
-                <p:oleObj name="Equation" r:id="rId4" imgW="3593880" imgH="1498320" progId="Equation.DSMT4">
-                  <p:embed/>
-                  <p:pic>
-                    <p:nvPicPr>
-                      <p:cNvPr id="37" name="Object 3">
-                        <a:extLst>
-                          <a:ext uri="{FF2B5EF4-FFF2-40B4-BE49-F238E27FC236}">
-                            <a16:creationId xmlns:a16="http://schemas.microsoft.com/office/drawing/2014/main" id="{0F31FB3C-84FD-486E-874D-B07EC23F2371}"/>
-                          </a:ext>
-                        </a:extLst>
-                      </p:cNvPr>
-                      <p:cNvPicPr>
-                        <a:picLocks noChangeAspect="1" noChangeArrowheads="1"/>
-                      </p:cNvPicPr>
-                      <p:nvPr/>
-                    </p:nvPicPr>
-                    <p:blipFill>
-                      <a:blip r:embed="rId5"/>
-                      <a:srcRect/>
-                      <a:stretch>
-                        <a:fillRect/>
-                      </a:stretch>
-                    </p:blipFill>
-                    <p:spPr bwMode="auto">
-                      <a:xfrm>
-                        <a:off x="2843808" y="3501318"/>
-                        <a:ext cx="3249612" cy="1497013"/>
-                      </a:xfrm>
-                      <a:prstGeom prst="rect">
-                        <a:avLst/>
-                      </a:prstGeom>
-                      <a:noFill/>
-                      <a:extLst>
-                        <a:ext uri="{909E8E84-426E-40DD-AFC4-6F175D3DCCD1}">
-                          <a14:hiddenFill xmlns:a14="http://schemas.microsoft.com/office/drawing/2010/main">
-                            <a:solidFill>
-                              <a:srgbClr val="FFFFFF"/>
-                            </a:solidFill>
-                          </a14:hiddenFill>
-                        </a:ext>
-                      </a:extLst>
-                    </p:spPr>
-                  </p:pic>
-                </p:oleObj>
-              </mc:Fallback>
-            </mc:AlternateContent>
-          </a:graphicData>
-        </a:graphic>
-      </p:graphicFrame>
-      <p:sp>
-        <p:nvSpPr>
-          <p:cNvPr id="29" name="Rectangle 9">
+          <p:cNvPicPr>
+            <a:picLocks noChangeAspect="1"/>
+          </p:cNvPicPr>
+          <p:nvPr/>
+        </p:nvPicPr>
+        <p:blipFill>
+          <a:blip r:embed="rId4">
             <a:extLst>
-              <a:ext uri="{FF2B5EF4-FFF2-40B4-BE49-F238E27FC236}">
-                <a16:creationId xmlns:a16="http://schemas.microsoft.com/office/drawing/2014/main" id="{F1B52ACA-FBCA-450C-B37F-67DAE9F3211D}"/>
+              <a:ext uri="{28A0092B-C50C-407E-A947-70E740481C1C}">
+                <a14:useLocalDpi xmlns:a14="http://schemas.microsoft.com/office/drawing/2010/main" val="0"/>
               </a:ext>
             </a:extLst>
-          </p:cNvPr>
-          <p:cNvSpPr>
-            <a:spLocks noChangeArrowheads="1"/>
-          </p:cNvSpPr>
-          <p:nvPr/>
-        </p:nvSpPr>
-        <p:spPr bwMode="auto">
+          </a:blip>
+          <a:stretch>
+            <a:fillRect/>
+          </a:stretch>
+        </p:blipFill>
+        <p:spPr>
           <a:xfrm>
-            <a:off x="323528" y="5818274"/>
-            <a:ext cx="8352928" cy="707886"/>
+            <a:off x="4572000" y="3173379"/>
+            <a:ext cx="4572001" cy="3429001"/>
           </a:xfrm>
           <a:prstGeom prst="rect">
             <a:avLst/>
           </a:prstGeom>
-          <a:noFill/>
-          <a:ln w="9525">
-            <a:noFill/>
-            <a:miter lim="800000"/>
-            <a:headEnd/>
-            <a:tailEnd/>
-          </a:ln>
         </p:spPr>
-        <p:txBody>
-          <a:bodyPr wrap="square">
-            <a:spAutoFit/>
-          </a:bodyPr>
-          <a:lstStyle/>
-          <a:p>
-            <a:pPr algn="dist"/>
-            <a:r>
-              <a:rPr lang="en-US" altLang="zh-TW" dirty="0"/>
-              <a:t>(3) Determining </a:t>
-            </a:r>
-            <a:r>
-              <a:rPr lang="en-US" altLang="zh-TW" u="sng" dirty="0"/>
-              <a:t>the numbers of real multiplications</a:t>
-            </a:r>
-            <a:r>
-              <a:rPr lang="en-US" altLang="zh-TW" dirty="0"/>
-              <a:t> for the (a) 125-point DFT,</a:t>
-            </a:r>
-          </a:p>
-          <a:p>
-            <a:r>
-              <a:rPr lang="en-US" altLang="zh-TW" dirty="0"/>
-              <a:t>      (b) the 147-point DFT, and (c) the 385-point DFT.                          (15 scores)</a:t>
-            </a:r>
-          </a:p>
-        </p:txBody>
-      </p:sp>
+      </p:pic>
     </p:spTree>
   </p:cSld>
   <p:clrMapOvr>
@@ -4670,6 +4873,7774 @@
           <a:chExt cx="0" cy="0"/>
         </a:xfrm>
       </p:grpSpPr>
+      <p:sp>
+        <p:nvSpPr>
+          <p:cNvPr id="2" name="矩形 1">
+            <a:extLst>
+              <a:ext uri="{FF2B5EF4-FFF2-40B4-BE49-F238E27FC236}">
+                <a16:creationId xmlns:a16="http://schemas.microsoft.com/office/drawing/2014/main" id="{2DBE2BF4-B78A-92C4-BE5B-CE13B1780269}"/>
+              </a:ext>
+            </a:extLst>
+          </p:cNvPr>
+          <p:cNvSpPr/>
+          <p:nvPr/>
+        </p:nvSpPr>
+        <p:spPr>
+          <a:xfrm>
+            <a:off x="250825" y="188640"/>
+            <a:ext cx="8641357" cy="3069305"/>
+          </a:xfrm>
+          <a:prstGeom prst="rect">
+            <a:avLst/>
+          </a:prstGeom>
+          <a:solidFill>
+            <a:schemeClr val="bg1">
+              <a:lumMod val="75000"/>
+            </a:schemeClr>
+          </a:solidFill>
+          <a:ln>
+            <a:noFill/>
+          </a:ln>
+        </p:spPr>
+        <p:style>
+          <a:lnRef idx="2">
+            <a:schemeClr val="accent1">
+              <a:shade val="50000"/>
+            </a:schemeClr>
+          </a:lnRef>
+          <a:fillRef idx="1">
+            <a:schemeClr val="accent1"/>
+          </a:fillRef>
+          <a:effectRef idx="0">
+            <a:schemeClr val="accent1"/>
+          </a:effectRef>
+          <a:fontRef idx="minor">
+            <a:schemeClr val="lt1"/>
+          </a:fontRef>
+        </p:style>
+        <p:txBody>
+          <a:bodyPr rtlCol="0" anchor="ctr"/>
+          <a:lstStyle/>
+          <a:p>
+            <a:pPr algn="ctr"/>
+            <a:endParaRPr kumimoji="1" lang="zh-TW" altLang="en-US"/>
+          </a:p>
+        </p:txBody>
+      </p:sp>
+      <p:sp>
+        <p:nvSpPr>
+          <p:cNvPr id="25" name="Rectangle 5">
+            <a:extLst>
+              <a:ext uri="{FF2B5EF4-FFF2-40B4-BE49-F238E27FC236}">
+                <a16:creationId xmlns:a16="http://schemas.microsoft.com/office/drawing/2014/main" id="{FF5B5EDA-14FF-451F-B07E-5B49A70747E4}"/>
+              </a:ext>
+            </a:extLst>
+          </p:cNvPr>
+          <p:cNvSpPr>
+            <a:spLocks noChangeArrowheads="1"/>
+          </p:cNvSpPr>
+          <p:nvPr/>
+        </p:nvSpPr>
+        <p:spPr bwMode="auto">
+          <a:xfrm>
+            <a:off x="250825" y="188640"/>
+            <a:ext cx="8641357" cy="707886"/>
+          </a:xfrm>
+          <a:prstGeom prst="rect">
+            <a:avLst/>
+          </a:prstGeom>
+          <a:noFill/>
+          <a:ln w="9525">
+            <a:noFill/>
+            <a:miter lim="800000"/>
+            <a:headEnd/>
+            <a:tailEnd/>
+          </a:ln>
+        </p:spPr>
+        <p:txBody>
+          <a:bodyPr wrap="square">
+            <a:spAutoFit/>
+          </a:bodyPr>
+          <a:lstStyle/>
+          <a:p>
+            <a:pPr algn="just"/>
+            <a:r>
+              <a:rPr lang="en-US" altLang="zh-TW" dirty="0">
+                <a:ea typeface="標楷體" pitchFamily="65" charset="-120"/>
+              </a:rPr>
+              <a:t>(2) (a) How do we use </a:t>
+            </a:r>
+            <a:r>
+              <a:rPr lang="en-US" altLang="zh-TW" u="sng" dirty="0">
+                <a:ea typeface="標楷體" pitchFamily="65" charset="-120"/>
+              </a:rPr>
+              <a:t>three real multiplications</a:t>
+            </a:r>
+            <a:r>
+              <a:rPr lang="en-US" altLang="zh-TW" dirty="0">
+                <a:ea typeface="標楷體" pitchFamily="65" charset="-120"/>
+              </a:rPr>
+              <a:t> to implement a complex</a:t>
+            </a:r>
+            <a:br>
+              <a:rPr lang="en-US" altLang="zh-TW" dirty="0">
+                <a:ea typeface="標楷體" pitchFamily="65" charset="-120"/>
+              </a:rPr>
+            </a:br>
+            <a:r>
+              <a:rPr lang="en-US" altLang="zh-TW" dirty="0">
+                <a:ea typeface="標楷體" pitchFamily="65" charset="-120"/>
+              </a:rPr>
+              <a:t>             multiplication?                                                                           </a:t>
+            </a:r>
+            <a:r>
+              <a:rPr lang="en-US" altLang="zh-TW" dirty="0">
+                <a:sym typeface="Symbol"/>
+              </a:rPr>
+              <a:t>(10 scores)</a:t>
+            </a:r>
+          </a:p>
+        </p:txBody>
+      </p:sp>
+      <p:sp>
+        <p:nvSpPr>
+          <p:cNvPr id="26" name="Rectangle 5">
+            <a:extLst>
+              <a:ext uri="{FF2B5EF4-FFF2-40B4-BE49-F238E27FC236}">
+                <a16:creationId xmlns:a16="http://schemas.microsoft.com/office/drawing/2014/main" id="{01AD9887-1B1D-4D73-8938-66E1CF0B906A}"/>
+              </a:ext>
+            </a:extLst>
+          </p:cNvPr>
+          <p:cNvSpPr>
+            <a:spLocks noChangeArrowheads="1"/>
+          </p:cNvSpPr>
+          <p:nvPr/>
+        </p:nvSpPr>
+        <p:spPr bwMode="auto">
+          <a:xfrm>
+            <a:off x="616475" y="976063"/>
+            <a:ext cx="7920880" cy="400110"/>
+          </a:xfrm>
+          <a:prstGeom prst="rect">
+            <a:avLst/>
+          </a:prstGeom>
+          <a:noFill/>
+          <a:ln w="9525">
+            <a:noFill/>
+            <a:miter lim="800000"/>
+            <a:headEnd/>
+            <a:tailEnd/>
+          </a:ln>
+        </p:spPr>
+        <p:txBody>
+          <a:bodyPr wrap="square">
+            <a:spAutoFit/>
+          </a:bodyPr>
+          <a:lstStyle/>
+          <a:p>
+            <a:pPr algn="just"/>
+            <a:r>
+              <a:rPr lang="en-US" altLang="zh-TW" dirty="0">
+                <a:ea typeface="標楷體" pitchFamily="65" charset="-120"/>
+              </a:rPr>
+              <a:t>(b)</a:t>
+            </a:r>
+            <a:r>
+              <a:rPr lang="zh-TW" altLang="en-US" dirty="0">
+                <a:ea typeface="標楷體" pitchFamily="65" charset="-120"/>
+              </a:rPr>
+              <a:t> </a:t>
+            </a:r>
+            <a:r>
+              <a:rPr lang="en-US" altLang="zh-TW" dirty="0">
+                <a:ea typeface="標楷體" pitchFamily="65" charset="-120"/>
+              </a:rPr>
+              <a:t>Suppose</a:t>
+            </a:r>
+            <a:r>
+              <a:rPr lang="zh-TW" altLang="en-US" dirty="0">
+                <a:ea typeface="標楷體" pitchFamily="65" charset="-120"/>
+              </a:rPr>
+              <a:t> </a:t>
+            </a:r>
+            <a:r>
+              <a:rPr lang="en-US" altLang="zh-TW" dirty="0">
+                <a:ea typeface="標楷體" pitchFamily="65" charset="-120"/>
+              </a:rPr>
+              <a:t>that</a:t>
+            </a:r>
+            <a:endParaRPr lang="en-US" altLang="zh-TW" dirty="0">
+              <a:sym typeface="Symbol"/>
+            </a:endParaRPr>
+          </a:p>
+        </p:txBody>
+      </p:sp>
+      <p:sp>
+        <p:nvSpPr>
+          <p:cNvPr id="27" name="矩形 26">
+            <a:extLst>
+              <a:ext uri="{FF2B5EF4-FFF2-40B4-BE49-F238E27FC236}">
+                <a16:creationId xmlns:a16="http://schemas.microsoft.com/office/drawing/2014/main" id="{1FD5720E-623D-458C-8BB2-87BB8449D75C}"/>
+              </a:ext>
+            </a:extLst>
+          </p:cNvPr>
+          <p:cNvSpPr/>
+          <p:nvPr/>
+        </p:nvSpPr>
+        <p:spPr>
+          <a:xfrm>
+            <a:off x="755576" y="2550059"/>
+            <a:ext cx="7920880" cy="707886"/>
+          </a:xfrm>
+          <a:prstGeom prst="rect">
+            <a:avLst/>
+          </a:prstGeom>
+        </p:spPr>
+        <p:txBody>
+          <a:bodyPr wrap="square">
+            <a:spAutoFit/>
+          </a:bodyPr>
+          <a:lstStyle/>
+          <a:p>
+            <a:pPr algn="just"/>
+            <a:r>
+              <a:rPr lang="en-US" altLang="zh-TW" dirty="0">
+                <a:sym typeface="Symbol"/>
+              </a:rPr>
+              <a:t>How do we implement above matrix operation with the least number of real multiplications?                                                                              (10 scores)</a:t>
+            </a:r>
+            <a:endParaRPr lang="zh-TW" altLang="en-US" dirty="0"/>
+          </a:p>
+        </p:txBody>
+      </p:sp>
+      <p:graphicFrame>
+        <p:nvGraphicFramePr>
+          <p:cNvPr id="28" name="Object 3">
+            <a:extLst>
+              <a:ext uri="{FF2B5EF4-FFF2-40B4-BE49-F238E27FC236}">
+                <a16:creationId xmlns:a16="http://schemas.microsoft.com/office/drawing/2014/main" id="{A6FB0C44-0A58-42F1-9AD4-E3CE52A4D864}"/>
+              </a:ext>
+            </a:extLst>
+          </p:cNvPr>
+          <p:cNvGraphicFramePr>
+            <a:graphicFrameLocks noChangeAspect="1"/>
+          </p:cNvGraphicFramePr>
+          <p:nvPr>
+            <p:extLst>
+              <p:ext uri="{D42A27DB-BD31-4B8C-83A1-F6EECF244321}">
+                <p14:modId xmlns:p14="http://schemas.microsoft.com/office/powerpoint/2010/main" val="3253759364"/>
+              </p:ext>
+            </p:extLst>
+          </p:nvPr>
+        </p:nvGraphicFramePr>
+        <p:xfrm>
+          <a:off x="2843808" y="1053046"/>
+          <a:ext cx="3249612" cy="1497013"/>
+        </p:xfrm>
+        <a:graphic>
+          <a:graphicData uri="http://schemas.openxmlformats.org/presentationml/2006/ole">
+            <mc:AlternateContent xmlns:mc="http://schemas.openxmlformats.org/markup-compatibility/2006">
+              <mc:Choice xmlns:v="urn:schemas-microsoft-com:vml" Requires="v">
+                <p:oleObj name="Equation" r:id="rId3" imgW="3593880" imgH="1498320" progId="Equation.DSMT4">
+                  <p:embed/>
+                </p:oleObj>
+              </mc:Choice>
+              <mc:Fallback>
+                <p:oleObj name="Equation" r:id="rId3" imgW="3593880" imgH="1498320" progId="Equation.DSMT4">
+                  <p:embed/>
+                  <p:pic>
+                    <p:nvPicPr>
+                      <p:cNvPr id="28" name="Object 3">
+                        <a:extLst>
+                          <a:ext uri="{FF2B5EF4-FFF2-40B4-BE49-F238E27FC236}">
+                            <a16:creationId xmlns:a16="http://schemas.microsoft.com/office/drawing/2014/main" id="{A6FB0C44-0A58-42F1-9AD4-E3CE52A4D864}"/>
+                          </a:ext>
+                        </a:extLst>
+                      </p:cNvPr>
+                      <p:cNvPicPr>
+                        <a:picLocks noChangeAspect="1" noChangeArrowheads="1"/>
+                      </p:cNvPicPr>
+                      <p:nvPr/>
+                    </p:nvPicPr>
+                    <p:blipFill>
+                      <a:blip r:embed="rId4"/>
+                      <a:srcRect/>
+                      <a:stretch>
+                        <a:fillRect/>
+                      </a:stretch>
+                    </p:blipFill>
+                    <p:spPr bwMode="auto">
+                      <a:xfrm>
+                        <a:off x="2843808" y="1053046"/>
+                        <a:ext cx="3249612" cy="1497013"/>
+                      </a:xfrm>
+                      <a:prstGeom prst="rect">
+                        <a:avLst/>
+                      </a:prstGeom>
+                      <a:noFill/>
+                      <a:extLst>
+                        <a:ext uri="{909E8E84-426E-40DD-AFC4-6F175D3DCCD1}">
+                          <a14:hiddenFill xmlns:a14="http://schemas.microsoft.com/office/drawing/2010/main">
+                            <a:solidFill>
+                              <a:srgbClr val="FFFFFF"/>
+                            </a:solidFill>
+                          </a14:hiddenFill>
+                        </a:ext>
+                      </a:extLst>
+                    </p:spPr>
+                  </p:pic>
+                </p:oleObj>
+              </mc:Fallback>
+            </mc:AlternateContent>
+          </a:graphicData>
+        </a:graphic>
+      </p:graphicFrame>
+      <mc:AlternateContent xmlns:mc="http://schemas.openxmlformats.org/markup-compatibility/2006">
+        <mc:Choice xmlns:a14="http://schemas.microsoft.com/office/drawing/2010/main" Requires="a14">
+          <p:sp>
+            <p:nvSpPr>
+              <p:cNvPr id="3" name="文字方塊 2">
+                <a:extLst>
+                  <a:ext uri="{FF2B5EF4-FFF2-40B4-BE49-F238E27FC236}">
+                    <a16:creationId xmlns:a16="http://schemas.microsoft.com/office/drawing/2014/main" id="{E8901EB9-9144-3526-AC01-76F98FE60CE2}"/>
+                  </a:ext>
+                </a:extLst>
+              </p:cNvPr>
+              <p:cNvSpPr txBox="1"/>
+              <p:nvPr/>
+            </p:nvSpPr>
+            <p:spPr>
+              <a:xfrm>
+                <a:off x="250825" y="3429000"/>
+                <a:ext cx="8641356" cy="3074047"/>
+              </a:xfrm>
+              <a:prstGeom prst="rect">
+                <a:avLst/>
+              </a:prstGeom>
+              <a:noFill/>
+            </p:spPr>
+            <p:txBody>
+              <a:bodyPr wrap="square" rtlCol="0">
+                <a:spAutoFit/>
+              </a:bodyPr>
+              <a:lstStyle/>
+              <a:p>
+                <a:pPr marL="457200" indent="-457200">
+                  <a:buAutoNum type="alphaLcParenBoth"/>
+                </a:pPr>
+                <a:r>
+                  <a:rPr kumimoji="1" lang="zh-TW" altLang="en-US" dirty="0"/>
+                  <a:t>根據講義 </a:t>
+                </a:r>
+                <a:r>
+                  <a:rPr kumimoji="1" lang="en-US" altLang="zh-TW" dirty="0"/>
+                  <a:t>p.349</a:t>
+                </a:r>
+                <a:r>
+                  <a:rPr kumimoji="1" lang="zh-TW" altLang="en-US" dirty="0"/>
+                  <a:t>，</a:t>
+                </a:r>
+                <a:endParaRPr kumimoji="1" lang="en-US" altLang="zh-TW" dirty="0"/>
+              </a:p>
+              <a:p>
+                <a14:m>
+                  <m:oMathPara xmlns:m="http://schemas.openxmlformats.org/officeDocument/2006/math">
+                    <m:oMathParaPr>
+                      <m:jc m:val="centerGroup"/>
+                    </m:oMathParaPr>
+                    <m:oMath xmlns:m="http://schemas.openxmlformats.org/officeDocument/2006/math">
+                      <m:d>
+                        <m:dPr>
+                          <m:ctrlPr>
+                            <a:rPr kumimoji="1" lang="en-US" altLang="zh-TW" b="0" i="1" smtClean="0">
+                              <a:latin typeface="Cambria Math" panose="02040503050406030204" pitchFamily="18" charset="0"/>
+                            </a:rPr>
+                          </m:ctrlPr>
+                        </m:dPr>
+                        <m:e>
+                          <m:r>
+                            <a:rPr kumimoji="1" lang="en-US" altLang="zh-TW" b="0" i="1" smtClean="0">
+                              <a:latin typeface="Cambria Math" panose="02040503050406030204" pitchFamily="18" charset="0"/>
+                            </a:rPr>
+                            <m:t>𝑎</m:t>
+                          </m:r>
+                          <m:r>
+                            <a:rPr kumimoji="1" lang="en-US" altLang="zh-TW" b="0" i="1" smtClean="0">
+                              <a:latin typeface="Cambria Math" panose="02040503050406030204" pitchFamily="18" charset="0"/>
+                            </a:rPr>
+                            <m:t>+</m:t>
+                          </m:r>
+                          <m:r>
+                            <a:rPr kumimoji="1" lang="en-US" altLang="zh-TW" b="0" i="1" smtClean="0">
+                              <a:latin typeface="Cambria Math" panose="02040503050406030204" pitchFamily="18" charset="0"/>
+                            </a:rPr>
+                            <m:t>𝑗𝑏</m:t>
+                          </m:r>
+                        </m:e>
+                      </m:d>
+                      <m:d>
+                        <m:dPr>
+                          <m:ctrlPr>
+                            <a:rPr kumimoji="1" lang="en-US" altLang="zh-TW" b="0" i="1" smtClean="0">
+                              <a:latin typeface="Cambria Math" panose="02040503050406030204" pitchFamily="18" charset="0"/>
+                            </a:rPr>
+                          </m:ctrlPr>
+                        </m:dPr>
+                        <m:e>
+                          <m:r>
+                            <a:rPr kumimoji="1" lang="en-US" altLang="zh-TW" b="0" i="1" smtClean="0">
+                              <a:latin typeface="Cambria Math" panose="02040503050406030204" pitchFamily="18" charset="0"/>
+                            </a:rPr>
+                            <m:t>𝑐</m:t>
+                          </m:r>
+                          <m:r>
+                            <a:rPr kumimoji="1" lang="en-US" altLang="zh-TW" b="0" i="1" smtClean="0">
+                              <a:latin typeface="Cambria Math" panose="02040503050406030204" pitchFamily="18" charset="0"/>
+                            </a:rPr>
+                            <m:t>+</m:t>
+                          </m:r>
+                          <m:r>
+                            <a:rPr kumimoji="1" lang="en-US" altLang="zh-TW" b="0" i="1" smtClean="0">
+                              <a:latin typeface="Cambria Math" panose="02040503050406030204" pitchFamily="18" charset="0"/>
+                            </a:rPr>
+                            <m:t>𝑗𝑑</m:t>
+                          </m:r>
+                        </m:e>
+                      </m:d>
+                      <m:r>
+                        <a:rPr kumimoji="1" lang="en-US" altLang="zh-TW" b="0" i="1" smtClean="0">
+                          <a:latin typeface="Cambria Math" panose="02040503050406030204" pitchFamily="18" charset="0"/>
+                        </a:rPr>
+                        <m:t>=</m:t>
+                      </m:r>
+                      <m:r>
+                        <a:rPr kumimoji="1" lang="en-US" altLang="zh-TW" b="0" i="1" smtClean="0">
+                          <a:latin typeface="Cambria Math" panose="02040503050406030204" pitchFamily="18" charset="0"/>
+                        </a:rPr>
+                        <m:t>𝑎𝑐</m:t>
+                      </m:r>
+                      <m:r>
+                        <a:rPr kumimoji="1" lang="en-US" altLang="zh-TW" b="0" i="1" smtClean="0">
+                          <a:latin typeface="Cambria Math" panose="02040503050406030204" pitchFamily="18" charset="0"/>
+                        </a:rPr>
+                        <m:t>−</m:t>
+                      </m:r>
+                      <m:r>
+                        <a:rPr kumimoji="1" lang="en-US" altLang="zh-TW" b="0" i="1" smtClean="0">
+                          <a:latin typeface="Cambria Math" panose="02040503050406030204" pitchFamily="18" charset="0"/>
+                        </a:rPr>
+                        <m:t>𝑏𝑑</m:t>
+                      </m:r>
+                      <m:r>
+                        <a:rPr kumimoji="1" lang="en-US" altLang="zh-TW" b="0" i="1" smtClean="0">
+                          <a:latin typeface="Cambria Math" panose="02040503050406030204" pitchFamily="18" charset="0"/>
+                        </a:rPr>
+                        <m:t>+</m:t>
+                      </m:r>
+                      <m:r>
+                        <a:rPr kumimoji="1" lang="en-US" altLang="zh-TW" b="0" i="1" smtClean="0">
+                          <a:latin typeface="Cambria Math" panose="02040503050406030204" pitchFamily="18" charset="0"/>
+                        </a:rPr>
+                        <m:t>𝑗</m:t>
+                      </m:r>
+                      <m:d>
+                        <m:dPr>
+                          <m:ctrlPr>
+                            <a:rPr kumimoji="1" lang="en-US" altLang="zh-TW" b="0" i="1" smtClean="0">
+                              <a:latin typeface="Cambria Math" panose="02040503050406030204" pitchFamily="18" charset="0"/>
+                            </a:rPr>
+                          </m:ctrlPr>
+                        </m:dPr>
+                        <m:e>
+                          <m:r>
+                            <a:rPr kumimoji="1" lang="en-US" altLang="zh-TW" b="0" i="1" smtClean="0">
+                              <a:latin typeface="Cambria Math" panose="02040503050406030204" pitchFamily="18" charset="0"/>
+                            </a:rPr>
+                            <m:t>𝑎𝑑</m:t>
+                          </m:r>
+                          <m:r>
+                            <a:rPr kumimoji="1" lang="en-US" altLang="zh-TW" b="0" i="1" smtClean="0">
+                              <a:latin typeface="Cambria Math" panose="02040503050406030204" pitchFamily="18" charset="0"/>
+                            </a:rPr>
+                            <m:t>+</m:t>
+                          </m:r>
+                          <m:r>
+                            <a:rPr kumimoji="1" lang="en-US" altLang="zh-TW" b="0" i="1" smtClean="0">
+                              <a:latin typeface="Cambria Math" panose="02040503050406030204" pitchFamily="18" charset="0"/>
+                            </a:rPr>
+                            <m:t>𝑏𝑐</m:t>
+                          </m:r>
+                        </m:e>
+                      </m:d>
+                    </m:oMath>
+                  </m:oMathPara>
+                </a14:m>
+                <a:endParaRPr lang="en-US" altLang="zh-TW" b="0" dirty="0"/>
+              </a:p>
+              <a:p>
+                <a14:m>
+                  <m:oMathPara xmlns:m="http://schemas.openxmlformats.org/officeDocument/2006/math">
+                    <m:oMathParaPr>
+                      <m:jc m:val="centerGroup"/>
+                    </m:oMathParaPr>
+                    <m:oMath xmlns:m="http://schemas.openxmlformats.org/officeDocument/2006/math">
+                      <m:r>
+                        <a:rPr lang="zh-TW" altLang="en-US" i="1" dirty="0">
+                          <a:latin typeface="Cambria Math" panose="02040503050406030204" pitchFamily="18" charset="0"/>
+                        </a:rPr>
+                        <m:t>令</m:t>
+                      </m:r>
+                      <m:r>
+                        <a:rPr lang="zh-TW" altLang="en-US" b="0" i="1" dirty="0" smtClean="0">
+                          <a:latin typeface="Cambria Math" panose="02040503050406030204" pitchFamily="18" charset="0"/>
+                        </a:rPr>
+                        <m:t> </m:t>
+                      </m:r>
+                      <m:r>
+                        <a:rPr lang="en-US" altLang="zh-TW" i="1">
+                          <a:latin typeface="Cambria Math" panose="02040503050406030204" pitchFamily="18" charset="0"/>
+                        </a:rPr>
+                        <m:t>𝑎𝑐</m:t>
+                      </m:r>
+                      <m:r>
+                        <a:rPr lang="en-US" altLang="zh-TW" i="1">
+                          <a:latin typeface="Cambria Math" panose="02040503050406030204" pitchFamily="18" charset="0"/>
+                        </a:rPr>
+                        <m:t>−</m:t>
+                      </m:r>
+                      <m:r>
+                        <a:rPr lang="en-US" altLang="zh-TW" i="1">
+                          <a:latin typeface="Cambria Math" panose="02040503050406030204" pitchFamily="18" charset="0"/>
+                        </a:rPr>
+                        <m:t>𝑏𝑑</m:t>
+                      </m:r>
+                      <m:r>
+                        <a:rPr lang="en-US" altLang="zh-TW" b="0" i="1" smtClean="0">
+                          <a:latin typeface="Cambria Math" panose="02040503050406030204" pitchFamily="18" charset="0"/>
+                        </a:rPr>
+                        <m:t>=</m:t>
+                      </m:r>
+                      <m:r>
+                        <a:rPr lang="en-US" altLang="zh-TW" b="0" i="1" smtClean="0">
+                          <a:latin typeface="Cambria Math" panose="02040503050406030204" pitchFamily="18" charset="0"/>
+                        </a:rPr>
+                        <m:t>𝑒</m:t>
+                      </m:r>
+                      <m:r>
+                        <a:rPr lang="en-US" altLang="zh-TW" b="0" i="1" smtClean="0">
+                          <a:latin typeface="Cambria Math" panose="02040503050406030204" pitchFamily="18" charset="0"/>
+                        </a:rPr>
+                        <m:t>,</m:t>
+                      </m:r>
+                      <m:r>
+                        <a:rPr lang="en-US" altLang="zh-TW" i="1">
+                          <a:latin typeface="Cambria Math" panose="02040503050406030204" pitchFamily="18" charset="0"/>
+                        </a:rPr>
+                        <m:t>𝑎𝑑</m:t>
+                      </m:r>
+                      <m:r>
+                        <a:rPr lang="en-US" altLang="zh-TW" i="1">
+                          <a:latin typeface="Cambria Math" panose="02040503050406030204" pitchFamily="18" charset="0"/>
+                        </a:rPr>
+                        <m:t>+</m:t>
+                      </m:r>
+                      <m:r>
+                        <a:rPr lang="en-US" altLang="zh-TW" i="1">
+                          <a:latin typeface="Cambria Math" panose="02040503050406030204" pitchFamily="18" charset="0"/>
+                        </a:rPr>
+                        <m:t>𝑏𝑐</m:t>
+                      </m:r>
+                      <m:r>
+                        <a:rPr lang="en-US" altLang="zh-TW" b="0" i="1" smtClean="0">
+                          <a:latin typeface="Cambria Math" panose="02040503050406030204" pitchFamily="18" charset="0"/>
+                        </a:rPr>
+                        <m:t>=</m:t>
+                      </m:r>
+                      <m:r>
+                        <a:rPr lang="en-US" altLang="zh-TW" b="0" i="1" smtClean="0">
+                          <a:latin typeface="Cambria Math" panose="02040503050406030204" pitchFamily="18" charset="0"/>
+                        </a:rPr>
+                        <m:t>𝑓</m:t>
+                      </m:r>
+                    </m:oMath>
+                  </m:oMathPara>
+                </a14:m>
+                <a:endParaRPr lang="en-US" altLang="zh-TW" b="0" dirty="0"/>
+              </a:p>
+              <a:p>
+                <a14:m>
+                  <m:oMathPara xmlns:m="http://schemas.openxmlformats.org/officeDocument/2006/math">
+                    <m:oMathParaPr>
+                      <m:jc m:val="centerGroup"/>
+                    </m:oMathParaPr>
+                    <m:oMath xmlns:m="http://schemas.openxmlformats.org/officeDocument/2006/math">
+                      <m:d>
+                        <m:dPr>
+                          <m:begChr m:val="["/>
+                          <m:endChr m:val="]"/>
+                          <m:ctrlPr>
+                            <a:rPr kumimoji="1" lang="en-US" altLang="zh-TW" b="0" i="1" smtClean="0">
+                              <a:latin typeface="Cambria Math" panose="02040503050406030204" pitchFamily="18" charset="0"/>
+                            </a:rPr>
+                          </m:ctrlPr>
+                        </m:dPr>
+                        <m:e>
+                          <m:m>
+                            <m:mPr>
+                              <m:mcs>
+                                <m:mc>
+                                  <m:mcPr>
+                                    <m:count m:val="1"/>
+                                    <m:mcJc m:val="center"/>
+                                  </m:mcPr>
+                                </m:mc>
+                              </m:mcs>
+                              <m:ctrlPr>
+                                <a:rPr kumimoji="1" lang="en-US" altLang="zh-TW" b="0" i="1" smtClean="0">
+                                  <a:latin typeface="Cambria Math" panose="02040503050406030204" pitchFamily="18" charset="0"/>
+                                </a:rPr>
+                              </m:ctrlPr>
+                            </m:mPr>
+                            <m:mr>
+                              <m:e>
+                                <m:r>
+                                  <m:rPr>
+                                    <m:brk m:alnAt="7"/>
+                                  </m:rPr>
+                                  <a:rPr kumimoji="1" lang="en-US" altLang="zh-TW" b="0" i="1" smtClean="0">
+                                    <a:latin typeface="Cambria Math" panose="02040503050406030204" pitchFamily="18" charset="0"/>
+                                  </a:rPr>
+                                  <m:t>𝑒</m:t>
+                                </m:r>
+                              </m:e>
+                            </m:mr>
+                            <m:mr>
+                              <m:e>
+                                <m:r>
+                                  <a:rPr kumimoji="1" lang="en-US" altLang="zh-TW" b="0" i="1" smtClean="0">
+                                    <a:latin typeface="Cambria Math" panose="02040503050406030204" pitchFamily="18" charset="0"/>
+                                  </a:rPr>
+                                  <m:t>𝑓</m:t>
+                                </m:r>
+                              </m:e>
+                            </m:mr>
+                          </m:m>
+                        </m:e>
+                      </m:d>
+                      <m:r>
+                        <a:rPr kumimoji="1" lang="en-US" altLang="zh-TW" b="0" i="1" smtClean="0">
+                          <a:latin typeface="Cambria Math" panose="02040503050406030204" pitchFamily="18" charset="0"/>
+                        </a:rPr>
+                        <m:t>=</m:t>
+                      </m:r>
+                      <m:d>
+                        <m:dPr>
+                          <m:begChr m:val="["/>
+                          <m:endChr m:val="]"/>
+                          <m:ctrlPr>
+                            <a:rPr kumimoji="1" lang="en-US" altLang="zh-TW" b="0" i="1" smtClean="0">
+                              <a:latin typeface="Cambria Math" panose="02040503050406030204" pitchFamily="18" charset="0"/>
+                            </a:rPr>
+                          </m:ctrlPr>
+                        </m:dPr>
+                        <m:e>
+                          <m:m>
+                            <m:mPr>
+                              <m:mcs>
+                                <m:mc>
+                                  <m:mcPr>
+                                    <m:count m:val="2"/>
+                                    <m:mcJc m:val="center"/>
+                                  </m:mcPr>
+                                </m:mc>
+                              </m:mcs>
+                              <m:ctrlPr>
+                                <a:rPr kumimoji="1" lang="en-US" altLang="zh-TW" b="0" i="1" smtClean="0">
+                                  <a:latin typeface="Cambria Math" panose="02040503050406030204" pitchFamily="18" charset="0"/>
+                                </a:rPr>
+                              </m:ctrlPr>
+                            </m:mPr>
+                            <m:mr>
+                              <m:e>
+                                <m:r>
+                                  <m:rPr>
+                                    <m:brk m:alnAt="7"/>
+                                  </m:rPr>
+                                  <a:rPr kumimoji="1" lang="en-US" altLang="zh-TW" b="0" i="1" smtClean="0">
+                                    <a:latin typeface="Cambria Math" panose="02040503050406030204" pitchFamily="18" charset="0"/>
+                                  </a:rPr>
+                                  <m:t>𝑐</m:t>
+                                </m:r>
+                              </m:e>
+                              <m:e>
+                                <m:r>
+                                  <a:rPr kumimoji="1" lang="en-US" altLang="zh-TW" b="0" i="1" smtClean="0">
+                                    <a:latin typeface="Cambria Math" panose="02040503050406030204" pitchFamily="18" charset="0"/>
+                                  </a:rPr>
+                                  <m:t>−</m:t>
+                                </m:r>
+                                <m:r>
+                                  <a:rPr kumimoji="1" lang="en-US" altLang="zh-TW" b="0" i="1" smtClean="0">
+                                    <a:latin typeface="Cambria Math" panose="02040503050406030204" pitchFamily="18" charset="0"/>
+                                  </a:rPr>
+                                  <m:t>𝑑</m:t>
+                                </m:r>
+                              </m:e>
+                            </m:mr>
+                            <m:mr>
+                              <m:e>
+                                <m:r>
+                                  <a:rPr kumimoji="1" lang="en-US" altLang="zh-TW" b="0" i="1" smtClean="0">
+                                    <a:latin typeface="Cambria Math" panose="02040503050406030204" pitchFamily="18" charset="0"/>
+                                  </a:rPr>
+                                  <m:t>𝑑</m:t>
+                                </m:r>
+                              </m:e>
+                              <m:e>
+                                <m:r>
+                                  <a:rPr kumimoji="1" lang="en-US" altLang="zh-TW" b="0" i="1" smtClean="0">
+                                    <a:latin typeface="Cambria Math" panose="02040503050406030204" pitchFamily="18" charset="0"/>
+                                  </a:rPr>
+                                  <m:t>𝑐</m:t>
+                                </m:r>
+                              </m:e>
+                            </m:mr>
+                          </m:m>
+                        </m:e>
+                      </m:d>
+                      <m:d>
+                        <m:dPr>
+                          <m:begChr m:val="["/>
+                          <m:endChr m:val="]"/>
+                          <m:ctrlPr>
+                            <a:rPr lang="en-US" altLang="zh-TW" i="1">
+                              <a:latin typeface="Cambria Math" panose="02040503050406030204" pitchFamily="18" charset="0"/>
+                            </a:rPr>
+                          </m:ctrlPr>
+                        </m:dPr>
+                        <m:e>
+                          <m:m>
+                            <m:mPr>
+                              <m:mcs>
+                                <m:mc>
+                                  <m:mcPr>
+                                    <m:count m:val="1"/>
+                                    <m:mcJc m:val="center"/>
+                                  </m:mcPr>
+                                </m:mc>
+                              </m:mcs>
+                              <m:ctrlPr>
+                                <a:rPr lang="en-US" altLang="zh-TW" i="1">
+                                  <a:latin typeface="Cambria Math" panose="02040503050406030204" pitchFamily="18" charset="0"/>
+                                </a:rPr>
+                              </m:ctrlPr>
+                            </m:mPr>
+                            <m:mr>
+                              <m:e>
+                                <m:r>
+                                  <m:rPr>
+                                    <m:brk m:alnAt="7"/>
+                                  </m:rPr>
+                                  <a:rPr lang="en-US" altLang="zh-TW" b="0" i="1" smtClean="0">
+                                    <a:latin typeface="Cambria Math" panose="02040503050406030204" pitchFamily="18" charset="0"/>
+                                  </a:rPr>
+                                  <m:t>𝑎</m:t>
+                                </m:r>
+                              </m:e>
+                            </m:mr>
+                            <m:mr>
+                              <m:e>
+                                <m:r>
+                                  <a:rPr lang="en-US" altLang="zh-TW" b="0" i="1" smtClean="0">
+                                    <a:latin typeface="Cambria Math" panose="02040503050406030204" pitchFamily="18" charset="0"/>
+                                  </a:rPr>
+                                  <m:t>𝑏</m:t>
+                                </m:r>
+                              </m:e>
+                            </m:mr>
+                          </m:m>
+                        </m:e>
+                      </m:d>
+                      <m:r>
+                        <a:rPr lang="en-US" altLang="zh-TW" b="0" i="1" smtClean="0">
+                          <a:latin typeface="Cambria Math" panose="02040503050406030204" pitchFamily="18" charset="0"/>
+                        </a:rPr>
+                        <m:t>=</m:t>
+                      </m:r>
+                      <m:d>
+                        <m:dPr>
+                          <m:begChr m:val="["/>
+                          <m:endChr m:val="]"/>
+                          <m:ctrlPr>
+                            <a:rPr lang="en-US" altLang="zh-TW" i="1">
+                              <a:latin typeface="Cambria Math" panose="02040503050406030204" pitchFamily="18" charset="0"/>
+                            </a:rPr>
+                          </m:ctrlPr>
+                        </m:dPr>
+                        <m:e>
+                          <m:m>
+                            <m:mPr>
+                              <m:mcs>
+                                <m:mc>
+                                  <m:mcPr>
+                                    <m:count m:val="2"/>
+                                    <m:mcJc m:val="center"/>
+                                  </m:mcPr>
+                                </m:mc>
+                              </m:mcs>
+                              <m:ctrlPr>
+                                <a:rPr lang="en-US" altLang="zh-TW" i="1">
+                                  <a:latin typeface="Cambria Math" panose="02040503050406030204" pitchFamily="18" charset="0"/>
+                                </a:rPr>
+                              </m:ctrlPr>
+                            </m:mPr>
+                            <m:mr>
+                              <m:e>
+                                <m:r>
+                                  <m:rPr>
+                                    <m:brk m:alnAt="7"/>
+                                  </m:rPr>
+                                  <a:rPr lang="en-US" altLang="zh-TW" i="1">
+                                    <a:latin typeface="Cambria Math" panose="02040503050406030204" pitchFamily="18" charset="0"/>
+                                  </a:rPr>
+                                  <m:t>𝑐</m:t>
+                                </m:r>
+                              </m:e>
+                              <m:e>
+                                <m:r>
+                                  <a:rPr lang="en-US" altLang="zh-TW" b="0" i="1" smtClean="0">
+                                    <a:latin typeface="Cambria Math" panose="02040503050406030204" pitchFamily="18" charset="0"/>
+                                  </a:rPr>
+                                  <m:t>𝑐</m:t>
+                                </m:r>
+                              </m:e>
+                            </m:mr>
+                            <m:mr>
+                              <m:e>
+                                <m:r>
+                                  <a:rPr lang="en-US" altLang="zh-TW" b="0" i="1" smtClean="0">
+                                    <a:latin typeface="Cambria Math" panose="02040503050406030204" pitchFamily="18" charset="0"/>
+                                  </a:rPr>
+                                  <m:t>𝑐</m:t>
+                                </m:r>
+                              </m:e>
+                              <m:e>
+                                <m:r>
+                                  <a:rPr lang="en-US" altLang="zh-TW" i="1">
+                                    <a:latin typeface="Cambria Math" panose="02040503050406030204" pitchFamily="18" charset="0"/>
+                                  </a:rPr>
+                                  <m:t>𝑐</m:t>
+                                </m:r>
+                              </m:e>
+                            </m:mr>
+                          </m:m>
+                        </m:e>
+                      </m:d>
+                      <m:d>
+                        <m:dPr>
+                          <m:begChr m:val="["/>
+                          <m:endChr m:val="]"/>
+                          <m:ctrlPr>
+                            <a:rPr lang="en-US" altLang="zh-TW" i="1">
+                              <a:latin typeface="Cambria Math" panose="02040503050406030204" pitchFamily="18" charset="0"/>
+                            </a:rPr>
+                          </m:ctrlPr>
+                        </m:dPr>
+                        <m:e>
+                          <m:m>
+                            <m:mPr>
+                              <m:mcs>
+                                <m:mc>
+                                  <m:mcPr>
+                                    <m:count m:val="1"/>
+                                    <m:mcJc m:val="center"/>
+                                  </m:mcPr>
+                                </m:mc>
+                              </m:mcs>
+                              <m:ctrlPr>
+                                <a:rPr lang="en-US" altLang="zh-TW" i="1">
+                                  <a:latin typeface="Cambria Math" panose="02040503050406030204" pitchFamily="18" charset="0"/>
+                                </a:rPr>
+                              </m:ctrlPr>
+                            </m:mPr>
+                            <m:mr>
+                              <m:e>
+                                <m:r>
+                                  <m:rPr>
+                                    <m:brk m:alnAt="7"/>
+                                  </m:rPr>
+                                  <a:rPr lang="en-US" altLang="zh-TW" i="1">
+                                    <a:latin typeface="Cambria Math" panose="02040503050406030204" pitchFamily="18" charset="0"/>
+                                  </a:rPr>
+                                  <m:t>𝑎</m:t>
+                                </m:r>
+                              </m:e>
+                            </m:mr>
+                            <m:mr>
+                              <m:e>
+                                <m:r>
+                                  <a:rPr lang="en-US" altLang="zh-TW" i="1">
+                                    <a:latin typeface="Cambria Math" panose="02040503050406030204" pitchFamily="18" charset="0"/>
+                                  </a:rPr>
+                                  <m:t>𝑏</m:t>
+                                </m:r>
+                              </m:e>
+                            </m:mr>
+                          </m:m>
+                        </m:e>
+                      </m:d>
+                      <m:r>
+                        <a:rPr lang="en-US" altLang="zh-TW" b="0" i="1" smtClean="0">
+                          <a:latin typeface="Cambria Math" panose="02040503050406030204" pitchFamily="18" charset="0"/>
+                        </a:rPr>
+                        <m:t>+</m:t>
+                      </m:r>
+                      <m:d>
+                        <m:dPr>
+                          <m:begChr m:val="["/>
+                          <m:endChr m:val="]"/>
+                          <m:ctrlPr>
+                            <a:rPr lang="en-US" altLang="zh-TW" i="1">
+                              <a:latin typeface="Cambria Math" panose="02040503050406030204" pitchFamily="18" charset="0"/>
+                            </a:rPr>
+                          </m:ctrlPr>
+                        </m:dPr>
+                        <m:e>
+                          <m:m>
+                            <m:mPr>
+                              <m:mcs>
+                                <m:mc>
+                                  <m:mcPr>
+                                    <m:count m:val="2"/>
+                                    <m:mcJc m:val="center"/>
+                                  </m:mcPr>
+                                </m:mc>
+                              </m:mcs>
+                              <m:ctrlPr>
+                                <a:rPr lang="en-US" altLang="zh-TW" i="1">
+                                  <a:latin typeface="Cambria Math" panose="02040503050406030204" pitchFamily="18" charset="0"/>
+                                </a:rPr>
+                              </m:ctrlPr>
+                            </m:mPr>
+                            <m:mr>
+                              <m:e>
+                                <m:r>
+                                  <m:rPr>
+                                    <m:brk m:alnAt="7"/>
+                                  </m:rPr>
+                                  <a:rPr lang="en-US" altLang="zh-TW" b="0" i="1" smtClean="0">
+                                    <a:latin typeface="Cambria Math" panose="02040503050406030204" pitchFamily="18" charset="0"/>
+                                  </a:rPr>
+                                  <m:t>0</m:t>
+                                </m:r>
+                              </m:e>
+                              <m:e>
+                                <m:r>
+                                  <a:rPr lang="en-US" altLang="zh-TW" i="1">
+                                    <a:latin typeface="Cambria Math" panose="02040503050406030204" pitchFamily="18" charset="0"/>
+                                  </a:rPr>
+                                  <m:t>−</m:t>
+                                </m:r>
+                                <m:r>
+                                  <a:rPr lang="en-US" altLang="zh-TW" b="0" i="1" smtClean="0">
+                                    <a:latin typeface="Cambria Math" panose="02040503050406030204" pitchFamily="18" charset="0"/>
+                                  </a:rPr>
+                                  <m:t>𝑐</m:t>
+                                </m:r>
+                                <m:r>
+                                  <a:rPr lang="en-US" altLang="zh-TW" b="0" i="1" smtClean="0">
+                                    <a:latin typeface="Cambria Math" panose="02040503050406030204" pitchFamily="18" charset="0"/>
+                                  </a:rPr>
+                                  <m:t>−</m:t>
+                                </m:r>
+                                <m:r>
+                                  <a:rPr lang="en-US" altLang="zh-TW" i="1">
+                                    <a:latin typeface="Cambria Math" panose="02040503050406030204" pitchFamily="18" charset="0"/>
+                                  </a:rPr>
+                                  <m:t>𝑑</m:t>
+                                </m:r>
+                              </m:e>
+                            </m:mr>
+                            <m:mr>
+                              <m:e>
+                                <m:r>
+                                  <a:rPr lang="en-US" altLang="zh-TW" i="1">
+                                    <a:latin typeface="Cambria Math" panose="02040503050406030204" pitchFamily="18" charset="0"/>
+                                  </a:rPr>
+                                  <m:t>𝑑</m:t>
+                                </m:r>
+                                <m:r>
+                                  <a:rPr lang="en-US" altLang="zh-TW" b="0" i="1" smtClean="0">
+                                    <a:latin typeface="Cambria Math" panose="02040503050406030204" pitchFamily="18" charset="0"/>
+                                  </a:rPr>
+                                  <m:t>−</m:t>
+                                </m:r>
+                                <m:r>
+                                  <a:rPr lang="en-US" altLang="zh-TW" b="0" i="1" smtClean="0">
+                                    <a:latin typeface="Cambria Math" panose="02040503050406030204" pitchFamily="18" charset="0"/>
+                                  </a:rPr>
+                                  <m:t>𝑐</m:t>
+                                </m:r>
+                              </m:e>
+                              <m:e>
+                                <m:r>
+                                  <a:rPr lang="en-US" altLang="zh-TW" b="0" i="1" smtClean="0">
+                                    <a:latin typeface="Cambria Math" panose="02040503050406030204" pitchFamily="18" charset="0"/>
+                                  </a:rPr>
+                                  <m:t>0</m:t>
+                                </m:r>
+                              </m:e>
+                            </m:mr>
+                          </m:m>
+                        </m:e>
+                      </m:d>
+                      <m:d>
+                        <m:dPr>
+                          <m:begChr m:val="["/>
+                          <m:endChr m:val="]"/>
+                          <m:ctrlPr>
+                            <a:rPr lang="en-US" altLang="zh-TW" i="1">
+                              <a:latin typeface="Cambria Math" panose="02040503050406030204" pitchFamily="18" charset="0"/>
+                            </a:rPr>
+                          </m:ctrlPr>
+                        </m:dPr>
+                        <m:e>
+                          <m:m>
+                            <m:mPr>
+                              <m:mcs>
+                                <m:mc>
+                                  <m:mcPr>
+                                    <m:count m:val="1"/>
+                                    <m:mcJc m:val="center"/>
+                                  </m:mcPr>
+                                </m:mc>
+                              </m:mcs>
+                              <m:ctrlPr>
+                                <a:rPr lang="en-US" altLang="zh-TW" i="1">
+                                  <a:latin typeface="Cambria Math" panose="02040503050406030204" pitchFamily="18" charset="0"/>
+                                </a:rPr>
+                              </m:ctrlPr>
+                            </m:mPr>
+                            <m:mr>
+                              <m:e>
+                                <m:r>
+                                  <m:rPr>
+                                    <m:brk m:alnAt="7"/>
+                                  </m:rPr>
+                                  <a:rPr lang="en-US" altLang="zh-TW" i="1">
+                                    <a:latin typeface="Cambria Math" panose="02040503050406030204" pitchFamily="18" charset="0"/>
+                                  </a:rPr>
+                                  <m:t>𝑎</m:t>
+                                </m:r>
+                              </m:e>
+                            </m:mr>
+                            <m:mr>
+                              <m:e>
+                                <m:r>
+                                  <a:rPr lang="en-US" altLang="zh-TW" i="1">
+                                    <a:latin typeface="Cambria Math" panose="02040503050406030204" pitchFamily="18" charset="0"/>
+                                  </a:rPr>
+                                  <m:t>𝑏</m:t>
+                                </m:r>
+                              </m:e>
+                            </m:mr>
+                          </m:m>
+                        </m:e>
+                      </m:d>
+                    </m:oMath>
+                  </m:oMathPara>
+                </a14:m>
+                <a:endParaRPr lang="en-US" altLang="zh-TW" dirty="0"/>
+              </a:p>
+              <a:p>
+                <a:pPr marL="457200" indent="-457200" algn="ctr">
+                  <a:buFont typeface="Wingdings" pitchFamily="2" charset="2"/>
+                  <a:buAutoNum type="circleNumWdWhitePlain"/>
+                </a:pPr>
+                <a14:m>
+                  <m:oMath xmlns:m="http://schemas.openxmlformats.org/officeDocument/2006/math">
+                    <m:sSub>
+                      <m:sSubPr>
+                        <m:ctrlPr>
+                          <a:rPr kumimoji="1" lang="en-US" altLang="zh-TW" b="0" i="1" smtClean="0">
+                            <a:latin typeface="Cambria Math" panose="02040503050406030204" pitchFamily="18" charset="0"/>
+                          </a:rPr>
+                        </m:ctrlPr>
+                      </m:sSubPr>
+                      <m:e>
+                        <m:r>
+                          <a:rPr kumimoji="1" lang="en-US" altLang="zh-TW" b="0" i="1" smtClean="0">
+                            <a:latin typeface="Cambria Math" panose="02040503050406030204" pitchFamily="18" charset="0"/>
+                          </a:rPr>
+                          <m:t>𝑔</m:t>
+                        </m:r>
+                      </m:e>
+                      <m:sub>
+                        <m:r>
+                          <a:rPr kumimoji="1" lang="en-US" altLang="zh-TW" b="0" i="1" smtClean="0">
+                            <a:latin typeface="Cambria Math" panose="02040503050406030204" pitchFamily="18" charset="0"/>
+                          </a:rPr>
+                          <m:t>1</m:t>
+                        </m:r>
+                      </m:sub>
+                    </m:sSub>
+                    <m:r>
+                      <a:rPr kumimoji="1" lang="en-US" altLang="zh-TW" b="0" i="1" smtClean="0">
+                        <a:latin typeface="Cambria Math" panose="02040503050406030204" pitchFamily="18" charset="0"/>
+                      </a:rPr>
+                      <m:t>=</m:t>
+                    </m:r>
+                    <m:r>
+                      <a:rPr kumimoji="1" lang="en-US" altLang="zh-TW" b="0" i="1" smtClean="0">
+                        <a:latin typeface="Cambria Math" panose="02040503050406030204" pitchFamily="18" charset="0"/>
+                      </a:rPr>
+                      <m:t>𝑐</m:t>
+                    </m:r>
+                    <m:d>
+                      <m:dPr>
+                        <m:ctrlPr>
+                          <a:rPr kumimoji="1" lang="en-US" altLang="zh-TW" b="0" i="1" smtClean="0">
+                            <a:latin typeface="Cambria Math" panose="02040503050406030204" pitchFamily="18" charset="0"/>
+                          </a:rPr>
+                        </m:ctrlPr>
+                      </m:dPr>
+                      <m:e>
+                        <m:r>
+                          <a:rPr kumimoji="1" lang="en-US" altLang="zh-TW" b="0" i="1" smtClean="0">
+                            <a:latin typeface="Cambria Math" panose="02040503050406030204" pitchFamily="18" charset="0"/>
+                          </a:rPr>
+                          <m:t>𝑎</m:t>
+                        </m:r>
+                        <m:r>
+                          <a:rPr kumimoji="1" lang="en-US" altLang="zh-TW" b="0" i="1" smtClean="0">
+                            <a:latin typeface="Cambria Math" panose="02040503050406030204" pitchFamily="18" charset="0"/>
+                          </a:rPr>
+                          <m:t>+</m:t>
+                        </m:r>
+                        <m:r>
+                          <a:rPr kumimoji="1" lang="en-US" altLang="zh-TW" b="0" i="1" smtClean="0">
+                            <a:latin typeface="Cambria Math" panose="02040503050406030204" pitchFamily="18" charset="0"/>
+                          </a:rPr>
+                          <m:t>𝑏</m:t>
+                        </m:r>
+                      </m:e>
+                    </m:d>
+                    <m:r>
+                      <a:rPr kumimoji="1" lang="en-US" altLang="zh-TW" b="0" i="1" smtClean="0">
+                        <a:latin typeface="Cambria Math" panose="02040503050406030204" pitchFamily="18" charset="0"/>
+                      </a:rPr>
+                      <m:t>,</m:t>
+                    </m:r>
+                    <m:r>
+                      <a:rPr kumimoji="1" lang="zh-TW" altLang="en-US" b="0" i="1" smtClean="0">
+                        <a:latin typeface="Cambria Math" panose="02040503050406030204" pitchFamily="18" charset="0"/>
+                      </a:rPr>
+                      <m:t> </m:t>
+                    </m:r>
+                    <m:sSub>
+                      <m:sSubPr>
+                        <m:ctrlPr>
+                          <a:rPr kumimoji="1" lang="en-US" altLang="zh-TW" b="0" i="1" smtClean="0">
+                            <a:latin typeface="Cambria Math" panose="02040503050406030204" pitchFamily="18" charset="0"/>
+                          </a:rPr>
+                        </m:ctrlPr>
+                      </m:sSubPr>
+                      <m:e>
+                        <m:r>
+                          <a:rPr kumimoji="1" lang="zh-TW" altLang="en-US" b="0" i="1" smtClean="0">
+                            <a:latin typeface="Cambria Math" panose="02040503050406030204" pitchFamily="18" charset="0"/>
+                          </a:rPr>
+                          <m:t>  </m:t>
+                        </m:r>
+                        <m:r>
+                          <a:rPr kumimoji="1" lang="en-US" altLang="zh-TW" b="0" i="1" smtClean="0">
+                            <a:latin typeface="Cambria Math" panose="02040503050406030204" pitchFamily="18" charset="0"/>
+                          </a:rPr>
+                          <m:t>h</m:t>
+                        </m:r>
+                      </m:e>
+                      <m:sub>
+                        <m:r>
+                          <a:rPr kumimoji="1" lang="en-US" altLang="zh-TW" b="0" i="1" smtClean="0">
+                            <a:latin typeface="Cambria Math" panose="02040503050406030204" pitchFamily="18" charset="0"/>
+                          </a:rPr>
+                          <m:t>1</m:t>
+                        </m:r>
+                      </m:sub>
+                    </m:sSub>
+                    <m:r>
+                      <a:rPr kumimoji="1" lang="en-US" altLang="zh-TW" b="0" i="1" smtClean="0">
+                        <a:latin typeface="Cambria Math" panose="02040503050406030204" pitchFamily="18" charset="0"/>
+                      </a:rPr>
+                      <m:t>=</m:t>
+                    </m:r>
+                    <m:sSub>
+                      <m:sSubPr>
+                        <m:ctrlPr>
+                          <a:rPr lang="en-US" altLang="zh-TW" i="1">
+                            <a:latin typeface="Cambria Math" panose="02040503050406030204" pitchFamily="18" charset="0"/>
+                          </a:rPr>
+                        </m:ctrlPr>
+                      </m:sSubPr>
+                      <m:e>
+                        <m:r>
+                          <a:rPr lang="en-US" altLang="zh-TW" i="1">
+                            <a:latin typeface="Cambria Math" panose="02040503050406030204" pitchFamily="18" charset="0"/>
+                          </a:rPr>
+                          <m:t>𝑔</m:t>
+                        </m:r>
+                      </m:e>
+                      <m:sub>
+                        <m:r>
+                          <a:rPr lang="en-US" altLang="zh-TW" i="1">
+                            <a:latin typeface="Cambria Math" panose="02040503050406030204" pitchFamily="18" charset="0"/>
+                          </a:rPr>
+                          <m:t>1</m:t>
+                        </m:r>
+                      </m:sub>
+                    </m:sSub>
+                  </m:oMath>
+                </a14:m>
+                <a:endParaRPr kumimoji="1" lang="en-US" altLang="zh-TW" b="0" dirty="0"/>
+              </a:p>
+              <a:p>
+                <a:pPr marL="457200" indent="-457200" algn="ctr">
+                  <a:buFont typeface="Wingdings" pitchFamily="2" charset="2"/>
+                  <a:buAutoNum type="circleNumWdWhitePlain"/>
+                </a:pPr>
+                <a14:m>
+                  <m:oMath xmlns:m="http://schemas.openxmlformats.org/officeDocument/2006/math">
+                    <m:sSub>
+                      <m:sSubPr>
+                        <m:ctrlPr>
+                          <a:rPr kumimoji="1" lang="en-US" altLang="zh-TW" b="0" i="1" smtClean="0">
+                            <a:latin typeface="Cambria Math" panose="02040503050406030204" pitchFamily="18" charset="0"/>
+                          </a:rPr>
+                        </m:ctrlPr>
+                      </m:sSubPr>
+                      <m:e>
+                        <m:r>
+                          <a:rPr kumimoji="1" lang="en-US" altLang="zh-TW" b="0" i="1" smtClean="0">
+                            <a:latin typeface="Cambria Math" panose="02040503050406030204" pitchFamily="18" charset="0"/>
+                          </a:rPr>
+                          <m:t>𝑔</m:t>
+                        </m:r>
+                      </m:e>
+                      <m:sub>
+                        <m:r>
+                          <a:rPr kumimoji="1" lang="en-US" altLang="zh-TW" b="0" i="1" smtClean="0">
+                            <a:latin typeface="Cambria Math" panose="02040503050406030204" pitchFamily="18" charset="0"/>
+                          </a:rPr>
+                          <m:t>2</m:t>
+                        </m:r>
+                      </m:sub>
+                    </m:sSub>
+                    <m:r>
+                      <a:rPr kumimoji="1" lang="en-US" altLang="zh-TW" b="0" i="1" smtClean="0">
+                        <a:latin typeface="Cambria Math" panose="02040503050406030204" pitchFamily="18" charset="0"/>
+                      </a:rPr>
+                      <m:t>=</m:t>
+                    </m:r>
+                    <m:d>
+                      <m:dPr>
+                        <m:ctrlPr>
+                          <a:rPr kumimoji="1" lang="en-US" altLang="zh-TW" b="0" i="1" smtClean="0">
+                            <a:latin typeface="Cambria Math" panose="02040503050406030204" pitchFamily="18" charset="0"/>
+                          </a:rPr>
+                        </m:ctrlPr>
+                      </m:dPr>
+                      <m:e>
+                        <m:r>
+                          <a:rPr kumimoji="1" lang="en-US" altLang="zh-TW" b="0" i="1" smtClean="0">
+                            <a:latin typeface="Cambria Math" panose="02040503050406030204" pitchFamily="18" charset="0"/>
+                          </a:rPr>
+                          <m:t>−</m:t>
+                        </m:r>
+                        <m:r>
+                          <a:rPr kumimoji="1" lang="en-US" altLang="zh-TW" b="0" i="1" smtClean="0">
+                            <a:latin typeface="Cambria Math" panose="02040503050406030204" pitchFamily="18" charset="0"/>
+                          </a:rPr>
+                          <m:t>𝑐</m:t>
+                        </m:r>
+                        <m:r>
+                          <a:rPr kumimoji="1" lang="en-US" altLang="zh-TW" b="0" i="1" smtClean="0">
+                            <a:latin typeface="Cambria Math" panose="02040503050406030204" pitchFamily="18" charset="0"/>
+                          </a:rPr>
+                          <m:t>−</m:t>
+                        </m:r>
+                        <m:r>
+                          <a:rPr kumimoji="1" lang="en-US" altLang="zh-TW" b="0" i="1" smtClean="0">
+                            <a:latin typeface="Cambria Math" panose="02040503050406030204" pitchFamily="18" charset="0"/>
+                          </a:rPr>
+                          <m:t>𝑑</m:t>
+                        </m:r>
+                      </m:e>
+                    </m:d>
+                    <m:r>
+                      <a:rPr kumimoji="1" lang="en-US" altLang="zh-TW" b="0" i="1" smtClean="0">
+                        <a:latin typeface="Cambria Math" panose="02040503050406030204" pitchFamily="18" charset="0"/>
+                      </a:rPr>
+                      <m:t>𝑏</m:t>
+                    </m:r>
+                    <m:r>
+                      <a:rPr kumimoji="1" lang="en-US" altLang="zh-TW" b="0" i="1" smtClean="0">
+                        <a:latin typeface="Cambria Math" panose="02040503050406030204" pitchFamily="18" charset="0"/>
+                      </a:rPr>
+                      <m:t>,</m:t>
+                    </m:r>
+                    <m:r>
+                      <a:rPr kumimoji="1" lang="zh-TW" altLang="en-US" b="0" i="1" smtClean="0">
+                        <a:latin typeface="Cambria Math" panose="02040503050406030204" pitchFamily="18" charset="0"/>
+                      </a:rPr>
+                      <m:t> </m:t>
+                    </m:r>
+                    <m:sSub>
+                      <m:sSubPr>
+                        <m:ctrlPr>
+                          <a:rPr kumimoji="1" lang="en-US" altLang="zh-TW" b="0" i="1" smtClean="0">
+                            <a:latin typeface="Cambria Math" panose="02040503050406030204" pitchFamily="18" charset="0"/>
+                          </a:rPr>
+                        </m:ctrlPr>
+                      </m:sSubPr>
+                      <m:e>
+                        <m:r>
+                          <a:rPr kumimoji="1" lang="zh-TW" altLang="en-US" b="0" i="1" smtClean="0">
+                            <a:latin typeface="Cambria Math" panose="02040503050406030204" pitchFamily="18" charset="0"/>
+                          </a:rPr>
+                          <m:t>  </m:t>
+                        </m:r>
+                        <m:r>
+                          <a:rPr kumimoji="1" lang="en-US" altLang="zh-TW" b="0" i="1" smtClean="0">
+                            <a:latin typeface="Cambria Math" panose="02040503050406030204" pitchFamily="18" charset="0"/>
+                          </a:rPr>
+                          <m:t>h</m:t>
+                        </m:r>
+                      </m:e>
+                      <m:sub>
+                        <m:r>
+                          <a:rPr kumimoji="1" lang="en-US" altLang="zh-TW" b="0" i="1" smtClean="0">
+                            <a:latin typeface="Cambria Math" panose="02040503050406030204" pitchFamily="18" charset="0"/>
+                          </a:rPr>
+                          <m:t>2</m:t>
+                        </m:r>
+                      </m:sub>
+                    </m:sSub>
+                    <m:r>
+                      <a:rPr kumimoji="1" lang="en-US" altLang="zh-TW" b="0" i="1" smtClean="0">
+                        <a:latin typeface="Cambria Math" panose="02040503050406030204" pitchFamily="18" charset="0"/>
+                      </a:rPr>
+                      <m:t>=</m:t>
+                    </m:r>
+                    <m:d>
+                      <m:dPr>
+                        <m:ctrlPr>
+                          <a:rPr kumimoji="1" lang="en-US" altLang="zh-TW" b="0" i="1" smtClean="0">
+                            <a:latin typeface="Cambria Math" panose="02040503050406030204" pitchFamily="18" charset="0"/>
+                          </a:rPr>
+                        </m:ctrlPr>
+                      </m:dPr>
+                      <m:e>
+                        <m:r>
+                          <a:rPr kumimoji="1" lang="en-US" altLang="zh-TW" b="0" i="1" smtClean="0">
+                            <a:latin typeface="Cambria Math" panose="02040503050406030204" pitchFamily="18" charset="0"/>
+                          </a:rPr>
+                          <m:t>𝑑</m:t>
+                        </m:r>
+                        <m:r>
+                          <a:rPr kumimoji="1" lang="en-US" altLang="zh-TW" b="0" i="1" smtClean="0">
+                            <a:latin typeface="Cambria Math" panose="02040503050406030204" pitchFamily="18" charset="0"/>
+                          </a:rPr>
+                          <m:t>−</m:t>
+                        </m:r>
+                        <m:r>
+                          <a:rPr kumimoji="1" lang="en-US" altLang="zh-TW" b="0" i="1" smtClean="0">
+                            <a:latin typeface="Cambria Math" panose="02040503050406030204" pitchFamily="18" charset="0"/>
+                          </a:rPr>
+                          <m:t>𝑐</m:t>
+                        </m:r>
+                      </m:e>
+                    </m:d>
+                    <m:r>
+                      <a:rPr kumimoji="1" lang="en-US" altLang="zh-TW" b="0" i="1" smtClean="0">
+                        <a:latin typeface="Cambria Math" panose="02040503050406030204" pitchFamily="18" charset="0"/>
+                      </a:rPr>
+                      <m:t>𝑎</m:t>
+                    </m:r>
+                  </m:oMath>
+                </a14:m>
+                <a:endParaRPr kumimoji="1" lang="en-US" altLang="zh-TW" b="0" dirty="0"/>
+              </a:p>
+              <a:p>
+                <a:pPr marL="457200" indent="-457200" algn="ctr">
+                  <a:buFont typeface="Wingdings" pitchFamily="2" charset="2"/>
+                  <a:buAutoNum type="circleNumWdWhitePlain"/>
+                </a:pPr>
+                <a14:m>
+                  <m:oMath xmlns:m="http://schemas.openxmlformats.org/officeDocument/2006/math">
+                    <m:r>
+                      <a:rPr kumimoji="1" lang="en-US" altLang="zh-TW" b="0" i="1" smtClean="0">
+                        <a:latin typeface="Cambria Math" panose="02040503050406030204" pitchFamily="18" charset="0"/>
+                      </a:rPr>
+                      <m:t>𝑒</m:t>
+                    </m:r>
+                    <m:r>
+                      <a:rPr kumimoji="1" lang="en-US" altLang="zh-TW" b="0" i="1" smtClean="0">
+                        <a:latin typeface="Cambria Math" panose="02040503050406030204" pitchFamily="18" charset="0"/>
+                      </a:rPr>
+                      <m:t>=</m:t>
+                    </m:r>
+                    <m:sSub>
+                      <m:sSubPr>
+                        <m:ctrlPr>
+                          <a:rPr lang="en-US" altLang="zh-TW" i="1">
+                            <a:latin typeface="Cambria Math" panose="02040503050406030204" pitchFamily="18" charset="0"/>
+                          </a:rPr>
+                        </m:ctrlPr>
+                      </m:sSubPr>
+                      <m:e>
+                        <m:r>
+                          <a:rPr lang="en-US" altLang="zh-TW" i="1">
+                            <a:latin typeface="Cambria Math" panose="02040503050406030204" pitchFamily="18" charset="0"/>
+                          </a:rPr>
+                          <m:t>𝑔</m:t>
+                        </m:r>
+                      </m:e>
+                      <m:sub>
+                        <m:r>
+                          <a:rPr lang="en-US" altLang="zh-TW" i="1">
+                            <a:latin typeface="Cambria Math" panose="02040503050406030204" pitchFamily="18" charset="0"/>
+                          </a:rPr>
+                          <m:t>1</m:t>
+                        </m:r>
+                      </m:sub>
+                    </m:sSub>
+                    <m:r>
+                      <a:rPr lang="en-US" altLang="zh-TW" b="0" i="1" smtClean="0">
+                        <a:latin typeface="Cambria Math" panose="02040503050406030204" pitchFamily="18" charset="0"/>
+                      </a:rPr>
+                      <m:t>+</m:t>
+                    </m:r>
+                    <m:sSub>
+                      <m:sSubPr>
+                        <m:ctrlPr>
+                          <a:rPr lang="en-US" altLang="zh-TW" i="1">
+                            <a:latin typeface="Cambria Math" panose="02040503050406030204" pitchFamily="18" charset="0"/>
+                          </a:rPr>
+                        </m:ctrlPr>
+                      </m:sSubPr>
+                      <m:e>
+                        <m:r>
+                          <a:rPr lang="en-US" altLang="zh-TW" i="1">
+                            <a:latin typeface="Cambria Math" panose="02040503050406030204" pitchFamily="18" charset="0"/>
+                          </a:rPr>
+                          <m:t>𝑔</m:t>
+                        </m:r>
+                      </m:e>
+                      <m:sub>
+                        <m:r>
+                          <a:rPr lang="en-US" altLang="zh-TW" i="1">
+                            <a:latin typeface="Cambria Math" panose="02040503050406030204" pitchFamily="18" charset="0"/>
+                          </a:rPr>
+                          <m:t>2</m:t>
+                        </m:r>
+                      </m:sub>
+                    </m:sSub>
+                    <m:r>
+                      <a:rPr lang="en-US" altLang="zh-TW" b="0" i="1" smtClean="0">
+                        <a:latin typeface="Cambria Math" panose="02040503050406030204" pitchFamily="18" charset="0"/>
+                      </a:rPr>
+                      <m:t>,</m:t>
+                    </m:r>
+                    <m:r>
+                      <a:rPr lang="zh-TW" altLang="en-US" b="0" i="1" smtClean="0">
+                        <a:latin typeface="Cambria Math" panose="02040503050406030204" pitchFamily="18" charset="0"/>
+                      </a:rPr>
+                      <m:t>   </m:t>
+                    </m:r>
+                    <m:r>
+                      <a:rPr lang="en-US" altLang="zh-TW" b="0" i="1" smtClean="0">
+                        <a:latin typeface="Cambria Math" panose="02040503050406030204" pitchFamily="18" charset="0"/>
+                      </a:rPr>
+                      <m:t>𝑓</m:t>
+                    </m:r>
+                    <m:r>
+                      <a:rPr lang="en-US" altLang="zh-TW" b="0" i="1" smtClean="0">
+                        <a:latin typeface="Cambria Math" panose="02040503050406030204" pitchFamily="18" charset="0"/>
+                      </a:rPr>
+                      <m:t>=</m:t>
+                    </m:r>
+                    <m:sSub>
+                      <m:sSubPr>
+                        <m:ctrlPr>
+                          <a:rPr lang="en-US" altLang="zh-TW" i="1">
+                            <a:latin typeface="Cambria Math" panose="02040503050406030204" pitchFamily="18" charset="0"/>
+                          </a:rPr>
+                        </m:ctrlPr>
+                      </m:sSubPr>
+                      <m:e>
+                        <m:r>
+                          <a:rPr lang="en-US" altLang="zh-TW" b="0" i="1" smtClean="0">
+                            <a:latin typeface="Cambria Math" panose="02040503050406030204" pitchFamily="18" charset="0"/>
+                          </a:rPr>
+                          <m:t>h</m:t>
+                        </m:r>
+                      </m:e>
+                      <m:sub>
+                        <m:r>
+                          <a:rPr lang="en-US" altLang="zh-TW" i="1">
+                            <a:latin typeface="Cambria Math" panose="02040503050406030204" pitchFamily="18" charset="0"/>
+                          </a:rPr>
+                          <m:t>1</m:t>
+                        </m:r>
+                      </m:sub>
+                    </m:sSub>
+                    <m:r>
+                      <a:rPr lang="en-US" altLang="zh-TW" i="1">
+                        <a:latin typeface="Cambria Math" panose="02040503050406030204" pitchFamily="18" charset="0"/>
+                      </a:rPr>
+                      <m:t>+</m:t>
+                    </m:r>
+                    <m:sSub>
+                      <m:sSubPr>
+                        <m:ctrlPr>
+                          <a:rPr lang="en-US" altLang="zh-TW" i="1">
+                            <a:latin typeface="Cambria Math" panose="02040503050406030204" pitchFamily="18" charset="0"/>
+                          </a:rPr>
+                        </m:ctrlPr>
+                      </m:sSubPr>
+                      <m:e>
+                        <m:r>
+                          <a:rPr lang="en-US" altLang="zh-TW" b="0" i="1" smtClean="0">
+                            <a:latin typeface="Cambria Math" panose="02040503050406030204" pitchFamily="18" charset="0"/>
+                          </a:rPr>
+                          <m:t>h</m:t>
+                        </m:r>
+                      </m:e>
+                      <m:sub>
+                        <m:r>
+                          <a:rPr lang="en-US" altLang="zh-TW" i="1">
+                            <a:latin typeface="Cambria Math" panose="02040503050406030204" pitchFamily="18" charset="0"/>
+                          </a:rPr>
+                          <m:t>2</m:t>
+                        </m:r>
+                      </m:sub>
+                    </m:sSub>
+                  </m:oMath>
+                </a14:m>
+                <a:endParaRPr lang="en-US" altLang="zh-TW" dirty="0"/>
+              </a:p>
+              <a:p>
+                <a:pPr lvl="1"/>
+                <a:r>
+                  <a:rPr kumimoji="1" lang="en-US" altLang="zh-TW" b="0" dirty="0"/>
+                  <a:t>=&gt;</a:t>
+                </a:r>
+                <a:r>
+                  <a:rPr kumimoji="1" lang="zh-TW" altLang="en-US" b="0" dirty="0"/>
+                  <a:t> 總共需要 </a:t>
+                </a:r>
+                <a:r>
+                  <a:rPr kumimoji="1" lang="en-US" altLang="zh-TW" b="0" dirty="0"/>
+                  <a:t>3</a:t>
+                </a:r>
+                <a:r>
+                  <a:rPr kumimoji="1" lang="zh-TW" altLang="en-US" b="0" dirty="0"/>
+                  <a:t> </a:t>
+                </a:r>
+                <a:r>
+                  <a:rPr kumimoji="1" lang="en-US" altLang="zh-TW" b="0" dirty="0"/>
+                  <a:t>MULs,</a:t>
+                </a:r>
+                <a:r>
+                  <a:rPr kumimoji="1" lang="zh-TW" altLang="en-US" b="0" dirty="0"/>
+                  <a:t> </a:t>
+                </a:r>
+                <a:r>
+                  <a:rPr kumimoji="1" lang="en-US" altLang="zh-TW" b="0" dirty="0"/>
+                  <a:t>5</a:t>
+                </a:r>
+                <a:r>
+                  <a:rPr kumimoji="1" lang="zh-TW" altLang="en-US" b="0" dirty="0"/>
+                  <a:t> </a:t>
+                </a:r>
+                <a:r>
+                  <a:rPr kumimoji="1" lang="en-US" altLang="zh-TW" b="0" dirty="0"/>
+                  <a:t>ADDs</a:t>
+                </a:r>
+              </a:p>
+              <a:p>
+                <a:pPr marL="457200" indent="-457200">
+                  <a:buFont typeface="Wingdings" pitchFamily="2" charset="2"/>
+                  <a:buAutoNum type="circleNumWdWhitePlain"/>
+                </a:pPr>
+                <a:endParaRPr kumimoji="1" lang="en-US" altLang="zh-TW" b="0" dirty="0"/>
+              </a:p>
+            </p:txBody>
+          </p:sp>
+        </mc:Choice>
+        <mc:Fallback>
+          <p:sp>
+            <p:nvSpPr>
+              <p:cNvPr id="3" name="文字方塊 2">
+                <a:extLst>
+                  <a:ext uri="{FF2B5EF4-FFF2-40B4-BE49-F238E27FC236}">
+                    <a16:creationId xmlns:a16="http://schemas.microsoft.com/office/drawing/2014/main" id="{E8901EB9-9144-3526-AC01-76F98FE60CE2}"/>
+                  </a:ext>
+                </a:extLst>
+              </p:cNvPr>
+              <p:cNvSpPr txBox="1">
+                <a:spLocks noRot="1" noChangeAspect="1" noMove="1" noResize="1" noEditPoints="1" noAdjustHandles="1" noChangeArrowheads="1" noChangeShapeType="1" noTextEdit="1"/>
+              </p:cNvSpPr>
+              <p:nvPr/>
+            </p:nvSpPr>
+            <p:spPr>
+              <a:xfrm>
+                <a:off x="250825" y="3429000"/>
+                <a:ext cx="8641356" cy="3074047"/>
+              </a:xfrm>
+              <a:prstGeom prst="rect">
+                <a:avLst/>
+              </a:prstGeom>
+              <a:blipFill>
+                <a:blip r:embed="rId5"/>
+                <a:stretch>
+                  <a:fillRect l="-587" t="-1235"/>
+                </a:stretch>
+              </a:blipFill>
+            </p:spPr>
+            <p:txBody>
+              <a:bodyPr/>
+              <a:lstStyle/>
+              <a:p>
+                <a:r>
+                  <a:rPr lang="zh-TW" altLang="en-US">
+                    <a:noFill/>
+                  </a:rPr>
+                  <a:t> </a:t>
+                </a:r>
+              </a:p>
+            </p:txBody>
+          </p:sp>
+        </mc:Fallback>
+      </mc:AlternateContent>
+    </p:spTree>
+    <p:extLst>
+      <p:ext uri="{BB962C8B-B14F-4D97-AF65-F5344CB8AC3E}">
+        <p14:creationId xmlns:p14="http://schemas.microsoft.com/office/powerpoint/2010/main" val="4122951557"/>
+      </p:ext>
+    </p:extLst>
+  </p:cSld>
+  <p:clrMapOvr>
+    <a:masterClrMapping/>
+  </p:clrMapOvr>
+</p:sld>
+</file>
+
+<file path=ppt/slides/slide3.xml><?xml version="1.0" encoding="utf-8"?>
+<p:sld xmlns:a="http://schemas.openxmlformats.org/drawingml/2006/main" xmlns:r="http://schemas.openxmlformats.org/officeDocument/2006/relationships" xmlns:p="http://schemas.openxmlformats.org/presentationml/2006/main">
+  <p:cSld>
+    <p:spTree>
+      <p:nvGrpSpPr>
+        <p:cNvPr id="1" name=""/>
+        <p:cNvGrpSpPr/>
+        <p:nvPr/>
+      </p:nvGrpSpPr>
+      <p:grpSpPr>
+        <a:xfrm>
+          <a:off x="0" y="0"/>
+          <a:ext cx="0" cy="0"/>
+          <a:chOff x="0" y="0"/>
+          <a:chExt cx="0" cy="0"/>
+        </a:xfrm>
+      </p:grpSpPr>
+      <mc:AlternateContent xmlns:mc="http://schemas.openxmlformats.org/markup-compatibility/2006">
+        <mc:Choice xmlns:a14="http://schemas.microsoft.com/office/drawing/2010/main" Requires="a14">
+          <p:sp>
+            <p:nvSpPr>
+              <p:cNvPr id="6" name="文字方塊 5">
+                <a:extLst>
+                  <a:ext uri="{FF2B5EF4-FFF2-40B4-BE49-F238E27FC236}">
+                    <a16:creationId xmlns:a16="http://schemas.microsoft.com/office/drawing/2014/main" id="{5EC8E7C3-01F1-4A5A-70AE-C4602930F8C4}"/>
+                  </a:ext>
+                </a:extLst>
+              </p:cNvPr>
+              <p:cNvSpPr txBox="1"/>
+              <p:nvPr/>
+            </p:nvSpPr>
+            <p:spPr>
+              <a:xfrm>
+                <a:off x="215516" y="188640"/>
+                <a:ext cx="8712968" cy="6348789"/>
+              </a:xfrm>
+              <a:prstGeom prst="rect">
+                <a:avLst/>
+              </a:prstGeom>
+              <a:noFill/>
+            </p:spPr>
+            <p:txBody>
+              <a:bodyPr wrap="square" rtlCol="0">
+                <a:spAutoFit/>
+              </a:bodyPr>
+              <a:lstStyle/>
+              <a:p>
+                <a:r>
+                  <a:rPr kumimoji="1" lang="en-US" altLang="zh-TW" sz="1600" dirty="0"/>
+                  <a:t>(b)</a:t>
+                </a:r>
+              </a:p>
+              <a:p>
+                <a:endParaRPr kumimoji="1" lang="en-US" altLang="zh-TW" sz="1600" dirty="0"/>
+              </a:p>
+              <a:p>
+                <a:endParaRPr kumimoji="1" lang="en-US" altLang="zh-TW" sz="1600" dirty="0"/>
+              </a:p>
+              <a:p>
+                <a:endParaRPr lang="en-US" altLang="zh-TW" sz="1600" dirty="0"/>
+              </a:p>
+              <a:p>
+                <a:endParaRPr lang="en-US" altLang="zh-TW" sz="1600" dirty="0"/>
+              </a:p>
+              <a:p>
+                <a14:m>
+                  <m:oMathPara xmlns:m="http://schemas.openxmlformats.org/officeDocument/2006/math">
+                    <m:oMathParaPr>
+                      <m:jc m:val="centerGroup"/>
+                    </m:oMathParaPr>
+                    <m:oMath xmlns:m="http://schemas.openxmlformats.org/officeDocument/2006/math">
+                      <m:d>
+                        <m:dPr>
+                          <m:begChr m:val="["/>
+                          <m:endChr m:val="]"/>
+                          <m:ctrlPr>
+                            <a:rPr lang="en-US" altLang="zh-TW" sz="1600" i="1" smtClean="0">
+                              <a:latin typeface="Cambria Math" panose="02040503050406030204" pitchFamily="18" charset="0"/>
+                            </a:rPr>
+                          </m:ctrlPr>
+                        </m:dPr>
+                        <m:e>
+                          <m:m>
+                            <m:mPr>
+                              <m:mcs>
+                                <m:mc>
+                                  <m:mcPr>
+                                    <m:count m:val="1"/>
+                                    <m:mcJc m:val="center"/>
+                                  </m:mcPr>
+                                </m:mc>
+                              </m:mcs>
+                              <m:ctrlPr>
+                                <a:rPr lang="en-US" altLang="zh-TW" sz="1600" i="1">
+                                  <a:latin typeface="Cambria Math" panose="02040503050406030204" pitchFamily="18" charset="0"/>
+                                </a:rPr>
+                              </m:ctrlPr>
+                            </m:mPr>
+                            <m:mr>
+                              <m:e>
+                                <m:sSub>
+                                  <m:sSubPr>
+                                    <m:ctrlPr>
+                                      <a:rPr lang="en-US" altLang="zh-TW" sz="1600" i="1" smtClean="0">
+                                        <a:latin typeface="Cambria Math" panose="02040503050406030204" pitchFamily="18" charset="0"/>
+                                      </a:rPr>
+                                    </m:ctrlPr>
+                                  </m:sSubPr>
+                                  <m:e>
+                                    <m:r>
+                                      <a:rPr lang="en-US" altLang="zh-TW" sz="1600" b="0" i="1" smtClean="0">
+                                        <a:latin typeface="Cambria Math" panose="02040503050406030204" pitchFamily="18" charset="0"/>
+                                      </a:rPr>
+                                      <m:t>𝑐</m:t>
+                                    </m:r>
+                                  </m:e>
+                                  <m:sub>
+                                    <m:r>
+                                      <a:rPr lang="en-US" altLang="zh-TW" sz="1600" b="0" i="1" smtClean="0">
+                                        <a:latin typeface="Cambria Math" panose="02040503050406030204" pitchFamily="18" charset="0"/>
+                                      </a:rPr>
+                                      <m:t>2</m:t>
+                                    </m:r>
+                                  </m:sub>
+                                </m:sSub>
+                              </m:e>
+                            </m:mr>
+                            <m:mr>
+                              <m:e>
+                                <m:sSub>
+                                  <m:sSubPr>
+                                    <m:ctrlPr>
+                                      <a:rPr lang="en-US" altLang="zh-TW" sz="1600" i="1" smtClean="0">
+                                        <a:latin typeface="Cambria Math" panose="02040503050406030204" pitchFamily="18" charset="0"/>
+                                      </a:rPr>
+                                    </m:ctrlPr>
+                                  </m:sSubPr>
+                                  <m:e>
+                                    <m:r>
+                                      <a:rPr lang="en-US" altLang="zh-TW" sz="1600" b="0" i="1" smtClean="0">
+                                        <a:latin typeface="Cambria Math" panose="02040503050406030204" pitchFamily="18" charset="0"/>
+                                      </a:rPr>
+                                      <m:t>𝑐</m:t>
+                                    </m:r>
+                                  </m:e>
+                                  <m:sub>
+                                    <m:r>
+                                      <a:rPr lang="en-US" altLang="zh-TW" sz="1600" b="0" i="1" smtClean="0">
+                                        <a:latin typeface="Cambria Math" panose="02040503050406030204" pitchFamily="18" charset="0"/>
+                                      </a:rPr>
+                                      <m:t>3</m:t>
+                                    </m:r>
+                                  </m:sub>
+                                </m:sSub>
+                              </m:e>
+                            </m:mr>
+                          </m:m>
+                        </m:e>
+                      </m:d>
+                      <m:r>
+                        <a:rPr lang="en-US" altLang="zh-TW" sz="1600" i="1">
+                          <a:latin typeface="Cambria Math" panose="02040503050406030204" pitchFamily="18" charset="0"/>
+                        </a:rPr>
+                        <m:t>=</m:t>
+                      </m:r>
+                      <m:d>
+                        <m:dPr>
+                          <m:begChr m:val="["/>
+                          <m:endChr m:val="]"/>
+                          <m:ctrlPr>
+                            <a:rPr lang="en-US" altLang="zh-TW" sz="1600" i="1">
+                              <a:latin typeface="Cambria Math" panose="02040503050406030204" pitchFamily="18" charset="0"/>
+                            </a:rPr>
+                          </m:ctrlPr>
+                        </m:dPr>
+                        <m:e>
+                          <m:m>
+                            <m:mPr>
+                              <m:mcs>
+                                <m:mc>
+                                  <m:mcPr>
+                                    <m:count m:val="2"/>
+                                    <m:mcJc m:val="center"/>
+                                  </m:mcPr>
+                                </m:mc>
+                              </m:mcs>
+                              <m:ctrlPr>
+                                <a:rPr lang="en-US" altLang="zh-TW" sz="1600" i="1">
+                                  <a:latin typeface="Cambria Math" panose="02040503050406030204" pitchFamily="18" charset="0"/>
+                                </a:rPr>
+                              </m:ctrlPr>
+                            </m:mPr>
+                            <m:mr>
+                              <m:e>
+                                <m:sSub>
+                                  <m:sSubPr>
+                                    <m:ctrlPr>
+                                      <a:rPr lang="en-US" altLang="zh-TW" sz="1600" i="1" smtClean="0">
+                                        <a:latin typeface="Cambria Math" panose="02040503050406030204" pitchFamily="18" charset="0"/>
+                                      </a:rPr>
+                                    </m:ctrlPr>
+                                  </m:sSubPr>
+                                  <m:e>
+                                    <m:r>
+                                      <a:rPr lang="en-US" altLang="zh-TW" sz="1600" b="0" i="1" smtClean="0">
+                                        <a:latin typeface="Cambria Math" panose="02040503050406030204" pitchFamily="18" charset="0"/>
+                                      </a:rPr>
+                                      <m:t>𝑏</m:t>
+                                    </m:r>
+                                  </m:e>
+                                  <m:sub>
+                                    <m:r>
+                                      <a:rPr lang="en-US" altLang="zh-TW" sz="1600" b="0" i="1" smtClean="0">
+                                        <a:latin typeface="Cambria Math" panose="02040503050406030204" pitchFamily="18" charset="0"/>
+                                      </a:rPr>
+                                      <m:t>2</m:t>
+                                    </m:r>
+                                  </m:sub>
+                                </m:sSub>
+                              </m:e>
+                              <m:e>
+                                <m:sSub>
+                                  <m:sSubPr>
+                                    <m:ctrlPr>
+                                      <a:rPr lang="en-US" altLang="zh-TW" sz="1600" i="1" smtClean="0">
+                                        <a:latin typeface="Cambria Math" panose="02040503050406030204" pitchFamily="18" charset="0"/>
+                                      </a:rPr>
+                                    </m:ctrlPr>
+                                  </m:sSubPr>
+                                  <m:e>
+                                    <m:r>
+                                      <a:rPr lang="en-US" altLang="zh-TW" sz="1600" b="0" i="1" smtClean="0">
+                                        <a:latin typeface="Cambria Math" panose="02040503050406030204" pitchFamily="18" charset="0"/>
+                                      </a:rPr>
+                                      <m:t>−</m:t>
+                                    </m:r>
+                                    <m:r>
+                                      <a:rPr lang="en-US" altLang="zh-TW" sz="1600" b="0" i="1" smtClean="0">
+                                        <a:latin typeface="Cambria Math" panose="02040503050406030204" pitchFamily="18" charset="0"/>
+                                      </a:rPr>
+                                      <m:t>𝑏</m:t>
+                                    </m:r>
+                                  </m:e>
+                                  <m:sub>
+                                    <m:r>
+                                      <a:rPr lang="en-US" altLang="zh-TW" sz="1600" b="0" i="1" smtClean="0">
+                                        <a:latin typeface="Cambria Math" panose="02040503050406030204" pitchFamily="18" charset="0"/>
+                                      </a:rPr>
+                                      <m:t>3</m:t>
+                                    </m:r>
+                                  </m:sub>
+                                </m:sSub>
+                              </m:e>
+                            </m:mr>
+                            <m:mr>
+                              <m:e>
+                                <m:sSub>
+                                  <m:sSubPr>
+                                    <m:ctrlPr>
+                                      <a:rPr lang="en-US" altLang="zh-TW" sz="1600" i="1" smtClean="0">
+                                        <a:latin typeface="Cambria Math" panose="02040503050406030204" pitchFamily="18" charset="0"/>
+                                      </a:rPr>
+                                    </m:ctrlPr>
+                                  </m:sSubPr>
+                                  <m:e>
+                                    <m:r>
+                                      <a:rPr lang="en-US" altLang="zh-TW" sz="1600" b="0" i="1" smtClean="0">
+                                        <a:latin typeface="Cambria Math" panose="02040503050406030204" pitchFamily="18" charset="0"/>
+                                      </a:rPr>
+                                      <m:t>𝑏</m:t>
+                                    </m:r>
+                                  </m:e>
+                                  <m:sub>
+                                    <m:r>
+                                      <a:rPr lang="en-US" altLang="zh-TW" sz="1600" b="0" i="1" smtClean="0">
+                                        <a:latin typeface="Cambria Math" panose="02040503050406030204" pitchFamily="18" charset="0"/>
+                                      </a:rPr>
+                                      <m:t>3</m:t>
+                                    </m:r>
+                                  </m:sub>
+                                </m:sSub>
+                              </m:e>
+                              <m:e>
+                                <m:sSub>
+                                  <m:sSubPr>
+                                    <m:ctrlPr>
+                                      <a:rPr lang="en-US" altLang="zh-TW" sz="1600" i="1" smtClean="0">
+                                        <a:latin typeface="Cambria Math" panose="02040503050406030204" pitchFamily="18" charset="0"/>
+                                      </a:rPr>
+                                    </m:ctrlPr>
+                                  </m:sSubPr>
+                                  <m:e>
+                                    <m:r>
+                                      <a:rPr lang="en-US" altLang="zh-TW" sz="1600" b="0" i="1" smtClean="0">
+                                        <a:latin typeface="Cambria Math" panose="02040503050406030204" pitchFamily="18" charset="0"/>
+                                      </a:rPr>
+                                      <m:t>−</m:t>
+                                    </m:r>
+                                    <m:r>
+                                      <a:rPr lang="en-US" altLang="zh-TW" sz="1600" b="0" i="1" smtClean="0">
+                                        <a:latin typeface="Cambria Math" panose="02040503050406030204" pitchFamily="18" charset="0"/>
+                                      </a:rPr>
+                                      <m:t>𝑏</m:t>
+                                    </m:r>
+                                  </m:e>
+                                  <m:sub>
+                                    <m:r>
+                                      <a:rPr lang="en-US" altLang="zh-TW" sz="1600" b="0" i="1" smtClean="0">
+                                        <a:latin typeface="Cambria Math" panose="02040503050406030204" pitchFamily="18" charset="0"/>
+                                      </a:rPr>
+                                      <m:t>2</m:t>
+                                    </m:r>
+                                  </m:sub>
+                                </m:sSub>
+                              </m:e>
+                            </m:mr>
+                          </m:m>
+                        </m:e>
+                      </m:d>
+                      <m:d>
+                        <m:dPr>
+                          <m:begChr m:val="["/>
+                          <m:endChr m:val="]"/>
+                          <m:ctrlPr>
+                            <a:rPr lang="en-US" altLang="zh-TW" sz="1600" i="1">
+                              <a:latin typeface="Cambria Math" panose="02040503050406030204" pitchFamily="18" charset="0"/>
+                            </a:rPr>
+                          </m:ctrlPr>
+                        </m:dPr>
+                        <m:e>
+                          <m:m>
+                            <m:mPr>
+                              <m:mcs>
+                                <m:mc>
+                                  <m:mcPr>
+                                    <m:count m:val="1"/>
+                                    <m:mcJc m:val="center"/>
+                                  </m:mcPr>
+                                </m:mc>
+                              </m:mcs>
+                              <m:ctrlPr>
+                                <a:rPr lang="en-US" altLang="zh-TW" sz="1600" i="1">
+                                  <a:latin typeface="Cambria Math" panose="02040503050406030204" pitchFamily="18" charset="0"/>
+                                </a:rPr>
+                              </m:ctrlPr>
+                            </m:mPr>
+                            <m:mr>
+                              <m:e>
+                                <m:sSub>
+                                  <m:sSubPr>
+                                    <m:ctrlPr>
+                                      <a:rPr lang="en-US" altLang="zh-TW" sz="1600" i="1" smtClean="0">
+                                        <a:latin typeface="Cambria Math" panose="02040503050406030204" pitchFamily="18" charset="0"/>
+                                      </a:rPr>
+                                    </m:ctrlPr>
+                                  </m:sSubPr>
+                                  <m:e>
+                                    <m:r>
+                                      <a:rPr lang="en-US" altLang="zh-TW" sz="1600" b="0" i="1" smtClean="0">
+                                        <a:latin typeface="Cambria Math" panose="02040503050406030204" pitchFamily="18" charset="0"/>
+                                      </a:rPr>
+                                      <m:t>𝑎</m:t>
+                                    </m:r>
+                                  </m:e>
+                                  <m:sub>
+                                    <m:r>
+                                      <a:rPr lang="en-US" altLang="zh-TW" sz="1600" b="0" i="1" smtClean="0">
+                                        <a:latin typeface="Cambria Math" panose="02040503050406030204" pitchFamily="18" charset="0"/>
+                                      </a:rPr>
+                                      <m:t>1</m:t>
+                                    </m:r>
+                                  </m:sub>
+                                </m:sSub>
+                              </m:e>
+                            </m:mr>
+                            <m:mr>
+                              <m:e>
+                                <m:sSub>
+                                  <m:sSubPr>
+                                    <m:ctrlPr>
+                                      <a:rPr lang="en-US" altLang="zh-TW" sz="1600" i="1" smtClean="0">
+                                        <a:latin typeface="Cambria Math" panose="02040503050406030204" pitchFamily="18" charset="0"/>
+                                      </a:rPr>
+                                    </m:ctrlPr>
+                                  </m:sSubPr>
+                                  <m:e>
+                                    <m:r>
+                                      <a:rPr lang="en-US" altLang="zh-TW" sz="1600" b="0" i="1" smtClean="0">
+                                        <a:latin typeface="Cambria Math" panose="02040503050406030204" pitchFamily="18" charset="0"/>
+                                      </a:rPr>
+                                      <m:t>𝑎</m:t>
+                                    </m:r>
+                                  </m:e>
+                                  <m:sub>
+                                    <m:r>
+                                      <a:rPr lang="en-US" altLang="zh-TW" sz="1600" b="0" i="1" smtClean="0">
+                                        <a:latin typeface="Cambria Math" panose="02040503050406030204" pitchFamily="18" charset="0"/>
+                                      </a:rPr>
+                                      <m:t>4</m:t>
+                                    </m:r>
+                                  </m:sub>
+                                </m:sSub>
+                              </m:e>
+                            </m:mr>
+                          </m:m>
+                        </m:e>
+                      </m:d>
+                      <m:r>
+                        <a:rPr lang="en-US" altLang="zh-TW" sz="1600" i="1">
+                          <a:latin typeface="Cambria Math" panose="02040503050406030204" pitchFamily="18" charset="0"/>
+                        </a:rPr>
+                        <m:t>+</m:t>
+                      </m:r>
+                      <m:d>
+                        <m:dPr>
+                          <m:begChr m:val="["/>
+                          <m:endChr m:val="]"/>
+                          <m:ctrlPr>
+                            <a:rPr lang="en-US" altLang="zh-TW" sz="1600" i="1">
+                              <a:latin typeface="Cambria Math" panose="02040503050406030204" pitchFamily="18" charset="0"/>
+                            </a:rPr>
+                          </m:ctrlPr>
+                        </m:dPr>
+                        <m:e>
+                          <m:m>
+                            <m:mPr>
+                              <m:mcs>
+                                <m:mc>
+                                  <m:mcPr>
+                                    <m:count m:val="2"/>
+                                    <m:mcJc m:val="center"/>
+                                  </m:mcPr>
+                                </m:mc>
+                              </m:mcs>
+                              <m:ctrlPr>
+                                <a:rPr lang="en-US" altLang="zh-TW" sz="1600" i="1">
+                                  <a:latin typeface="Cambria Math" panose="02040503050406030204" pitchFamily="18" charset="0"/>
+                                </a:rPr>
+                              </m:ctrlPr>
+                            </m:mPr>
+                            <m:mr>
+                              <m:e>
+                                <m:sSub>
+                                  <m:sSubPr>
+                                    <m:ctrlPr>
+                                      <a:rPr lang="en-US" altLang="zh-TW" sz="1600" i="1">
+                                        <a:latin typeface="Cambria Math" panose="02040503050406030204" pitchFamily="18" charset="0"/>
+                                      </a:rPr>
+                                    </m:ctrlPr>
+                                  </m:sSubPr>
+                                  <m:e>
+                                    <m:r>
+                                      <a:rPr lang="en-US" altLang="zh-TW" sz="1600" i="1">
+                                        <a:latin typeface="Cambria Math" panose="02040503050406030204" pitchFamily="18" charset="0"/>
+                                      </a:rPr>
+                                      <m:t>𝑏</m:t>
+                                    </m:r>
+                                  </m:e>
+                                  <m:sub>
+                                    <m:r>
+                                      <a:rPr lang="en-US" altLang="zh-TW" sz="1600" i="1">
+                                        <a:latin typeface="Cambria Math" panose="02040503050406030204" pitchFamily="18" charset="0"/>
+                                      </a:rPr>
+                                      <m:t>1</m:t>
+                                    </m:r>
+                                  </m:sub>
+                                </m:sSub>
+                              </m:e>
+                              <m:e>
+                                <m:sSub>
+                                  <m:sSubPr>
+                                    <m:ctrlPr>
+                                      <a:rPr lang="en-US" altLang="zh-TW" sz="1600" i="1">
+                                        <a:latin typeface="Cambria Math" panose="02040503050406030204" pitchFamily="18" charset="0"/>
+                                      </a:rPr>
+                                    </m:ctrlPr>
+                                  </m:sSubPr>
+                                  <m:e>
+                                    <m:r>
+                                      <a:rPr lang="en-US" altLang="zh-TW" sz="1600" i="1">
+                                        <a:latin typeface="Cambria Math" panose="02040503050406030204" pitchFamily="18" charset="0"/>
+                                      </a:rPr>
+                                      <m:t>𝑏</m:t>
+                                    </m:r>
+                                  </m:e>
+                                  <m:sub>
+                                    <m:r>
+                                      <a:rPr lang="en-US" altLang="zh-TW" sz="1600" i="1">
+                                        <a:latin typeface="Cambria Math" panose="02040503050406030204" pitchFamily="18" charset="0"/>
+                                      </a:rPr>
+                                      <m:t>4</m:t>
+                                    </m:r>
+                                  </m:sub>
+                                </m:sSub>
+                              </m:e>
+                            </m:mr>
+                            <m:mr>
+                              <m:e>
+                                <m:sSub>
+                                  <m:sSubPr>
+                                    <m:ctrlPr>
+                                      <a:rPr lang="en-US" altLang="zh-TW" sz="1600" i="1">
+                                        <a:latin typeface="Cambria Math" panose="02040503050406030204" pitchFamily="18" charset="0"/>
+                                      </a:rPr>
+                                    </m:ctrlPr>
+                                  </m:sSubPr>
+                                  <m:e>
+                                    <m:r>
+                                      <a:rPr lang="en-US" altLang="zh-TW" sz="1600" i="1">
+                                        <a:latin typeface="Cambria Math" panose="02040503050406030204" pitchFamily="18" charset="0"/>
+                                      </a:rPr>
+                                      <m:t>𝑏</m:t>
+                                    </m:r>
+                                  </m:e>
+                                  <m:sub>
+                                    <m:r>
+                                      <a:rPr lang="en-US" altLang="zh-TW" sz="1600" i="1">
+                                        <a:latin typeface="Cambria Math" panose="02040503050406030204" pitchFamily="18" charset="0"/>
+                                      </a:rPr>
+                                      <m:t>4</m:t>
+                                    </m:r>
+                                  </m:sub>
+                                </m:sSub>
+                              </m:e>
+                              <m:e>
+                                <m:sSub>
+                                  <m:sSubPr>
+                                    <m:ctrlPr>
+                                      <a:rPr lang="en-US" altLang="zh-TW" sz="1600" i="1">
+                                        <a:latin typeface="Cambria Math" panose="02040503050406030204" pitchFamily="18" charset="0"/>
+                                      </a:rPr>
+                                    </m:ctrlPr>
+                                  </m:sSubPr>
+                                  <m:e>
+                                    <m:r>
+                                      <a:rPr lang="en-US" altLang="zh-TW" sz="1600" i="1">
+                                        <a:latin typeface="Cambria Math" panose="02040503050406030204" pitchFamily="18" charset="0"/>
+                                      </a:rPr>
+                                      <m:t>𝑏</m:t>
+                                    </m:r>
+                                  </m:e>
+                                  <m:sub>
+                                    <m:r>
+                                      <a:rPr lang="en-US" altLang="zh-TW" sz="1600" i="1">
+                                        <a:latin typeface="Cambria Math" panose="02040503050406030204" pitchFamily="18" charset="0"/>
+                                      </a:rPr>
+                                      <m:t>1</m:t>
+                                    </m:r>
+                                  </m:sub>
+                                </m:sSub>
+                              </m:e>
+                            </m:mr>
+                          </m:m>
+                        </m:e>
+                      </m:d>
+                      <m:d>
+                        <m:dPr>
+                          <m:begChr m:val="["/>
+                          <m:endChr m:val="]"/>
+                          <m:ctrlPr>
+                            <a:rPr lang="en-US" altLang="zh-TW" sz="1600" i="1">
+                              <a:latin typeface="Cambria Math" panose="02040503050406030204" pitchFamily="18" charset="0"/>
+                            </a:rPr>
+                          </m:ctrlPr>
+                        </m:dPr>
+                        <m:e>
+                          <m:m>
+                            <m:mPr>
+                              <m:mcs>
+                                <m:mc>
+                                  <m:mcPr>
+                                    <m:count m:val="1"/>
+                                    <m:mcJc m:val="center"/>
+                                  </m:mcPr>
+                                </m:mc>
+                              </m:mcs>
+                              <m:ctrlPr>
+                                <a:rPr lang="en-US" altLang="zh-TW" sz="1600" i="1">
+                                  <a:latin typeface="Cambria Math" panose="02040503050406030204" pitchFamily="18" charset="0"/>
+                                </a:rPr>
+                              </m:ctrlPr>
+                            </m:mPr>
+                            <m:mr>
+                              <m:e>
+                                <m:sSub>
+                                  <m:sSubPr>
+                                    <m:ctrlPr>
+                                      <a:rPr lang="en-US" altLang="zh-TW" sz="1600" i="1">
+                                        <a:latin typeface="Cambria Math" panose="02040503050406030204" pitchFamily="18" charset="0"/>
+                                      </a:rPr>
+                                    </m:ctrlPr>
+                                  </m:sSubPr>
+                                  <m:e>
+                                    <m:r>
+                                      <a:rPr lang="en-US" altLang="zh-TW" sz="1600" i="1">
+                                        <a:latin typeface="Cambria Math" panose="02040503050406030204" pitchFamily="18" charset="0"/>
+                                      </a:rPr>
+                                      <m:t>𝑎</m:t>
+                                    </m:r>
+                                  </m:e>
+                                  <m:sub>
+                                    <m:r>
+                                      <a:rPr lang="en-US" altLang="zh-TW" sz="1600" b="0" i="1" smtClean="0">
+                                        <a:latin typeface="Cambria Math" panose="02040503050406030204" pitchFamily="18" charset="0"/>
+                                      </a:rPr>
+                                      <m:t>2</m:t>
+                                    </m:r>
+                                  </m:sub>
+                                </m:sSub>
+                              </m:e>
+                            </m:mr>
+                            <m:mr>
+                              <m:e>
+                                <m:sSub>
+                                  <m:sSubPr>
+                                    <m:ctrlPr>
+                                      <a:rPr lang="en-US" altLang="zh-TW" sz="1600" i="1" smtClean="0">
+                                        <a:latin typeface="Cambria Math" panose="02040503050406030204" pitchFamily="18" charset="0"/>
+                                      </a:rPr>
+                                    </m:ctrlPr>
+                                  </m:sSubPr>
+                                  <m:e>
+                                    <m:r>
+                                      <a:rPr lang="en-US" altLang="zh-TW" sz="1600" i="1">
+                                        <a:latin typeface="Cambria Math" panose="02040503050406030204" pitchFamily="18" charset="0"/>
+                                      </a:rPr>
+                                      <m:t>𝑎</m:t>
+                                    </m:r>
+                                  </m:e>
+                                  <m:sub>
+                                    <m:r>
+                                      <a:rPr lang="en-US" altLang="zh-TW" sz="1600" b="0" i="1" smtClean="0">
+                                        <a:latin typeface="Cambria Math" panose="02040503050406030204" pitchFamily="18" charset="0"/>
+                                      </a:rPr>
+                                      <m:t>3</m:t>
+                                    </m:r>
+                                  </m:sub>
+                                </m:sSub>
+                              </m:e>
+                            </m:mr>
+                          </m:m>
+                        </m:e>
+                      </m:d>
+                    </m:oMath>
+                  </m:oMathPara>
+                </a14:m>
+                <a:endParaRPr kumimoji="1" lang="en-US" altLang="zh-TW" sz="1600" dirty="0"/>
+              </a:p>
+              <a:p>
+                <a14:m>
+                  <m:oMathPara xmlns:m="http://schemas.openxmlformats.org/officeDocument/2006/math">
+                    <m:oMathParaPr>
+                      <m:jc m:val="centerGroup"/>
+                    </m:oMathParaPr>
+                    <m:oMath xmlns:m="http://schemas.openxmlformats.org/officeDocument/2006/math">
+                      <m:d>
+                        <m:dPr>
+                          <m:begChr m:val="["/>
+                          <m:endChr m:val="]"/>
+                          <m:ctrlPr>
+                            <a:rPr lang="en-US" altLang="zh-TW" sz="1600" i="1">
+                              <a:latin typeface="Cambria Math" panose="02040503050406030204" pitchFamily="18" charset="0"/>
+                            </a:rPr>
+                          </m:ctrlPr>
+                        </m:dPr>
+                        <m:e>
+                          <m:m>
+                            <m:mPr>
+                              <m:mcs>
+                                <m:mc>
+                                  <m:mcPr>
+                                    <m:count m:val="1"/>
+                                    <m:mcJc m:val="center"/>
+                                  </m:mcPr>
+                                </m:mc>
+                              </m:mcs>
+                              <m:ctrlPr>
+                                <a:rPr lang="en-US" altLang="zh-TW" sz="1600" i="1">
+                                  <a:latin typeface="Cambria Math" panose="02040503050406030204" pitchFamily="18" charset="0"/>
+                                </a:rPr>
+                              </m:ctrlPr>
+                            </m:mPr>
+                            <m:mr>
+                              <m:e>
+                                <m:sSub>
+                                  <m:sSubPr>
+                                    <m:ctrlPr>
+                                      <a:rPr lang="en-US" altLang="zh-TW" sz="1600" i="1" smtClean="0">
+                                        <a:latin typeface="Cambria Math" panose="02040503050406030204" pitchFamily="18" charset="0"/>
+                                      </a:rPr>
+                                    </m:ctrlPr>
+                                  </m:sSubPr>
+                                  <m:e>
+                                    <m:r>
+                                      <a:rPr lang="en-US" altLang="zh-TW" sz="1600" b="0" i="1" smtClean="0">
+                                        <a:latin typeface="Cambria Math" panose="02040503050406030204" pitchFamily="18" charset="0"/>
+                                      </a:rPr>
+                                      <m:t>𝑐</m:t>
+                                    </m:r>
+                                  </m:e>
+                                  <m:sub>
+                                    <m:r>
+                                      <a:rPr lang="en-US" altLang="zh-TW" sz="1600" b="0" i="1" smtClean="0">
+                                        <a:latin typeface="Cambria Math" panose="02040503050406030204" pitchFamily="18" charset="0"/>
+                                      </a:rPr>
+                                      <m:t>1</m:t>
+                                    </m:r>
+                                  </m:sub>
+                                </m:sSub>
+                              </m:e>
+                            </m:mr>
+                            <m:mr>
+                              <m:e>
+                                <m:sSub>
+                                  <m:sSubPr>
+                                    <m:ctrlPr>
+                                      <a:rPr lang="en-US" altLang="zh-TW" sz="1600" i="1" smtClean="0">
+                                        <a:latin typeface="Cambria Math" panose="02040503050406030204" pitchFamily="18" charset="0"/>
+                                      </a:rPr>
+                                    </m:ctrlPr>
+                                  </m:sSubPr>
+                                  <m:e>
+                                    <m:r>
+                                      <a:rPr lang="en-US" altLang="zh-TW" sz="1600" b="0" i="1" smtClean="0">
+                                        <a:latin typeface="Cambria Math" panose="02040503050406030204" pitchFamily="18" charset="0"/>
+                                      </a:rPr>
+                                      <m:t>𝑐</m:t>
+                                    </m:r>
+                                  </m:e>
+                                  <m:sub>
+                                    <m:r>
+                                      <a:rPr lang="en-US" altLang="zh-TW" sz="1600" b="0" i="1" smtClean="0">
+                                        <a:latin typeface="Cambria Math" panose="02040503050406030204" pitchFamily="18" charset="0"/>
+                                      </a:rPr>
+                                      <m:t>4</m:t>
+                                    </m:r>
+                                  </m:sub>
+                                </m:sSub>
+                              </m:e>
+                            </m:mr>
+                          </m:m>
+                        </m:e>
+                      </m:d>
+                      <m:r>
+                        <a:rPr lang="en-US" altLang="zh-TW" sz="1600" i="1">
+                          <a:latin typeface="Cambria Math" panose="02040503050406030204" pitchFamily="18" charset="0"/>
+                        </a:rPr>
+                        <m:t>=</m:t>
+                      </m:r>
+                      <m:d>
+                        <m:dPr>
+                          <m:begChr m:val="["/>
+                          <m:endChr m:val="]"/>
+                          <m:ctrlPr>
+                            <a:rPr lang="en-US" altLang="zh-TW" sz="1600" i="1">
+                              <a:latin typeface="Cambria Math" panose="02040503050406030204" pitchFamily="18" charset="0"/>
+                            </a:rPr>
+                          </m:ctrlPr>
+                        </m:dPr>
+                        <m:e>
+                          <m:m>
+                            <m:mPr>
+                              <m:mcs>
+                                <m:mc>
+                                  <m:mcPr>
+                                    <m:count m:val="2"/>
+                                    <m:mcJc m:val="center"/>
+                                  </m:mcPr>
+                                </m:mc>
+                              </m:mcs>
+                              <m:ctrlPr>
+                                <a:rPr lang="en-US" altLang="zh-TW" sz="1600" i="1">
+                                  <a:latin typeface="Cambria Math" panose="02040503050406030204" pitchFamily="18" charset="0"/>
+                                </a:rPr>
+                              </m:ctrlPr>
+                            </m:mPr>
+                            <m:mr>
+                              <m:e>
+                                <m:sSub>
+                                  <m:sSubPr>
+                                    <m:ctrlPr>
+                                      <a:rPr lang="en-US" altLang="zh-TW" sz="1600" i="1" smtClean="0">
+                                        <a:latin typeface="Cambria Math" panose="02040503050406030204" pitchFamily="18" charset="0"/>
+                                      </a:rPr>
+                                    </m:ctrlPr>
+                                  </m:sSubPr>
+                                  <m:e>
+                                    <m:r>
+                                      <a:rPr lang="en-US" altLang="zh-TW" sz="1600" b="0" i="1" smtClean="0">
+                                        <a:latin typeface="Cambria Math" panose="02040503050406030204" pitchFamily="18" charset="0"/>
+                                      </a:rPr>
+                                      <m:t>𝑏</m:t>
+                                    </m:r>
+                                  </m:e>
+                                  <m:sub>
+                                    <m:r>
+                                      <a:rPr lang="en-US" altLang="zh-TW" sz="1600" b="0" i="1" smtClean="0">
+                                        <a:latin typeface="Cambria Math" panose="02040503050406030204" pitchFamily="18" charset="0"/>
+                                      </a:rPr>
+                                      <m:t>1</m:t>
+                                    </m:r>
+                                  </m:sub>
+                                </m:sSub>
+                              </m:e>
+                              <m:e>
+                                <m:sSub>
+                                  <m:sSubPr>
+                                    <m:ctrlPr>
+                                      <a:rPr lang="en-US" altLang="zh-TW" sz="1600" i="1" smtClean="0">
+                                        <a:latin typeface="Cambria Math" panose="02040503050406030204" pitchFamily="18" charset="0"/>
+                                      </a:rPr>
+                                    </m:ctrlPr>
+                                  </m:sSubPr>
+                                  <m:e>
+                                    <m:r>
+                                      <a:rPr lang="en-US" altLang="zh-TW" sz="1600" b="0" i="1" smtClean="0">
+                                        <a:latin typeface="Cambria Math" panose="02040503050406030204" pitchFamily="18" charset="0"/>
+                                      </a:rPr>
+                                      <m:t>−</m:t>
+                                    </m:r>
+                                    <m:r>
+                                      <a:rPr lang="en-US" altLang="zh-TW" sz="1600" b="0" i="1" smtClean="0">
+                                        <a:latin typeface="Cambria Math" panose="02040503050406030204" pitchFamily="18" charset="0"/>
+                                      </a:rPr>
+                                      <m:t>𝑏</m:t>
+                                    </m:r>
+                                  </m:e>
+                                  <m:sub>
+                                    <m:r>
+                                      <a:rPr lang="en-US" altLang="zh-TW" sz="1600" b="0" i="1" smtClean="0">
+                                        <a:latin typeface="Cambria Math" panose="02040503050406030204" pitchFamily="18" charset="0"/>
+                                      </a:rPr>
+                                      <m:t>4</m:t>
+                                    </m:r>
+                                  </m:sub>
+                                </m:sSub>
+                              </m:e>
+                            </m:mr>
+                            <m:mr>
+                              <m:e>
+                                <m:sSub>
+                                  <m:sSubPr>
+                                    <m:ctrlPr>
+                                      <a:rPr lang="en-US" altLang="zh-TW" sz="1600" i="1" smtClean="0">
+                                        <a:latin typeface="Cambria Math" panose="02040503050406030204" pitchFamily="18" charset="0"/>
+                                      </a:rPr>
+                                    </m:ctrlPr>
+                                  </m:sSubPr>
+                                  <m:e>
+                                    <m:r>
+                                      <a:rPr lang="en-US" altLang="zh-TW" sz="1600" b="0" i="1" smtClean="0">
+                                        <a:latin typeface="Cambria Math" panose="02040503050406030204" pitchFamily="18" charset="0"/>
+                                      </a:rPr>
+                                      <m:t>−</m:t>
+                                    </m:r>
+                                    <m:r>
+                                      <a:rPr lang="en-US" altLang="zh-TW" sz="1600" b="0" i="1" smtClean="0">
+                                        <a:latin typeface="Cambria Math" panose="02040503050406030204" pitchFamily="18" charset="0"/>
+                                      </a:rPr>
+                                      <m:t>𝑏</m:t>
+                                    </m:r>
+                                  </m:e>
+                                  <m:sub>
+                                    <m:r>
+                                      <a:rPr lang="en-US" altLang="zh-TW" sz="1600" b="0" i="1" smtClean="0">
+                                        <a:latin typeface="Cambria Math" panose="02040503050406030204" pitchFamily="18" charset="0"/>
+                                      </a:rPr>
+                                      <m:t>4</m:t>
+                                    </m:r>
+                                  </m:sub>
+                                </m:sSub>
+                              </m:e>
+                              <m:e>
+                                <m:sSub>
+                                  <m:sSubPr>
+                                    <m:ctrlPr>
+                                      <a:rPr lang="en-US" altLang="zh-TW" sz="1600" i="1" smtClean="0">
+                                        <a:latin typeface="Cambria Math" panose="02040503050406030204" pitchFamily="18" charset="0"/>
+                                      </a:rPr>
+                                    </m:ctrlPr>
+                                  </m:sSubPr>
+                                  <m:e>
+                                    <m:r>
+                                      <a:rPr lang="en-US" altLang="zh-TW" sz="1600" b="0" i="1" smtClean="0">
+                                        <a:latin typeface="Cambria Math" panose="02040503050406030204" pitchFamily="18" charset="0"/>
+                                      </a:rPr>
+                                      <m:t>𝑏</m:t>
+                                    </m:r>
+                                  </m:e>
+                                  <m:sub>
+                                    <m:r>
+                                      <a:rPr lang="en-US" altLang="zh-TW" sz="1600" b="0" i="1" smtClean="0">
+                                        <a:latin typeface="Cambria Math" panose="02040503050406030204" pitchFamily="18" charset="0"/>
+                                      </a:rPr>
+                                      <m:t>1</m:t>
+                                    </m:r>
+                                  </m:sub>
+                                </m:sSub>
+                              </m:e>
+                            </m:mr>
+                          </m:m>
+                        </m:e>
+                      </m:d>
+                      <m:d>
+                        <m:dPr>
+                          <m:begChr m:val="["/>
+                          <m:endChr m:val="]"/>
+                          <m:ctrlPr>
+                            <a:rPr lang="en-US" altLang="zh-TW" sz="1600" i="1">
+                              <a:latin typeface="Cambria Math" panose="02040503050406030204" pitchFamily="18" charset="0"/>
+                            </a:rPr>
+                          </m:ctrlPr>
+                        </m:dPr>
+                        <m:e>
+                          <m:m>
+                            <m:mPr>
+                              <m:mcs>
+                                <m:mc>
+                                  <m:mcPr>
+                                    <m:count m:val="1"/>
+                                    <m:mcJc m:val="center"/>
+                                  </m:mcPr>
+                                </m:mc>
+                              </m:mcs>
+                              <m:ctrlPr>
+                                <a:rPr lang="en-US" altLang="zh-TW" sz="1600" i="1">
+                                  <a:latin typeface="Cambria Math" panose="02040503050406030204" pitchFamily="18" charset="0"/>
+                                </a:rPr>
+                              </m:ctrlPr>
+                            </m:mPr>
+                            <m:mr>
+                              <m:e>
+                                <m:sSub>
+                                  <m:sSubPr>
+                                    <m:ctrlPr>
+                                      <a:rPr lang="en-US" altLang="zh-TW" sz="1600" i="1" smtClean="0">
+                                        <a:latin typeface="Cambria Math" panose="02040503050406030204" pitchFamily="18" charset="0"/>
+                                      </a:rPr>
+                                    </m:ctrlPr>
+                                  </m:sSubPr>
+                                  <m:e>
+                                    <m:r>
+                                      <a:rPr lang="en-US" altLang="zh-TW" sz="1600" b="0" i="1" smtClean="0">
+                                        <a:latin typeface="Cambria Math" panose="02040503050406030204" pitchFamily="18" charset="0"/>
+                                      </a:rPr>
+                                      <m:t>𝑎</m:t>
+                                    </m:r>
+                                  </m:e>
+                                  <m:sub>
+                                    <m:r>
+                                      <a:rPr lang="en-US" altLang="zh-TW" sz="1600" b="0" i="1" smtClean="0">
+                                        <a:latin typeface="Cambria Math" panose="02040503050406030204" pitchFamily="18" charset="0"/>
+                                      </a:rPr>
+                                      <m:t>1</m:t>
+                                    </m:r>
+                                  </m:sub>
+                                </m:sSub>
+                              </m:e>
+                            </m:mr>
+                            <m:mr>
+                              <m:e>
+                                <m:sSub>
+                                  <m:sSubPr>
+                                    <m:ctrlPr>
+                                      <a:rPr lang="en-US" altLang="zh-TW" sz="1600" i="1" smtClean="0">
+                                        <a:latin typeface="Cambria Math" panose="02040503050406030204" pitchFamily="18" charset="0"/>
+                                      </a:rPr>
+                                    </m:ctrlPr>
+                                  </m:sSubPr>
+                                  <m:e>
+                                    <m:r>
+                                      <a:rPr lang="en-US" altLang="zh-TW" sz="1600" b="0" i="1" smtClean="0">
+                                        <a:latin typeface="Cambria Math" panose="02040503050406030204" pitchFamily="18" charset="0"/>
+                                      </a:rPr>
+                                      <m:t>𝑎</m:t>
+                                    </m:r>
+                                  </m:e>
+                                  <m:sub>
+                                    <m:r>
+                                      <a:rPr lang="en-US" altLang="zh-TW" sz="1600" b="0" i="1" smtClean="0">
+                                        <a:latin typeface="Cambria Math" panose="02040503050406030204" pitchFamily="18" charset="0"/>
+                                      </a:rPr>
+                                      <m:t>4</m:t>
+                                    </m:r>
+                                  </m:sub>
+                                </m:sSub>
+                              </m:e>
+                            </m:mr>
+                          </m:m>
+                        </m:e>
+                      </m:d>
+                      <m:r>
+                        <a:rPr lang="en-US" altLang="zh-TW" sz="1600" i="1">
+                          <a:latin typeface="Cambria Math" panose="02040503050406030204" pitchFamily="18" charset="0"/>
+                        </a:rPr>
+                        <m:t>+</m:t>
+                      </m:r>
+                      <m:d>
+                        <m:dPr>
+                          <m:begChr m:val="["/>
+                          <m:endChr m:val="]"/>
+                          <m:ctrlPr>
+                            <a:rPr lang="en-US" altLang="zh-TW" sz="1600" i="1">
+                              <a:latin typeface="Cambria Math" panose="02040503050406030204" pitchFamily="18" charset="0"/>
+                            </a:rPr>
+                          </m:ctrlPr>
+                        </m:dPr>
+                        <m:e>
+                          <m:m>
+                            <m:mPr>
+                              <m:mcs>
+                                <m:mc>
+                                  <m:mcPr>
+                                    <m:count m:val="2"/>
+                                    <m:mcJc m:val="center"/>
+                                  </m:mcPr>
+                                </m:mc>
+                              </m:mcs>
+                              <m:ctrlPr>
+                                <a:rPr lang="en-US" altLang="zh-TW" sz="1600" i="1">
+                                  <a:latin typeface="Cambria Math" panose="02040503050406030204" pitchFamily="18" charset="0"/>
+                                </a:rPr>
+                              </m:ctrlPr>
+                            </m:mPr>
+                            <m:mr>
+                              <m:e>
+                                <m:sSub>
+                                  <m:sSubPr>
+                                    <m:ctrlPr>
+                                      <a:rPr lang="en-US" altLang="zh-TW" sz="1600" i="1" smtClean="0">
+                                        <a:latin typeface="Cambria Math" panose="02040503050406030204" pitchFamily="18" charset="0"/>
+                                      </a:rPr>
+                                    </m:ctrlPr>
+                                  </m:sSubPr>
+                                  <m:e>
+                                    <m:r>
+                                      <a:rPr lang="en-US" altLang="zh-TW" sz="1600" b="0" i="1" smtClean="0">
+                                        <a:latin typeface="Cambria Math" panose="02040503050406030204" pitchFamily="18" charset="0"/>
+                                      </a:rPr>
+                                      <m:t>−</m:t>
+                                    </m:r>
+                                    <m:r>
+                                      <a:rPr lang="en-US" altLang="zh-TW" sz="1600" b="0" i="1" smtClean="0">
+                                        <a:latin typeface="Cambria Math" panose="02040503050406030204" pitchFamily="18" charset="0"/>
+                                      </a:rPr>
+                                      <m:t>𝑏</m:t>
+                                    </m:r>
+                                  </m:e>
+                                  <m:sub>
+                                    <m:r>
+                                      <a:rPr lang="en-US" altLang="zh-TW" sz="1600" b="0" i="1" smtClean="0">
+                                        <a:latin typeface="Cambria Math" panose="02040503050406030204" pitchFamily="18" charset="0"/>
+                                      </a:rPr>
+                                      <m:t>2</m:t>
+                                    </m:r>
+                                  </m:sub>
+                                </m:sSub>
+                              </m:e>
+                              <m:e>
+                                <m:sSub>
+                                  <m:sSubPr>
+                                    <m:ctrlPr>
+                                      <a:rPr lang="en-US" altLang="zh-TW" sz="1600" i="1" smtClean="0">
+                                        <a:latin typeface="Cambria Math" panose="02040503050406030204" pitchFamily="18" charset="0"/>
+                                      </a:rPr>
+                                    </m:ctrlPr>
+                                  </m:sSubPr>
+                                  <m:e>
+                                    <m:r>
+                                      <a:rPr lang="en-US" altLang="zh-TW" sz="1600" b="0" i="1" smtClean="0">
+                                        <a:latin typeface="Cambria Math" panose="02040503050406030204" pitchFamily="18" charset="0"/>
+                                      </a:rPr>
+                                      <m:t>−</m:t>
+                                    </m:r>
+                                    <m:r>
+                                      <a:rPr lang="en-US" altLang="zh-TW" sz="1600" b="0" i="1" smtClean="0">
+                                        <a:latin typeface="Cambria Math" panose="02040503050406030204" pitchFamily="18" charset="0"/>
+                                      </a:rPr>
+                                      <m:t>𝑏</m:t>
+                                    </m:r>
+                                  </m:e>
+                                  <m:sub>
+                                    <m:r>
+                                      <a:rPr lang="en-US" altLang="zh-TW" sz="1600" b="0" i="1" smtClean="0">
+                                        <a:latin typeface="Cambria Math" panose="02040503050406030204" pitchFamily="18" charset="0"/>
+                                      </a:rPr>
+                                      <m:t>3</m:t>
+                                    </m:r>
+                                  </m:sub>
+                                </m:sSub>
+                              </m:e>
+                            </m:mr>
+                            <m:mr>
+                              <m:e>
+                                <m:sSub>
+                                  <m:sSubPr>
+                                    <m:ctrlPr>
+                                      <a:rPr lang="en-US" altLang="zh-TW" sz="1600" i="1" smtClean="0">
+                                        <a:latin typeface="Cambria Math" panose="02040503050406030204" pitchFamily="18" charset="0"/>
+                                      </a:rPr>
+                                    </m:ctrlPr>
+                                  </m:sSubPr>
+                                  <m:e>
+                                    <m:r>
+                                      <a:rPr lang="en-US" altLang="zh-TW" sz="1600" b="0" i="1" smtClean="0">
+                                        <a:latin typeface="Cambria Math" panose="02040503050406030204" pitchFamily="18" charset="0"/>
+                                      </a:rPr>
+                                      <m:t>𝑏</m:t>
+                                    </m:r>
+                                  </m:e>
+                                  <m:sub>
+                                    <m:r>
+                                      <a:rPr lang="en-US" altLang="zh-TW" sz="1600" b="0" i="1" smtClean="0">
+                                        <a:latin typeface="Cambria Math" panose="02040503050406030204" pitchFamily="18" charset="0"/>
+                                      </a:rPr>
+                                      <m:t>3</m:t>
+                                    </m:r>
+                                  </m:sub>
+                                </m:sSub>
+                              </m:e>
+                              <m:e>
+                                <m:sSub>
+                                  <m:sSubPr>
+                                    <m:ctrlPr>
+                                      <a:rPr lang="en-US" altLang="zh-TW" sz="1600" i="1" smtClean="0">
+                                        <a:latin typeface="Cambria Math" panose="02040503050406030204" pitchFamily="18" charset="0"/>
+                                      </a:rPr>
+                                    </m:ctrlPr>
+                                  </m:sSubPr>
+                                  <m:e>
+                                    <m:r>
+                                      <a:rPr lang="en-US" altLang="zh-TW" sz="1600" b="0" i="1" smtClean="0">
+                                        <a:latin typeface="Cambria Math" panose="02040503050406030204" pitchFamily="18" charset="0"/>
+                                      </a:rPr>
+                                      <m:t>𝑏</m:t>
+                                    </m:r>
+                                  </m:e>
+                                  <m:sub>
+                                    <m:r>
+                                      <a:rPr lang="en-US" altLang="zh-TW" sz="1600" b="0" i="1" smtClean="0">
+                                        <a:latin typeface="Cambria Math" panose="02040503050406030204" pitchFamily="18" charset="0"/>
+                                      </a:rPr>
+                                      <m:t>2</m:t>
+                                    </m:r>
+                                  </m:sub>
+                                </m:sSub>
+                              </m:e>
+                            </m:mr>
+                          </m:m>
+                        </m:e>
+                      </m:d>
+                      <m:d>
+                        <m:dPr>
+                          <m:begChr m:val="["/>
+                          <m:endChr m:val="]"/>
+                          <m:ctrlPr>
+                            <a:rPr lang="en-US" altLang="zh-TW" sz="1600" i="1">
+                              <a:latin typeface="Cambria Math" panose="02040503050406030204" pitchFamily="18" charset="0"/>
+                            </a:rPr>
+                          </m:ctrlPr>
+                        </m:dPr>
+                        <m:e>
+                          <m:m>
+                            <m:mPr>
+                              <m:mcs>
+                                <m:mc>
+                                  <m:mcPr>
+                                    <m:count m:val="1"/>
+                                    <m:mcJc m:val="center"/>
+                                  </m:mcPr>
+                                </m:mc>
+                              </m:mcs>
+                              <m:ctrlPr>
+                                <a:rPr lang="en-US" altLang="zh-TW" sz="1600" i="1">
+                                  <a:latin typeface="Cambria Math" panose="02040503050406030204" pitchFamily="18" charset="0"/>
+                                </a:rPr>
+                              </m:ctrlPr>
+                            </m:mPr>
+                            <m:mr>
+                              <m:e>
+                                <m:sSub>
+                                  <m:sSubPr>
+                                    <m:ctrlPr>
+                                      <a:rPr lang="en-US" altLang="zh-TW" sz="1600" i="1">
+                                        <a:latin typeface="Cambria Math" panose="02040503050406030204" pitchFamily="18" charset="0"/>
+                                      </a:rPr>
+                                    </m:ctrlPr>
+                                  </m:sSubPr>
+                                  <m:e>
+                                    <m:r>
+                                      <a:rPr lang="en-US" altLang="zh-TW" sz="1600" i="1">
+                                        <a:latin typeface="Cambria Math" panose="02040503050406030204" pitchFamily="18" charset="0"/>
+                                      </a:rPr>
+                                      <m:t>𝑎</m:t>
+                                    </m:r>
+                                  </m:e>
+                                  <m:sub>
+                                    <m:r>
+                                      <a:rPr lang="en-US" altLang="zh-TW" sz="1600" b="0" i="1" smtClean="0">
+                                        <a:latin typeface="Cambria Math" panose="02040503050406030204" pitchFamily="18" charset="0"/>
+                                      </a:rPr>
+                                      <m:t>2</m:t>
+                                    </m:r>
+                                  </m:sub>
+                                </m:sSub>
+                              </m:e>
+                            </m:mr>
+                            <m:mr>
+                              <m:e>
+                                <m:sSub>
+                                  <m:sSubPr>
+                                    <m:ctrlPr>
+                                      <a:rPr lang="en-US" altLang="zh-TW" sz="1600" i="1" smtClean="0">
+                                        <a:latin typeface="Cambria Math" panose="02040503050406030204" pitchFamily="18" charset="0"/>
+                                      </a:rPr>
+                                    </m:ctrlPr>
+                                  </m:sSubPr>
+                                  <m:e>
+                                    <m:r>
+                                      <a:rPr lang="en-US" altLang="zh-TW" sz="1600" i="1">
+                                        <a:latin typeface="Cambria Math" panose="02040503050406030204" pitchFamily="18" charset="0"/>
+                                      </a:rPr>
+                                      <m:t>𝑎</m:t>
+                                    </m:r>
+                                  </m:e>
+                                  <m:sub>
+                                    <m:r>
+                                      <a:rPr lang="en-US" altLang="zh-TW" sz="1600" b="0" i="1" smtClean="0">
+                                        <a:latin typeface="Cambria Math" panose="02040503050406030204" pitchFamily="18" charset="0"/>
+                                      </a:rPr>
+                                      <m:t>3</m:t>
+                                    </m:r>
+                                  </m:sub>
+                                </m:sSub>
+                              </m:e>
+                            </m:mr>
+                          </m:m>
+                        </m:e>
+                      </m:d>
+                    </m:oMath>
+                  </m:oMathPara>
+                </a14:m>
+                <a:endParaRPr lang="en-US" altLang="zh-TW" sz="1600" dirty="0"/>
+              </a:p>
+              <a:p>
+                <a:endParaRPr lang="en-US" altLang="zh-TW" sz="1600" dirty="0"/>
+              </a:p>
+              <a:p>
+                <a14:m>
+                  <m:oMathPara xmlns:m="http://schemas.openxmlformats.org/officeDocument/2006/math">
+                    <m:oMathParaPr>
+                      <m:jc m:val="centerGroup"/>
+                    </m:oMathParaPr>
+                    <m:oMath xmlns:m="http://schemas.openxmlformats.org/officeDocument/2006/math">
+                      <m:r>
+                        <a:rPr lang="en-US" altLang="zh-TW" sz="1600" i="1" dirty="0" smtClean="0">
+                          <a:latin typeface="Cambria Math" panose="02040503050406030204" pitchFamily="18" charset="0"/>
+                        </a:rPr>
+                        <m:t>⇒</m:t>
+                      </m:r>
+                      <m:d>
+                        <m:dPr>
+                          <m:begChr m:val="["/>
+                          <m:endChr m:val="]"/>
+                          <m:ctrlPr>
+                            <a:rPr lang="en-US" altLang="zh-TW" sz="1600" i="1">
+                              <a:latin typeface="Cambria Math" panose="02040503050406030204" pitchFamily="18" charset="0"/>
+                            </a:rPr>
+                          </m:ctrlPr>
+                        </m:dPr>
+                        <m:e>
+                          <m:m>
+                            <m:mPr>
+                              <m:mcs>
+                                <m:mc>
+                                  <m:mcPr>
+                                    <m:count m:val="1"/>
+                                    <m:mcJc m:val="center"/>
+                                  </m:mcPr>
+                                </m:mc>
+                              </m:mcs>
+                              <m:ctrlPr>
+                                <a:rPr lang="en-US" altLang="zh-TW" sz="1600" i="1">
+                                  <a:latin typeface="Cambria Math" panose="02040503050406030204" pitchFamily="18" charset="0"/>
+                                </a:rPr>
+                              </m:ctrlPr>
+                            </m:mPr>
+                            <m:mr>
+                              <m:e>
+                                <m:sSub>
+                                  <m:sSubPr>
+                                    <m:ctrlPr>
+                                      <a:rPr lang="en-US" altLang="zh-TW" sz="1600" i="1">
+                                        <a:latin typeface="Cambria Math" panose="02040503050406030204" pitchFamily="18" charset="0"/>
+                                      </a:rPr>
+                                    </m:ctrlPr>
+                                  </m:sSubPr>
+                                  <m:e>
+                                    <m:r>
+                                      <a:rPr lang="en-US" altLang="zh-TW" sz="1600" i="1">
+                                        <a:latin typeface="Cambria Math" panose="02040503050406030204" pitchFamily="18" charset="0"/>
+                                      </a:rPr>
+                                      <m:t>𝑐</m:t>
+                                    </m:r>
+                                  </m:e>
+                                  <m:sub>
+                                    <m:r>
+                                      <a:rPr lang="en-US" altLang="zh-TW" sz="1600" i="1">
+                                        <a:latin typeface="Cambria Math" panose="02040503050406030204" pitchFamily="18" charset="0"/>
+                                      </a:rPr>
+                                      <m:t>2</m:t>
+                                    </m:r>
+                                  </m:sub>
+                                </m:sSub>
+                              </m:e>
+                            </m:mr>
+                            <m:mr>
+                              <m:e>
+                                <m:sSub>
+                                  <m:sSubPr>
+                                    <m:ctrlPr>
+                                      <a:rPr lang="en-US" altLang="zh-TW" sz="1600" i="1">
+                                        <a:latin typeface="Cambria Math" panose="02040503050406030204" pitchFamily="18" charset="0"/>
+                                      </a:rPr>
+                                    </m:ctrlPr>
+                                  </m:sSubPr>
+                                  <m:e>
+                                    <m:r>
+                                      <a:rPr lang="en-US" altLang="zh-TW" sz="1600" i="1">
+                                        <a:latin typeface="Cambria Math" panose="02040503050406030204" pitchFamily="18" charset="0"/>
+                                      </a:rPr>
+                                      <m:t>𝑐</m:t>
+                                    </m:r>
+                                  </m:e>
+                                  <m:sub>
+                                    <m:r>
+                                      <a:rPr lang="en-US" altLang="zh-TW" sz="1600" i="1">
+                                        <a:latin typeface="Cambria Math" panose="02040503050406030204" pitchFamily="18" charset="0"/>
+                                      </a:rPr>
+                                      <m:t>3</m:t>
+                                    </m:r>
+                                  </m:sub>
+                                </m:sSub>
+                              </m:e>
+                            </m:mr>
+                          </m:m>
+                        </m:e>
+                      </m:d>
+                      <m:r>
+                        <a:rPr lang="en-US" altLang="zh-TW" sz="1600" i="1">
+                          <a:latin typeface="Cambria Math" panose="02040503050406030204" pitchFamily="18" charset="0"/>
+                        </a:rPr>
+                        <m:t>=</m:t>
+                      </m:r>
+                      <m:d>
+                        <m:dPr>
+                          <m:begChr m:val="["/>
+                          <m:endChr m:val="]"/>
+                          <m:ctrlPr>
+                            <a:rPr lang="en-US" altLang="zh-TW" sz="1600" i="1">
+                              <a:latin typeface="Cambria Math" panose="02040503050406030204" pitchFamily="18" charset="0"/>
+                            </a:rPr>
+                          </m:ctrlPr>
+                        </m:dPr>
+                        <m:e>
+                          <m:m>
+                            <m:mPr>
+                              <m:mcs>
+                                <m:mc>
+                                  <m:mcPr>
+                                    <m:count m:val="2"/>
+                                    <m:mcJc m:val="center"/>
+                                  </m:mcPr>
+                                </m:mc>
+                              </m:mcs>
+                              <m:ctrlPr>
+                                <a:rPr lang="en-US" altLang="zh-TW" sz="1600" i="1">
+                                  <a:latin typeface="Cambria Math" panose="02040503050406030204" pitchFamily="18" charset="0"/>
+                                </a:rPr>
+                              </m:ctrlPr>
+                            </m:mPr>
+                            <m:mr>
+                              <m:e>
+                                <m:sSub>
+                                  <m:sSubPr>
+                                    <m:ctrlPr>
+                                      <a:rPr lang="en-US" altLang="zh-TW" sz="1600" i="1">
+                                        <a:latin typeface="Cambria Math" panose="02040503050406030204" pitchFamily="18" charset="0"/>
+                                      </a:rPr>
+                                    </m:ctrlPr>
+                                  </m:sSubPr>
+                                  <m:e>
+                                    <m:r>
+                                      <a:rPr lang="en-US" altLang="zh-TW" sz="1600" i="1">
+                                        <a:latin typeface="Cambria Math" panose="02040503050406030204" pitchFamily="18" charset="0"/>
+                                      </a:rPr>
+                                      <m:t>𝑏</m:t>
+                                    </m:r>
+                                  </m:e>
+                                  <m:sub>
+                                    <m:r>
+                                      <a:rPr lang="en-US" altLang="zh-TW" sz="1600" i="1">
+                                        <a:latin typeface="Cambria Math" panose="02040503050406030204" pitchFamily="18" charset="0"/>
+                                      </a:rPr>
+                                      <m:t>2</m:t>
+                                    </m:r>
+                                  </m:sub>
+                                </m:sSub>
+                              </m:e>
+                              <m:e>
+                                <m:sSub>
+                                  <m:sSubPr>
+                                    <m:ctrlPr>
+                                      <a:rPr lang="en-US" altLang="zh-TW" sz="1600" i="1">
+                                        <a:latin typeface="Cambria Math" panose="02040503050406030204" pitchFamily="18" charset="0"/>
+                                      </a:rPr>
+                                    </m:ctrlPr>
+                                  </m:sSubPr>
+                                  <m:e>
+                                    <m:r>
+                                      <a:rPr lang="en-US" altLang="zh-TW" sz="1600" i="1">
+                                        <a:latin typeface="Cambria Math" panose="02040503050406030204" pitchFamily="18" charset="0"/>
+                                      </a:rPr>
+                                      <m:t>𝑏</m:t>
+                                    </m:r>
+                                  </m:e>
+                                  <m:sub>
+                                    <m:r>
+                                      <a:rPr lang="en-US" altLang="zh-TW" sz="1600" i="1">
+                                        <a:latin typeface="Cambria Math" panose="02040503050406030204" pitchFamily="18" charset="0"/>
+                                      </a:rPr>
+                                      <m:t>3</m:t>
+                                    </m:r>
+                                  </m:sub>
+                                </m:sSub>
+                              </m:e>
+                            </m:mr>
+                            <m:mr>
+                              <m:e>
+                                <m:sSub>
+                                  <m:sSubPr>
+                                    <m:ctrlPr>
+                                      <a:rPr lang="en-US" altLang="zh-TW" sz="1600" i="1">
+                                        <a:latin typeface="Cambria Math" panose="02040503050406030204" pitchFamily="18" charset="0"/>
+                                      </a:rPr>
+                                    </m:ctrlPr>
+                                  </m:sSubPr>
+                                  <m:e>
+                                    <m:r>
+                                      <a:rPr lang="en-US" altLang="zh-TW" sz="1600" i="1">
+                                        <a:latin typeface="Cambria Math" panose="02040503050406030204" pitchFamily="18" charset="0"/>
+                                      </a:rPr>
+                                      <m:t>𝑏</m:t>
+                                    </m:r>
+                                  </m:e>
+                                  <m:sub>
+                                    <m:r>
+                                      <a:rPr lang="en-US" altLang="zh-TW" sz="1600" i="1">
+                                        <a:latin typeface="Cambria Math" panose="02040503050406030204" pitchFamily="18" charset="0"/>
+                                      </a:rPr>
+                                      <m:t>3</m:t>
+                                    </m:r>
+                                  </m:sub>
+                                </m:sSub>
+                              </m:e>
+                              <m:e>
+                                <m:sSub>
+                                  <m:sSubPr>
+                                    <m:ctrlPr>
+                                      <a:rPr lang="en-US" altLang="zh-TW" sz="1600" i="1">
+                                        <a:latin typeface="Cambria Math" panose="02040503050406030204" pitchFamily="18" charset="0"/>
+                                      </a:rPr>
+                                    </m:ctrlPr>
+                                  </m:sSubPr>
+                                  <m:e>
+                                    <m:r>
+                                      <a:rPr lang="en-US" altLang="zh-TW" sz="1600" i="1">
+                                        <a:latin typeface="Cambria Math" panose="02040503050406030204" pitchFamily="18" charset="0"/>
+                                      </a:rPr>
+                                      <m:t>𝑏</m:t>
+                                    </m:r>
+                                  </m:e>
+                                  <m:sub>
+                                    <m:r>
+                                      <a:rPr lang="en-US" altLang="zh-TW" sz="1600" i="1">
+                                        <a:latin typeface="Cambria Math" panose="02040503050406030204" pitchFamily="18" charset="0"/>
+                                      </a:rPr>
+                                      <m:t>2</m:t>
+                                    </m:r>
+                                  </m:sub>
+                                </m:sSub>
+                              </m:e>
+                            </m:mr>
+                          </m:m>
+                        </m:e>
+                      </m:d>
+                      <m:d>
+                        <m:dPr>
+                          <m:begChr m:val="["/>
+                          <m:endChr m:val="]"/>
+                          <m:ctrlPr>
+                            <a:rPr lang="en-US" altLang="zh-TW" sz="1600" i="1">
+                              <a:latin typeface="Cambria Math" panose="02040503050406030204" pitchFamily="18" charset="0"/>
+                            </a:rPr>
+                          </m:ctrlPr>
+                        </m:dPr>
+                        <m:e>
+                          <m:m>
+                            <m:mPr>
+                              <m:mcs>
+                                <m:mc>
+                                  <m:mcPr>
+                                    <m:count m:val="1"/>
+                                    <m:mcJc m:val="center"/>
+                                  </m:mcPr>
+                                </m:mc>
+                              </m:mcs>
+                              <m:ctrlPr>
+                                <a:rPr lang="en-US" altLang="zh-TW" sz="1600" i="1">
+                                  <a:latin typeface="Cambria Math" panose="02040503050406030204" pitchFamily="18" charset="0"/>
+                                </a:rPr>
+                              </m:ctrlPr>
+                            </m:mPr>
+                            <m:mr>
+                              <m:e>
+                                <m:sSub>
+                                  <m:sSubPr>
+                                    <m:ctrlPr>
+                                      <a:rPr lang="en-US" altLang="zh-TW" sz="1600" i="1">
+                                        <a:latin typeface="Cambria Math" panose="02040503050406030204" pitchFamily="18" charset="0"/>
+                                      </a:rPr>
+                                    </m:ctrlPr>
+                                  </m:sSubPr>
+                                  <m:e>
+                                    <m:r>
+                                      <a:rPr lang="en-US" altLang="zh-TW" sz="1600" i="1">
+                                        <a:latin typeface="Cambria Math" panose="02040503050406030204" pitchFamily="18" charset="0"/>
+                                      </a:rPr>
+                                      <m:t>𝑎</m:t>
+                                    </m:r>
+                                  </m:e>
+                                  <m:sub>
+                                    <m:r>
+                                      <a:rPr lang="en-US" altLang="zh-TW" sz="1600" i="1">
+                                        <a:latin typeface="Cambria Math" panose="02040503050406030204" pitchFamily="18" charset="0"/>
+                                      </a:rPr>
+                                      <m:t>1</m:t>
+                                    </m:r>
+                                  </m:sub>
+                                </m:sSub>
+                              </m:e>
+                            </m:mr>
+                            <m:mr>
+                              <m:e>
+                                <m:sSub>
+                                  <m:sSubPr>
+                                    <m:ctrlPr>
+                                      <a:rPr lang="en-US" altLang="zh-TW" sz="1600" i="1">
+                                        <a:latin typeface="Cambria Math" panose="02040503050406030204" pitchFamily="18" charset="0"/>
+                                      </a:rPr>
+                                    </m:ctrlPr>
+                                  </m:sSubPr>
+                                  <m:e>
+                                    <m:r>
+                                      <a:rPr lang="en-US" altLang="zh-TW" sz="1600" b="0" i="1" smtClean="0">
+                                        <a:latin typeface="Cambria Math" panose="02040503050406030204" pitchFamily="18" charset="0"/>
+                                      </a:rPr>
+                                      <m:t>−</m:t>
+                                    </m:r>
+                                    <m:r>
+                                      <a:rPr lang="en-US" altLang="zh-TW" sz="1600" i="1">
+                                        <a:latin typeface="Cambria Math" panose="02040503050406030204" pitchFamily="18" charset="0"/>
+                                      </a:rPr>
+                                      <m:t>𝑎</m:t>
+                                    </m:r>
+                                  </m:e>
+                                  <m:sub>
+                                    <m:r>
+                                      <a:rPr lang="en-US" altLang="zh-TW" sz="1600" i="1">
+                                        <a:latin typeface="Cambria Math" panose="02040503050406030204" pitchFamily="18" charset="0"/>
+                                      </a:rPr>
+                                      <m:t>4</m:t>
+                                    </m:r>
+                                  </m:sub>
+                                </m:sSub>
+                              </m:e>
+                            </m:mr>
+                          </m:m>
+                        </m:e>
+                      </m:d>
+                      <m:r>
+                        <a:rPr lang="en-US" altLang="zh-TW" sz="1600" i="1">
+                          <a:latin typeface="Cambria Math" panose="02040503050406030204" pitchFamily="18" charset="0"/>
+                        </a:rPr>
+                        <m:t>+</m:t>
+                      </m:r>
+                      <m:d>
+                        <m:dPr>
+                          <m:begChr m:val="["/>
+                          <m:endChr m:val="]"/>
+                          <m:ctrlPr>
+                            <a:rPr lang="en-US" altLang="zh-TW" sz="1600" i="1">
+                              <a:latin typeface="Cambria Math" panose="02040503050406030204" pitchFamily="18" charset="0"/>
+                            </a:rPr>
+                          </m:ctrlPr>
+                        </m:dPr>
+                        <m:e>
+                          <m:m>
+                            <m:mPr>
+                              <m:mcs>
+                                <m:mc>
+                                  <m:mcPr>
+                                    <m:count m:val="2"/>
+                                    <m:mcJc m:val="center"/>
+                                  </m:mcPr>
+                                </m:mc>
+                              </m:mcs>
+                              <m:ctrlPr>
+                                <a:rPr lang="en-US" altLang="zh-TW" sz="1600" i="1">
+                                  <a:latin typeface="Cambria Math" panose="02040503050406030204" pitchFamily="18" charset="0"/>
+                                </a:rPr>
+                              </m:ctrlPr>
+                            </m:mPr>
+                            <m:mr>
+                              <m:e>
+                                <m:sSub>
+                                  <m:sSubPr>
+                                    <m:ctrlPr>
+                                      <a:rPr lang="en-US" altLang="zh-TW" sz="1600" i="1">
+                                        <a:latin typeface="Cambria Math" panose="02040503050406030204" pitchFamily="18" charset="0"/>
+                                      </a:rPr>
+                                    </m:ctrlPr>
+                                  </m:sSubPr>
+                                  <m:e>
+                                    <m:r>
+                                      <a:rPr lang="en-US" altLang="zh-TW" sz="1600" i="1">
+                                        <a:latin typeface="Cambria Math" panose="02040503050406030204" pitchFamily="18" charset="0"/>
+                                      </a:rPr>
+                                      <m:t>𝑏</m:t>
+                                    </m:r>
+                                  </m:e>
+                                  <m:sub>
+                                    <m:r>
+                                      <a:rPr lang="en-US" altLang="zh-TW" sz="1600" i="1">
+                                        <a:latin typeface="Cambria Math" panose="02040503050406030204" pitchFamily="18" charset="0"/>
+                                      </a:rPr>
+                                      <m:t>1</m:t>
+                                    </m:r>
+                                  </m:sub>
+                                </m:sSub>
+                              </m:e>
+                              <m:e>
+                                <m:sSub>
+                                  <m:sSubPr>
+                                    <m:ctrlPr>
+                                      <a:rPr lang="en-US" altLang="zh-TW" sz="1600" i="1">
+                                        <a:latin typeface="Cambria Math" panose="02040503050406030204" pitchFamily="18" charset="0"/>
+                                      </a:rPr>
+                                    </m:ctrlPr>
+                                  </m:sSubPr>
+                                  <m:e>
+                                    <m:r>
+                                      <a:rPr lang="en-US" altLang="zh-TW" sz="1600" i="1">
+                                        <a:latin typeface="Cambria Math" panose="02040503050406030204" pitchFamily="18" charset="0"/>
+                                      </a:rPr>
+                                      <m:t>𝑏</m:t>
+                                    </m:r>
+                                  </m:e>
+                                  <m:sub>
+                                    <m:r>
+                                      <a:rPr lang="en-US" altLang="zh-TW" sz="1600" i="1">
+                                        <a:latin typeface="Cambria Math" panose="02040503050406030204" pitchFamily="18" charset="0"/>
+                                      </a:rPr>
+                                      <m:t>4</m:t>
+                                    </m:r>
+                                  </m:sub>
+                                </m:sSub>
+                              </m:e>
+                            </m:mr>
+                            <m:mr>
+                              <m:e>
+                                <m:sSub>
+                                  <m:sSubPr>
+                                    <m:ctrlPr>
+                                      <a:rPr lang="en-US" altLang="zh-TW" sz="1600" i="1">
+                                        <a:latin typeface="Cambria Math" panose="02040503050406030204" pitchFamily="18" charset="0"/>
+                                      </a:rPr>
+                                    </m:ctrlPr>
+                                  </m:sSubPr>
+                                  <m:e>
+                                    <m:r>
+                                      <a:rPr lang="en-US" altLang="zh-TW" sz="1600" i="1">
+                                        <a:latin typeface="Cambria Math" panose="02040503050406030204" pitchFamily="18" charset="0"/>
+                                      </a:rPr>
+                                      <m:t>𝑏</m:t>
+                                    </m:r>
+                                  </m:e>
+                                  <m:sub>
+                                    <m:r>
+                                      <a:rPr lang="en-US" altLang="zh-TW" sz="1600" i="1">
+                                        <a:latin typeface="Cambria Math" panose="02040503050406030204" pitchFamily="18" charset="0"/>
+                                      </a:rPr>
+                                      <m:t>4</m:t>
+                                    </m:r>
+                                  </m:sub>
+                                </m:sSub>
+                              </m:e>
+                              <m:e>
+                                <m:sSub>
+                                  <m:sSubPr>
+                                    <m:ctrlPr>
+                                      <a:rPr lang="en-US" altLang="zh-TW" sz="1600" i="1">
+                                        <a:latin typeface="Cambria Math" panose="02040503050406030204" pitchFamily="18" charset="0"/>
+                                      </a:rPr>
+                                    </m:ctrlPr>
+                                  </m:sSubPr>
+                                  <m:e>
+                                    <m:r>
+                                      <a:rPr lang="en-US" altLang="zh-TW" sz="1600" i="1">
+                                        <a:latin typeface="Cambria Math" panose="02040503050406030204" pitchFamily="18" charset="0"/>
+                                      </a:rPr>
+                                      <m:t>𝑏</m:t>
+                                    </m:r>
+                                  </m:e>
+                                  <m:sub>
+                                    <m:r>
+                                      <a:rPr lang="en-US" altLang="zh-TW" sz="1600" i="1">
+                                        <a:latin typeface="Cambria Math" panose="02040503050406030204" pitchFamily="18" charset="0"/>
+                                      </a:rPr>
+                                      <m:t>1</m:t>
+                                    </m:r>
+                                  </m:sub>
+                                </m:sSub>
+                              </m:e>
+                            </m:mr>
+                          </m:m>
+                        </m:e>
+                      </m:d>
+                      <m:d>
+                        <m:dPr>
+                          <m:begChr m:val="["/>
+                          <m:endChr m:val="]"/>
+                          <m:ctrlPr>
+                            <a:rPr lang="en-US" altLang="zh-TW" sz="1600" i="1">
+                              <a:latin typeface="Cambria Math" panose="02040503050406030204" pitchFamily="18" charset="0"/>
+                            </a:rPr>
+                          </m:ctrlPr>
+                        </m:dPr>
+                        <m:e>
+                          <m:m>
+                            <m:mPr>
+                              <m:mcs>
+                                <m:mc>
+                                  <m:mcPr>
+                                    <m:count m:val="1"/>
+                                    <m:mcJc m:val="center"/>
+                                  </m:mcPr>
+                                </m:mc>
+                              </m:mcs>
+                              <m:ctrlPr>
+                                <a:rPr lang="en-US" altLang="zh-TW" sz="1600" i="1">
+                                  <a:latin typeface="Cambria Math" panose="02040503050406030204" pitchFamily="18" charset="0"/>
+                                </a:rPr>
+                              </m:ctrlPr>
+                            </m:mPr>
+                            <m:mr>
+                              <m:e>
+                                <m:sSub>
+                                  <m:sSubPr>
+                                    <m:ctrlPr>
+                                      <a:rPr lang="en-US" altLang="zh-TW" sz="1600" i="1">
+                                        <a:latin typeface="Cambria Math" panose="02040503050406030204" pitchFamily="18" charset="0"/>
+                                      </a:rPr>
+                                    </m:ctrlPr>
+                                  </m:sSubPr>
+                                  <m:e>
+                                    <m:r>
+                                      <a:rPr lang="en-US" altLang="zh-TW" sz="1600" i="1">
+                                        <a:latin typeface="Cambria Math" panose="02040503050406030204" pitchFamily="18" charset="0"/>
+                                      </a:rPr>
+                                      <m:t>𝑎</m:t>
+                                    </m:r>
+                                  </m:e>
+                                  <m:sub>
+                                    <m:r>
+                                      <a:rPr lang="en-US" altLang="zh-TW" sz="1600" i="1">
+                                        <a:latin typeface="Cambria Math" panose="02040503050406030204" pitchFamily="18" charset="0"/>
+                                      </a:rPr>
+                                      <m:t>2</m:t>
+                                    </m:r>
+                                  </m:sub>
+                                </m:sSub>
+                              </m:e>
+                            </m:mr>
+                            <m:mr>
+                              <m:e>
+                                <m:sSub>
+                                  <m:sSubPr>
+                                    <m:ctrlPr>
+                                      <a:rPr lang="en-US" altLang="zh-TW" sz="1600" i="1">
+                                        <a:latin typeface="Cambria Math" panose="02040503050406030204" pitchFamily="18" charset="0"/>
+                                      </a:rPr>
+                                    </m:ctrlPr>
+                                  </m:sSubPr>
+                                  <m:e>
+                                    <m:r>
+                                      <a:rPr lang="en-US" altLang="zh-TW" sz="1600" i="1">
+                                        <a:latin typeface="Cambria Math" panose="02040503050406030204" pitchFamily="18" charset="0"/>
+                                      </a:rPr>
+                                      <m:t>𝑎</m:t>
+                                    </m:r>
+                                  </m:e>
+                                  <m:sub>
+                                    <m:r>
+                                      <a:rPr lang="en-US" altLang="zh-TW" sz="1600" i="1">
+                                        <a:latin typeface="Cambria Math" panose="02040503050406030204" pitchFamily="18" charset="0"/>
+                                      </a:rPr>
+                                      <m:t>3</m:t>
+                                    </m:r>
+                                  </m:sub>
+                                </m:sSub>
+                              </m:e>
+                            </m:mr>
+                          </m:m>
+                        </m:e>
+                      </m:d>
+                    </m:oMath>
+                  </m:oMathPara>
+                </a14:m>
+                <a:endParaRPr kumimoji="1" lang="en-US" altLang="zh-TW" sz="1600" dirty="0"/>
+              </a:p>
+              <a:p>
+                <a14:m>
+                  <m:oMathPara xmlns:m="http://schemas.openxmlformats.org/officeDocument/2006/math">
+                    <m:oMathParaPr>
+                      <m:jc m:val="centerGroup"/>
+                    </m:oMathParaPr>
+                    <m:oMath xmlns:m="http://schemas.openxmlformats.org/officeDocument/2006/math">
+                      <m:r>
+                        <a:rPr kumimoji="1" lang="en-US" altLang="zh-TW" sz="1600" b="0" i="1" smtClean="0">
+                          <a:latin typeface="Cambria Math" panose="02040503050406030204" pitchFamily="18" charset="0"/>
+                        </a:rPr>
+                        <m:t>𝑐𝑎𝑠𝑒</m:t>
+                      </m:r>
+                      <m:r>
+                        <a:rPr kumimoji="1" lang="en-US" altLang="zh-TW" sz="1600" b="0" i="1" smtClean="0">
+                          <a:latin typeface="Cambria Math" panose="02040503050406030204" pitchFamily="18" charset="0"/>
+                        </a:rPr>
+                        <m:t>3:</m:t>
+                      </m:r>
+                      <m:sSub>
+                        <m:sSubPr>
+                          <m:ctrlPr>
+                            <a:rPr kumimoji="1" lang="en-US" altLang="zh-TW" sz="1600" b="0" i="1" smtClean="0">
+                              <a:latin typeface="Cambria Math" panose="02040503050406030204" pitchFamily="18" charset="0"/>
+                            </a:rPr>
+                          </m:ctrlPr>
+                        </m:sSubPr>
+                        <m:e>
+                          <m:r>
+                            <a:rPr kumimoji="1" lang="en-US" altLang="zh-TW" sz="1600" b="0" i="1" smtClean="0">
+                              <a:latin typeface="Cambria Math" panose="02040503050406030204" pitchFamily="18" charset="0"/>
+                            </a:rPr>
+                            <m:t>𝑧</m:t>
+                          </m:r>
+                        </m:e>
+                        <m:sub>
+                          <m:r>
+                            <a:rPr kumimoji="1" lang="en-US" altLang="zh-TW" sz="1600" b="0" i="1" smtClean="0">
+                              <a:latin typeface="Cambria Math" panose="02040503050406030204" pitchFamily="18" charset="0"/>
+                            </a:rPr>
+                            <m:t>1</m:t>
+                          </m:r>
+                        </m:sub>
+                      </m:sSub>
+                      <m:r>
+                        <a:rPr kumimoji="1" lang="en-US" altLang="zh-TW" sz="1600" b="0" i="1" smtClean="0">
+                          <a:latin typeface="Cambria Math" panose="02040503050406030204" pitchFamily="18" charset="0"/>
+                        </a:rPr>
+                        <m:t>=</m:t>
+                      </m:r>
+                      <m:f>
+                        <m:fPr>
+                          <m:ctrlPr>
+                            <a:rPr kumimoji="1" lang="en-US" altLang="zh-TW" sz="1600" b="0" i="1" smtClean="0">
+                              <a:latin typeface="Cambria Math" panose="02040503050406030204" pitchFamily="18" charset="0"/>
+                            </a:rPr>
+                          </m:ctrlPr>
+                        </m:fPr>
+                        <m:num>
+                          <m:sSub>
+                            <m:sSubPr>
+                              <m:ctrlPr>
+                                <a:rPr lang="en-US" altLang="zh-TW" sz="1600" i="1">
+                                  <a:latin typeface="Cambria Math" panose="02040503050406030204" pitchFamily="18" charset="0"/>
+                                </a:rPr>
+                              </m:ctrlPr>
+                            </m:sSubPr>
+                            <m:e>
+                              <m:r>
+                                <a:rPr lang="en-US" altLang="zh-TW" sz="1600" b="0" i="1" smtClean="0">
+                                  <a:latin typeface="Cambria Math" panose="02040503050406030204" pitchFamily="18" charset="0"/>
+                                </a:rPr>
+                                <m:t>𝑏</m:t>
+                              </m:r>
+                            </m:e>
+                            <m:sub>
+                              <m:r>
+                                <a:rPr lang="en-US" altLang="zh-TW" sz="1600" b="0" i="1" smtClean="0">
+                                  <a:latin typeface="Cambria Math" panose="02040503050406030204" pitchFamily="18" charset="0"/>
+                                </a:rPr>
+                                <m:t>2</m:t>
+                              </m:r>
+                            </m:sub>
+                          </m:sSub>
+                          <m:r>
+                            <a:rPr lang="en-US" altLang="zh-TW" sz="1600" b="0" i="1" smtClean="0">
+                              <a:latin typeface="Cambria Math" panose="02040503050406030204" pitchFamily="18" charset="0"/>
+                            </a:rPr>
+                            <m:t>+</m:t>
+                          </m:r>
+                          <m:sSub>
+                            <m:sSubPr>
+                              <m:ctrlPr>
+                                <a:rPr lang="en-US" altLang="zh-TW" sz="1600" i="1">
+                                  <a:latin typeface="Cambria Math" panose="02040503050406030204" pitchFamily="18" charset="0"/>
+                                </a:rPr>
+                              </m:ctrlPr>
+                            </m:sSubPr>
+                            <m:e>
+                              <m:r>
+                                <a:rPr lang="en-US" altLang="zh-TW" sz="1600" b="0" i="1" smtClean="0">
+                                  <a:latin typeface="Cambria Math" panose="02040503050406030204" pitchFamily="18" charset="0"/>
+                                </a:rPr>
+                                <m:t>𝑏</m:t>
+                              </m:r>
+                            </m:e>
+                            <m:sub>
+                              <m:r>
+                                <a:rPr lang="en-US" altLang="zh-TW" sz="1600" b="0" i="1" smtClean="0">
+                                  <a:latin typeface="Cambria Math" panose="02040503050406030204" pitchFamily="18" charset="0"/>
+                                </a:rPr>
+                                <m:t>3</m:t>
+                              </m:r>
+                            </m:sub>
+                          </m:sSub>
+                        </m:num>
+                        <m:den>
+                          <m:r>
+                            <a:rPr kumimoji="1" lang="en-US" altLang="zh-TW" sz="1600" b="0" i="1" smtClean="0">
+                              <a:latin typeface="Cambria Math" panose="02040503050406030204" pitchFamily="18" charset="0"/>
+                            </a:rPr>
+                            <m:t>2</m:t>
+                          </m:r>
+                        </m:den>
+                      </m:f>
+                      <m:d>
+                        <m:dPr>
+                          <m:ctrlPr>
+                            <a:rPr kumimoji="1" lang="en-US" altLang="zh-TW" sz="1600" b="0" i="1" smtClean="0">
+                              <a:latin typeface="Cambria Math" panose="02040503050406030204" pitchFamily="18" charset="0"/>
+                            </a:rPr>
+                          </m:ctrlPr>
+                        </m:dPr>
+                        <m:e>
+                          <m:sSub>
+                            <m:sSubPr>
+                              <m:ctrlPr>
+                                <a:rPr lang="en-US" altLang="zh-TW" sz="1600" i="1">
+                                  <a:latin typeface="Cambria Math" panose="02040503050406030204" pitchFamily="18" charset="0"/>
+                                </a:rPr>
+                              </m:ctrlPr>
+                            </m:sSubPr>
+                            <m:e>
+                              <m:r>
+                                <a:rPr lang="en-US" altLang="zh-TW" sz="1600" b="0" i="1" smtClean="0">
+                                  <a:latin typeface="Cambria Math" panose="02040503050406030204" pitchFamily="18" charset="0"/>
+                                </a:rPr>
+                                <m:t>𝑎</m:t>
+                              </m:r>
+                            </m:e>
+                            <m:sub>
+                              <m:r>
+                                <a:rPr lang="en-US" altLang="zh-TW" sz="1600" b="0" i="1" smtClean="0">
+                                  <a:latin typeface="Cambria Math" panose="02040503050406030204" pitchFamily="18" charset="0"/>
+                                </a:rPr>
+                                <m:t>1</m:t>
+                              </m:r>
+                            </m:sub>
+                          </m:sSub>
+                          <m:r>
+                            <a:rPr lang="en-US" altLang="zh-TW" sz="1600" b="0" i="1" smtClean="0">
+                              <a:latin typeface="Cambria Math" panose="02040503050406030204" pitchFamily="18" charset="0"/>
+                            </a:rPr>
+                            <m:t>−</m:t>
+                          </m:r>
+                          <m:sSub>
+                            <m:sSubPr>
+                              <m:ctrlPr>
+                                <a:rPr lang="en-US" altLang="zh-TW" sz="1600" i="1">
+                                  <a:latin typeface="Cambria Math" panose="02040503050406030204" pitchFamily="18" charset="0"/>
+                                </a:rPr>
+                              </m:ctrlPr>
+                            </m:sSubPr>
+                            <m:e>
+                              <m:r>
+                                <a:rPr lang="en-US" altLang="zh-TW" sz="1600" b="0" i="1" smtClean="0">
+                                  <a:latin typeface="Cambria Math" panose="02040503050406030204" pitchFamily="18" charset="0"/>
+                                </a:rPr>
+                                <m:t>𝑎</m:t>
+                              </m:r>
+                            </m:e>
+                            <m:sub>
+                              <m:r>
+                                <a:rPr lang="en-US" altLang="zh-TW" sz="1600" b="0" i="1" smtClean="0">
+                                  <a:latin typeface="Cambria Math" panose="02040503050406030204" pitchFamily="18" charset="0"/>
+                                </a:rPr>
+                                <m:t>4</m:t>
+                              </m:r>
+                            </m:sub>
+                          </m:sSub>
+                        </m:e>
+                      </m:d>
+                      <m:r>
+                        <a:rPr kumimoji="1" lang="en-US" altLang="zh-TW" sz="1600" b="0" i="1" smtClean="0">
+                          <a:latin typeface="Cambria Math" panose="02040503050406030204" pitchFamily="18" charset="0"/>
+                        </a:rPr>
+                        <m:t>,</m:t>
+                      </m:r>
+                      <m:sSub>
+                        <m:sSubPr>
+                          <m:ctrlPr>
+                            <a:rPr lang="en-US" altLang="zh-TW" sz="1600" i="1">
+                              <a:latin typeface="Cambria Math" panose="02040503050406030204" pitchFamily="18" charset="0"/>
+                            </a:rPr>
+                          </m:ctrlPr>
+                        </m:sSubPr>
+                        <m:e>
+                          <m:sSub>
+                            <m:sSubPr>
+                              <m:ctrlPr>
+                                <a:rPr lang="en-US" altLang="zh-TW" sz="1600" i="1">
+                                  <a:latin typeface="Cambria Math" panose="02040503050406030204" pitchFamily="18" charset="0"/>
+                                </a:rPr>
+                              </m:ctrlPr>
+                            </m:sSubPr>
+                            <m:e>
+                              <m:r>
+                                <a:rPr lang="en-US" altLang="zh-TW" sz="1600" i="1">
+                                  <a:latin typeface="Cambria Math" panose="02040503050406030204" pitchFamily="18" charset="0"/>
+                                </a:rPr>
+                                <m:t>𝑧</m:t>
+                              </m:r>
+                            </m:e>
+                            <m:sub>
+                              <m:r>
+                                <a:rPr lang="en-US" altLang="zh-TW" sz="1600" b="0" i="1" smtClean="0">
+                                  <a:latin typeface="Cambria Math" panose="02040503050406030204" pitchFamily="18" charset="0"/>
+                                </a:rPr>
+                                <m:t>2</m:t>
+                              </m:r>
+                            </m:sub>
+                          </m:sSub>
+                          <m:r>
+                            <a:rPr lang="en-US" altLang="zh-TW" sz="1600" b="0" i="1" smtClean="0">
+                              <a:latin typeface="Cambria Math" panose="02040503050406030204" pitchFamily="18" charset="0"/>
+                            </a:rPr>
+                            <m:t>=</m:t>
+                          </m:r>
+                          <m:sSub>
+                            <m:sSubPr>
+                              <m:ctrlPr>
+                                <a:rPr lang="en-US" altLang="zh-TW" sz="1600" i="1">
+                                  <a:latin typeface="Cambria Math" panose="02040503050406030204" pitchFamily="18" charset="0"/>
+                                </a:rPr>
+                              </m:ctrlPr>
+                            </m:sSubPr>
+                            <m:e>
+                              <m:r>
+                                <a:rPr lang="en-US" altLang="zh-TW" sz="1600" i="1">
+                                  <a:latin typeface="Cambria Math" panose="02040503050406030204" pitchFamily="18" charset="0"/>
+                                </a:rPr>
+                                <m:t>𝑧</m:t>
+                              </m:r>
+                            </m:e>
+                            <m:sub>
+                              <m:r>
+                                <a:rPr lang="en-US" altLang="zh-TW" sz="1600" i="1">
+                                  <a:latin typeface="Cambria Math" panose="02040503050406030204" pitchFamily="18" charset="0"/>
+                                </a:rPr>
+                                <m:t>1</m:t>
+                              </m:r>
+                            </m:sub>
+                          </m:sSub>
+                          <m:r>
+                            <a:rPr lang="en-US" altLang="zh-TW" sz="1600" b="0" i="1" smtClean="0">
+                              <a:latin typeface="Cambria Math" panose="02040503050406030204" pitchFamily="18" charset="0"/>
+                            </a:rPr>
+                            <m:t>,</m:t>
+                          </m:r>
+                          <m:r>
+                            <a:rPr lang="en-US" altLang="zh-TW" sz="1600" i="1">
+                              <a:latin typeface="Cambria Math" panose="02040503050406030204" pitchFamily="18" charset="0"/>
+                            </a:rPr>
+                            <m:t>𝑧</m:t>
+                          </m:r>
+                        </m:e>
+                        <m:sub>
+                          <m:r>
+                            <a:rPr lang="en-US" altLang="zh-TW" sz="1600" b="0" i="1" smtClean="0">
+                              <a:latin typeface="Cambria Math" panose="02040503050406030204" pitchFamily="18" charset="0"/>
+                            </a:rPr>
+                            <m:t>3</m:t>
+                          </m:r>
+                        </m:sub>
+                      </m:sSub>
+                      <m:r>
+                        <a:rPr lang="en-US" altLang="zh-TW" sz="1600" i="1">
+                          <a:latin typeface="Cambria Math" panose="02040503050406030204" pitchFamily="18" charset="0"/>
+                        </a:rPr>
+                        <m:t>=</m:t>
+                      </m:r>
+                      <m:f>
+                        <m:fPr>
+                          <m:ctrlPr>
+                            <a:rPr lang="en-US" altLang="zh-TW" sz="1600" i="1">
+                              <a:latin typeface="Cambria Math" panose="02040503050406030204" pitchFamily="18" charset="0"/>
+                            </a:rPr>
+                          </m:ctrlPr>
+                        </m:fPr>
+                        <m:num>
+                          <m:sSub>
+                            <m:sSubPr>
+                              <m:ctrlPr>
+                                <a:rPr lang="en-US" altLang="zh-TW" sz="1600" i="1">
+                                  <a:latin typeface="Cambria Math" panose="02040503050406030204" pitchFamily="18" charset="0"/>
+                                </a:rPr>
+                              </m:ctrlPr>
+                            </m:sSubPr>
+                            <m:e>
+                              <m:r>
+                                <a:rPr lang="en-US" altLang="zh-TW" sz="1600" i="1">
+                                  <a:latin typeface="Cambria Math" panose="02040503050406030204" pitchFamily="18" charset="0"/>
+                                </a:rPr>
+                                <m:t>𝑏</m:t>
+                              </m:r>
+                            </m:e>
+                            <m:sub>
+                              <m:r>
+                                <a:rPr lang="en-US" altLang="zh-TW" sz="1600" i="1">
+                                  <a:latin typeface="Cambria Math" panose="02040503050406030204" pitchFamily="18" charset="0"/>
+                                </a:rPr>
+                                <m:t>2</m:t>
+                              </m:r>
+                            </m:sub>
+                          </m:sSub>
+                          <m:r>
+                            <a:rPr lang="en-US" altLang="zh-TW" sz="1600" b="0" i="1" smtClean="0">
+                              <a:latin typeface="Cambria Math" panose="02040503050406030204" pitchFamily="18" charset="0"/>
+                            </a:rPr>
+                            <m:t>−</m:t>
+                          </m:r>
+                          <m:sSub>
+                            <m:sSubPr>
+                              <m:ctrlPr>
+                                <a:rPr lang="en-US" altLang="zh-TW" sz="1600" i="1">
+                                  <a:latin typeface="Cambria Math" panose="02040503050406030204" pitchFamily="18" charset="0"/>
+                                </a:rPr>
+                              </m:ctrlPr>
+                            </m:sSubPr>
+                            <m:e>
+                              <m:r>
+                                <a:rPr lang="en-US" altLang="zh-TW" sz="1600" i="1">
+                                  <a:latin typeface="Cambria Math" panose="02040503050406030204" pitchFamily="18" charset="0"/>
+                                </a:rPr>
+                                <m:t>𝑏</m:t>
+                              </m:r>
+                            </m:e>
+                            <m:sub>
+                              <m:r>
+                                <a:rPr lang="en-US" altLang="zh-TW" sz="1600" i="1">
+                                  <a:latin typeface="Cambria Math" panose="02040503050406030204" pitchFamily="18" charset="0"/>
+                                </a:rPr>
+                                <m:t>3</m:t>
+                              </m:r>
+                            </m:sub>
+                          </m:sSub>
+                        </m:num>
+                        <m:den>
+                          <m:r>
+                            <a:rPr lang="en-US" altLang="zh-TW" sz="1600" i="1">
+                              <a:latin typeface="Cambria Math" panose="02040503050406030204" pitchFamily="18" charset="0"/>
+                            </a:rPr>
+                            <m:t>2</m:t>
+                          </m:r>
+                        </m:den>
+                      </m:f>
+                      <m:d>
+                        <m:dPr>
+                          <m:ctrlPr>
+                            <a:rPr lang="en-US" altLang="zh-TW" sz="1600" i="1">
+                              <a:latin typeface="Cambria Math" panose="02040503050406030204" pitchFamily="18" charset="0"/>
+                            </a:rPr>
+                          </m:ctrlPr>
+                        </m:dPr>
+                        <m:e>
+                          <m:sSub>
+                            <m:sSubPr>
+                              <m:ctrlPr>
+                                <a:rPr lang="en-US" altLang="zh-TW" sz="1600" i="1">
+                                  <a:latin typeface="Cambria Math" panose="02040503050406030204" pitchFamily="18" charset="0"/>
+                                </a:rPr>
+                              </m:ctrlPr>
+                            </m:sSubPr>
+                            <m:e>
+                              <m:r>
+                                <a:rPr lang="en-US" altLang="zh-TW" sz="1600" i="1">
+                                  <a:latin typeface="Cambria Math" panose="02040503050406030204" pitchFamily="18" charset="0"/>
+                                </a:rPr>
+                                <m:t>𝑎</m:t>
+                              </m:r>
+                            </m:e>
+                            <m:sub>
+                              <m:r>
+                                <a:rPr lang="en-US" altLang="zh-TW" sz="1600" i="1">
+                                  <a:latin typeface="Cambria Math" panose="02040503050406030204" pitchFamily="18" charset="0"/>
+                                </a:rPr>
+                                <m:t>1</m:t>
+                              </m:r>
+                            </m:sub>
+                          </m:sSub>
+                          <m:r>
+                            <a:rPr lang="en-US" altLang="zh-TW" sz="1600" b="0" i="1" smtClean="0">
+                              <a:latin typeface="Cambria Math" panose="02040503050406030204" pitchFamily="18" charset="0"/>
+                            </a:rPr>
+                            <m:t>+</m:t>
+                          </m:r>
+                          <m:sSub>
+                            <m:sSubPr>
+                              <m:ctrlPr>
+                                <a:rPr lang="en-US" altLang="zh-TW" sz="1600" i="1">
+                                  <a:latin typeface="Cambria Math" panose="02040503050406030204" pitchFamily="18" charset="0"/>
+                                </a:rPr>
+                              </m:ctrlPr>
+                            </m:sSubPr>
+                            <m:e>
+                              <m:r>
+                                <a:rPr lang="en-US" altLang="zh-TW" sz="1600" i="1">
+                                  <a:latin typeface="Cambria Math" panose="02040503050406030204" pitchFamily="18" charset="0"/>
+                                </a:rPr>
+                                <m:t>𝑎</m:t>
+                              </m:r>
+                            </m:e>
+                            <m:sub>
+                              <m:r>
+                                <a:rPr lang="en-US" altLang="zh-TW" sz="1600" i="1">
+                                  <a:latin typeface="Cambria Math" panose="02040503050406030204" pitchFamily="18" charset="0"/>
+                                </a:rPr>
+                                <m:t>4</m:t>
+                              </m:r>
+                            </m:sub>
+                          </m:sSub>
+                        </m:e>
+                      </m:d>
+                      <m:r>
+                        <a:rPr lang="en-US" altLang="zh-TW" sz="1600" b="0" i="1" smtClean="0">
+                          <a:latin typeface="Cambria Math" panose="02040503050406030204" pitchFamily="18" charset="0"/>
+                        </a:rPr>
+                        <m:t>,</m:t>
+                      </m:r>
+                      <m:sSub>
+                        <m:sSubPr>
+                          <m:ctrlPr>
+                            <a:rPr lang="en-US" altLang="zh-TW" sz="1600" i="1">
+                              <a:latin typeface="Cambria Math" panose="02040503050406030204" pitchFamily="18" charset="0"/>
+                            </a:rPr>
+                          </m:ctrlPr>
+                        </m:sSubPr>
+                        <m:e>
+                          <m:r>
+                            <a:rPr lang="en-US" altLang="zh-TW" sz="1600" i="1">
+                              <a:latin typeface="Cambria Math" panose="02040503050406030204" pitchFamily="18" charset="0"/>
+                            </a:rPr>
+                            <m:t>𝑧</m:t>
+                          </m:r>
+                        </m:e>
+                        <m:sub>
+                          <m:r>
+                            <a:rPr lang="en-US" altLang="zh-TW" sz="1600" b="0" i="1" smtClean="0">
+                              <a:latin typeface="Cambria Math" panose="02040503050406030204" pitchFamily="18" charset="0"/>
+                            </a:rPr>
+                            <m:t>4</m:t>
+                          </m:r>
+                        </m:sub>
+                      </m:sSub>
+                      <m:r>
+                        <a:rPr lang="en-US" altLang="zh-TW" sz="1600" i="1">
+                          <a:latin typeface="Cambria Math" panose="02040503050406030204" pitchFamily="18" charset="0"/>
+                        </a:rPr>
+                        <m:t>=</m:t>
+                      </m:r>
+                      <m:sSub>
+                        <m:sSubPr>
+                          <m:ctrlPr>
+                            <a:rPr lang="en-US" altLang="zh-TW" sz="1600" i="1">
+                              <a:latin typeface="Cambria Math" panose="02040503050406030204" pitchFamily="18" charset="0"/>
+                            </a:rPr>
+                          </m:ctrlPr>
+                        </m:sSubPr>
+                        <m:e>
+                          <m:r>
+                            <a:rPr lang="en-US" altLang="zh-TW" sz="1600" b="0" i="1" smtClean="0">
+                              <a:latin typeface="Cambria Math" panose="02040503050406030204" pitchFamily="18" charset="0"/>
+                            </a:rPr>
+                            <m:t>−</m:t>
+                          </m:r>
+                          <m:r>
+                            <a:rPr lang="en-US" altLang="zh-TW" sz="1600" i="1">
+                              <a:latin typeface="Cambria Math" panose="02040503050406030204" pitchFamily="18" charset="0"/>
+                            </a:rPr>
+                            <m:t>𝑧</m:t>
+                          </m:r>
+                        </m:e>
+                        <m:sub>
+                          <m:r>
+                            <a:rPr lang="en-US" altLang="zh-TW" sz="1600" b="0" i="1" smtClean="0">
+                              <a:latin typeface="Cambria Math" panose="02040503050406030204" pitchFamily="18" charset="0"/>
+                            </a:rPr>
+                            <m:t>3</m:t>
+                          </m:r>
+                        </m:sub>
+                      </m:sSub>
+                      <m:r>
+                        <a:rPr lang="en-US" altLang="zh-TW" sz="1600" i="1">
+                          <a:latin typeface="Cambria Math" panose="02040503050406030204" pitchFamily="18" charset="0"/>
+                        </a:rPr>
+                        <m:t>,</m:t>
+                      </m:r>
+                      <m:sSub>
+                        <m:sSubPr>
+                          <m:ctrlPr>
+                            <a:rPr lang="en-US" altLang="zh-TW" sz="1600" i="1">
+                              <a:latin typeface="Cambria Math" panose="02040503050406030204" pitchFamily="18" charset="0"/>
+                            </a:rPr>
+                          </m:ctrlPr>
+                        </m:sSubPr>
+                        <m:e>
+                          <m:r>
+                            <a:rPr lang="en-US" altLang="zh-TW" sz="1600" b="0" i="1" smtClean="0">
+                              <a:latin typeface="Cambria Math" panose="02040503050406030204" pitchFamily="18" charset="0"/>
+                            </a:rPr>
+                            <m:t>𝑦</m:t>
+                          </m:r>
+                        </m:e>
+                        <m:sub>
+                          <m:r>
+                            <a:rPr lang="en-US" altLang="zh-TW" sz="1600" b="0" i="1" smtClean="0">
+                              <a:latin typeface="Cambria Math" panose="02040503050406030204" pitchFamily="18" charset="0"/>
+                            </a:rPr>
+                            <m:t>1</m:t>
+                          </m:r>
+                        </m:sub>
+                      </m:sSub>
+                      <m:r>
+                        <a:rPr lang="en-US" altLang="zh-TW" sz="1600" i="1">
+                          <a:latin typeface="Cambria Math" panose="02040503050406030204" pitchFamily="18" charset="0"/>
+                        </a:rPr>
+                        <m:t>=</m:t>
+                      </m:r>
+                      <m:sSub>
+                        <m:sSubPr>
+                          <m:ctrlPr>
+                            <a:rPr lang="en-US" altLang="zh-TW" sz="1600" i="1">
+                              <a:latin typeface="Cambria Math" panose="02040503050406030204" pitchFamily="18" charset="0"/>
+                            </a:rPr>
+                          </m:ctrlPr>
+                        </m:sSubPr>
+                        <m:e>
+                          <m:r>
+                            <a:rPr lang="en-US" altLang="zh-TW" sz="1600" i="1">
+                              <a:latin typeface="Cambria Math" panose="02040503050406030204" pitchFamily="18" charset="0"/>
+                            </a:rPr>
+                            <m:t>𝑧</m:t>
+                          </m:r>
+                        </m:e>
+                        <m:sub>
+                          <m:r>
+                            <a:rPr lang="en-US" altLang="zh-TW" sz="1600" b="0" i="1" smtClean="0">
+                              <a:latin typeface="Cambria Math" panose="02040503050406030204" pitchFamily="18" charset="0"/>
+                            </a:rPr>
+                            <m:t>1</m:t>
+                          </m:r>
+                        </m:sub>
+                      </m:sSub>
+                      <m:r>
+                        <a:rPr lang="en-US" altLang="zh-TW" sz="1600" b="0" i="1" smtClean="0">
+                          <a:latin typeface="Cambria Math" panose="02040503050406030204" pitchFamily="18" charset="0"/>
+                        </a:rPr>
+                        <m:t>+</m:t>
+                      </m:r>
+                      <m:sSub>
+                        <m:sSubPr>
+                          <m:ctrlPr>
+                            <a:rPr lang="en-US" altLang="zh-TW" sz="1600" i="1" smtClean="0">
+                              <a:latin typeface="Cambria Math" panose="02040503050406030204" pitchFamily="18" charset="0"/>
+                            </a:rPr>
+                          </m:ctrlPr>
+                        </m:sSubPr>
+                        <m:e>
+                          <m:r>
+                            <a:rPr lang="en-US" altLang="zh-TW" sz="1600" i="1">
+                              <a:latin typeface="Cambria Math" panose="02040503050406030204" pitchFamily="18" charset="0"/>
+                            </a:rPr>
+                            <m:t>𝑧</m:t>
+                          </m:r>
+                        </m:e>
+                        <m:sub>
+                          <m:r>
+                            <a:rPr lang="en-US" altLang="zh-TW" sz="1600" b="0" i="1" smtClean="0">
+                              <a:latin typeface="Cambria Math" panose="02040503050406030204" pitchFamily="18" charset="0"/>
+                            </a:rPr>
+                            <m:t>3</m:t>
+                          </m:r>
+                        </m:sub>
+                      </m:sSub>
+                      <m:r>
+                        <a:rPr lang="en-US" altLang="zh-TW" sz="1600" b="0" i="1" smtClean="0">
+                          <a:latin typeface="Cambria Math" panose="02040503050406030204" pitchFamily="18" charset="0"/>
+                        </a:rPr>
+                        <m:t>,</m:t>
+                      </m:r>
+                      <m:sSub>
+                        <m:sSubPr>
+                          <m:ctrlPr>
+                            <a:rPr lang="en-US" altLang="zh-TW" sz="1600" i="1">
+                              <a:latin typeface="Cambria Math" panose="02040503050406030204" pitchFamily="18" charset="0"/>
+                            </a:rPr>
+                          </m:ctrlPr>
+                        </m:sSubPr>
+                        <m:e>
+                          <m:r>
+                            <a:rPr lang="en-US" altLang="zh-TW" sz="1600" i="1">
+                              <a:latin typeface="Cambria Math" panose="02040503050406030204" pitchFamily="18" charset="0"/>
+                            </a:rPr>
+                            <m:t>𝑦</m:t>
+                          </m:r>
+                        </m:e>
+                        <m:sub>
+                          <m:r>
+                            <a:rPr lang="en-US" altLang="zh-TW" sz="1600" b="0" i="1" smtClean="0">
+                              <a:latin typeface="Cambria Math" panose="02040503050406030204" pitchFamily="18" charset="0"/>
+                            </a:rPr>
+                            <m:t>2</m:t>
+                          </m:r>
+                        </m:sub>
+                      </m:sSub>
+                      <m:r>
+                        <a:rPr lang="en-US" altLang="zh-TW" sz="1600" i="1">
+                          <a:latin typeface="Cambria Math" panose="02040503050406030204" pitchFamily="18" charset="0"/>
+                        </a:rPr>
+                        <m:t>=</m:t>
+                      </m:r>
+                      <m:sSub>
+                        <m:sSubPr>
+                          <m:ctrlPr>
+                            <a:rPr lang="en-US" altLang="zh-TW" sz="1600" i="1">
+                              <a:latin typeface="Cambria Math" panose="02040503050406030204" pitchFamily="18" charset="0"/>
+                            </a:rPr>
+                          </m:ctrlPr>
+                        </m:sSubPr>
+                        <m:e>
+                          <m:r>
+                            <a:rPr lang="en-US" altLang="zh-TW" sz="1600" i="1">
+                              <a:latin typeface="Cambria Math" panose="02040503050406030204" pitchFamily="18" charset="0"/>
+                            </a:rPr>
+                            <m:t>𝑧</m:t>
+                          </m:r>
+                        </m:e>
+                        <m:sub>
+                          <m:r>
+                            <a:rPr lang="en-US" altLang="zh-TW" sz="1600" b="0" i="1" smtClean="0">
+                              <a:latin typeface="Cambria Math" panose="02040503050406030204" pitchFamily="18" charset="0"/>
+                            </a:rPr>
+                            <m:t>2</m:t>
+                          </m:r>
+                        </m:sub>
+                      </m:sSub>
+                      <m:r>
+                        <a:rPr lang="en-US" altLang="zh-TW" sz="1600" i="1">
+                          <a:latin typeface="Cambria Math" panose="02040503050406030204" pitchFamily="18" charset="0"/>
+                        </a:rPr>
+                        <m:t>+</m:t>
+                      </m:r>
+                      <m:sSub>
+                        <m:sSubPr>
+                          <m:ctrlPr>
+                            <a:rPr lang="en-US" altLang="zh-TW" sz="1600" i="1">
+                              <a:latin typeface="Cambria Math" panose="02040503050406030204" pitchFamily="18" charset="0"/>
+                            </a:rPr>
+                          </m:ctrlPr>
+                        </m:sSubPr>
+                        <m:e>
+                          <m:r>
+                            <a:rPr lang="en-US" altLang="zh-TW" sz="1600" i="1">
+                              <a:latin typeface="Cambria Math" panose="02040503050406030204" pitchFamily="18" charset="0"/>
+                            </a:rPr>
+                            <m:t>𝑧</m:t>
+                          </m:r>
+                        </m:e>
+                        <m:sub>
+                          <m:r>
+                            <a:rPr lang="en-US" altLang="zh-TW" sz="1600" b="0" i="1" smtClean="0">
+                              <a:latin typeface="Cambria Math" panose="02040503050406030204" pitchFamily="18" charset="0"/>
+                            </a:rPr>
+                            <m:t>4</m:t>
+                          </m:r>
+                        </m:sub>
+                      </m:sSub>
+                    </m:oMath>
+                  </m:oMathPara>
+                </a14:m>
+                <a:endParaRPr lang="en-US" altLang="zh-TW" sz="1600" dirty="0"/>
+              </a:p>
+              <a:p>
+                <a14:m>
+                  <m:oMathPara xmlns:m="http://schemas.openxmlformats.org/officeDocument/2006/math">
+                    <m:oMathParaPr>
+                      <m:jc m:val="centerGroup"/>
+                    </m:oMathParaPr>
+                    <m:oMath xmlns:m="http://schemas.openxmlformats.org/officeDocument/2006/math">
+                      <m:r>
+                        <a:rPr kumimoji="1" lang="en-US" altLang="zh-TW" sz="1600" b="0" i="1" smtClean="0">
+                          <a:latin typeface="Cambria Math" panose="02040503050406030204" pitchFamily="18" charset="0"/>
+                        </a:rPr>
+                        <m:t>𝑐𝑎𝑠𝑒</m:t>
+                      </m:r>
+                      <m:r>
+                        <a:rPr kumimoji="1" lang="en-US" altLang="zh-TW" sz="1600" b="0" i="1" smtClean="0">
+                          <a:latin typeface="Cambria Math" panose="02040503050406030204" pitchFamily="18" charset="0"/>
+                        </a:rPr>
+                        <m:t>3:</m:t>
+                      </m:r>
+                      <m:sSub>
+                        <m:sSubPr>
+                          <m:ctrlPr>
+                            <a:rPr kumimoji="1" lang="en-US" altLang="zh-TW" sz="1600" b="0" i="1" smtClean="0">
+                              <a:latin typeface="Cambria Math" panose="02040503050406030204" pitchFamily="18" charset="0"/>
+                            </a:rPr>
+                          </m:ctrlPr>
+                        </m:sSubPr>
+                        <m:e>
+                          <m:r>
+                            <a:rPr kumimoji="1" lang="en-US" altLang="zh-TW" sz="1600" b="0" i="1" smtClean="0">
+                              <a:latin typeface="Cambria Math" panose="02040503050406030204" pitchFamily="18" charset="0"/>
+                            </a:rPr>
+                            <m:t>𝑧</m:t>
+                          </m:r>
+                        </m:e>
+                        <m:sub>
+                          <m:r>
+                            <a:rPr kumimoji="1" lang="en-US" altLang="zh-TW" sz="1600" b="0" i="1" smtClean="0">
+                              <a:latin typeface="Cambria Math" panose="02040503050406030204" pitchFamily="18" charset="0"/>
+                            </a:rPr>
+                            <m:t>5</m:t>
+                          </m:r>
+                        </m:sub>
+                      </m:sSub>
+                      <m:r>
+                        <a:rPr kumimoji="1" lang="en-US" altLang="zh-TW" sz="1600" b="0" i="1" smtClean="0">
+                          <a:latin typeface="Cambria Math" panose="02040503050406030204" pitchFamily="18" charset="0"/>
+                        </a:rPr>
+                        <m:t>=</m:t>
+                      </m:r>
+                      <m:f>
+                        <m:fPr>
+                          <m:ctrlPr>
+                            <a:rPr kumimoji="1" lang="en-US" altLang="zh-TW" sz="1600" b="0" i="1" smtClean="0">
+                              <a:latin typeface="Cambria Math" panose="02040503050406030204" pitchFamily="18" charset="0"/>
+                            </a:rPr>
+                          </m:ctrlPr>
+                        </m:fPr>
+                        <m:num>
+                          <m:sSub>
+                            <m:sSubPr>
+                              <m:ctrlPr>
+                                <a:rPr lang="en-US" altLang="zh-TW" sz="1600" i="1">
+                                  <a:latin typeface="Cambria Math" panose="02040503050406030204" pitchFamily="18" charset="0"/>
+                                </a:rPr>
+                              </m:ctrlPr>
+                            </m:sSubPr>
+                            <m:e>
+                              <m:r>
+                                <a:rPr lang="en-US" altLang="zh-TW" sz="1600" b="0" i="1" smtClean="0">
+                                  <a:latin typeface="Cambria Math" panose="02040503050406030204" pitchFamily="18" charset="0"/>
+                                </a:rPr>
+                                <m:t>𝑏</m:t>
+                              </m:r>
+                            </m:e>
+                            <m:sub>
+                              <m:r>
+                                <a:rPr lang="en-US" altLang="zh-TW" sz="1600" b="0" i="1" smtClean="0">
+                                  <a:latin typeface="Cambria Math" panose="02040503050406030204" pitchFamily="18" charset="0"/>
+                                </a:rPr>
+                                <m:t>1</m:t>
+                              </m:r>
+                            </m:sub>
+                          </m:sSub>
+                          <m:r>
+                            <a:rPr lang="en-US" altLang="zh-TW" sz="1600" b="0" i="1" smtClean="0">
+                              <a:latin typeface="Cambria Math" panose="02040503050406030204" pitchFamily="18" charset="0"/>
+                            </a:rPr>
+                            <m:t>+</m:t>
+                          </m:r>
+                          <m:sSub>
+                            <m:sSubPr>
+                              <m:ctrlPr>
+                                <a:rPr lang="en-US" altLang="zh-TW" sz="1600" i="1" smtClean="0">
+                                  <a:latin typeface="Cambria Math" panose="02040503050406030204" pitchFamily="18" charset="0"/>
+                                </a:rPr>
+                              </m:ctrlPr>
+                            </m:sSubPr>
+                            <m:e>
+                              <m:r>
+                                <a:rPr lang="en-US" altLang="zh-TW" sz="1600" b="0" i="1" smtClean="0">
+                                  <a:latin typeface="Cambria Math" panose="02040503050406030204" pitchFamily="18" charset="0"/>
+                                </a:rPr>
+                                <m:t>𝑏</m:t>
+                              </m:r>
+                            </m:e>
+                            <m:sub>
+                              <m:r>
+                                <a:rPr lang="en-US" altLang="zh-TW" sz="1600" b="0" i="1" smtClean="0">
+                                  <a:latin typeface="Cambria Math" panose="02040503050406030204" pitchFamily="18" charset="0"/>
+                                </a:rPr>
+                                <m:t>4</m:t>
+                              </m:r>
+                            </m:sub>
+                          </m:sSub>
+                        </m:num>
+                        <m:den>
+                          <m:r>
+                            <a:rPr kumimoji="1" lang="en-US" altLang="zh-TW" sz="1600" b="0" i="1" smtClean="0">
+                              <a:latin typeface="Cambria Math" panose="02040503050406030204" pitchFamily="18" charset="0"/>
+                            </a:rPr>
+                            <m:t>2</m:t>
+                          </m:r>
+                        </m:den>
+                      </m:f>
+                      <m:d>
+                        <m:dPr>
+                          <m:ctrlPr>
+                            <a:rPr kumimoji="1" lang="en-US" altLang="zh-TW" sz="1600" b="0" i="1" smtClean="0">
+                              <a:latin typeface="Cambria Math" panose="02040503050406030204" pitchFamily="18" charset="0"/>
+                            </a:rPr>
+                          </m:ctrlPr>
+                        </m:dPr>
+                        <m:e>
+                          <m:sSub>
+                            <m:sSubPr>
+                              <m:ctrlPr>
+                                <a:rPr lang="en-US" altLang="zh-TW" sz="1600" i="1">
+                                  <a:latin typeface="Cambria Math" panose="02040503050406030204" pitchFamily="18" charset="0"/>
+                                </a:rPr>
+                              </m:ctrlPr>
+                            </m:sSubPr>
+                            <m:e>
+                              <m:r>
+                                <a:rPr lang="en-US" altLang="zh-TW" sz="1600" b="0" i="1" smtClean="0">
+                                  <a:latin typeface="Cambria Math" panose="02040503050406030204" pitchFamily="18" charset="0"/>
+                                </a:rPr>
+                                <m:t>𝑎</m:t>
+                              </m:r>
+                            </m:e>
+                            <m:sub>
+                              <m:r>
+                                <a:rPr lang="en-US" altLang="zh-TW" sz="1600" b="0" i="1" smtClean="0">
+                                  <a:latin typeface="Cambria Math" panose="02040503050406030204" pitchFamily="18" charset="0"/>
+                                </a:rPr>
+                                <m:t>2</m:t>
+                              </m:r>
+                            </m:sub>
+                          </m:sSub>
+                          <m:r>
+                            <a:rPr lang="en-US" altLang="zh-TW" sz="1600" b="0" i="1" smtClean="0">
+                              <a:latin typeface="Cambria Math" panose="02040503050406030204" pitchFamily="18" charset="0"/>
+                            </a:rPr>
+                            <m:t>+</m:t>
+                          </m:r>
+                          <m:sSub>
+                            <m:sSubPr>
+                              <m:ctrlPr>
+                                <a:rPr lang="en-US" altLang="zh-TW" sz="1600" i="1">
+                                  <a:latin typeface="Cambria Math" panose="02040503050406030204" pitchFamily="18" charset="0"/>
+                                </a:rPr>
+                              </m:ctrlPr>
+                            </m:sSubPr>
+                            <m:e>
+                              <m:r>
+                                <a:rPr lang="en-US" altLang="zh-TW" sz="1600" b="0" i="1" smtClean="0">
+                                  <a:latin typeface="Cambria Math" panose="02040503050406030204" pitchFamily="18" charset="0"/>
+                                </a:rPr>
+                                <m:t>𝑎</m:t>
+                              </m:r>
+                            </m:e>
+                            <m:sub>
+                              <m:r>
+                                <a:rPr lang="en-US" altLang="zh-TW" sz="1600" b="0" i="1" smtClean="0">
+                                  <a:latin typeface="Cambria Math" panose="02040503050406030204" pitchFamily="18" charset="0"/>
+                                </a:rPr>
+                                <m:t>3</m:t>
+                              </m:r>
+                            </m:sub>
+                          </m:sSub>
+                        </m:e>
+                      </m:d>
+                      <m:r>
+                        <a:rPr kumimoji="1" lang="en-US" altLang="zh-TW" sz="1600" b="0" i="1" smtClean="0">
+                          <a:latin typeface="Cambria Math" panose="02040503050406030204" pitchFamily="18" charset="0"/>
+                        </a:rPr>
+                        <m:t>,</m:t>
+                      </m:r>
+                      <m:sSub>
+                        <m:sSubPr>
+                          <m:ctrlPr>
+                            <a:rPr lang="en-US" altLang="zh-TW" sz="1600" i="1">
+                              <a:latin typeface="Cambria Math" panose="02040503050406030204" pitchFamily="18" charset="0"/>
+                            </a:rPr>
+                          </m:ctrlPr>
+                        </m:sSubPr>
+                        <m:e>
+                          <m:sSub>
+                            <m:sSubPr>
+                              <m:ctrlPr>
+                                <a:rPr lang="en-US" altLang="zh-TW" sz="1600" i="1">
+                                  <a:latin typeface="Cambria Math" panose="02040503050406030204" pitchFamily="18" charset="0"/>
+                                </a:rPr>
+                              </m:ctrlPr>
+                            </m:sSubPr>
+                            <m:e>
+                              <m:r>
+                                <a:rPr lang="en-US" altLang="zh-TW" sz="1600" i="1">
+                                  <a:latin typeface="Cambria Math" panose="02040503050406030204" pitchFamily="18" charset="0"/>
+                                </a:rPr>
+                                <m:t>𝑧</m:t>
+                              </m:r>
+                            </m:e>
+                            <m:sub>
+                              <m:r>
+                                <a:rPr lang="en-US" altLang="zh-TW" sz="1600" b="0" i="1" smtClean="0">
+                                  <a:latin typeface="Cambria Math" panose="02040503050406030204" pitchFamily="18" charset="0"/>
+                                </a:rPr>
+                                <m:t>6</m:t>
+                              </m:r>
+                            </m:sub>
+                          </m:sSub>
+                          <m:r>
+                            <a:rPr lang="en-US" altLang="zh-TW" sz="1600" b="0" i="1" smtClean="0">
+                              <a:latin typeface="Cambria Math" panose="02040503050406030204" pitchFamily="18" charset="0"/>
+                            </a:rPr>
+                            <m:t>=</m:t>
+                          </m:r>
+                          <m:sSub>
+                            <m:sSubPr>
+                              <m:ctrlPr>
+                                <a:rPr lang="en-US" altLang="zh-TW" sz="1600" i="1">
+                                  <a:latin typeface="Cambria Math" panose="02040503050406030204" pitchFamily="18" charset="0"/>
+                                </a:rPr>
+                              </m:ctrlPr>
+                            </m:sSubPr>
+                            <m:e>
+                              <m:r>
+                                <a:rPr lang="en-US" altLang="zh-TW" sz="1600" i="1">
+                                  <a:latin typeface="Cambria Math" panose="02040503050406030204" pitchFamily="18" charset="0"/>
+                                </a:rPr>
+                                <m:t>𝑧</m:t>
+                              </m:r>
+                            </m:e>
+                            <m:sub>
+                              <m:r>
+                                <a:rPr lang="en-US" altLang="zh-TW" sz="1600" b="0" i="1" smtClean="0">
+                                  <a:latin typeface="Cambria Math" panose="02040503050406030204" pitchFamily="18" charset="0"/>
+                                </a:rPr>
+                                <m:t>5</m:t>
+                              </m:r>
+                            </m:sub>
+                          </m:sSub>
+                          <m:r>
+                            <a:rPr lang="en-US" altLang="zh-TW" sz="1600" b="0" i="1" smtClean="0">
+                              <a:latin typeface="Cambria Math" panose="02040503050406030204" pitchFamily="18" charset="0"/>
+                            </a:rPr>
+                            <m:t>,</m:t>
+                          </m:r>
+                          <m:r>
+                            <a:rPr lang="en-US" altLang="zh-TW" sz="1600" i="1">
+                              <a:latin typeface="Cambria Math" panose="02040503050406030204" pitchFamily="18" charset="0"/>
+                            </a:rPr>
+                            <m:t>𝑧</m:t>
+                          </m:r>
+                        </m:e>
+                        <m:sub>
+                          <m:r>
+                            <a:rPr lang="en-US" altLang="zh-TW" sz="1600" b="0" i="1" smtClean="0">
+                              <a:latin typeface="Cambria Math" panose="02040503050406030204" pitchFamily="18" charset="0"/>
+                            </a:rPr>
+                            <m:t>7</m:t>
+                          </m:r>
+                        </m:sub>
+                      </m:sSub>
+                      <m:r>
+                        <a:rPr lang="en-US" altLang="zh-TW" sz="1600" i="1">
+                          <a:latin typeface="Cambria Math" panose="02040503050406030204" pitchFamily="18" charset="0"/>
+                        </a:rPr>
+                        <m:t>=</m:t>
+                      </m:r>
+                      <m:f>
+                        <m:fPr>
+                          <m:ctrlPr>
+                            <a:rPr lang="en-US" altLang="zh-TW" sz="1600" i="1">
+                              <a:latin typeface="Cambria Math" panose="02040503050406030204" pitchFamily="18" charset="0"/>
+                            </a:rPr>
+                          </m:ctrlPr>
+                        </m:fPr>
+                        <m:num>
+                          <m:sSub>
+                            <m:sSubPr>
+                              <m:ctrlPr>
+                                <a:rPr lang="en-US" altLang="zh-TW" sz="1600" i="1">
+                                  <a:latin typeface="Cambria Math" panose="02040503050406030204" pitchFamily="18" charset="0"/>
+                                </a:rPr>
+                              </m:ctrlPr>
+                            </m:sSubPr>
+                            <m:e>
+                              <m:r>
+                                <a:rPr lang="en-US" altLang="zh-TW" sz="1600" i="1">
+                                  <a:latin typeface="Cambria Math" panose="02040503050406030204" pitchFamily="18" charset="0"/>
+                                </a:rPr>
+                                <m:t>𝑏</m:t>
+                              </m:r>
+                            </m:e>
+                            <m:sub>
+                              <m:r>
+                                <a:rPr lang="en-US" altLang="zh-TW" sz="1600" b="0" i="1" smtClean="0">
+                                  <a:latin typeface="Cambria Math" panose="02040503050406030204" pitchFamily="18" charset="0"/>
+                                </a:rPr>
+                                <m:t>1</m:t>
+                              </m:r>
+                            </m:sub>
+                          </m:sSub>
+                          <m:r>
+                            <a:rPr lang="en-US" altLang="zh-TW" sz="1600" b="0" i="1" smtClean="0">
+                              <a:latin typeface="Cambria Math" panose="02040503050406030204" pitchFamily="18" charset="0"/>
+                            </a:rPr>
+                            <m:t>−</m:t>
+                          </m:r>
+                          <m:sSub>
+                            <m:sSubPr>
+                              <m:ctrlPr>
+                                <a:rPr lang="en-US" altLang="zh-TW" sz="1600" i="1">
+                                  <a:latin typeface="Cambria Math" panose="02040503050406030204" pitchFamily="18" charset="0"/>
+                                </a:rPr>
+                              </m:ctrlPr>
+                            </m:sSubPr>
+                            <m:e>
+                              <m:r>
+                                <a:rPr lang="en-US" altLang="zh-TW" sz="1600" i="1">
+                                  <a:latin typeface="Cambria Math" panose="02040503050406030204" pitchFamily="18" charset="0"/>
+                                </a:rPr>
+                                <m:t>𝑏</m:t>
+                              </m:r>
+                            </m:e>
+                            <m:sub>
+                              <m:r>
+                                <a:rPr lang="en-US" altLang="zh-TW" sz="1600" b="0" i="1" smtClean="0">
+                                  <a:latin typeface="Cambria Math" panose="02040503050406030204" pitchFamily="18" charset="0"/>
+                                </a:rPr>
+                                <m:t>4</m:t>
+                              </m:r>
+                            </m:sub>
+                          </m:sSub>
+                        </m:num>
+                        <m:den>
+                          <m:r>
+                            <a:rPr lang="en-US" altLang="zh-TW" sz="1600" i="1">
+                              <a:latin typeface="Cambria Math" panose="02040503050406030204" pitchFamily="18" charset="0"/>
+                            </a:rPr>
+                            <m:t>2</m:t>
+                          </m:r>
+                        </m:den>
+                      </m:f>
+                      <m:d>
+                        <m:dPr>
+                          <m:ctrlPr>
+                            <a:rPr lang="en-US" altLang="zh-TW" sz="1600" i="1">
+                              <a:latin typeface="Cambria Math" panose="02040503050406030204" pitchFamily="18" charset="0"/>
+                            </a:rPr>
+                          </m:ctrlPr>
+                        </m:dPr>
+                        <m:e>
+                          <m:sSub>
+                            <m:sSubPr>
+                              <m:ctrlPr>
+                                <a:rPr lang="en-US" altLang="zh-TW" sz="1600" i="1">
+                                  <a:latin typeface="Cambria Math" panose="02040503050406030204" pitchFamily="18" charset="0"/>
+                                </a:rPr>
+                              </m:ctrlPr>
+                            </m:sSubPr>
+                            <m:e>
+                              <m:r>
+                                <a:rPr lang="en-US" altLang="zh-TW" sz="1600" i="1">
+                                  <a:latin typeface="Cambria Math" panose="02040503050406030204" pitchFamily="18" charset="0"/>
+                                </a:rPr>
+                                <m:t>𝑎</m:t>
+                              </m:r>
+                            </m:e>
+                            <m:sub>
+                              <m:r>
+                                <a:rPr lang="en-US" altLang="zh-TW" sz="1600" b="0" i="1" smtClean="0">
+                                  <a:latin typeface="Cambria Math" panose="02040503050406030204" pitchFamily="18" charset="0"/>
+                                </a:rPr>
+                                <m:t>2</m:t>
+                              </m:r>
+                            </m:sub>
+                          </m:sSub>
+                          <m:r>
+                            <a:rPr lang="en-US" altLang="zh-TW" sz="1600" b="0" i="1" smtClean="0">
+                              <a:latin typeface="Cambria Math" panose="02040503050406030204" pitchFamily="18" charset="0"/>
+                            </a:rPr>
+                            <m:t>−</m:t>
+                          </m:r>
+                          <m:sSub>
+                            <m:sSubPr>
+                              <m:ctrlPr>
+                                <a:rPr lang="en-US" altLang="zh-TW" sz="1600" i="1">
+                                  <a:latin typeface="Cambria Math" panose="02040503050406030204" pitchFamily="18" charset="0"/>
+                                </a:rPr>
+                              </m:ctrlPr>
+                            </m:sSubPr>
+                            <m:e>
+                              <m:r>
+                                <a:rPr lang="en-US" altLang="zh-TW" sz="1600" i="1">
+                                  <a:latin typeface="Cambria Math" panose="02040503050406030204" pitchFamily="18" charset="0"/>
+                                </a:rPr>
+                                <m:t>𝑎</m:t>
+                              </m:r>
+                            </m:e>
+                            <m:sub>
+                              <m:r>
+                                <a:rPr lang="en-US" altLang="zh-TW" sz="1600" b="0" i="1" smtClean="0">
+                                  <a:latin typeface="Cambria Math" panose="02040503050406030204" pitchFamily="18" charset="0"/>
+                                </a:rPr>
+                                <m:t>3</m:t>
+                              </m:r>
+                            </m:sub>
+                          </m:sSub>
+                        </m:e>
+                      </m:d>
+                      <m:r>
+                        <a:rPr lang="en-US" altLang="zh-TW" sz="1600" b="0" i="1" smtClean="0">
+                          <a:latin typeface="Cambria Math" panose="02040503050406030204" pitchFamily="18" charset="0"/>
+                        </a:rPr>
+                        <m:t>,</m:t>
+                      </m:r>
+                      <m:sSub>
+                        <m:sSubPr>
+                          <m:ctrlPr>
+                            <a:rPr lang="en-US" altLang="zh-TW" sz="1600" i="1">
+                              <a:latin typeface="Cambria Math" panose="02040503050406030204" pitchFamily="18" charset="0"/>
+                            </a:rPr>
+                          </m:ctrlPr>
+                        </m:sSubPr>
+                        <m:e>
+                          <m:r>
+                            <a:rPr lang="en-US" altLang="zh-TW" sz="1600" i="1">
+                              <a:latin typeface="Cambria Math" panose="02040503050406030204" pitchFamily="18" charset="0"/>
+                            </a:rPr>
+                            <m:t>𝑧</m:t>
+                          </m:r>
+                        </m:e>
+                        <m:sub>
+                          <m:r>
+                            <a:rPr lang="en-US" altLang="zh-TW" sz="1600" b="0" i="1" smtClean="0">
+                              <a:latin typeface="Cambria Math" panose="02040503050406030204" pitchFamily="18" charset="0"/>
+                            </a:rPr>
+                            <m:t>8</m:t>
+                          </m:r>
+                        </m:sub>
+                      </m:sSub>
+                      <m:r>
+                        <a:rPr lang="en-US" altLang="zh-TW" sz="1600" i="1">
+                          <a:latin typeface="Cambria Math" panose="02040503050406030204" pitchFamily="18" charset="0"/>
+                        </a:rPr>
+                        <m:t>=</m:t>
+                      </m:r>
+                      <m:sSub>
+                        <m:sSubPr>
+                          <m:ctrlPr>
+                            <a:rPr lang="en-US" altLang="zh-TW" sz="1600" i="1">
+                              <a:latin typeface="Cambria Math" panose="02040503050406030204" pitchFamily="18" charset="0"/>
+                            </a:rPr>
+                          </m:ctrlPr>
+                        </m:sSubPr>
+                        <m:e>
+                          <m:r>
+                            <a:rPr lang="en-US" altLang="zh-TW" sz="1600" b="0" i="1" smtClean="0">
+                              <a:latin typeface="Cambria Math" panose="02040503050406030204" pitchFamily="18" charset="0"/>
+                            </a:rPr>
+                            <m:t>−</m:t>
+                          </m:r>
+                          <m:r>
+                            <a:rPr lang="en-US" altLang="zh-TW" sz="1600" i="1">
+                              <a:latin typeface="Cambria Math" panose="02040503050406030204" pitchFamily="18" charset="0"/>
+                            </a:rPr>
+                            <m:t>𝑧</m:t>
+                          </m:r>
+                        </m:e>
+                        <m:sub>
+                          <m:r>
+                            <a:rPr lang="en-US" altLang="zh-TW" sz="1600" b="0" i="1" smtClean="0">
+                              <a:latin typeface="Cambria Math" panose="02040503050406030204" pitchFamily="18" charset="0"/>
+                            </a:rPr>
+                            <m:t>7</m:t>
+                          </m:r>
+                        </m:sub>
+                      </m:sSub>
+                      <m:r>
+                        <a:rPr lang="en-US" altLang="zh-TW" sz="1600" i="1">
+                          <a:latin typeface="Cambria Math" panose="02040503050406030204" pitchFamily="18" charset="0"/>
+                        </a:rPr>
+                        <m:t>,</m:t>
+                      </m:r>
+                      <m:sSub>
+                        <m:sSubPr>
+                          <m:ctrlPr>
+                            <a:rPr lang="en-US" altLang="zh-TW" sz="1600" i="1">
+                              <a:latin typeface="Cambria Math" panose="02040503050406030204" pitchFamily="18" charset="0"/>
+                            </a:rPr>
+                          </m:ctrlPr>
+                        </m:sSubPr>
+                        <m:e>
+                          <m:r>
+                            <a:rPr lang="en-US" altLang="zh-TW" sz="1600" b="0" i="1" smtClean="0">
+                              <a:latin typeface="Cambria Math" panose="02040503050406030204" pitchFamily="18" charset="0"/>
+                            </a:rPr>
+                            <m:t>𝑦</m:t>
+                          </m:r>
+                        </m:e>
+                        <m:sub>
+                          <m:r>
+                            <a:rPr lang="en-US" altLang="zh-TW" sz="1600" b="0" i="1" smtClean="0">
+                              <a:latin typeface="Cambria Math" panose="02040503050406030204" pitchFamily="18" charset="0"/>
+                            </a:rPr>
+                            <m:t>3</m:t>
+                          </m:r>
+                        </m:sub>
+                      </m:sSub>
+                      <m:r>
+                        <a:rPr lang="en-US" altLang="zh-TW" sz="1600" i="1">
+                          <a:latin typeface="Cambria Math" panose="02040503050406030204" pitchFamily="18" charset="0"/>
+                        </a:rPr>
+                        <m:t>=</m:t>
+                      </m:r>
+                      <m:sSub>
+                        <m:sSubPr>
+                          <m:ctrlPr>
+                            <a:rPr lang="en-US" altLang="zh-TW" sz="1600" i="1">
+                              <a:latin typeface="Cambria Math" panose="02040503050406030204" pitchFamily="18" charset="0"/>
+                            </a:rPr>
+                          </m:ctrlPr>
+                        </m:sSubPr>
+                        <m:e>
+                          <m:r>
+                            <a:rPr lang="en-US" altLang="zh-TW" sz="1600" i="1">
+                              <a:latin typeface="Cambria Math" panose="02040503050406030204" pitchFamily="18" charset="0"/>
+                            </a:rPr>
+                            <m:t>𝑧</m:t>
+                          </m:r>
+                        </m:e>
+                        <m:sub>
+                          <m:r>
+                            <a:rPr lang="en-US" altLang="zh-TW" sz="1600" b="0" i="1" smtClean="0">
+                              <a:latin typeface="Cambria Math" panose="02040503050406030204" pitchFamily="18" charset="0"/>
+                            </a:rPr>
+                            <m:t>5</m:t>
+                          </m:r>
+                        </m:sub>
+                      </m:sSub>
+                      <m:r>
+                        <a:rPr lang="en-US" altLang="zh-TW" sz="1600" b="0" i="1" smtClean="0">
+                          <a:latin typeface="Cambria Math" panose="02040503050406030204" pitchFamily="18" charset="0"/>
+                        </a:rPr>
+                        <m:t>+</m:t>
+                      </m:r>
+                      <m:sSub>
+                        <m:sSubPr>
+                          <m:ctrlPr>
+                            <a:rPr lang="en-US" altLang="zh-TW" sz="1600" i="1" smtClean="0">
+                              <a:latin typeface="Cambria Math" panose="02040503050406030204" pitchFamily="18" charset="0"/>
+                            </a:rPr>
+                          </m:ctrlPr>
+                        </m:sSubPr>
+                        <m:e>
+                          <m:r>
+                            <a:rPr lang="en-US" altLang="zh-TW" sz="1600" i="1">
+                              <a:latin typeface="Cambria Math" panose="02040503050406030204" pitchFamily="18" charset="0"/>
+                            </a:rPr>
+                            <m:t>𝑧</m:t>
+                          </m:r>
+                        </m:e>
+                        <m:sub>
+                          <m:r>
+                            <a:rPr lang="en-US" altLang="zh-TW" sz="1600" b="0" i="1" smtClean="0">
+                              <a:latin typeface="Cambria Math" panose="02040503050406030204" pitchFamily="18" charset="0"/>
+                            </a:rPr>
+                            <m:t>7</m:t>
+                          </m:r>
+                        </m:sub>
+                      </m:sSub>
+                      <m:r>
+                        <a:rPr lang="en-US" altLang="zh-TW" sz="1600" b="0" i="1" smtClean="0">
+                          <a:latin typeface="Cambria Math" panose="02040503050406030204" pitchFamily="18" charset="0"/>
+                        </a:rPr>
+                        <m:t>,</m:t>
+                      </m:r>
+                      <m:sSub>
+                        <m:sSubPr>
+                          <m:ctrlPr>
+                            <a:rPr lang="en-US" altLang="zh-TW" sz="1600" i="1">
+                              <a:latin typeface="Cambria Math" panose="02040503050406030204" pitchFamily="18" charset="0"/>
+                            </a:rPr>
+                          </m:ctrlPr>
+                        </m:sSubPr>
+                        <m:e>
+                          <m:r>
+                            <a:rPr lang="en-US" altLang="zh-TW" sz="1600" i="1">
+                              <a:latin typeface="Cambria Math" panose="02040503050406030204" pitchFamily="18" charset="0"/>
+                            </a:rPr>
+                            <m:t>𝑦</m:t>
+                          </m:r>
+                        </m:e>
+                        <m:sub>
+                          <m:r>
+                            <a:rPr lang="en-US" altLang="zh-TW" sz="1600" b="0" i="1" smtClean="0">
+                              <a:latin typeface="Cambria Math" panose="02040503050406030204" pitchFamily="18" charset="0"/>
+                            </a:rPr>
+                            <m:t>4</m:t>
+                          </m:r>
+                        </m:sub>
+                      </m:sSub>
+                      <m:r>
+                        <a:rPr lang="en-US" altLang="zh-TW" sz="1600" i="1">
+                          <a:latin typeface="Cambria Math" panose="02040503050406030204" pitchFamily="18" charset="0"/>
+                        </a:rPr>
+                        <m:t>=</m:t>
+                      </m:r>
+                      <m:sSub>
+                        <m:sSubPr>
+                          <m:ctrlPr>
+                            <a:rPr lang="en-US" altLang="zh-TW" sz="1600" i="1">
+                              <a:latin typeface="Cambria Math" panose="02040503050406030204" pitchFamily="18" charset="0"/>
+                            </a:rPr>
+                          </m:ctrlPr>
+                        </m:sSubPr>
+                        <m:e>
+                          <m:r>
+                            <a:rPr lang="en-US" altLang="zh-TW" sz="1600" i="1">
+                              <a:latin typeface="Cambria Math" panose="02040503050406030204" pitchFamily="18" charset="0"/>
+                            </a:rPr>
+                            <m:t>𝑧</m:t>
+                          </m:r>
+                        </m:e>
+                        <m:sub>
+                          <m:r>
+                            <a:rPr lang="en-US" altLang="zh-TW" sz="1600" b="0" i="1" smtClean="0">
+                              <a:latin typeface="Cambria Math" panose="02040503050406030204" pitchFamily="18" charset="0"/>
+                            </a:rPr>
+                            <m:t>6</m:t>
+                          </m:r>
+                        </m:sub>
+                      </m:sSub>
+                      <m:r>
+                        <a:rPr lang="en-US" altLang="zh-TW" sz="1600" i="1">
+                          <a:latin typeface="Cambria Math" panose="02040503050406030204" pitchFamily="18" charset="0"/>
+                        </a:rPr>
+                        <m:t>+</m:t>
+                      </m:r>
+                      <m:sSub>
+                        <m:sSubPr>
+                          <m:ctrlPr>
+                            <a:rPr lang="en-US" altLang="zh-TW" sz="1600" i="1">
+                              <a:latin typeface="Cambria Math" panose="02040503050406030204" pitchFamily="18" charset="0"/>
+                            </a:rPr>
+                          </m:ctrlPr>
+                        </m:sSubPr>
+                        <m:e>
+                          <m:r>
+                            <a:rPr lang="en-US" altLang="zh-TW" sz="1600" i="1">
+                              <a:latin typeface="Cambria Math" panose="02040503050406030204" pitchFamily="18" charset="0"/>
+                            </a:rPr>
+                            <m:t>𝑧</m:t>
+                          </m:r>
+                        </m:e>
+                        <m:sub>
+                          <m:r>
+                            <a:rPr lang="en-US" altLang="zh-TW" sz="1600" b="0" i="1" smtClean="0">
+                              <a:latin typeface="Cambria Math" panose="02040503050406030204" pitchFamily="18" charset="0"/>
+                            </a:rPr>
+                            <m:t>8</m:t>
+                          </m:r>
+                        </m:sub>
+                      </m:sSub>
+                    </m:oMath>
+                  </m:oMathPara>
+                </a14:m>
+                <a:endParaRPr kumimoji="1" lang="en-US" altLang="zh-TW" sz="1600" dirty="0"/>
+              </a:p>
+              <a:p>
+                <a14:m>
+                  <m:oMathPara xmlns:m="http://schemas.openxmlformats.org/officeDocument/2006/math">
+                    <m:oMathParaPr>
+                      <m:jc m:val="centerGroup"/>
+                    </m:oMathParaPr>
+                    <m:oMath xmlns:m="http://schemas.openxmlformats.org/officeDocument/2006/math">
+                      <m:sSub>
+                        <m:sSubPr>
+                          <m:ctrlPr>
+                            <a:rPr lang="en-US" altLang="zh-TW" sz="1600" i="1">
+                              <a:latin typeface="Cambria Math" panose="02040503050406030204" pitchFamily="18" charset="0"/>
+                            </a:rPr>
+                          </m:ctrlPr>
+                        </m:sSubPr>
+                        <m:e>
+                          <m:r>
+                            <a:rPr lang="en-US" altLang="zh-TW" sz="1600" i="1">
+                              <a:latin typeface="Cambria Math" panose="02040503050406030204" pitchFamily="18" charset="0"/>
+                            </a:rPr>
+                            <m:t>𝑐</m:t>
+                          </m:r>
+                        </m:e>
+                        <m:sub>
+                          <m:r>
+                            <a:rPr lang="en-US" altLang="zh-TW" sz="1600" i="1">
+                              <a:latin typeface="Cambria Math" panose="02040503050406030204" pitchFamily="18" charset="0"/>
+                            </a:rPr>
+                            <m:t>2</m:t>
+                          </m:r>
+                        </m:sub>
+                      </m:sSub>
+                      <m:r>
+                        <a:rPr lang="en-US" altLang="zh-TW" sz="1600" b="0" i="1" smtClean="0">
+                          <a:latin typeface="Cambria Math" panose="02040503050406030204" pitchFamily="18" charset="0"/>
+                        </a:rPr>
+                        <m:t>=</m:t>
+                      </m:r>
+                      <m:sSub>
+                        <m:sSubPr>
+                          <m:ctrlPr>
+                            <a:rPr lang="en-US" altLang="zh-TW" sz="1600" i="1">
+                              <a:latin typeface="Cambria Math" panose="02040503050406030204" pitchFamily="18" charset="0"/>
+                            </a:rPr>
+                          </m:ctrlPr>
+                        </m:sSubPr>
+                        <m:e>
+                          <m:r>
+                            <a:rPr lang="en-US" altLang="zh-TW" sz="1600" i="1">
+                              <a:latin typeface="Cambria Math" panose="02040503050406030204" pitchFamily="18" charset="0"/>
+                            </a:rPr>
+                            <m:t>𝑦</m:t>
+                          </m:r>
+                        </m:e>
+                        <m:sub>
+                          <m:r>
+                            <a:rPr lang="en-US" altLang="zh-TW" sz="1600" i="1">
+                              <a:latin typeface="Cambria Math" panose="02040503050406030204" pitchFamily="18" charset="0"/>
+                            </a:rPr>
+                            <m:t>1</m:t>
+                          </m:r>
+                        </m:sub>
+                      </m:sSub>
+                      <m:r>
+                        <a:rPr lang="en-US" altLang="zh-TW" sz="1600" b="0" i="1" smtClean="0">
+                          <a:latin typeface="Cambria Math" panose="02040503050406030204" pitchFamily="18" charset="0"/>
+                        </a:rPr>
+                        <m:t>+</m:t>
+                      </m:r>
+                      <m:sSub>
+                        <m:sSubPr>
+                          <m:ctrlPr>
+                            <a:rPr lang="en-US" altLang="zh-TW" sz="1600" i="1">
+                              <a:latin typeface="Cambria Math" panose="02040503050406030204" pitchFamily="18" charset="0"/>
+                            </a:rPr>
+                          </m:ctrlPr>
+                        </m:sSubPr>
+                        <m:e>
+                          <m:r>
+                            <a:rPr lang="en-US" altLang="zh-TW" sz="1600" i="1">
+                              <a:latin typeface="Cambria Math" panose="02040503050406030204" pitchFamily="18" charset="0"/>
+                            </a:rPr>
+                            <m:t>𝑦</m:t>
+                          </m:r>
+                        </m:e>
+                        <m:sub>
+                          <m:r>
+                            <a:rPr lang="en-US" altLang="zh-TW" sz="1600" i="1">
+                              <a:latin typeface="Cambria Math" panose="02040503050406030204" pitchFamily="18" charset="0"/>
+                            </a:rPr>
+                            <m:t>3</m:t>
+                          </m:r>
+                        </m:sub>
+                      </m:sSub>
+                      <m:r>
+                        <a:rPr lang="en-US" altLang="zh-TW" sz="1600" b="0" i="1" smtClean="0">
+                          <a:latin typeface="Cambria Math" panose="02040503050406030204" pitchFamily="18" charset="0"/>
+                        </a:rPr>
+                        <m:t>,</m:t>
+                      </m:r>
+                      <m:sSub>
+                        <m:sSubPr>
+                          <m:ctrlPr>
+                            <a:rPr lang="en-US" altLang="zh-TW" sz="1600" i="1">
+                              <a:latin typeface="Cambria Math" panose="02040503050406030204" pitchFamily="18" charset="0"/>
+                            </a:rPr>
+                          </m:ctrlPr>
+                        </m:sSubPr>
+                        <m:e>
+                          <m:r>
+                            <a:rPr lang="en-US" altLang="zh-TW" sz="1600" i="1">
+                              <a:latin typeface="Cambria Math" panose="02040503050406030204" pitchFamily="18" charset="0"/>
+                            </a:rPr>
+                            <m:t>𝑐</m:t>
+                          </m:r>
+                        </m:e>
+                        <m:sub>
+                          <m:r>
+                            <a:rPr lang="en-US" altLang="zh-TW" sz="1600" b="0" i="1" smtClean="0">
+                              <a:latin typeface="Cambria Math" panose="02040503050406030204" pitchFamily="18" charset="0"/>
+                            </a:rPr>
+                            <m:t>3</m:t>
+                          </m:r>
+                        </m:sub>
+                      </m:sSub>
+                      <m:r>
+                        <a:rPr lang="en-US" altLang="zh-TW" sz="1600" i="1">
+                          <a:latin typeface="Cambria Math" panose="02040503050406030204" pitchFamily="18" charset="0"/>
+                        </a:rPr>
+                        <m:t>=</m:t>
+                      </m:r>
+                      <m:sSub>
+                        <m:sSubPr>
+                          <m:ctrlPr>
+                            <a:rPr lang="en-US" altLang="zh-TW" sz="1600" i="1">
+                              <a:latin typeface="Cambria Math" panose="02040503050406030204" pitchFamily="18" charset="0"/>
+                            </a:rPr>
+                          </m:ctrlPr>
+                        </m:sSubPr>
+                        <m:e>
+                          <m:r>
+                            <a:rPr lang="en-US" altLang="zh-TW" sz="1600" i="1">
+                              <a:latin typeface="Cambria Math" panose="02040503050406030204" pitchFamily="18" charset="0"/>
+                            </a:rPr>
+                            <m:t>𝑦</m:t>
+                          </m:r>
+                        </m:e>
+                        <m:sub>
+                          <m:r>
+                            <a:rPr lang="en-US" altLang="zh-TW" sz="1600" b="0" i="1" smtClean="0">
+                              <a:latin typeface="Cambria Math" panose="02040503050406030204" pitchFamily="18" charset="0"/>
+                            </a:rPr>
+                            <m:t>2</m:t>
+                          </m:r>
+                        </m:sub>
+                      </m:sSub>
+                      <m:r>
+                        <a:rPr lang="en-US" altLang="zh-TW" sz="1600" i="1">
+                          <a:latin typeface="Cambria Math" panose="02040503050406030204" pitchFamily="18" charset="0"/>
+                        </a:rPr>
+                        <m:t>+</m:t>
+                      </m:r>
+                      <m:sSub>
+                        <m:sSubPr>
+                          <m:ctrlPr>
+                            <a:rPr lang="en-US" altLang="zh-TW" sz="1600" i="1">
+                              <a:latin typeface="Cambria Math" panose="02040503050406030204" pitchFamily="18" charset="0"/>
+                            </a:rPr>
+                          </m:ctrlPr>
+                        </m:sSubPr>
+                        <m:e>
+                          <m:r>
+                            <a:rPr lang="en-US" altLang="zh-TW" sz="1600" i="1">
+                              <a:latin typeface="Cambria Math" panose="02040503050406030204" pitchFamily="18" charset="0"/>
+                            </a:rPr>
+                            <m:t>𝑦</m:t>
+                          </m:r>
+                        </m:e>
+                        <m:sub>
+                          <m:r>
+                            <a:rPr lang="en-US" altLang="zh-TW" sz="1600" b="0" i="1" smtClean="0">
+                              <a:latin typeface="Cambria Math" panose="02040503050406030204" pitchFamily="18" charset="0"/>
+                            </a:rPr>
+                            <m:t>4</m:t>
+                          </m:r>
+                        </m:sub>
+                      </m:sSub>
+                      <m:r>
+                        <a:rPr lang="en-US" altLang="zh-TW" sz="1600" i="1">
+                          <a:latin typeface="Cambria Math" panose="02040503050406030204" pitchFamily="18" charset="0"/>
+                        </a:rPr>
+                        <m:t>,</m:t>
+                      </m:r>
+                    </m:oMath>
+                  </m:oMathPara>
+                </a14:m>
+                <a:endParaRPr kumimoji="1" lang="en-US" altLang="zh-TW" sz="1600" b="0" i="1" dirty="0">
+                  <a:latin typeface="Cambria Math" panose="02040503050406030204" pitchFamily="18" charset="0"/>
+                </a:endParaRPr>
+              </a:p>
+              <a:p>
+                <a14:m>
+                  <m:oMathPara xmlns:m="http://schemas.openxmlformats.org/officeDocument/2006/math">
+                    <m:oMathParaPr>
+                      <m:jc m:val="centerGroup"/>
+                    </m:oMathParaPr>
+                    <m:oMath xmlns:m="http://schemas.openxmlformats.org/officeDocument/2006/math">
+                      <m:r>
+                        <a:rPr kumimoji="1" lang="en-US" altLang="zh-TW" sz="1600" b="0" i="1" smtClean="0">
+                          <a:latin typeface="Cambria Math" panose="02040503050406030204" pitchFamily="18" charset="0"/>
+                        </a:rPr>
+                        <m:t>⇒</m:t>
+                      </m:r>
+                      <m:d>
+                        <m:dPr>
+                          <m:begChr m:val="["/>
+                          <m:endChr m:val="]"/>
+                          <m:ctrlPr>
+                            <a:rPr lang="en-US" altLang="zh-TW" sz="1600" i="1">
+                              <a:latin typeface="Cambria Math" panose="02040503050406030204" pitchFamily="18" charset="0"/>
+                            </a:rPr>
+                          </m:ctrlPr>
+                        </m:dPr>
+                        <m:e>
+                          <m:m>
+                            <m:mPr>
+                              <m:mcs>
+                                <m:mc>
+                                  <m:mcPr>
+                                    <m:count m:val="1"/>
+                                    <m:mcJc m:val="center"/>
+                                  </m:mcPr>
+                                </m:mc>
+                              </m:mcs>
+                              <m:ctrlPr>
+                                <a:rPr lang="en-US" altLang="zh-TW" sz="1600" i="1">
+                                  <a:latin typeface="Cambria Math" panose="02040503050406030204" pitchFamily="18" charset="0"/>
+                                </a:rPr>
+                              </m:ctrlPr>
+                            </m:mPr>
+                            <m:mr>
+                              <m:e>
+                                <m:sSub>
+                                  <m:sSubPr>
+                                    <m:ctrlPr>
+                                      <a:rPr lang="en-US" altLang="zh-TW" sz="1600" i="1">
+                                        <a:latin typeface="Cambria Math" panose="02040503050406030204" pitchFamily="18" charset="0"/>
+                                      </a:rPr>
+                                    </m:ctrlPr>
+                                  </m:sSubPr>
+                                  <m:e>
+                                    <m:r>
+                                      <a:rPr lang="en-US" altLang="zh-TW" sz="1600" i="1">
+                                        <a:latin typeface="Cambria Math" panose="02040503050406030204" pitchFamily="18" charset="0"/>
+                                      </a:rPr>
+                                      <m:t>𝑐</m:t>
+                                    </m:r>
+                                  </m:e>
+                                  <m:sub>
+                                    <m:r>
+                                      <a:rPr lang="en-US" altLang="zh-TW" sz="1600" i="1">
+                                        <a:latin typeface="Cambria Math" panose="02040503050406030204" pitchFamily="18" charset="0"/>
+                                      </a:rPr>
+                                      <m:t>1</m:t>
+                                    </m:r>
+                                  </m:sub>
+                                </m:sSub>
+                              </m:e>
+                            </m:mr>
+                            <m:mr>
+                              <m:e>
+                                <m:sSub>
+                                  <m:sSubPr>
+                                    <m:ctrlPr>
+                                      <a:rPr lang="en-US" altLang="zh-TW" sz="1600" i="1">
+                                        <a:latin typeface="Cambria Math" panose="02040503050406030204" pitchFamily="18" charset="0"/>
+                                      </a:rPr>
+                                    </m:ctrlPr>
+                                  </m:sSubPr>
+                                  <m:e>
+                                    <m:r>
+                                      <a:rPr lang="en-US" altLang="zh-TW" sz="1600" i="1">
+                                        <a:latin typeface="Cambria Math" panose="02040503050406030204" pitchFamily="18" charset="0"/>
+                                      </a:rPr>
+                                      <m:t>𝑐</m:t>
+                                    </m:r>
+                                  </m:e>
+                                  <m:sub>
+                                    <m:r>
+                                      <a:rPr lang="en-US" altLang="zh-TW" sz="1600" i="1">
+                                        <a:latin typeface="Cambria Math" panose="02040503050406030204" pitchFamily="18" charset="0"/>
+                                      </a:rPr>
+                                      <m:t>4</m:t>
+                                    </m:r>
+                                  </m:sub>
+                                </m:sSub>
+                              </m:e>
+                            </m:mr>
+                          </m:m>
+                        </m:e>
+                      </m:d>
+                      <m:r>
+                        <a:rPr lang="en-US" altLang="zh-TW" sz="1600" i="1">
+                          <a:latin typeface="Cambria Math" panose="02040503050406030204" pitchFamily="18" charset="0"/>
+                        </a:rPr>
+                        <m:t>=</m:t>
+                      </m:r>
+                      <m:d>
+                        <m:dPr>
+                          <m:begChr m:val="["/>
+                          <m:endChr m:val="]"/>
+                          <m:ctrlPr>
+                            <a:rPr lang="en-US" altLang="zh-TW" sz="1600" i="1">
+                              <a:latin typeface="Cambria Math" panose="02040503050406030204" pitchFamily="18" charset="0"/>
+                            </a:rPr>
+                          </m:ctrlPr>
+                        </m:dPr>
+                        <m:e>
+                          <m:m>
+                            <m:mPr>
+                              <m:mcs>
+                                <m:mc>
+                                  <m:mcPr>
+                                    <m:count m:val="2"/>
+                                    <m:mcJc m:val="center"/>
+                                  </m:mcPr>
+                                </m:mc>
+                              </m:mcs>
+                              <m:ctrlPr>
+                                <a:rPr lang="en-US" altLang="zh-TW" sz="1600" i="1">
+                                  <a:latin typeface="Cambria Math" panose="02040503050406030204" pitchFamily="18" charset="0"/>
+                                </a:rPr>
+                              </m:ctrlPr>
+                            </m:mPr>
+                            <m:mr>
+                              <m:e>
+                                <m:sSub>
+                                  <m:sSubPr>
+                                    <m:ctrlPr>
+                                      <a:rPr lang="en-US" altLang="zh-TW" sz="1600" i="1">
+                                        <a:latin typeface="Cambria Math" panose="02040503050406030204" pitchFamily="18" charset="0"/>
+                                      </a:rPr>
+                                    </m:ctrlPr>
+                                  </m:sSubPr>
+                                  <m:e>
+                                    <m:r>
+                                      <a:rPr lang="en-US" altLang="zh-TW" sz="1600" i="1">
+                                        <a:latin typeface="Cambria Math" panose="02040503050406030204" pitchFamily="18" charset="0"/>
+                                      </a:rPr>
+                                      <m:t>𝑏</m:t>
+                                    </m:r>
+                                  </m:e>
+                                  <m:sub>
+                                    <m:r>
+                                      <a:rPr lang="en-US" altLang="zh-TW" sz="1600" i="1">
+                                        <a:latin typeface="Cambria Math" panose="02040503050406030204" pitchFamily="18" charset="0"/>
+                                      </a:rPr>
+                                      <m:t>1</m:t>
+                                    </m:r>
+                                  </m:sub>
+                                </m:sSub>
+                              </m:e>
+                              <m:e>
+                                <m:sSub>
+                                  <m:sSubPr>
+                                    <m:ctrlPr>
+                                      <a:rPr lang="en-US" altLang="zh-TW" sz="1600" i="1">
+                                        <a:latin typeface="Cambria Math" panose="02040503050406030204" pitchFamily="18" charset="0"/>
+                                      </a:rPr>
+                                    </m:ctrlPr>
+                                  </m:sSubPr>
+                                  <m:e>
+                                    <m:r>
+                                      <a:rPr lang="en-US" altLang="zh-TW" sz="1600" i="1">
+                                        <a:latin typeface="Cambria Math" panose="02040503050406030204" pitchFamily="18" charset="0"/>
+                                      </a:rPr>
+                                      <m:t>−</m:t>
+                                    </m:r>
+                                    <m:r>
+                                      <a:rPr lang="en-US" altLang="zh-TW" sz="1600" i="1">
+                                        <a:latin typeface="Cambria Math" panose="02040503050406030204" pitchFamily="18" charset="0"/>
+                                      </a:rPr>
+                                      <m:t>𝑏</m:t>
+                                    </m:r>
+                                  </m:e>
+                                  <m:sub>
+                                    <m:r>
+                                      <a:rPr lang="en-US" altLang="zh-TW" sz="1600" i="1">
+                                        <a:latin typeface="Cambria Math" panose="02040503050406030204" pitchFamily="18" charset="0"/>
+                                      </a:rPr>
+                                      <m:t>4</m:t>
+                                    </m:r>
+                                  </m:sub>
+                                </m:sSub>
+                              </m:e>
+                            </m:mr>
+                            <m:mr>
+                              <m:e>
+                                <m:sSub>
+                                  <m:sSubPr>
+                                    <m:ctrlPr>
+                                      <a:rPr lang="en-US" altLang="zh-TW" sz="1600" i="1">
+                                        <a:latin typeface="Cambria Math" panose="02040503050406030204" pitchFamily="18" charset="0"/>
+                                      </a:rPr>
+                                    </m:ctrlPr>
+                                  </m:sSubPr>
+                                  <m:e>
+                                    <m:r>
+                                      <a:rPr lang="en-US" altLang="zh-TW" sz="1600" i="1">
+                                        <a:latin typeface="Cambria Math" panose="02040503050406030204" pitchFamily="18" charset="0"/>
+                                      </a:rPr>
+                                      <m:t>−</m:t>
+                                    </m:r>
+                                    <m:r>
+                                      <a:rPr lang="en-US" altLang="zh-TW" sz="1600" i="1">
+                                        <a:latin typeface="Cambria Math" panose="02040503050406030204" pitchFamily="18" charset="0"/>
+                                      </a:rPr>
+                                      <m:t>𝑏</m:t>
+                                    </m:r>
+                                  </m:e>
+                                  <m:sub>
+                                    <m:r>
+                                      <a:rPr lang="en-US" altLang="zh-TW" sz="1600" i="1">
+                                        <a:latin typeface="Cambria Math" panose="02040503050406030204" pitchFamily="18" charset="0"/>
+                                      </a:rPr>
+                                      <m:t>4</m:t>
+                                    </m:r>
+                                  </m:sub>
+                                </m:sSub>
+                              </m:e>
+                              <m:e>
+                                <m:sSub>
+                                  <m:sSubPr>
+                                    <m:ctrlPr>
+                                      <a:rPr lang="en-US" altLang="zh-TW" sz="1600" i="1">
+                                        <a:latin typeface="Cambria Math" panose="02040503050406030204" pitchFamily="18" charset="0"/>
+                                      </a:rPr>
+                                    </m:ctrlPr>
+                                  </m:sSubPr>
+                                  <m:e>
+                                    <m:r>
+                                      <a:rPr lang="en-US" altLang="zh-TW" sz="1600" i="1">
+                                        <a:latin typeface="Cambria Math" panose="02040503050406030204" pitchFamily="18" charset="0"/>
+                                      </a:rPr>
+                                      <m:t>𝑏</m:t>
+                                    </m:r>
+                                  </m:e>
+                                  <m:sub>
+                                    <m:r>
+                                      <a:rPr lang="en-US" altLang="zh-TW" sz="1600" i="1">
+                                        <a:latin typeface="Cambria Math" panose="02040503050406030204" pitchFamily="18" charset="0"/>
+                                      </a:rPr>
+                                      <m:t>1</m:t>
+                                    </m:r>
+                                  </m:sub>
+                                </m:sSub>
+                              </m:e>
+                            </m:mr>
+                          </m:m>
+                        </m:e>
+                      </m:d>
+                      <m:d>
+                        <m:dPr>
+                          <m:begChr m:val="["/>
+                          <m:endChr m:val="]"/>
+                          <m:ctrlPr>
+                            <a:rPr lang="en-US" altLang="zh-TW" sz="1600" i="1">
+                              <a:latin typeface="Cambria Math" panose="02040503050406030204" pitchFamily="18" charset="0"/>
+                            </a:rPr>
+                          </m:ctrlPr>
+                        </m:dPr>
+                        <m:e>
+                          <m:m>
+                            <m:mPr>
+                              <m:mcs>
+                                <m:mc>
+                                  <m:mcPr>
+                                    <m:count m:val="1"/>
+                                    <m:mcJc m:val="center"/>
+                                  </m:mcPr>
+                                </m:mc>
+                              </m:mcs>
+                              <m:ctrlPr>
+                                <a:rPr lang="en-US" altLang="zh-TW" sz="1600" i="1">
+                                  <a:latin typeface="Cambria Math" panose="02040503050406030204" pitchFamily="18" charset="0"/>
+                                </a:rPr>
+                              </m:ctrlPr>
+                            </m:mPr>
+                            <m:mr>
+                              <m:e>
+                                <m:sSub>
+                                  <m:sSubPr>
+                                    <m:ctrlPr>
+                                      <a:rPr lang="en-US" altLang="zh-TW" sz="1600" i="1">
+                                        <a:latin typeface="Cambria Math" panose="02040503050406030204" pitchFamily="18" charset="0"/>
+                                      </a:rPr>
+                                    </m:ctrlPr>
+                                  </m:sSubPr>
+                                  <m:e>
+                                    <m:r>
+                                      <a:rPr lang="en-US" altLang="zh-TW" sz="1600" i="1">
+                                        <a:latin typeface="Cambria Math" panose="02040503050406030204" pitchFamily="18" charset="0"/>
+                                      </a:rPr>
+                                      <m:t>𝑎</m:t>
+                                    </m:r>
+                                  </m:e>
+                                  <m:sub>
+                                    <m:r>
+                                      <a:rPr lang="en-US" altLang="zh-TW" sz="1600" i="1">
+                                        <a:latin typeface="Cambria Math" panose="02040503050406030204" pitchFamily="18" charset="0"/>
+                                      </a:rPr>
+                                      <m:t>1</m:t>
+                                    </m:r>
+                                  </m:sub>
+                                </m:sSub>
+                              </m:e>
+                            </m:mr>
+                            <m:mr>
+                              <m:e>
+                                <m:sSub>
+                                  <m:sSubPr>
+                                    <m:ctrlPr>
+                                      <a:rPr lang="en-US" altLang="zh-TW" sz="1600" i="1">
+                                        <a:latin typeface="Cambria Math" panose="02040503050406030204" pitchFamily="18" charset="0"/>
+                                      </a:rPr>
+                                    </m:ctrlPr>
+                                  </m:sSubPr>
+                                  <m:e>
+                                    <m:r>
+                                      <a:rPr lang="en-US" altLang="zh-TW" sz="1600" i="1">
+                                        <a:latin typeface="Cambria Math" panose="02040503050406030204" pitchFamily="18" charset="0"/>
+                                      </a:rPr>
+                                      <m:t>𝑎</m:t>
+                                    </m:r>
+                                  </m:e>
+                                  <m:sub>
+                                    <m:r>
+                                      <a:rPr lang="en-US" altLang="zh-TW" sz="1600" i="1">
+                                        <a:latin typeface="Cambria Math" panose="02040503050406030204" pitchFamily="18" charset="0"/>
+                                      </a:rPr>
+                                      <m:t>4</m:t>
+                                    </m:r>
+                                  </m:sub>
+                                </m:sSub>
+                              </m:e>
+                            </m:mr>
+                          </m:m>
+                        </m:e>
+                      </m:d>
+                      <m:r>
+                        <a:rPr lang="en-US" altLang="zh-TW" sz="1600" i="1">
+                          <a:latin typeface="Cambria Math" panose="02040503050406030204" pitchFamily="18" charset="0"/>
+                        </a:rPr>
+                        <m:t>+</m:t>
+                      </m:r>
+                      <m:d>
+                        <m:dPr>
+                          <m:begChr m:val="["/>
+                          <m:endChr m:val="]"/>
+                          <m:ctrlPr>
+                            <a:rPr lang="en-US" altLang="zh-TW" sz="1600" i="1">
+                              <a:latin typeface="Cambria Math" panose="02040503050406030204" pitchFamily="18" charset="0"/>
+                            </a:rPr>
+                          </m:ctrlPr>
+                        </m:dPr>
+                        <m:e>
+                          <m:m>
+                            <m:mPr>
+                              <m:mcs>
+                                <m:mc>
+                                  <m:mcPr>
+                                    <m:count m:val="2"/>
+                                    <m:mcJc m:val="center"/>
+                                  </m:mcPr>
+                                </m:mc>
+                              </m:mcs>
+                              <m:ctrlPr>
+                                <a:rPr lang="en-US" altLang="zh-TW" sz="1600" i="1">
+                                  <a:latin typeface="Cambria Math" panose="02040503050406030204" pitchFamily="18" charset="0"/>
+                                </a:rPr>
+                              </m:ctrlPr>
+                            </m:mPr>
+                            <m:mr>
+                              <m:e>
+                                <m:sSub>
+                                  <m:sSubPr>
+                                    <m:ctrlPr>
+                                      <a:rPr lang="en-US" altLang="zh-TW" sz="1600" i="1">
+                                        <a:latin typeface="Cambria Math" panose="02040503050406030204" pitchFamily="18" charset="0"/>
+                                      </a:rPr>
+                                    </m:ctrlPr>
+                                  </m:sSubPr>
+                                  <m:e>
+                                    <m:r>
+                                      <a:rPr lang="en-US" altLang="zh-TW" sz="1600" i="1">
+                                        <a:latin typeface="Cambria Math" panose="02040503050406030204" pitchFamily="18" charset="0"/>
+                                      </a:rPr>
+                                      <m:t>−</m:t>
+                                    </m:r>
+                                    <m:r>
+                                      <a:rPr lang="en-US" altLang="zh-TW" sz="1600" i="1">
+                                        <a:latin typeface="Cambria Math" panose="02040503050406030204" pitchFamily="18" charset="0"/>
+                                      </a:rPr>
+                                      <m:t>𝑏</m:t>
+                                    </m:r>
+                                  </m:e>
+                                  <m:sub>
+                                    <m:r>
+                                      <a:rPr lang="en-US" altLang="zh-TW" sz="1600" i="1">
+                                        <a:latin typeface="Cambria Math" panose="02040503050406030204" pitchFamily="18" charset="0"/>
+                                      </a:rPr>
+                                      <m:t>2</m:t>
+                                    </m:r>
+                                  </m:sub>
+                                </m:sSub>
+                              </m:e>
+                              <m:e>
+                                <m:sSub>
+                                  <m:sSubPr>
+                                    <m:ctrlPr>
+                                      <a:rPr lang="en-US" altLang="zh-TW" sz="1600" i="1">
+                                        <a:latin typeface="Cambria Math" panose="02040503050406030204" pitchFamily="18" charset="0"/>
+                                      </a:rPr>
+                                    </m:ctrlPr>
+                                  </m:sSubPr>
+                                  <m:e>
+                                    <m:r>
+                                      <a:rPr lang="en-US" altLang="zh-TW" sz="1600" i="1">
+                                        <a:latin typeface="Cambria Math" panose="02040503050406030204" pitchFamily="18" charset="0"/>
+                                      </a:rPr>
+                                      <m:t>−</m:t>
+                                    </m:r>
+                                    <m:r>
+                                      <a:rPr lang="en-US" altLang="zh-TW" sz="1600" i="1">
+                                        <a:latin typeface="Cambria Math" panose="02040503050406030204" pitchFamily="18" charset="0"/>
+                                      </a:rPr>
+                                      <m:t>𝑏</m:t>
+                                    </m:r>
+                                  </m:e>
+                                  <m:sub>
+                                    <m:r>
+                                      <a:rPr lang="en-US" altLang="zh-TW" sz="1600" i="1">
+                                        <a:latin typeface="Cambria Math" panose="02040503050406030204" pitchFamily="18" charset="0"/>
+                                      </a:rPr>
+                                      <m:t>3</m:t>
+                                    </m:r>
+                                  </m:sub>
+                                </m:sSub>
+                              </m:e>
+                            </m:mr>
+                            <m:mr>
+                              <m:e>
+                                <m:sSub>
+                                  <m:sSubPr>
+                                    <m:ctrlPr>
+                                      <a:rPr lang="en-US" altLang="zh-TW" sz="1600" i="1">
+                                        <a:latin typeface="Cambria Math" panose="02040503050406030204" pitchFamily="18" charset="0"/>
+                                      </a:rPr>
+                                    </m:ctrlPr>
+                                  </m:sSubPr>
+                                  <m:e>
+                                    <m:r>
+                                      <a:rPr lang="en-US" altLang="zh-TW" sz="1600" i="1">
+                                        <a:latin typeface="Cambria Math" panose="02040503050406030204" pitchFamily="18" charset="0"/>
+                                      </a:rPr>
+                                      <m:t>𝑏</m:t>
+                                    </m:r>
+                                  </m:e>
+                                  <m:sub>
+                                    <m:r>
+                                      <a:rPr lang="en-US" altLang="zh-TW" sz="1600" i="1">
+                                        <a:latin typeface="Cambria Math" panose="02040503050406030204" pitchFamily="18" charset="0"/>
+                                      </a:rPr>
+                                      <m:t>3</m:t>
+                                    </m:r>
+                                  </m:sub>
+                                </m:sSub>
+                              </m:e>
+                              <m:e>
+                                <m:sSub>
+                                  <m:sSubPr>
+                                    <m:ctrlPr>
+                                      <a:rPr lang="en-US" altLang="zh-TW" sz="1600" i="1">
+                                        <a:latin typeface="Cambria Math" panose="02040503050406030204" pitchFamily="18" charset="0"/>
+                                      </a:rPr>
+                                    </m:ctrlPr>
+                                  </m:sSubPr>
+                                  <m:e>
+                                    <m:r>
+                                      <a:rPr lang="en-US" altLang="zh-TW" sz="1600" i="1">
+                                        <a:latin typeface="Cambria Math" panose="02040503050406030204" pitchFamily="18" charset="0"/>
+                                      </a:rPr>
+                                      <m:t>𝑏</m:t>
+                                    </m:r>
+                                  </m:e>
+                                  <m:sub>
+                                    <m:r>
+                                      <a:rPr lang="en-US" altLang="zh-TW" sz="1600" i="1">
+                                        <a:latin typeface="Cambria Math" panose="02040503050406030204" pitchFamily="18" charset="0"/>
+                                      </a:rPr>
+                                      <m:t>2</m:t>
+                                    </m:r>
+                                  </m:sub>
+                                </m:sSub>
+                              </m:e>
+                            </m:mr>
+                          </m:m>
+                        </m:e>
+                      </m:d>
+                      <m:d>
+                        <m:dPr>
+                          <m:begChr m:val="["/>
+                          <m:endChr m:val="]"/>
+                          <m:ctrlPr>
+                            <a:rPr lang="en-US" altLang="zh-TW" sz="1600" i="1">
+                              <a:latin typeface="Cambria Math" panose="02040503050406030204" pitchFamily="18" charset="0"/>
+                            </a:rPr>
+                          </m:ctrlPr>
+                        </m:dPr>
+                        <m:e>
+                          <m:m>
+                            <m:mPr>
+                              <m:mcs>
+                                <m:mc>
+                                  <m:mcPr>
+                                    <m:count m:val="1"/>
+                                    <m:mcJc m:val="center"/>
+                                  </m:mcPr>
+                                </m:mc>
+                              </m:mcs>
+                              <m:ctrlPr>
+                                <a:rPr lang="en-US" altLang="zh-TW" sz="1600" i="1">
+                                  <a:latin typeface="Cambria Math" panose="02040503050406030204" pitchFamily="18" charset="0"/>
+                                </a:rPr>
+                              </m:ctrlPr>
+                            </m:mPr>
+                            <m:mr>
+                              <m:e>
+                                <m:sSub>
+                                  <m:sSubPr>
+                                    <m:ctrlPr>
+                                      <a:rPr lang="en-US" altLang="zh-TW" sz="1600" i="1">
+                                        <a:latin typeface="Cambria Math" panose="02040503050406030204" pitchFamily="18" charset="0"/>
+                                      </a:rPr>
+                                    </m:ctrlPr>
+                                  </m:sSubPr>
+                                  <m:e>
+                                    <m:r>
+                                      <a:rPr lang="en-US" altLang="zh-TW" sz="1600" i="1">
+                                        <a:latin typeface="Cambria Math" panose="02040503050406030204" pitchFamily="18" charset="0"/>
+                                      </a:rPr>
+                                      <m:t>𝑎</m:t>
+                                    </m:r>
+                                  </m:e>
+                                  <m:sub>
+                                    <m:r>
+                                      <a:rPr lang="en-US" altLang="zh-TW" sz="1600" i="1">
+                                        <a:latin typeface="Cambria Math" panose="02040503050406030204" pitchFamily="18" charset="0"/>
+                                      </a:rPr>
+                                      <m:t>2</m:t>
+                                    </m:r>
+                                  </m:sub>
+                                </m:sSub>
+                              </m:e>
+                            </m:mr>
+                            <m:mr>
+                              <m:e>
+                                <m:sSub>
+                                  <m:sSubPr>
+                                    <m:ctrlPr>
+                                      <a:rPr lang="en-US" altLang="zh-TW" sz="1600" i="1">
+                                        <a:latin typeface="Cambria Math" panose="02040503050406030204" pitchFamily="18" charset="0"/>
+                                      </a:rPr>
+                                    </m:ctrlPr>
+                                  </m:sSubPr>
+                                  <m:e>
+                                    <m:r>
+                                      <a:rPr lang="en-US" altLang="zh-TW" sz="1600" i="1">
+                                        <a:latin typeface="Cambria Math" panose="02040503050406030204" pitchFamily="18" charset="0"/>
+                                      </a:rPr>
+                                      <m:t>𝑎</m:t>
+                                    </m:r>
+                                  </m:e>
+                                  <m:sub>
+                                    <m:r>
+                                      <a:rPr lang="en-US" altLang="zh-TW" sz="1600" i="1">
+                                        <a:latin typeface="Cambria Math" panose="02040503050406030204" pitchFamily="18" charset="0"/>
+                                      </a:rPr>
+                                      <m:t>3</m:t>
+                                    </m:r>
+                                  </m:sub>
+                                </m:sSub>
+                              </m:e>
+                            </m:mr>
+                          </m:m>
+                        </m:e>
+                      </m:d>
+                    </m:oMath>
+                  </m:oMathPara>
+                </a14:m>
+                <a:endParaRPr kumimoji="1" lang="en-US" altLang="zh-TW" sz="1600" dirty="0"/>
+              </a:p>
+              <a:p>
+                <a14:m>
+                  <m:oMathPara xmlns:m="http://schemas.openxmlformats.org/officeDocument/2006/math">
+                    <m:oMathParaPr>
+                      <m:jc m:val="centerGroup"/>
+                    </m:oMathParaPr>
+                    <m:oMath xmlns:m="http://schemas.openxmlformats.org/officeDocument/2006/math">
+                      <m:r>
+                        <a:rPr kumimoji="1" lang="en-US" altLang="zh-TW" sz="1600" b="0" i="1" smtClean="0">
+                          <a:latin typeface="Cambria Math" panose="02040503050406030204" pitchFamily="18" charset="0"/>
+                        </a:rPr>
+                        <m:t>𝑐𝑎𝑠𝑒</m:t>
+                      </m:r>
+                      <m:r>
+                        <a:rPr kumimoji="1" lang="en-US" altLang="zh-TW" sz="1600" b="0" i="1" smtClean="0">
+                          <a:latin typeface="Cambria Math" panose="02040503050406030204" pitchFamily="18" charset="0"/>
+                        </a:rPr>
+                        <m:t>3:</m:t>
+                      </m:r>
+                      <m:sSub>
+                        <m:sSubPr>
+                          <m:ctrlPr>
+                            <a:rPr kumimoji="1" lang="en-US" altLang="zh-TW" sz="1600" b="0" i="1" smtClean="0">
+                              <a:latin typeface="Cambria Math" panose="02040503050406030204" pitchFamily="18" charset="0"/>
+                            </a:rPr>
+                          </m:ctrlPr>
+                        </m:sSubPr>
+                        <m:e>
+                          <m:r>
+                            <a:rPr kumimoji="1" lang="en-US" altLang="zh-TW" sz="1600" b="0" i="1" smtClean="0">
+                              <a:latin typeface="Cambria Math" panose="02040503050406030204" pitchFamily="18" charset="0"/>
+                            </a:rPr>
+                            <m:t>𝑧</m:t>
+                          </m:r>
+                        </m:e>
+                        <m:sub>
+                          <m:r>
+                            <a:rPr kumimoji="1" lang="en-US" altLang="zh-TW" sz="1600" b="0" i="1" smtClean="0">
+                              <a:latin typeface="Cambria Math" panose="02040503050406030204" pitchFamily="18" charset="0"/>
+                            </a:rPr>
+                            <m:t>1</m:t>
+                          </m:r>
+                        </m:sub>
+                      </m:sSub>
+                      <m:r>
+                        <a:rPr kumimoji="1" lang="en-US" altLang="zh-TW" sz="1600" b="0" i="1" smtClean="0">
+                          <a:latin typeface="Cambria Math" panose="02040503050406030204" pitchFamily="18" charset="0"/>
+                        </a:rPr>
+                        <m:t>=</m:t>
+                      </m:r>
+                      <m:f>
+                        <m:fPr>
+                          <m:ctrlPr>
+                            <a:rPr kumimoji="1" lang="en-US" altLang="zh-TW" sz="1600" b="0" i="1" smtClean="0">
+                              <a:latin typeface="Cambria Math" panose="02040503050406030204" pitchFamily="18" charset="0"/>
+                            </a:rPr>
+                          </m:ctrlPr>
+                        </m:fPr>
+                        <m:num>
+                          <m:sSub>
+                            <m:sSubPr>
+                              <m:ctrlPr>
+                                <a:rPr lang="en-US" altLang="zh-TW" sz="1600" i="1">
+                                  <a:latin typeface="Cambria Math" panose="02040503050406030204" pitchFamily="18" charset="0"/>
+                                </a:rPr>
+                              </m:ctrlPr>
+                            </m:sSubPr>
+                            <m:e>
+                              <m:r>
+                                <a:rPr lang="en-US" altLang="zh-TW" sz="1600" b="0" i="1" smtClean="0">
+                                  <a:latin typeface="Cambria Math" panose="02040503050406030204" pitchFamily="18" charset="0"/>
+                                </a:rPr>
+                                <m:t>𝑏</m:t>
+                              </m:r>
+                            </m:e>
+                            <m:sub>
+                              <m:r>
+                                <a:rPr lang="en-US" altLang="zh-TW" sz="1600" b="0" i="1" smtClean="0">
+                                  <a:latin typeface="Cambria Math" panose="02040503050406030204" pitchFamily="18" charset="0"/>
+                                </a:rPr>
+                                <m:t>1</m:t>
+                              </m:r>
+                            </m:sub>
+                          </m:sSub>
+                          <m:r>
+                            <a:rPr lang="en-US" altLang="zh-TW" sz="1600" b="0" i="1" smtClean="0">
+                              <a:latin typeface="Cambria Math" panose="02040503050406030204" pitchFamily="18" charset="0"/>
+                            </a:rPr>
+                            <m:t>−</m:t>
+                          </m:r>
+                          <m:sSub>
+                            <m:sSubPr>
+                              <m:ctrlPr>
+                                <a:rPr lang="en-US" altLang="zh-TW" sz="1600" i="1">
+                                  <a:latin typeface="Cambria Math" panose="02040503050406030204" pitchFamily="18" charset="0"/>
+                                </a:rPr>
+                              </m:ctrlPr>
+                            </m:sSubPr>
+                            <m:e>
+                              <m:r>
+                                <a:rPr lang="en-US" altLang="zh-TW" sz="1600" b="0" i="1" smtClean="0">
+                                  <a:latin typeface="Cambria Math" panose="02040503050406030204" pitchFamily="18" charset="0"/>
+                                </a:rPr>
+                                <m:t>𝑏</m:t>
+                              </m:r>
+                            </m:e>
+                            <m:sub>
+                              <m:r>
+                                <a:rPr lang="en-US" altLang="zh-TW" sz="1600" b="0" i="1" smtClean="0">
+                                  <a:latin typeface="Cambria Math" panose="02040503050406030204" pitchFamily="18" charset="0"/>
+                                </a:rPr>
+                                <m:t>4</m:t>
+                              </m:r>
+                            </m:sub>
+                          </m:sSub>
+                        </m:num>
+                        <m:den>
+                          <m:r>
+                            <a:rPr kumimoji="1" lang="en-US" altLang="zh-TW" sz="1600" b="0" i="1" smtClean="0">
+                              <a:latin typeface="Cambria Math" panose="02040503050406030204" pitchFamily="18" charset="0"/>
+                            </a:rPr>
+                            <m:t>2</m:t>
+                          </m:r>
+                        </m:den>
+                      </m:f>
+                      <m:d>
+                        <m:dPr>
+                          <m:ctrlPr>
+                            <a:rPr kumimoji="1" lang="en-US" altLang="zh-TW" sz="1600" b="0" i="1" smtClean="0">
+                              <a:latin typeface="Cambria Math" panose="02040503050406030204" pitchFamily="18" charset="0"/>
+                            </a:rPr>
+                          </m:ctrlPr>
+                        </m:dPr>
+                        <m:e>
+                          <m:sSub>
+                            <m:sSubPr>
+                              <m:ctrlPr>
+                                <a:rPr lang="en-US" altLang="zh-TW" sz="1600" i="1">
+                                  <a:latin typeface="Cambria Math" panose="02040503050406030204" pitchFamily="18" charset="0"/>
+                                </a:rPr>
+                              </m:ctrlPr>
+                            </m:sSubPr>
+                            <m:e>
+                              <m:r>
+                                <a:rPr lang="en-US" altLang="zh-TW" sz="1600" b="0" i="1" smtClean="0">
+                                  <a:latin typeface="Cambria Math" panose="02040503050406030204" pitchFamily="18" charset="0"/>
+                                </a:rPr>
+                                <m:t>𝑎</m:t>
+                              </m:r>
+                            </m:e>
+                            <m:sub>
+                              <m:r>
+                                <a:rPr lang="en-US" altLang="zh-TW" sz="1600" b="0" i="1" smtClean="0">
+                                  <a:latin typeface="Cambria Math" panose="02040503050406030204" pitchFamily="18" charset="0"/>
+                                </a:rPr>
+                                <m:t>1</m:t>
+                              </m:r>
+                            </m:sub>
+                          </m:sSub>
+                          <m:r>
+                            <a:rPr lang="en-US" altLang="zh-TW" sz="1600" b="0" i="1" smtClean="0">
+                              <a:latin typeface="Cambria Math" panose="02040503050406030204" pitchFamily="18" charset="0"/>
+                            </a:rPr>
+                            <m:t>+</m:t>
+                          </m:r>
+                          <m:sSub>
+                            <m:sSubPr>
+                              <m:ctrlPr>
+                                <a:rPr lang="en-US" altLang="zh-TW" sz="1600" i="1">
+                                  <a:latin typeface="Cambria Math" panose="02040503050406030204" pitchFamily="18" charset="0"/>
+                                </a:rPr>
+                              </m:ctrlPr>
+                            </m:sSubPr>
+                            <m:e>
+                              <m:r>
+                                <a:rPr lang="en-US" altLang="zh-TW" sz="1600" b="0" i="1" smtClean="0">
+                                  <a:latin typeface="Cambria Math" panose="02040503050406030204" pitchFamily="18" charset="0"/>
+                                </a:rPr>
+                                <m:t>𝑎</m:t>
+                              </m:r>
+                            </m:e>
+                            <m:sub>
+                              <m:r>
+                                <a:rPr lang="en-US" altLang="zh-TW" sz="1600" b="0" i="1" smtClean="0">
+                                  <a:latin typeface="Cambria Math" panose="02040503050406030204" pitchFamily="18" charset="0"/>
+                                </a:rPr>
+                                <m:t>4</m:t>
+                              </m:r>
+                            </m:sub>
+                          </m:sSub>
+                        </m:e>
+                      </m:d>
+                      <m:r>
+                        <a:rPr kumimoji="1" lang="en-US" altLang="zh-TW" sz="1600" b="0" i="1" smtClean="0">
+                          <a:latin typeface="Cambria Math" panose="02040503050406030204" pitchFamily="18" charset="0"/>
+                        </a:rPr>
+                        <m:t>,</m:t>
+                      </m:r>
+                      <m:sSub>
+                        <m:sSubPr>
+                          <m:ctrlPr>
+                            <a:rPr lang="en-US" altLang="zh-TW" sz="1600" i="1">
+                              <a:latin typeface="Cambria Math" panose="02040503050406030204" pitchFamily="18" charset="0"/>
+                            </a:rPr>
+                          </m:ctrlPr>
+                        </m:sSubPr>
+                        <m:e>
+                          <m:sSub>
+                            <m:sSubPr>
+                              <m:ctrlPr>
+                                <a:rPr lang="en-US" altLang="zh-TW" sz="1600" i="1">
+                                  <a:latin typeface="Cambria Math" panose="02040503050406030204" pitchFamily="18" charset="0"/>
+                                </a:rPr>
+                              </m:ctrlPr>
+                            </m:sSubPr>
+                            <m:e>
+                              <m:r>
+                                <a:rPr lang="en-US" altLang="zh-TW" sz="1600" i="1">
+                                  <a:latin typeface="Cambria Math" panose="02040503050406030204" pitchFamily="18" charset="0"/>
+                                </a:rPr>
+                                <m:t>𝑧</m:t>
+                              </m:r>
+                            </m:e>
+                            <m:sub>
+                              <m:r>
+                                <a:rPr lang="en-US" altLang="zh-TW" sz="1600" b="0" i="1" smtClean="0">
+                                  <a:latin typeface="Cambria Math" panose="02040503050406030204" pitchFamily="18" charset="0"/>
+                                </a:rPr>
+                                <m:t>2</m:t>
+                              </m:r>
+                            </m:sub>
+                          </m:sSub>
+                          <m:r>
+                            <a:rPr lang="en-US" altLang="zh-TW" sz="1600" b="0" i="1" smtClean="0">
+                              <a:latin typeface="Cambria Math" panose="02040503050406030204" pitchFamily="18" charset="0"/>
+                            </a:rPr>
+                            <m:t>=</m:t>
+                          </m:r>
+                          <m:sSub>
+                            <m:sSubPr>
+                              <m:ctrlPr>
+                                <a:rPr lang="en-US" altLang="zh-TW" sz="1600" i="1">
+                                  <a:latin typeface="Cambria Math" panose="02040503050406030204" pitchFamily="18" charset="0"/>
+                                </a:rPr>
+                              </m:ctrlPr>
+                            </m:sSubPr>
+                            <m:e>
+                              <m:r>
+                                <a:rPr lang="en-US" altLang="zh-TW" sz="1600" i="1">
+                                  <a:latin typeface="Cambria Math" panose="02040503050406030204" pitchFamily="18" charset="0"/>
+                                </a:rPr>
+                                <m:t>𝑧</m:t>
+                              </m:r>
+                            </m:e>
+                            <m:sub>
+                              <m:r>
+                                <a:rPr lang="en-US" altLang="zh-TW" sz="1600" i="1">
+                                  <a:latin typeface="Cambria Math" panose="02040503050406030204" pitchFamily="18" charset="0"/>
+                                </a:rPr>
+                                <m:t>1</m:t>
+                              </m:r>
+                            </m:sub>
+                          </m:sSub>
+                          <m:r>
+                            <a:rPr lang="en-US" altLang="zh-TW" sz="1600" b="0" i="1" smtClean="0">
+                              <a:latin typeface="Cambria Math" panose="02040503050406030204" pitchFamily="18" charset="0"/>
+                            </a:rPr>
+                            <m:t>,</m:t>
+                          </m:r>
+                          <m:r>
+                            <a:rPr lang="en-US" altLang="zh-TW" sz="1600" i="1">
+                              <a:latin typeface="Cambria Math" panose="02040503050406030204" pitchFamily="18" charset="0"/>
+                            </a:rPr>
+                            <m:t>𝑧</m:t>
+                          </m:r>
+                        </m:e>
+                        <m:sub>
+                          <m:r>
+                            <a:rPr lang="en-US" altLang="zh-TW" sz="1600" b="0" i="1" smtClean="0">
+                              <a:latin typeface="Cambria Math" panose="02040503050406030204" pitchFamily="18" charset="0"/>
+                            </a:rPr>
+                            <m:t>3</m:t>
+                          </m:r>
+                        </m:sub>
+                      </m:sSub>
+                      <m:r>
+                        <a:rPr lang="en-US" altLang="zh-TW" sz="1600" i="1">
+                          <a:latin typeface="Cambria Math" panose="02040503050406030204" pitchFamily="18" charset="0"/>
+                        </a:rPr>
+                        <m:t>=</m:t>
+                      </m:r>
+                      <m:f>
+                        <m:fPr>
+                          <m:ctrlPr>
+                            <a:rPr lang="en-US" altLang="zh-TW" sz="1600" i="1">
+                              <a:latin typeface="Cambria Math" panose="02040503050406030204" pitchFamily="18" charset="0"/>
+                            </a:rPr>
+                          </m:ctrlPr>
+                        </m:fPr>
+                        <m:num>
+                          <m:sSub>
+                            <m:sSubPr>
+                              <m:ctrlPr>
+                                <a:rPr lang="en-US" altLang="zh-TW" sz="1600" i="1">
+                                  <a:latin typeface="Cambria Math" panose="02040503050406030204" pitchFamily="18" charset="0"/>
+                                </a:rPr>
+                              </m:ctrlPr>
+                            </m:sSubPr>
+                            <m:e>
+                              <m:r>
+                                <a:rPr lang="en-US" altLang="zh-TW" sz="1600" i="1">
+                                  <a:latin typeface="Cambria Math" panose="02040503050406030204" pitchFamily="18" charset="0"/>
+                                </a:rPr>
+                                <m:t>𝑏</m:t>
+                              </m:r>
+                            </m:e>
+                            <m:sub>
+                              <m:r>
+                                <a:rPr lang="en-US" altLang="zh-TW" sz="1600" b="0" i="1" smtClean="0">
+                                  <a:latin typeface="Cambria Math" panose="02040503050406030204" pitchFamily="18" charset="0"/>
+                                </a:rPr>
+                                <m:t>1</m:t>
+                              </m:r>
+                            </m:sub>
+                          </m:sSub>
+                          <m:r>
+                            <a:rPr lang="en-US" altLang="zh-TW" sz="1600" b="0" i="1" smtClean="0">
+                              <a:latin typeface="Cambria Math" panose="02040503050406030204" pitchFamily="18" charset="0"/>
+                            </a:rPr>
+                            <m:t>+</m:t>
+                          </m:r>
+                          <m:sSub>
+                            <m:sSubPr>
+                              <m:ctrlPr>
+                                <a:rPr lang="en-US" altLang="zh-TW" sz="1600" i="1">
+                                  <a:latin typeface="Cambria Math" panose="02040503050406030204" pitchFamily="18" charset="0"/>
+                                </a:rPr>
+                              </m:ctrlPr>
+                            </m:sSubPr>
+                            <m:e>
+                              <m:r>
+                                <a:rPr lang="en-US" altLang="zh-TW" sz="1600" i="1">
+                                  <a:latin typeface="Cambria Math" panose="02040503050406030204" pitchFamily="18" charset="0"/>
+                                </a:rPr>
+                                <m:t>𝑏</m:t>
+                              </m:r>
+                            </m:e>
+                            <m:sub>
+                              <m:r>
+                                <a:rPr lang="en-US" altLang="zh-TW" sz="1600" b="0" i="1" smtClean="0">
+                                  <a:latin typeface="Cambria Math" panose="02040503050406030204" pitchFamily="18" charset="0"/>
+                                </a:rPr>
+                                <m:t>4</m:t>
+                              </m:r>
+                            </m:sub>
+                          </m:sSub>
+                        </m:num>
+                        <m:den>
+                          <m:r>
+                            <a:rPr lang="en-US" altLang="zh-TW" sz="1600" i="1">
+                              <a:latin typeface="Cambria Math" panose="02040503050406030204" pitchFamily="18" charset="0"/>
+                            </a:rPr>
+                            <m:t>2</m:t>
+                          </m:r>
+                        </m:den>
+                      </m:f>
+                      <m:d>
+                        <m:dPr>
+                          <m:ctrlPr>
+                            <a:rPr lang="en-US" altLang="zh-TW" sz="1600" i="1">
+                              <a:latin typeface="Cambria Math" panose="02040503050406030204" pitchFamily="18" charset="0"/>
+                            </a:rPr>
+                          </m:ctrlPr>
+                        </m:dPr>
+                        <m:e>
+                          <m:sSub>
+                            <m:sSubPr>
+                              <m:ctrlPr>
+                                <a:rPr lang="en-US" altLang="zh-TW" sz="1600" i="1">
+                                  <a:latin typeface="Cambria Math" panose="02040503050406030204" pitchFamily="18" charset="0"/>
+                                </a:rPr>
+                              </m:ctrlPr>
+                            </m:sSubPr>
+                            <m:e>
+                              <m:r>
+                                <a:rPr lang="en-US" altLang="zh-TW" sz="1600" i="1">
+                                  <a:latin typeface="Cambria Math" panose="02040503050406030204" pitchFamily="18" charset="0"/>
+                                </a:rPr>
+                                <m:t>𝑎</m:t>
+                              </m:r>
+                            </m:e>
+                            <m:sub>
+                              <m:r>
+                                <a:rPr lang="en-US" altLang="zh-TW" sz="1600" i="1">
+                                  <a:latin typeface="Cambria Math" panose="02040503050406030204" pitchFamily="18" charset="0"/>
+                                </a:rPr>
+                                <m:t>1</m:t>
+                              </m:r>
+                            </m:sub>
+                          </m:sSub>
+                          <m:r>
+                            <a:rPr lang="en-US" altLang="zh-TW" sz="1600" b="0" i="1" smtClean="0">
+                              <a:latin typeface="Cambria Math" panose="02040503050406030204" pitchFamily="18" charset="0"/>
+                            </a:rPr>
+                            <m:t>−</m:t>
+                          </m:r>
+                          <m:sSub>
+                            <m:sSubPr>
+                              <m:ctrlPr>
+                                <a:rPr lang="en-US" altLang="zh-TW" sz="1600" i="1">
+                                  <a:latin typeface="Cambria Math" panose="02040503050406030204" pitchFamily="18" charset="0"/>
+                                </a:rPr>
+                              </m:ctrlPr>
+                            </m:sSubPr>
+                            <m:e>
+                              <m:r>
+                                <a:rPr lang="en-US" altLang="zh-TW" sz="1600" i="1">
+                                  <a:latin typeface="Cambria Math" panose="02040503050406030204" pitchFamily="18" charset="0"/>
+                                </a:rPr>
+                                <m:t>𝑎</m:t>
+                              </m:r>
+                            </m:e>
+                            <m:sub>
+                              <m:r>
+                                <a:rPr lang="en-US" altLang="zh-TW" sz="1600" i="1">
+                                  <a:latin typeface="Cambria Math" panose="02040503050406030204" pitchFamily="18" charset="0"/>
+                                </a:rPr>
+                                <m:t>4</m:t>
+                              </m:r>
+                            </m:sub>
+                          </m:sSub>
+                        </m:e>
+                      </m:d>
+                      <m:r>
+                        <a:rPr lang="en-US" altLang="zh-TW" sz="1600" b="0" i="1" smtClean="0">
+                          <a:latin typeface="Cambria Math" panose="02040503050406030204" pitchFamily="18" charset="0"/>
+                        </a:rPr>
+                        <m:t>,</m:t>
+                      </m:r>
+                      <m:sSub>
+                        <m:sSubPr>
+                          <m:ctrlPr>
+                            <a:rPr lang="en-US" altLang="zh-TW" sz="1600" i="1">
+                              <a:latin typeface="Cambria Math" panose="02040503050406030204" pitchFamily="18" charset="0"/>
+                            </a:rPr>
+                          </m:ctrlPr>
+                        </m:sSubPr>
+                        <m:e>
+                          <m:r>
+                            <a:rPr lang="en-US" altLang="zh-TW" sz="1600" i="1">
+                              <a:latin typeface="Cambria Math" panose="02040503050406030204" pitchFamily="18" charset="0"/>
+                            </a:rPr>
+                            <m:t>𝑧</m:t>
+                          </m:r>
+                        </m:e>
+                        <m:sub>
+                          <m:r>
+                            <a:rPr lang="en-US" altLang="zh-TW" sz="1600" b="0" i="1" smtClean="0">
+                              <a:latin typeface="Cambria Math" panose="02040503050406030204" pitchFamily="18" charset="0"/>
+                            </a:rPr>
+                            <m:t>4</m:t>
+                          </m:r>
+                        </m:sub>
+                      </m:sSub>
+                      <m:r>
+                        <a:rPr lang="en-US" altLang="zh-TW" sz="1600" i="1">
+                          <a:latin typeface="Cambria Math" panose="02040503050406030204" pitchFamily="18" charset="0"/>
+                        </a:rPr>
+                        <m:t>=</m:t>
+                      </m:r>
+                      <m:sSub>
+                        <m:sSubPr>
+                          <m:ctrlPr>
+                            <a:rPr lang="en-US" altLang="zh-TW" sz="1600" i="1">
+                              <a:latin typeface="Cambria Math" panose="02040503050406030204" pitchFamily="18" charset="0"/>
+                            </a:rPr>
+                          </m:ctrlPr>
+                        </m:sSubPr>
+                        <m:e>
+                          <m:r>
+                            <a:rPr lang="en-US" altLang="zh-TW" sz="1600" b="0" i="1" smtClean="0">
+                              <a:latin typeface="Cambria Math" panose="02040503050406030204" pitchFamily="18" charset="0"/>
+                            </a:rPr>
+                            <m:t>−</m:t>
+                          </m:r>
+                          <m:r>
+                            <a:rPr lang="en-US" altLang="zh-TW" sz="1600" i="1">
+                              <a:latin typeface="Cambria Math" panose="02040503050406030204" pitchFamily="18" charset="0"/>
+                            </a:rPr>
+                            <m:t>𝑧</m:t>
+                          </m:r>
+                        </m:e>
+                        <m:sub>
+                          <m:r>
+                            <a:rPr lang="en-US" altLang="zh-TW" sz="1600" b="0" i="1" smtClean="0">
+                              <a:latin typeface="Cambria Math" panose="02040503050406030204" pitchFamily="18" charset="0"/>
+                            </a:rPr>
+                            <m:t>3</m:t>
+                          </m:r>
+                        </m:sub>
+                      </m:sSub>
+                      <m:r>
+                        <a:rPr lang="en-US" altLang="zh-TW" sz="1600" i="1">
+                          <a:latin typeface="Cambria Math" panose="02040503050406030204" pitchFamily="18" charset="0"/>
+                        </a:rPr>
+                        <m:t>,</m:t>
+                      </m:r>
+                      <m:sSub>
+                        <m:sSubPr>
+                          <m:ctrlPr>
+                            <a:rPr lang="en-US" altLang="zh-TW" sz="1600" i="1">
+                              <a:latin typeface="Cambria Math" panose="02040503050406030204" pitchFamily="18" charset="0"/>
+                            </a:rPr>
+                          </m:ctrlPr>
+                        </m:sSubPr>
+                        <m:e>
+                          <m:r>
+                            <a:rPr lang="en-US" altLang="zh-TW" sz="1600" b="0" i="1" smtClean="0">
+                              <a:latin typeface="Cambria Math" panose="02040503050406030204" pitchFamily="18" charset="0"/>
+                            </a:rPr>
+                            <m:t>𝑦</m:t>
+                          </m:r>
+                        </m:e>
+                        <m:sub>
+                          <m:r>
+                            <a:rPr lang="en-US" altLang="zh-TW" sz="1600" b="0" i="1" smtClean="0">
+                              <a:latin typeface="Cambria Math" panose="02040503050406030204" pitchFamily="18" charset="0"/>
+                            </a:rPr>
+                            <m:t>1</m:t>
+                          </m:r>
+                        </m:sub>
+                      </m:sSub>
+                      <m:r>
+                        <a:rPr lang="en-US" altLang="zh-TW" sz="1600" i="1">
+                          <a:latin typeface="Cambria Math" panose="02040503050406030204" pitchFamily="18" charset="0"/>
+                        </a:rPr>
+                        <m:t>=</m:t>
+                      </m:r>
+                      <m:sSub>
+                        <m:sSubPr>
+                          <m:ctrlPr>
+                            <a:rPr lang="en-US" altLang="zh-TW" sz="1600" i="1">
+                              <a:latin typeface="Cambria Math" panose="02040503050406030204" pitchFamily="18" charset="0"/>
+                            </a:rPr>
+                          </m:ctrlPr>
+                        </m:sSubPr>
+                        <m:e>
+                          <m:r>
+                            <a:rPr lang="en-US" altLang="zh-TW" sz="1600" i="1">
+                              <a:latin typeface="Cambria Math" panose="02040503050406030204" pitchFamily="18" charset="0"/>
+                            </a:rPr>
+                            <m:t>𝑧</m:t>
+                          </m:r>
+                        </m:e>
+                        <m:sub>
+                          <m:r>
+                            <a:rPr lang="en-US" altLang="zh-TW" sz="1600" b="0" i="1" smtClean="0">
+                              <a:latin typeface="Cambria Math" panose="02040503050406030204" pitchFamily="18" charset="0"/>
+                            </a:rPr>
+                            <m:t>1</m:t>
+                          </m:r>
+                        </m:sub>
+                      </m:sSub>
+                      <m:r>
+                        <a:rPr lang="en-US" altLang="zh-TW" sz="1600" b="0" i="1" smtClean="0">
+                          <a:latin typeface="Cambria Math" panose="02040503050406030204" pitchFamily="18" charset="0"/>
+                        </a:rPr>
+                        <m:t>+</m:t>
+                      </m:r>
+                      <m:sSub>
+                        <m:sSubPr>
+                          <m:ctrlPr>
+                            <a:rPr lang="en-US" altLang="zh-TW" sz="1600" i="1" smtClean="0">
+                              <a:latin typeface="Cambria Math" panose="02040503050406030204" pitchFamily="18" charset="0"/>
+                            </a:rPr>
+                          </m:ctrlPr>
+                        </m:sSubPr>
+                        <m:e>
+                          <m:r>
+                            <a:rPr lang="en-US" altLang="zh-TW" sz="1600" i="1">
+                              <a:latin typeface="Cambria Math" panose="02040503050406030204" pitchFamily="18" charset="0"/>
+                            </a:rPr>
+                            <m:t>𝑧</m:t>
+                          </m:r>
+                        </m:e>
+                        <m:sub>
+                          <m:r>
+                            <a:rPr lang="en-US" altLang="zh-TW" sz="1600" b="0" i="1" smtClean="0">
+                              <a:latin typeface="Cambria Math" panose="02040503050406030204" pitchFamily="18" charset="0"/>
+                            </a:rPr>
+                            <m:t>3</m:t>
+                          </m:r>
+                        </m:sub>
+                      </m:sSub>
+                      <m:r>
+                        <a:rPr lang="en-US" altLang="zh-TW" sz="1600" b="0" i="1" smtClean="0">
+                          <a:latin typeface="Cambria Math" panose="02040503050406030204" pitchFamily="18" charset="0"/>
+                        </a:rPr>
+                        <m:t>,</m:t>
+                      </m:r>
+                      <m:sSub>
+                        <m:sSubPr>
+                          <m:ctrlPr>
+                            <a:rPr lang="en-US" altLang="zh-TW" sz="1600" i="1">
+                              <a:latin typeface="Cambria Math" panose="02040503050406030204" pitchFamily="18" charset="0"/>
+                            </a:rPr>
+                          </m:ctrlPr>
+                        </m:sSubPr>
+                        <m:e>
+                          <m:r>
+                            <a:rPr lang="en-US" altLang="zh-TW" sz="1600" i="1">
+                              <a:latin typeface="Cambria Math" panose="02040503050406030204" pitchFamily="18" charset="0"/>
+                            </a:rPr>
+                            <m:t>𝑦</m:t>
+                          </m:r>
+                        </m:e>
+                        <m:sub>
+                          <m:r>
+                            <a:rPr lang="en-US" altLang="zh-TW" sz="1600" b="0" i="1" smtClean="0">
+                              <a:latin typeface="Cambria Math" panose="02040503050406030204" pitchFamily="18" charset="0"/>
+                            </a:rPr>
+                            <m:t>2</m:t>
+                          </m:r>
+                        </m:sub>
+                      </m:sSub>
+                      <m:r>
+                        <a:rPr lang="en-US" altLang="zh-TW" sz="1600" i="1">
+                          <a:latin typeface="Cambria Math" panose="02040503050406030204" pitchFamily="18" charset="0"/>
+                        </a:rPr>
+                        <m:t>=</m:t>
+                      </m:r>
+                      <m:sSub>
+                        <m:sSubPr>
+                          <m:ctrlPr>
+                            <a:rPr lang="en-US" altLang="zh-TW" sz="1600" i="1">
+                              <a:latin typeface="Cambria Math" panose="02040503050406030204" pitchFamily="18" charset="0"/>
+                            </a:rPr>
+                          </m:ctrlPr>
+                        </m:sSubPr>
+                        <m:e>
+                          <m:r>
+                            <a:rPr lang="en-US" altLang="zh-TW" sz="1600" i="1">
+                              <a:latin typeface="Cambria Math" panose="02040503050406030204" pitchFamily="18" charset="0"/>
+                            </a:rPr>
+                            <m:t>𝑧</m:t>
+                          </m:r>
+                        </m:e>
+                        <m:sub>
+                          <m:r>
+                            <a:rPr lang="en-US" altLang="zh-TW" sz="1600" b="0" i="1" smtClean="0">
+                              <a:latin typeface="Cambria Math" panose="02040503050406030204" pitchFamily="18" charset="0"/>
+                            </a:rPr>
+                            <m:t>2</m:t>
+                          </m:r>
+                        </m:sub>
+                      </m:sSub>
+                      <m:r>
+                        <a:rPr lang="en-US" altLang="zh-TW" sz="1600" i="1">
+                          <a:latin typeface="Cambria Math" panose="02040503050406030204" pitchFamily="18" charset="0"/>
+                        </a:rPr>
+                        <m:t>+</m:t>
+                      </m:r>
+                      <m:sSub>
+                        <m:sSubPr>
+                          <m:ctrlPr>
+                            <a:rPr lang="en-US" altLang="zh-TW" sz="1600" i="1">
+                              <a:latin typeface="Cambria Math" panose="02040503050406030204" pitchFamily="18" charset="0"/>
+                            </a:rPr>
+                          </m:ctrlPr>
+                        </m:sSubPr>
+                        <m:e>
+                          <m:r>
+                            <a:rPr lang="en-US" altLang="zh-TW" sz="1600" i="1">
+                              <a:latin typeface="Cambria Math" panose="02040503050406030204" pitchFamily="18" charset="0"/>
+                            </a:rPr>
+                            <m:t>𝑧</m:t>
+                          </m:r>
+                        </m:e>
+                        <m:sub>
+                          <m:r>
+                            <a:rPr lang="en-US" altLang="zh-TW" sz="1600" b="0" i="1" smtClean="0">
+                              <a:latin typeface="Cambria Math" panose="02040503050406030204" pitchFamily="18" charset="0"/>
+                            </a:rPr>
+                            <m:t>4</m:t>
+                          </m:r>
+                        </m:sub>
+                      </m:sSub>
+                    </m:oMath>
+                  </m:oMathPara>
+                </a14:m>
+                <a:endParaRPr lang="en-US" altLang="zh-TW" sz="1600" dirty="0"/>
+              </a:p>
+              <a:p>
+                <a14:m>
+                  <m:oMathPara xmlns:m="http://schemas.openxmlformats.org/officeDocument/2006/math">
+                    <m:oMathParaPr>
+                      <m:jc m:val="centerGroup"/>
+                    </m:oMathParaPr>
+                    <m:oMath xmlns:m="http://schemas.openxmlformats.org/officeDocument/2006/math">
+                      <m:sSub>
+                        <m:sSubPr>
+                          <m:ctrlPr>
+                            <a:rPr lang="en-US" altLang="zh-TW" sz="1600" i="1">
+                              <a:latin typeface="Cambria Math" panose="02040503050406030204" pitchFamily="18" charset="0"/>
+                            </a:rPr>
+                          </m:ctrlPr>
+                        </m:sSubPr>
+                        <m:e>
+                          <m:sSub>
+                            <m:sSubPr>
+                              <m:ctrlPr>
+                                <a:rPr lang="en-US" altLang="zh-TW" sz="1600" i="1">
+                                  <a:latin typeface="Cambria Math" panose="02040503050406030204" pitchFamily="18" charset="0"/>
+                                </a:rPr>
+                              </m:ctrlPr>
+                            </m:sSubPr>
+                            <m:e>
+                              <m:r>
+                                <a:rPr lang="en-US" altLang="zh-TW" sz="1600" i="1">
+                                  <a:latin typeface="Cambria Math" panose="02040503050406030204" pitchFamily="18" charset="0"/>
+                                </a:rPr>
+                                <m:t>𝑦</m:t>
+                              </m:r>
+                            </m:e>
+                            <m:sub>
+                              <m:r>
+                                <a:rPr lang="en-US" altLang="zh-TW" sz="1600" i="1">
+                                  <a:latin typeface="Cambria Math" panose="02040503050406030204" pitchFamily="18" charset="0"/>
+                                </a:rPr>
+                                <m:t>3</m:t>
+                              </m:r>
+                            </m:sub>
+                          </m:sSub>
+                          <m:r>
+                            <a:rPr lang="en-US" altLang="zh-TW" sz="1600" b="0" i="1" smtClean="0">
+                              <a:latin typeface="Cambria Math" panose="02040503050406030204" pitchFamily="18" charset="0"/>
+                            </a:rPr>
+                            <m:t>=</m:t>
+                          </m:r>
+                          <m:r>
+                            <a:rPr lang="en-US" altLang="zh-TW" sz="1600" i="1">
+                              <a:latin typeface="Cambria Math" panose="02040503050406030204" pitchFamily="18" charset="0"/>
+                            </a:rPr>
+                            <m:t>−</m:t>
+                          </m:r>
+                          <m:r>
+                            <a:rPr lang="en-US" altLang="zh-TW" sz="1600" i="1">
+                              <a:latin typeface="Cambria Math" panose="02040503050406030204" pitchFamily="18" charset="0"/>
+                            </a:rPr>
+                            <m:t>𝑏</m:t>
+                          </m:r>
+                        </m:e>
+                        <m:sub>
+                          <m:r>
+                            <a:rPr lang="en-US" altLang="zh-TW" sz="1600" i="1">
+                              <a:latin typeface="Cambria Math" panose="02040503050406030204" pitchFamily="18" charset="0"/>
+                            </a:rPr>
+                            <m:t>2</m:t>
+                          </m:r>
+                        </m:sub>
+                      </m:sSub>
+                      <m:sSub>
+                        <m:sSubPr>
+                          <m:ctrlPr>
+                            <a:rPr lang="en-US" altLang="zh-TW" sz="1600" i="1">
+                              <a:latin typeface="Cambria Math" panose="02040503050406030204" pitchFamily="18" charset="0"/>
+                            </a:rPr>
+                          </m:ctrlPr>
+                        </m:sSubPr>
+                        <m:e>
+                          <m:r>
+                            <a:rPr lang="en-US" altLang="zh-TW" sz="1600" i="1">
+                              <a:latin typeface="Cambria Math" panose="02040503050406030204" pitchFamily="18" charset="0"/>
+                            </a:rPr>
+                            <m:t>𝑎</m:t>
+                          </m:r>
+                        </m:e>
+                        <m:sub>
+                          <m:r>
+                            <a:rPr lang="en-US" altLang="zh-TW" sz="1600" i="1">
+                              <a:latin typeface="Cambria Math" panose="02040503050406030204" pitchFamily="18" charset="0"/>
+                            </a:rPr>
+                            <m:t>2</m:t>
+                          </m:r>
+                        </m:sub>
+                      </m:sSub>
+                      <m:sSub>
+                        <m:sSubPr>
+                          <m:ctrlPr>
+                            <a:rPr lang="en-US" altLang="zh-TW" sz="1600" i="1">
+                              <a:latin typeface="Cambria Math" panose="02040503050406030204" pitchFamily="18" charset="0"/>
+                            </a:rPr>
+                          </m:ctrlPr>
+                        </m:sSubPr>
+                        <m:e>
+                          <m:r>
+                            <a:rPr lang="en-US" altLang="zh-TW" sz="1600" i="1">
+                              <a:latin typeface="Cambria Math" panose="02040503050406030204" pitchFamily="18" charset="0"/>
+                            </a:rPr>
+                            <m:t>−</m:t>
+                          </m:r>
+                          <m:r>
+                            <a:rPr lang="en-US" altLang="zh-TW" sz="1600" i="1">
+                              <a:latin typeface="Cambria Math" panose="02040503050406030204" pitchFamily="18" charset="0"/>
+                            </a:rPr>
+                            <m:t>𝑏</m:t>
+                          </m:r>
+                        </m:e>
+                        <m:sub>
+                          <m:r>
+                            <a:rPr lang="en-US" altLang="zh-TW" sz="1600" i="1">
+                              <a:latin typeface="Cambria Math" panose="02040503050406030204" pitchFamily="18" charset="0"/>
+                            </a:rPr>
+                            <m:t>3</m:t>
+                          </m:r>
+                        </m:sub>
+                      </m:sSub>
+                      <m:sSub>
+                        <m:sSubPr>
+                          <m:ctrlPr>
+                            <a:rPr lang="en-US" altLang="zh-TW" sz="1600" i="1">
+                              <a:latin typeface="Cambria Math" panose="02040503050406030204" pitchFamily="18" charset="0"/>
+                            </a:rPr>
+                          </m:ctrlPr>
+                        </m:sSubPr>
+                        <m:e>
+                          <m:r>
+                            <a:rPr lang="en-US" altLang="zh-TW" sz="1600" i="1">
+                              <a:latin typeface="Cambria Math" panose="02040503050406030204" pitchFamily="18" charset="0"/>
+                            </a:rPr>
+                            <m:t>𝑎</m:t>
+                          </m:r>
+                        </m:e>
+                        <m:sub>
+                          <m:r>
+                            <a:rPr lang="en-US" altLang="zh-TW" sz="1600" i="1">
+                              <a:latin typeface="Cambria Math" panose="02040503050406030204" pitchFamily="18" charset="0"/>
+                            </a:rPr>
+                            <m:t>3</m:t>
+                          </m:r>
+                        </m:sub>
+                      </m:sSub>
+                      <m:r>
+                        <a:rPr lang="en-US" altLang="zh-TW" sz="1600" b="0" i="1" smtClean="0">
+                          <a:latin typeface="Cambria Math" panose="02040503050406030204" pitchFamily="18" charset="0"/>
+                        </a:rPr>
+                        <m:t>,</m:t>
+                      </m:r>
+                      <m:sSub>
+                        <m:sSubPr>
+                          <m:ctrlPr>
+                            <a:rPr lang="en-US" altLang="zh-TW" sz="1600" i="1">
+                              <a:latin typeface="Cambria Math" panose="02040503050406030204" pitchFamily="18" charset="0"/>
+                            </a:rPr>
+                          </m:ctrlPr>
+                        </m:sSubPr>
+                        <m:e>
+                          <m:r>
+                            <a:rPr lang="zh-TW" altLang="en-US" sz="1600" b="0" i="1" smtClean="0">
+                              <a:latin typeface="Cambria Math" panose="02040503050406030204" pitchFamily="18" charset="0"/>
+                            </a:rPr>
+                            <m:t>  </m:t>
+                          </m:r>
+                          <m:r>
+                            <a:rPr lang="en-US" altLang="zh-TW" sz="1600" i="1">
+                              <a:latin typeface="Cambria Math" panose="02040503050406030204" pitchFamily="18" charset="0"/>
+                            </a:rPr>
+                            <m:t>𝑦</m:t>
+                          </m:r>
+                        </m:e>
+                        <m:sub>
+                          <m:r>
+                            <a:rPr lang="en-US" altLang="zh-TW" sz="1600" b="0" i="1" smtClean="0">
+                              <a:latin typeface="Cambria Math" panose="02040503050406030204" pitchFamily="18" charset="0"/>
+                            </a:rPr>
+                            <m:t>4</m:t>
+                          </m:r>
+                        </m:sub>
+                      </m:sSub>
+                      <m:r>
+                        <a:rPr lang="en-US" altLang="zh-TW" sz="1600" b="0" i="1" smtClean="0">
+                          <a:latin typeface="Cambria Math" panose="02040503050406030204" pitchFamily="18" charset="0"/>
+                        </a:rPr>
+                        <m:t>=</m:t>
+                      </m:r>
+                      <m:sSub>
+                        <m:sSubPr>
+                          <m:ctrlPr>
+                            <a:rPr lang="en-US" altLang="zh-TW" sz="1600" i="1">
+                              <a:latin typeface="Cambria Math" panose="02040503050406030204" pitchFamily="18" charset="0"/>
+                            </a:rPr>
+                          </m:ctrlPr>
+                        </m:sSubPr>
+                        <m:e>
+                          <m:r>
+                            <a:rPr lang="en-US" altLang="zh-TW" sz="1600" i="1">
+                              <a:latin typeface="Cambria Math" panose="02040503050406030204" pitchFamily="18" charset="0"/>
+                            </a:rPr>
+                            <m:t>𝑏</m:t>
+                          </m:r>
+                        </m:e>
+                        <m:sub>
+                          <m:r>
+                            <a:rPr lang="en-US" altLang="zh-TW" sz="1600" i="1">
+                              <a:latin typeface="Cambria Math" panose="02040503050406030204" pitchFamily="18" charset="0"/>
+                            </a:rPr>
+                            <m:t>3</m:t>
+                          </m:r>
+                        </m:sub>
+                      </m:sSub>
+                      <m:sSub>
+                        <m:sSubPr>
+                          <m:ctrlPr>
+                            <a:rPr lang="en-US" altLang="zh-TW" sz="1600" i="1">
+                              <a:latin typeface="Cambria Math" panose="02040503050406030204" pitchFamily="18" charset="0"/>
+                            </a:rPr>
+                          </m:ctrlPr>
+                        </m:sSubPr>
+                        <m:e>
+                          <m:r>
+                            <a:rPr lang="en-US" altLang="zh-TW" sz="1600" i="1">
+                              <a:latin typeface="Cambria Math" panose="02040503050406030204" pitchFamily="18" charset="0"/>
+                            </a:rPr>
+                            <m:t>𝑎</m:t>
+                          </m:r>
+                        </m:e>
+                        <m:sub>
+                          <m:r>
+                            <a:rPr lang="en-US" altLang="zh-TW" sz="1600" i="1">
+                              <a:latin typeface="Cambria Math" panose="02040503050406030204" pitchFamily="18" charset="0"/>
+                            </a:rPr>
+                            <m:t>2</m:t>
+                          </m:r>
+                        </m:sub>
+                      </m:sSub>
+                      <m:r>
+                        <a:rPr lang="en-US" altLang="zh-TW" sz="1600" b="0" i="1" smtClean="0">
+                          <a:latin typeface="Cambria Math" panose="02040503050406030204" pitchFamily="18" charset="0"/>
+                        </a:rPr>
+                        <m:t>+</m:t>
+                      </m:r>
+                      <m:sSub>
+                        <m:sSubPr>
+                          <m:ctrlPr>
+                            <a:rPr lang="en-US" altLang="zh-TW" sz="1600" i="1">
+                              <a:latin typeface="Cambria Math" panose="02040503050406030204" pitchFamily="18" charset="0"/>
+                            </a:rPr>
+                          </m:ctrlPr>
+                        </m:sSubPr>
+                        <m:e>
+                          <m:r>
+                            <a:rPr lang="en-US" altLang="zh-TW" sz="1600" i="1">
+                              <a:latin typeface="Cambria Math" panose="02040503050406030204" pitchFamily="18" charset="0"/>
+                            </a:rPr>
+                            <m:t>𝑏</m:t>
+                          </m:r>
+                        </m:e>
+                        <m:sub>
+                          <m:r>
+                            <a:rPr lang="en-US" altLang="zh-TW" sz="1600" i="1">
+                              <a:latin typeface="Cambria Math" panose="02040503050406030204" pitchFamily="18" charset="0"/>
+                            </a:rPr>
+                            <m:t>2</m:t>
+                          </m:r>
+                        </m:sub>
+                      </m:sSub>
+                      <m:sSub>
+                        <m:sSubPr>
+                          <m:ctrlPr>
+                            <a:rPr lang="en-US" altLang="zh-TW" sz="1600" i="1">
+                              <a:latin typeface="Cambria Math" panose="02040503050406030204" pitchFamily="18" charset="0"/>
+                            </a:rPr>
+                          </m:ctrlPr>
+                        </m:sSubPr>
+                        <m:e>
+                          <m:r>
+                            <a:rPr lang="en-US" altLang="zh-TW" sz="1600" i="1">
+                              <a:latin typeface="Cambria Math" panose="02040503050406030204" pitchFamily="18" charset="0"/>
+                            </a:rPr>
+                            <m:t>𝑎</m:t>
+                          </m:r>
+                        </m:e>
+                        <m:sub>
+                          <m:r>
+                            <a:rPr lang="en-US" altLang="zh-TW" sz="1600" i="1">
+                              <a:latin typeface="Cambria Math" panose="02040503050406030204" pitchFamily="18" charset="0"/>
+                            </a:rPr>
+                            <m:t>3</m:t>
+                          </m:r>
+                        </m:sub>
+                      </m:sSub>
+                    </m:oMath>
+                  </m:oMathPara>
+                </a14:m>
+                <a:endParaRPr lang="en-US" altLang="zh-TW" sz="1600" b="0" dirty="0"/>
+              </a:p>
+              <a:p>
+                <a14:m>
+                  <m:oMathPara xmlns:m="http://schemas.openxmlformats.org/officeDocument/2006/math">
+                    <m:oMathParaPr>
+                      <m:jc m:val="centerGroup"/>
+                    </m:oMathParaPr>
+                    <m:oMath xmlns:m="http://schemas.openxmlformats.org/officeDocument/2006/math">
+                      <m:sSub>
+                        <m:sSubPr>
+                          <m:ctrlPr>
+                            <a:rPr lang="en-US" altLang="zh-TW" sz="1600" i="1">
+                              <a:latin typeface="Cambria Math" panose="02040503050406030204" pitchFamily="18" charset="0"/>
+                            </a:rPr>
+                          </m:ctrlPr>
+                        </m:sSubPr>
+                        <m:e>
+                          <m:r>
+                            <a:rPr lang="en-US" altLang="zh-TW" sz="1600" i="1">
+                              <a:latin typeface="Cambria Math" panose="02040503050406030204" pitchFamily="18" charset="0"/>
+                            </a:rPr>
+                            <m:t>𝑐</m:t>
+                          </m:r>
+                        </m:e>
+                        <m:sub>
+                          <m:r>
+                            <a:rPr lang="en-US" altLang="zh-TW" sz="1600" b="0" i="1" smtClean="0">
+                              <a:latin typeface="Cambria Math" panose="02040503050406030204" pitchFamily="18" charset="0"/>
+                            </a:rPr>
+                            <m:t>1</m:t>
+                          </m:r>
+                        </m:sub>
+                      </m:sSub>
+                      <m:r>
+                        <a:rPr lang="en-US" altLang="zh-TW" sz="1600" i="1">
+                          <a:latin typeface="Cambria Math" panose="02040503050406030204" pitchFamily="18" charset="0"/>
+                        </a:rPr>
+                        <m:t>=</m:t>
+                      </m:r>
+                      <m:sSub>
+                        <m:sSubPr>
+                          <m:ctrlPr>
+                            <a:rPr lang="en-US" altLang="zh-TW" sz="1600" i="1">
+                              <a:latin typeface="Cambria Math" panose="02040503050406030204" pitchFamily="18" charset="0"/>
+                            </a:rPr>
+                          </m:ctrlPr>
+                        </m:sSubPr>
+                        <m:e>
+                          <m:r>
+                            <a:rPr lang="en-US" altLang="zh-TW" sz="1600" i="1">
+                              <a:latin typeface="Cambria Math" panose="02040503050406030204" pitchFamily="18" charset="0"/>
+                            </a:rPr>
+                            <m:t>𝑦</m:t>
+                          </m:r>
+                        </m:e>
+                        <m:sub>
+                          <m:r>
+                            <a:rPr lang="en-US" altLang="zh-TW" sz="1600" i="1">
+                              <a:latin typeface="Cambria Math" panose="02040503050406030204" pitchFamily="18" charset="0"/>
+                            </a:rPr>
+                            <m:t>1</m:t>
+                          </m:r>
+                        </m:sub>
+                      </m:sSub>
+                      <m:r>
+                        <a:rPr lang="en-US" altLang="zh-TW" sz="1600" i="1">
+                          <a:latin typeface="Cambria Math" panose="02040503050406030204" pitchFamily="18" charset="0"/>
+                        </a:rPr>
+                        <m:t>+</m:t>
+                      </m:r>
+                      <m:sSub>
+                        <m:sSubPr>
+                          <m:ctrlPr>
+                            <a:rPr lang="en-US" altLang="zh-TW" sz="1600" i="1">
+                              <a:latin typeface="Cambria Math" panose="02040503050406030204" pitchFamily="18" charset="0"/>
+                            </a:rPr>
+                          </m:ctrlPr>
+                        </m:sSubPr>
+                        <m:e>
+                          <m:r>
+                            <a:rPr lang="en-US" altLang="zh-TW" sz="1600" i="1">
+                              <a:latin typeface="Cambria Math" panose="02040503050406030204" pitchFamily="18" charset="0"/>
+                            </a:rPr>
+                            <m:t>𝑦</m:t>
+                          </m:r>
+                        </m:e>
+                        <m:sub>
+                          <m:r>
+                            <a:rPr lang="en-US" altLang="zh-TW" sz="1600" i="1">
+                              <a:latin typeface="Cambria Math" panose="02040503050406030204" pitchFamily="18" charset="0"/>
+                            </a:rPr>
+                            <m:t>3</m:t>
+                          </m:r>
+                        </m:sub>
+                      </m:sSub>
+                      <m:r>
+                        <a:rPr lang="en-US" altLang="zh-TW" sz="1600" i="1">
+                          <a:latin typeface="Cambria Math" panose="02040503050406030204" pitchFamily="18" charset="0"/>
+                        </a:rPr>
+                        <m:t>,</m:t>
+                      </m:r>
+                      <m:sSub>
+                        <m:sSubPr>
+                          <m:ctrlPr>
+                            <a:rPr lang="en-US" altLang="zh-TW" sz="1600" i="1">
+                              <a:latin typeface="Cambria Math" panose="02040503050406030204" pitchFamily="18" charset="0"/>
+                            </a:rPr>
+                          </m:ctrlPr>
+                        </m:sSubPr>
+                        <m:e>
+                          <m:r>
+                            <a:rPr lang="en-US" altLang="zh-TW" sz="1600" i="1">
+                              <a:latin typeface="Cambria Math" panose="02040503050406030204" pitchFamily="18" charset="0"/>
+                            </a:rPr>
+                            <m:t>𝑐</m:t>
+                          </m:r>
+                        </m:e>
+                        <m:sub>
+                          <m:r>
+                            <a:rPr lang="en-US" altLang="zh-TW" sz="1600" b="0" i="1" smtClean="0">
+                              <a:latin typeface="Cambria Math" panose="02040503050406030204" pitchFamily="18" charset="0"/>
+                            </a:rPr>
+                            <m:t>4</m:t>
+                          </m:r>
+                        </m:sub>
+                      </m:sSub>
+                      <m:r>
+                        <a:rPr lang="en-US" altLang="zh-TW" sz="1600" i="1">
+                          <a:latin typeface="Cambria Math" panose="02040503050406030204" pitchFamily="18" charset="0"/>
+                        </a:rPr>
+                        <m:t>=</m:t>
+                      </m:r>
+                      <m:sSub>
+                        <m:sSubPr>
+                          <m:ctrlPr>
+                            <a:rPr lang="en-US" altLang="zh-TW" sz="1600" i="1">
+                              <a:latin typeface="Cambria Math" panose="02040503050406030204" pitchFamily="18" charset="0"/>
+                            </a:rPr>
+                          </m:ctrlPr>
+                        </m:sSubPr>
+                        <m:e>
+                          <m:r>
+                            <a:rPr lang="en-US" altLang="zh-TW" sz="1600" i="1">
+                              <a:latin typeface="Cambria Math" panose="02040503050406030204" pitchFamily="18" charset="0"/>
+                            </a:rPr>
+                            <m:t>𝑦</m:t>
+                          </m:r>
+                        </m:e>
+                        <m:sub>
+                          <m:r>
+                            <a:rPr lang="en-US" altLang="zh-TW" sz="1600" i="1">
+                              <a:latin typeface="Cambria Math" panose="02040503050406030204" pitchFamily="18" charset="0"/>
+                            </a:rPr>
+                            <m:t>2</m:t>
+                          </m:r>
+                        </m:sub>
+                      </m:sSub>
+                      <m:r>
+                        <a:rPr lang="en-US" altLang="zh-TW" sz="1600" i="1">
+                          <a:latin typeface="Cambria Math" panose="02040503050406030204" pitchFamily="18" charset="0"/>
+                        </a:rPr>
+                        <m:t>+</m:t>
+                      </m:r>
+                      <m:sSub>
+                        <m:sSubPr>
+                          <m:ctrlPr>
+                            <a:rPr lang="en-US" altLang="zh-TW" sz="1600" i="1">
+                              <a:latin typeface="Cambria Math" panose="02040503050406030204" pitchFamily="18" charset="0"/>
+                            </a:rPr>
+                          </m:ctrlPr>
+                        </m:sSubPr>
+                        <m:e>
+                          <m:r>
+                            <a:rPr lang="en-US" altLang="zh-TW" sz="1600" i="1">
+                              <a:latin typeface="Cambria Math" panose="02040503050406030204" pitchFamily="18" charset="0"/>
+                            </a:rPr>
+                            <m:t>𝑦</m:t>
+                          </m:r>
+                        </m:e>
+                        <m:sub>
+                          <m:r>
+                            <a:rPr lang="en-US" altLang="zh-TW" sz="1600" i="1">
+                              <a:latin typeface="Cambria Math" panose="02040503050406030204" pitchFamily="18" charset="0"/>
+                            </a:rPr>
+                            <m:t>4</m:t>
+                          </m:r>
+                        </m:sub>
+                      </m:sSub>
+                      <m:r>
+                        <a:rPr lang="en-US" altLang="zh-TW" sz="1600" i="1">
+                          <a:latin typeface="Cambria Math" panose="02040503050406030204" pitchFamily="18" charset="0"/>
+                        </a:rPr>
+                        <m:t>,</m:t>
+                      </m:r>
+                    </m:oMath>
+                  </m:oMathPara>
+                </a14:m>
+                <a:endParaRPr lang="en-US" altLang="zh-TW" sz="1600" i="1" dirty="0">
+                  <a:latin typeface="Cambria Math" panose="02040503050406030204" pitchFamily="18" charset="0"/>
+                </a:endParaRPr>
+              </a:p>
+              <a:p>
+                <a:endParaRPr lang="en-US" altLang="zh-TW" sz="1600" dirty="0"/>
+              </a:p>
+              <a:p>
+                <a:pPr algn="ctr"/>
+                <a:endParaRPr lang="en-US" altLang="zh-TW" sz="1600" dirty="0"/>
+              </a:p>
+              <a:p>
+                <a:pPr algn="ctr"/>
+                <a:r>
+                  <a:rPr lang="en-US" altLang="zh-TW" sz="1800" dirty="0"/>
+                  <a:t>=&gt;</a:t>
+                </a:r>
+                <a:r>
+                  <a:rPr lang="zh-TW" altLang="en-US" sz="1800" dirty="0"/>
+                  <a:t> 總共 </a:t>
+                </a:r>
+                <a:r>
+                  <a:rPr lang="en-US" altLang="zh-TW" sz="1800" dirty="0"/>
+                  <a:t>10</a:t>
+                </a:r>
+                <a:r>
+                  <a:rPr lang="zh-TW" altLang="en-US" sz="1800" dirty="0"/>
+                  <a:t> </a:t>
+                </a:r>
+                <a:r>
+                  <a:rPr lang="en-US" altLang="zh-TW" sz="1800" dirty="0"/>
+                  <a:t>MULs</a:t>
+                </a:r>
+                <a:endParaRPr kumimoji="1" lang="zh-TW" altLang="en-US" sz="1800" dirty="0"/>
+              </a:p>
+            </p:txBody>
+          </p:sp>
+        </mc:Choice>
+        <mc:Fallback>
+          <p:sp>
+            <p:nvSpPr>
+              <p:cNvPr id="6" name="文字方塊 5">
+                <a:extLst>
+                  <a:ext uri="{FF2B5EF4-FFF2-40B4-BE49-F238E27FC236}">
+                    <a16:creationId xmlns:a16="http://schemas.microsoft.com/office/drawing/2014/main" id="{5EC8E7C3-01F1-4A5A-70AE-C4602930F8C4}"/>
+                  </a:ext>
+                </a:extLst>
+              </p:cNvPr>
+              <p:cNvSpPr txBox="1">
+                <a:spLocks noRot="1" noChangeAspect="1" noMove="1" noResize="1" noEditPoints="1" noAdjustHandles="1" noChangeArrowheads="1" noChangeShapeType="1" noTextEdit="1"/>
+              </p:cNvSpPr>
+              <p:nvPr/>
+            </p:nvSpPr>
+            <p:spPr>
+              <a:xfrm>
+                <a:off x="215516" y="188640"/>
+                <a:ext cx="8712968" cy="6348789"/>
+              </a:xfrm>
+              <a:prstGeom prst="rect">
+                <a:avLst/>
+              </a:prstGeom>
+              <a:blipFill>
+                <a:blip r:embed="rId2"/>
+                <a:stretch>
+                  <a:fillRect l="-291" t="-200" b="-599"/>
+                </a:stretch>
+              </a:blipFill>
+            </p:spPr>
+            <p:txBody>
+              <a:bodyPr/>
+              <a:lstStyle/>
+              <a:p>
+                <a:r>
+                  <a:rPr lang="zh-TW" altLang="en-US">
+                    <a:noFill/>
+                  </a:rPr>
+                  <a:t> </a:t>
+                </a:r>
+              </a:p>
+            </p:txBody>
+          </p:sp>
+        </mc:Fallback>
+      </mc:AlternateContent>
+      <p:pic>
+        <p:nvPicPr>
+          <p:cNvPr id="8" name="圖片 7">
+            <a:extLst>
+              <a:ext uri="{FF2B5EF4-FFF2-40B4-BE49-F238E27FC236}">
+                <a16:creationId xmlns:a16="http://schemas.microsoft.com/office/drawing/2014/main" id="{E309A2D0-9CF7-17E8-55C1-8CD22C65C448}"/>
+              </a:ext>
+            </a:extLst>
+          </p:cNvPr>
+          <p:cNvPicPr>
+            <a:picLocks noChangeAspect="1"/>
+          </p:cNvPicPr>
+          <p:nvPr/>
+        </p:nvPicPr>
+        <p:blipFill>
+          <a:blip r:embed="rId3">
+            <a:extLst>
+              <a:ext uri="{28A0092B-C50C-407E-A947-70E740481C1C}">
+                <a14:useLocalDpi xmlns:a14="http://schemas.microsoft.com/office/drawing/2010/main" val="0"/>
+              </a:ext>
+            </a:extLst>
+          </a:blip>
+          <a:stretch>
+            <a:fillRect/>
+          </a:stretch>
+        </p:blipFill>
+        <p:spPr>
+          <a:xfrm>
+            <a:off x="3321050" y="213709"/>
+            <a:ext cx="2501900" cy="1206500"/>
+          </a:xfrm>
+          <a:prstGeom prst="rect">
+            <a:avLst/>
+          </a:prstGeom>
+        </p:spPr>
+      </p:pic>
+    </p:spTree>
+    <p:extLst>
+      <p:ext uri="{BB962C8B-B14F-4D97-AF65-F5344CB8AC3E}">
+        <p14:creationId xmlns:p14="http://schemas.microsoft.com/office/powerpoint/2010/main" val="3928528131"/>
+      </p:ext>
+    </p:extLst>
+  </p:cSld>
+  <p:clrMapOvr>
+    <a:masterClrMapping/>
+  </p:clrMapOvr>
+</p:sld>
+</file>
+
+<file path=ppt/slides/slide4.xml><?xml version="1.0" encoding="utf-8"?>
+<p:sld xmlns:a="http://schemas.openxmlformats.org/drawingml/2006/main" xmlns:r="http://schemas.openxmlformats.org/officeDocument/2006/relationships" xmlns:p="http://schemas.openxmlformats.org/presentationml/2006/main">
+  <p:cSld>
+    <p:spTree>
+      <p:nvGrpSpPr>
+        <p:cNvPr id="1" name=""/>
+        <p:cNvGrpSpPr/>
+        <p:nvPr/>
+      </p:nvGrpSpPr>
+      <p:grpSpPr>
+        <a:xfrm>
+          <a:off x="0" y="0"/>
+          <a:ext cx="0" cy="0"/>
+          <a:chOff x="0" y="0"/>
+          <a:chExt cx="0" cy="0"/>
+        </a:xfrm>
+      </p:grpSpPr>
+      <p:sp>
+        <p:nvSpPr>
+          <p:cNvPr id="29" name="Rectangle 9">
+            <a:extLst>
+              <a:ext uri="{FF2B5EF4-FFF2-40B4-BE49-F238E27FC236}">
+                <a16:creationId xmlns:a16="http://schemas.microsoft.com/office/drawing/2014/main" id="{F1B52ACA-FBCA-450C-B37F-67DAE9F3211D}"/>
+              </a:ext>
+            </a:extLst>
+          </p:cNvPr>
+          <p:cNvSpPr>
+            <a:spLocks noChangeArrowheads="1"/>
+          </p:cNvSpPr>
+          <p:nvPr/>
+        </p:nvSpPr>
+        <p:spPr bwMode="auto">
+          <a:xfrm>
+            <a:off x="395536" y="188640"/>
+            <a:ext cx="8352928" cy="707886"/>
+          </a:xfrm>
+          <a:prstGeom prst="rect">
+            <a:avLst/>
+          </a:prstGeom>
+          <a:solidFill>
+            <a:schemeClr val="bg1">
+              <a:lumMod val="75000"/>
+            </a:schemeClr>
+          </a:solidFill>
+          <a:ln w="9525">
+            <a:noFill/>
+            <a:miter lim="800000"/>
+            <a:headEnd/>
+            <a:tailEnd/>
+          </a:ln>
+        </p:spPr>
+        <p:txBody>
+          <a:bodyPr wrap="square">
+            <a:spAutoFit/>
+          </a:bodyPr>
+          <a:lstStyle/>
+          <a:p>
+            <a:pPr algn="dist"/>
+            <a:r>
+              <a:rPr lang="en-US" altLang="zh-TW" dirty="0"/>
+              <a:t>(3) Determining </a:t>
+            </a:r>
+            <a:r>
+              <a:rPr lang="en-US" altLang="zh-TW" u="sng" dirty="0"/>
+              <a:t>the numbers of real multiplications</a:t>
+            </a:r>
+            <a:r>
+              <a:rPr lang="en-US" altLang="zh-TW" dirty="0"/>
+              <a:t> for the (a) 125-point DFT,</a:t>
+            </a:r>
+          </a:p>
+          <a:p>
+            <a:r>
+              <a:rPr lang="en-US" altLang="zh-TW" dirty="0"/>
+              <a:t>      (b) the 147-point DFT, and (c) the 385-point DFT.                          (15 scores)</a:t>
+            </a:r>
+          </a:p>
+        </p:txBody>
+      </p:sp>
+      <p:sp>
+        <p:nvSpPr>
+          <p:cNvPr id="2" name="文字方塊 1">
+            <a:extLst>
+              <a:ext uri="{FF2B5EF4-FFF2-40B4-BE49-F238E27FC236}">
+                <a16:creationId xmlns:a16="http://schemas.microsoft.com/office/drawing/2014/main" id="{C3AED8BB-363B-9FF8-E148-B356A4827184}"/>
+              </a:ext>
+            </a:extLst>
+          </p:cNvPr>
+          <p:cNvSpPr txBox="1"/>
+          <p:nvPr/>
+        </p:nvSpPr>
+        <p:spPr>
+          <a:xfrm>
+            <a:off x="395536" y="1124744"/>
+            <a:ext cx="8352928" cy="4401205"/>
+          </a:xfrm>
+          <a:prstGeom prst="rect">
+            <a:avLst/>
+          </a:prstGeom>
+          <a:noFill/>
+        </p:spPr>
+        <p:txBody>
+          <a:bodyPr wrap="square" rtlCol="0">
+            <a:spAutoFit/>
+          </a:bodyPr>
+          <a:lstStyle/>
+          <a:p>
+            <a:pPr marL="457200" indent="-457200">
+              <a:buAutoNum type="alphaLcParenBoth"/>
+            </a:pPr>
+            <a:r>
+              <a:rPr kumimoji="1" lang="en-US" altLang="zh-TW" b="0" dirty="0"/>
+              <a:t>125</a:t>
+            </a:r>
+            <a:r>
+              <a:rPr kumimoji="1" lang="zh-TW" altLang="en-US" b="0" dirty="0"/>
+              <a:t> </a:t>
+            </a:r>
+            <a:r>
+              <a:rPr kumimoji="1" lang="en-US" altLang="zh-TW" b="0" dirty="0"/>
+              <a:t>=</a:t>
+            </a:r>
+            <a:r>
+              <a:rPr kumimoji="1" lang="zh-TW" altLang="en-US" b="0" dirty="0"/>
+              <a:t> </a:t>
+            </a:r>
+            <a:r>
+              <a:rPr kumimoji="1" lang="en-US" altLang="zh-TW" b="0" dirty="0"/>
+              <a:t>5</a:t>
+            </a:r>
+            <a:r>
+              <a:rPr kumimoji="1" lang="zh-TW" altLang="en-US" b="0" dirty="0"/>
+              <a:t> </a:t>
+            </a:r>
+            <a:r>
+              <a:rPr lang="en-US" altLang="zh-TW" dirty="0"/>
+              <a:t>x</a:t>
+            </a:r>
+            <a:r>
+              <a:rPr lang="zh-TW" altLang="en-US" dirty="0"/>
+              <a:t> </a:t>
+            </a:r>
+            <a:r>
+              <a:rPr kumimoji="1" lang="en-US" altLang="zh-TW" b="0" dirty="0"/>
+              <a:t>25</a:t>
+            </a:r>
+            <a:r>
+              <a:rPr kumimoji="1" lang="zh-TW" altLang="en-US" dirty="0"/>
+              <a:t>，使用 </a:t>
+            </a:r>
+            <a:r>
+              <a:rPr kumimoji="1" lang="en-US" altLang="zh-TW" dirty="0"/>
+              <a:t>case2:</a:t>
+            </a:r>
+            <a:r>
+              <a:rPr lang="zh-TW" altLang="en-US" dirty="0"/>
+              <a:t> </a:t>
+            </a:r>
+            <a:endParaRPr lang="en-US" altLang="zh-TW" dirty="0"/>
+          </a:p>
+          <a:p>
+            <a:pPr lvl="1"/>
+            <a:r>
+              <a:rPr lang="en-US" altLang="zh-TW" dirty="0"/>
+              <a:t>N = P1 x P2</a:t>
+            </a:r>
+            <a:r>
+              <a:rPr lang="zh-TW" altLang="en-US" dirty="0"/>
+              <a:t>，</a:t>
+            </a:r>
+            <a:r>
+              <a:rPr lang="en-US" altLang="zh-TW" dirty="0"/>
+              <a:t>5-point DFT </a:t>
+            </a:r>
+            <a:r>
+              <a:rPr lang="zh-TW" altLang="en-US" dirty="0"/>
+              <a:t>的乘法量為 </a:t>
+            </a:r>
+            <a:r>
+              <a:rPr lang="en-US" altLang="zh-TW" dirty="0"/>
+              <a:t>10</a:t>
+            </a:r>
+            <a:r>
+              <a:rPr lang="zh-TW" altLang="en-US" dirty="0"/>
+              <a:t>，</a:t>
+            </a:r>
+            <a:r>
+              <a:rPr lang="en-US" altLang="zh-TW" dirty="0"/>
+              <a:t>25-point DFT </a:t>
+            </a:r>
+            <a:r>
+              <a:rPr lang="zh-TW" altLang="en-US" dirty="0"/>
+              <a:t>的乘法量為 </a:t>
+            </a:r>
+            <a:r>
+              <a:rPr lang="en-US" altLang="zh-TW" dirty="0"/>
+              <a:t>148</a:t>
+            </a:r>
+            <a:r>
+              <a:rPr lang="zh-TW" altLang="en-US" dirty="0"/>
+              <a:t>，有 </a:t>
+            </a:r>
+            <a:r>
+              <a:rPr lang="en-US" altLang="zh-TW" dirty="0"/>
+              <a:t>24</a:t>
+            </a:r>
+            <a:r>
+              <a:rPr lang="zh-TW" altLang="en-US" dirty="0"/>
+              <a:t>*</a:t>
+            </a:r>
+            <a:r>
+              <a:rPr lang="en-US" altLang="zh-TW" dirty="0"/>
+              <a:t>4 </a:t>
+            </a:r>
+            <a:r>
+              <a:rPr lang="zh-TW" altLang="en-US" dirty="0"/>
+              <a:t>個值不為 </a:t>
+            </a:r>
+            <a:r>
+              <a:rPr lang="en-US" altLang="zh-TW" dirty="0"/>
+              <a:t>125/12 </a:t>
+            </a:r>
+            <a:r>
+              <a:rPr lang="zh-TW" altLang="en-US" dirty="0"/>
+              <a:t>及 </a:t>
+            </a:r>
+            <a:r>
+              <a:rPr lang="en-US" altLang="zh-TW" dirty="0"/>
+              <a:t>125/8 </a:t>
+            </a:r>
+            <a:r>
+              <a:rPr lang="zh-TW" altLang="en-US" dirty="0"/>
+              <a:t>的倍數，則 </a:t>
+            </a:r>
+            <a:r>
+              <a:rPr lang="en-US" altLang="zh-TW" dirty="0"/>
+              <a:t>125-point DFT </a:t>
+            </a:r>
+            <a:r>
+              <a:rPr lang="zh-TW" altLang="en-US" dirty="0"/>
+              <a:t>的乘法量為 </a:t>
+            </a:r>
+            <a:r>
+              <a:rPr lang="en-US" altLang="zh-TW" dirty="0"/>
+              <a:t>25</a:t>
+            </a:r>
+            <a:r>
+              <a:rPr lang="zh-TW" altLang="en-US" dirty="0"/>
+              <a:t>*</a:t>
+            </a:r>
+            <a:r>
+              <a:rPr lang="en-US" altLang="zh-TW" dirty="0"/>
+              <a:t>10 + 5</a:t>
+            </a:r>
+            <a:r>
+              <a:rPr lang="zh-TW" altLang="en-US" dirty="0"/>
+              <a:t>*</a:t>
+            </a:r>
+            <a:r>
+              <a:rPr lang="en-US" altLang="zh-TW" dirty="0"/>
+              <a:t>148 + 3</a:t>
+            </a:r>
+            <a:r>
+              <a:rPr lang="zh-TW" altLang="en-US" dirty="0"/>
+              <a:t>*</a:t>
+            </a:r>
+            <a:r>
+              <a:rPr lang="en-US" altLang="zh-TW" dirty="0"/>
+              <a:t>24</a:t>
+            </a:r>
+            <a:r>
+              <a:rPr lang="zh-TW" altLang="en-US" dirty="0"/>
+              <a:t>*</a:t>
+            </a:r>
+            <a:r>
+              <a:rPr lang="en-US" altLang="zh-TW" dirty="0"/>
+              <a:t>4</a:t>
+            </a:r>
+            <a:r>
+              <a:rPr lang="zh-TW" altLang="en-US" dirty="0"/>
+              <a:t> </a:t>
+            </a:r>
+            <a:r>
+              <a:rPr lang="en-US" altLang="zh-TW" dirty="0"/>
+              <a:t>= 1278</a:t>
+            </a:r>
+            <a:r>
+              <a:rPr lang="zh-TW" altLang="en-US" dirty="0"/>
+              <a:t>。</a:t>
+            </a:r>
+            <a:endParaRPr lang="en-US" altLang="zh-TW" dirty="0"/>
+          </a:p>
+          <a:p>
+            <a:pPr marL="457200" indent="-457200">
+              <a:buAutoNum type="alphaLcParenBoth"/>
+            </a:pPr>
+            <a:r>
+              <a:rPr lang="en-US" altLang="zh-TW" dirty="0"/>
+              <a:t>147</a:t>
+            </a:r>
+            <a:r>
+              <a:rPr lang="zh-TW" altLang="en-US" dirty="0"/>
+              <a:t> </a:t>
+            </a:r>
+            <a:r>
+              <a:rPr lang="en-US" altLang="zh-TW" dirty="0"/>
+              <a:t>=</a:t>
+            </a:r>
+            <a:r>
+              <a:rPr lang="zh-TW" altLang="en-US" dirty="0"/>
+              <a:t> </a:t>
+            </a:r>
+            <a:r>
+              <a:rPr lang="en-US" altLang="zh-TW" dirty="0"/>
+              <a:t>3</a:t>
+            </a:r>
+            <a:r>
+              <a:rPr lang="zh-TW" altLang="en-US" dirty="0"/>
+              <a:t> </a:t>
+            </a:r>
+            <a:r>
+              <a:rPr lang="en-US" altLang="zh-TW" dirty="0"/>
+              <a:t>x</a:t>
+            </a:r>
+            <a:r>
+              <a:rPr lang="zh-TW" altLang="en-US" dirty="0"/>
+              <a:t> </a:t>
+            </a:r>
+            <a:r>
+              <a:rPr lang="en-US" altLang="zh-TW" dirty="0"/>
+              <a:t>49</a:t>
+            </a:r>
+          </a:p>
+          <a:p>
+            <a:pPr lvl="1"/>
+            <a:r>
+              <a:rPr lang="en-US" altLang="zh-TW" dirty="0"/>
+              <a:t>49</a:t>
+            </a:r>
+            <a:r>
+              <a:rPr lang="zh-TW" altLang="en-US" dirty="0"/>
+              <a:t> </a:t>
+            </a:r>
+            <a:r>
+              <a:rPr lang="en-US" altLang="zh-TW" dirty="0"/>
+              <a:t>=</a:t>
+            </a:r>
+            <a:r>
+              <a:rPr lang="zh-TW" altLang="en-US" dirty="0"/>
+              <a:t> </a:t>
+            </a:r>
+            <a:r>
+              <a:rPr lang="en-US" altLang="zh-TW" dirty="0"/>
+              <a:t>7</a:t>
+            </a:r>
+            <a:r>
+              <a:rPr lang="zh-TW" altLang="en-US" dirty="0"/>
+              <a:t> </a:t>
+            </a:r>
+            <a:r>
+              <a:rPr lang="en-US" altLang="zh-TW" dirty="0"/>
+              <a:t>x</a:t>
+            </a:r>
+            <a:r>
+              <a:rPr lang="zh-TW" altLang="en-US" dirty="0"/>
+              <a:t> </a:t>
+            </a:r>
+            <a:r>
+              <a:rPr lang="en-US" altLang="zh-TW" dirty="0"/>
+              <a:t>7</a:t>
+            </a:r>
+            <a:r>
+              <a:rPr lang="zh-TW" altLang="en-US" dirty="0"/>
+              <a:t>，使用 </a:t>
+            </a:r>
+            <a:r>
+              <a:rPr lang="en-US" altLang="zh-TW" dirty="0"/>
+              <a:t>case2:</a:t>
+            </a:r>
+            <a:r>
+              <a:rPr lang="zh-TW" altLang="en-US" dirty="0"/>
+              <a:t> </a:t>
+            </a:r>
+            <a:endParaRPr lang="en-US" altLang="zh-TW" dirty="0"/>
+          </a:p>
+          <a:p>
+            <a:pPr lvl="1"/>
+            <a:r>
+              <a:rPr lang="en-US" altLang="zh-TW" dirty="0"/>
+              <a:t>7-point DFT </a:t>
+            </a:r>
+            <a:r>
+              <a:rPr lang="zh-TW" altLang="en-US" dirty="0"/>
+              <a:t>的乘法量為</a:t>
+            </a:r>
+            <a:r>
+              <a:rPr lang="en-US" altLang="zh-TW" dirty="0"/>
+              <a:t>16</a:t>
+            </a:r>
+            <a:r>
+              <a:rPr lang="zh-TW" altLang="en-US" dirty="0"/>
+              <a:t>，則 </a:t>
+            </a:r>
+            <a:r>
+              <a:rPr lang="en-US" altLang="zh-TW" dirty="0"/>
+              <a:t>49-point DFT </a:t>
+            </a:r>
+            <a:r>
+              <a:rPr lang="zh-TW" altLang="en-US" dirty="0"/>
+              <a:t>的乘法量為 </a:t>
+            </a:r>
+            <a:r>
+              <a:rPr lang="en-US" altLang="zh-TW" dirty="0"/>
+              <a:t>7</a:t>
+            </a:r>
+            <a:r>
+              <a:rPr lang="zh-TW" altLang="en-US" dirty="0"/>
+              <a:t>*</a:t>
+            </a:r>
+            <a:r>
+              <a:rPr lang="en-US" altLang="zh-TW" dirty="0"/>
+              <a:t>16 + 7</a:t>
+            </a:r>
+            <a:r>
+              <a:rPr lang="zh-TW" altLang="en-US" dirty="0"/>
+              <a:t>*</a:t>
+            </a:r>
+            <a:r>
+              <a:rPr lang="en-US" altLang="zh-TW" dirty="0"/>
+              <a:t>16 + 3</a:t>
+            </a:r>
+            <a:r>
+              <a:rPr lang="zh-TW" altLang="en-US" dirty="0"/>
+              <a:t>*</a:t>
+            </a:r>
+            <a:r>
+              <a:rPr lang="en-US" altLang="zh-TW" dirty="0"/>
+              <a:t>6</a:t>
+            </a:r>
+            <a:r>
+              <a:rPr lang="zh-TW" altLang="en-US" dirty="0"/>
+              <a:t>*</a:t>
+            </a:r>
+            <a:r>
+              <a:rPr lang="en-US" altLang="zh-TW" dirty="0"/>
+              <a:t>6</a:t>
+            </a:r>
+            <a:r>
+              <a:rPr lang="zh-TW" altLang="en-US" dirty="0"/>
+              <a:t> </a:t>
+            </a:r>
+            <a:r>
+              <a:rPr lang="en-US" altLang="zh-TW" dirty="0"/>
+              <a:t>= 332</a:t>
+            </a:r>
+            <a:r>
+              <a:rPr lang="zh-TW" altLang="en-US" dirty="0"/>
+              <a:t>。</a:t>
+            </a:r>
+            <a:endParaRPr lang="en-US" altLang="zh-TW" dirty="0"/>
+          </a:p>
+          <a:p>
+            <a:pPr lvl="1"/>
+            <a:r>
+              <a:rPr lang="zh-TW" altLang="en-US" dirty="0"/>
+              <a:t>再使用 </a:t>
+            </a:r>
+            <a:r>
+              <a:rPr lang="en-US" altLang="zh-TW" dirty="0"/>
+              <a:t>case1:</a:t>
+            </a:r>
+          </a:p>
+          <a:p>
+            <a:pPr lvl="1"/>
+            <a:r>
+              <a:rPr lang="en-US" altLang="zh-TW" dirty="0"/>
+              <a:t>3-point DFT </a:t>
+            </a:r>
+            <a:r>
+              <a:rPr lang="zh-TW" altLang="en-US" dirty="0"/>
+              <a:t>的乘法量為 </a:t>
+            </a:r>
+            <a:r>
+              <a:rPr lang="en-US" altLang="zh-TW" dirty="0"/>
+              <a:t>2</a:t>
+            </a:r>
+            <a:r>
+              <a:rPr lang="zh-TW" altLang="en-US" dirty="0"/>
+              <a:t>，</a:t>
+            </a:r>
+            <a:r>
+              <a:rPr lang="en-US" altLang="zh-TW" dirty="0"/>
+              <a:t>49-point DFT </a:t>
+            </a:r>
+            <a:r>
+              <a:rPr lang="zh-TW" altLang="en-US" dirty="0"/>
+              <a:t>的乘法量為 </a:t>
+            </a:r>
+            <a:r>
+              <a:rPr lang="en-US" altLang="zh-TW" dirty="0"/>
+              <a:t>332</a:t>
+            </a:r>
+            <a:r>
+              <a:rPr lang="zh-TW" altLang="en-US" dirty="0"/>
+              <a:t>，則 </a:t>
+            </a:r>
+            <a:r>
+              <a:rPr lang="en-US" altLang="zh-TW" dirty="0"/>
+              <a:t>147-point DFT </a:t>
+            </a:r>
+            <a:r>
+              <a:rPr lang="zh-TW" altLang="en-US" dirty="0"/>
+              <a:t>的乘法量為 </a:t>
+            </a:r>
+            <a:r>
+              <a:rPr lang="en-US" altLang="zh-TW" dirty="0"/>
+              <a:t>49</a:t>
+            </a:r>
+            <a:r>
+              <a:rPr lang="zh-TW" altLang="en-US" dirty="0"/>
+              <a:t>*</a:t>
+            </a:r>
+            <a:r>
+              <a:rPr lang="en-US" altLang="zh-TW" dirty="0"/>
+              <a:t>2 + 3</a:t>
+            </a:r>
+            <a:r>
+              <a:rPr lang="zh-TW" altLang="en-US" dirty="0"/>
+              <a:t>*</a:t>
+            </a:r>
+            <a:r>
+              <a:rPr lang="en-US" altLang="zh-TW" dirty="0"/>
+              <a:t>332 = 1094</a:t>
+            </a:r>
+            <a:r>
+              <a:rPr lang="zh-TW" altLang="en-US" dirty="0"/>
+              <a:t>。</a:t>
+            </a:r>
+            <a:endParaRPr lang="en-US" altLang="zh-TW" dirty="0"/>
+          </a:p>
+          <a:p>
+            <a:pPr marL="457200" indent="-457200">
+              <a:buAutoNum type="alphaLcParenBoth"/>
+            </a:pPr>
+            <a:r>
+              <a:rPr lang="en-US" altLang="zh-TW" dirty="0"/>
+              <a:t>385</a:t>
+            </a:r>
+            <a:r>
+              <a:rPr lang="zh-TW" altLang="en-US" dirty="0"/>
+              <a:t> </a:t>
+            </a:r>
+            <a:r>
+              <a:rPr lang="en-US" altLang="zh-TW" dirty="0"/>
+              <a:t>=</a:t>
+            </a:r>
+            <a:r>
+              <a:rPr lang="zh-TW" altLang="en-US" dirty="0"/>
+              <a:t> </a:t>
+            </a:r>
+            <a:r>
+              <a:rPr lang="en-US" altLang="zh-TW" dirty="0"/>
+              <a:t>11</a:t>
+            </a:r>
+            <a:r>
+              <a:rPr lang="zh-TW" altLang="en-US" dirty="0"/>
+              <a:t> </a:t>
+            </a:r>
+            <a:r>
+              <a:rPr lang="en-US" altLang="zh-TW" dirty="0"/>
+              <a:t>x</a:t>
+            </a:r>
+            <a:r>
+              <a:rPr lang="zh-TW" altLang="en-US" dirty="0"/>
+              <a:t> </a:t>
+            </a:r>
+            <a:r>
+              <a:rPr lang="en-US" altLang="zh-TW" dirty="0"/>
+              <a:t>35</a:t>
+            </a:r>
+            <a:r>
+              <a:rPr lang="zh-TW" altLang="en-US" dirty="0"/>
+              <a:t>，使用 </a:t>
+            </a:r>
+            <a:r>
+              <a:rPr lang="en-US" altLang="zh-TW" dirty="0"/>
+              <a:t>case1:</a:t>
+            </a:r>
+            <a:r>
+              <a:rPr lang="zh-TW" altLang="en-US" dirty="0"/>
+              <a:t> </a:t>
+            </a:r>
+            <a:endParaRPr lang="en-US" altLang="zh-TW" dirty="0"/>
+          </a:p>
+          <a:p>
+            <a:pPr lvl="1"/>
+            <a:r>
+              <a:rPr lang="en-US" altLang="zh-TW" dirty="0"/>
+              <a:t>11-point DFT </a:t>
+            </a:r>
+            <a:r>
+              <a:rPr lang="zh-TW" altLang="en-US" dirty="0"/>
+              <a:t>的乘法量為 </a:t>
+            </a:r>
+            <a:r>
+              <a:rPr lang="en-US" altLang="zh-TW" dirty="0"/>
+              <a:t>40</a:t>
+            </a:r>
+            <a:r>
+              <a:rPr lang="zh-TW" altLang="en-US" dirty="0"/>
+              <a:t>， </a:t>
+            </a:r>
+            <a:r>
+              <a:rPr lang="en-US" altLang="zh-TW" dirty="0"/>
+              <a:t>35-point DFT </a:t>
+            </a:r>
+            <a:r>
+              <a:rPr lang="zh-TW" altLang="en-US" dirty="0"/>
+              <a:t>的乘法量為 </a:t>
+            </a:r>
+            <a:r>
+              <a:rPr lang="en-US" altLang="zh-TW" dirty="0"/>
+              <a:t>150</a:t>
+            </a:r>
+            <a:r>
+              <a:rPr lang="zh-TW" altLang="en-US" dirty="0"/>
+              <a:t>，則 </a:t>
+            </a:r>
+            <a:r>
+              <a:rPr lang="en-US" altLang="zh-TW" dirty="0"/>
+              <a:t>385-point DFT </a:t>
+            </a:r>
+            <a:r>
+              <a:rPr lang="zh-TW" altLang="en-US" dirty="0"/>
+              <a:t>的乘法量為 </a:t>
+            </a:r>
+            <a:r>
+              <a:rPr lang="en-US" altLang="zh-TW" dirty="0"/>
+              <a:t>35</a:t>
+            </a:r>
+            <a:r>
+              <a:rPr lang="zh-TW" altLang="en-US" dirty="0"/>
+              <a:t>*</a:t>
+            </a:r>
+            <a:r>
+              <a:rPr lang="en-US" altLang="zh-TW" dirty="0"/>
+              <a:t>40 + 11</a:t>
+            </a:r>
+            <a:r>
+              <a:rPr lang="zh-TW" altLang="en-US" dirty="0"/>
+              <a:t>*</a:t>
+            </a:r>
+            <a:r>
+              <a:rPr lang="en-US" altLang="zh-TW" dirty="0"/>
+              <a:t>150</a:t>
+            </a:r>
+            <a:r>
+              <a:rPr lang="zh-TW" altLang="en-US" dirty="0"/>
+              <a:t> </a:t>
+            </a:r>
+            <a:r>
+              <a:rPr lang="en-US" altLang="zh-TW" dirty="0"/>
+              <a:t>=</a:t>
+            </a:r>
+            <a:r>
+              <a:rPr lang="zh-TW" altLang="en-US" dirty="0"/>
+              <a:t> </a:t>
+            </a:r>
+            <a:r>
+              <a:rPr lang="en-US" altLang="zh-TW" dirty="0"/>
+              <a:t>3050 </a:t>
+            </a:r>
+            <a:r>
+              <a:rPr lang="zh-TW" altLang="en-US" dirty="0"/>
+              <a:t>。</a:t>
+            </a:r>
+            <a:endParaRPr lang="en-US" altLang="zh-TW" dirty="0"/>
+          </a:p>
+        </p:txBody>
+      </p:sp>
+    </p:spTree>
+    <p:extLst>
+      <p:ext uri="{BB962C8B-B14F-4D97-AF65-F5344CB8AC3E}">
+        <p14:creationId xmlns:p14="http://schemas.microsoft.com/office/powerpoint/2010/main" val="2842809348"/>
+      </p:ext>
+    </p:extLst>
+  </p:cSld>
+  <p:clrMapOvr>
+    <a:masterClrMapping/>
+  </p:clrMapOvr>
+</p:sld>
+</file>
+
+<file path=ppt/slides/slide5.xml><?xml version="1.0" encoding="utf-8"?>
+<p:sld xmlns:a="http://schemas.openxmlformats.org/drawingml/2006/main" xmlns:r="http://schemas.openxmlformats.org/officeDocument/2006/relationships" xmlns:p="http://schemas.openxmlformats.org/presentationml/2006/main">
+  <p:cSld>
+    <p:spTree>
+      <p:nvGrpSpPr>
+        <p:cNvPr id="1" name=""/>
+        <p:cNvGrpSpPr/>
+        <p:nvPr/>
+      </p:nvGrpSpPr>
+      <p:grpSpPr>
+        <a:xfrm>
+          <a:off x="0" y="0"/>
+          <a:ext cx="0" cy="0"/>
+          <a:chOff x="0" y="0"/>
+          <a:chExt cx="0" cy="0"/>
+        </a:xfrm>
+      </p:grpSpPr>
+      <p:sp>
+        <p:nvSpPr>
+          <p:cNvPr id="2" name="矩形 1">
+            <a:extLst>
+              <a:ext uri="{FF2B5EF4-FFF2-40B4-BE49-F238E27FC236}">
+                <a16:creationId xmlns:a16="http://schemas.microsoft.com/office/drawing/2014/main" id="{ACA67BAB-2B53-4BDF-6EEB-F348C778662F}"/>
+              </a:ext>
+            </a:extLst>
+          </p:cNvPr>
+          <p:cNvSpPr/>
+          <p:nvPr/>
+        </p:nvSpPr>
+        <p:spPr>
+          <a:xfrm>
+            <a:off x="349492" y="388770"/>
+            <a:ext cx="8445018" cy="1444162"/>
+          </a:xfrm>
+          <a:prstGeom prst="rect">
+            <a:avLst/>
+          </a:prstGeom>
+          <a:solidFill>
+            <a:schemeClr val="bg1">
+              <a:lumMod val="75000"/>
+            </a:schemeClr>
+          </a:solidFill>
+          <a:ln>
+            <a:noFill/>
+          </a:ln>
+        </p:spPr>
+        <p:style>
+          <a:lnRef idx="2">
+            <a:schemeClr val="accent1">
+              <a:shade val="50000"/>
+            </a:schemeClr>
+          </a:lnRef>
+          <a:fillRef idx="1">
+            <a:schemeClr val="accent1"/>
+          </a:fillRef>
+          <a:effectRef idx="0">
+            <a:schemeClr val="accent1"/>
+          </a:effectRef>
+          <a:fontRef idx="minor">
+            <a:schemeClr val="lt1"/>
+          </a:fontRef>
+        </p:style>
+        <p:txBody>
+          <a:bodyPr rtlCol="0" anchor="ctr"/>
+          <a:lstStyle/>
+          <a:p>
+            <a:pPr algn="ctr"/>
+            <a:endParaRPr kumimoji="1" lang="zh-TW" altLang="en-US"/>
+          </a:p>
+        </p:txBody>
+      </p:sp>
       <p:sp>
         <p:nvSpPr>
           <p:cNvPr id="10" name="Rectangle 5">
@@ -4738,79 +12709,6 @@
           </a:p>
         </p:txBody>
       </p:sp>
-      <p:sp>
-        <p:nvSpPr>
-          <p:cNvPr id="28" name="Rectangle 9">
-            <a:extLst>
-              <a:ext uri="{FF2B5EF4-FFF2-40B4-BE49-F238E27FC236}">
-                <a16:creationId xmlns:a16="http://schemas.microsoft.com/office/drawing/2014/main" id="{C01DA1D1-4571-4ECF-996A-C550DCDC010C}"/>
-              </a:ext>
-            </a:extLst>
-          </p:cNvPr>
-          <p:cNvSpPr>
-            <a:spLocks noChangeArrowheads="1"/>
-          </p:cNvSpPr>
-          <p:nvPr/>
-        </p:nvSpPr>
-        <p:spPr bwMode="auto">
-          <a:xfrm>
-            <a:off x="349491" y="1916832"/>
-            <a:ext cx="8424936" cy="1323439"/>
-          </a:xfrm>
-          <a:prstGeom prst="rect">
-            <a:avLst/>
-          </a:prstGeom>
-          <a:noFill/>
-          <a:ln w="9525">
-            <a:noFill/>
-            <a:miter lim="800000"/>
-            <a:headEnd/>
-            <a:tailEnd/>
-          </a:ln>
-        </p:spPr>
-        <p:txBody>
-          <a:bodyPr wrap="square">
-            <a:spAutoFit/>
-          </a:bodyPr>
-          <a:lstStyle/>
-          <a:p>
-            <a:pPr algn="just"/>
-            <a:r>
-              <a:rPr lang="en-US" altLang="zh-TW" dirty="0"/>
-              <a:t>(5) Suppose that there are 1200 cars in a dataset and an algorithm detects 1000</a:t>
-            </a:r>
-            <a:br>
-              <a:rPr lang="en-US" altLang="zh-TW" dirty="0"/>
-            </a:br>
-            <a:r>
-              <a:rPr lang="en-US" altLang="zh-TW" dirty="0"/>
-              <a:t>      cars. However, among the detected cars, 100 of them are in fact other objects.</a:t>
-            </a:r>
-            <a:br>
-              <a:rPr lang="en-US" altLang="zh-TW" dirty="0"/>
-            </a:br>
-            <a:r>
-              <a:rPr lang="en-US" altLang="zh-TW" dirty="0"/>
-              <a:t>     Determine </a:t>
-            </a:r>
-            <a:r>
-              <a:rPr lang="en-US" altLang="zh-TW" u="sng" dirty="0"/>
-              <a:t>the precision, the recall, and the F-score</a:t>
-            </a:r>
-            <a:r>
-              <a:rPr lang="en-US" altLang="zh-TW" dirty="0"/>
-              <a:t> of the algorithm.    </a:t>
-            </a:r>
-          </a:p>
-          <a:p>
-            <a:pPr algn="just"/>
-            <a:r>
-              <a:rPr lang="en-US" altLang="zh-TW" dirty="0"/>
-              <a:t>                                                                                                             (10 scores)       </a:t>
-            </a:r>
-          </a:p>
-        </p:txBody>
-      </p:sp>
       <p:graphicFrame>
         <p:nvGraphicFramePr>
           <p:cNvPr id="6" name="Object 3">
@@ -4839,12 +12737,12 @@
           <a:graphicData uri="http://schemas.openxmlformats.org/presentationml/2006/ole">
             <mc:AlternateContent xmlns:mc="http://schemas.openxmlformats.org/markup-compatibility/2006">
               <mc:Choice xmlns:v="urn:schemas-microsoft-com:vml" Requires="v">
-                <p:oleObj spid="_x0000_s23657" name="Equation" r:id="rId4" imgW="5054400" imgH="711000" progId="Equation.DSMT4">
+                <p:oleObj name="Equation" r:id="rId3" imgW="5054400" imgH="711000" progId="Equation.DSMT4">
                   <p:embed/>
                 </p:oleObj>
               </mc:Choice>
               <mc:Fallback>
-                <p:oleObj name="Equation" r:id="rId4" imgW="5054400" imgH="711000" progId="Equation.DSMT4">
+                <p:oleObj name="Equation" r:id="rId3" imgW="5054400" imgH="711000" progId="Equation.DSMT4">
                   <p:embed/>
                   <p:pic>
                     <p:nvPicPr>
@@ -4861,7 +12759,7 @@
                       <p:nvPr/>
                     </p:nvPicPr>
                     <p:blipFill>
-                      <a:blip r:embed="rId5"/>
+                      <a:blip r:embed="rId4"/>
                       <a:srcRect/>
                       <a:stretch>
                         <a:fillRect/>
@@ -4893,6 +12791,143 @@
           </a:graphicData>
         </a:graphic>
       </p:graphicFrame>
+    </p:spTree>
+    <p:extLst>
+      <p:ext uri="{BB962C8B-B14F-4D97-AF65-F5344CB8AC3E}">
+        <p14:creationId xmlns:p14="http://schemas.microsoft.com/office/powerpoint/2010/main" val="2043150483"/>
+      </p:ext>
+    </p:extLst>
+  </p:cSld>
+  <p:clrMapOvr>
+    <a:masterClrMapping/>
+  </p:clrMapOvr>
+</p:sld>
+</file>
+
+<file path=ppt/slides/slide6.xml><?xml version="1.0" encoding="utf-8"?>
+<p:sld xmlns:a="http://schemas.openxmlformats.org/drawingml/2006/main" xmlns:r="http://schemas.openxmlformats.org/officeDocument/2006/relationships" xmlns:p="http://schemas.openxmlformats.org/presentationml/2006/main">
+  <p:cSld>
+    <p:spTree>
+      <p:nvGrpSpPr>
+        <p:cNvPr id="1" name=""/>
+        <p:cNvGrpSpPr/>
+        <p:nvPr/>
+      </p:nvGrpSpPr>
+      <p:grpSpPr>
+        <a:xfrm>
+          <a:off x="0" y="0"/>
+          <a:ext cx="0" cy="0"/>
+          <a:chOff x="0" y="0"/>
+          <a:chExt cx="0" cy="0"/>
+        </a:xfrm>
+      </p:grpSpPr>
+      <p:sp>
+        <p:nvSpPr>
+          <p:cNvPr id="28" name="Rectangle 9">
+            <a:extLst>
+              <a:ext uri="{FF2B5EF4-FFF2-40B4-BE49-F238E27FC236}">
+                <a16:creationId xmlns:a16="http://schemas.microsoft.com/office/drawing/2014/main" id="{C01DA1D1-4571-4ECF-996A-C550DCDC010C}"/>
+              </a:ext>
+            </a:extLst>
+          </p:cNvPr>
+          <p:cNvSpPr>
+            <a:spLocks noChangeArrowheads="1"/>
+          </p:cNvSpPr>
+          <p:nvPr/>
+        </p:nvSpPr>
+        <p:spPr bwMode="auto">
+          <a:xfrm>
+            <a:off x="359532" y="260648"/>
+            <a:ext cx="8424936" cy="1323439"/>
+          </a:xfrm>
+          <a:prstGeom prst="rect">
+            <a:avLst/>
+          </a:prstGeom>
+          <a:solidFill>
+            <a:schemeClr val="bg1">
+              <a:lumMod val="75000"/>
+            </a:schemeClr>
+          </a:solidFill>
+          <a:ln w="9525">
+            <a:noFill/>
+            <a:miter lim="800000"/>
+            <a:headEnd/>
+            <a:tailEnd/>
+          </a:ln>
+        </p:spPr>
+        <p:txBody>
+          <a:bodyPr wrap="square">
+            <a:spAutoFit/>
+          </a:bodyPr>
+          <a:lstStyle/>
+          <a:p>
+            <a:pPr algn="just"/>
+            <a:r>
+              <a:rPr lang="en-US" altLang="zh-TW" dirty="0"/>
+              <a:t>(5) Suppose that there are 1200 cars in a dataset and an algorithm detects 1000</a:t>
+            </a:r>
+            <a:br>
+              <a:rPr lang="en-US" altLang="zh-TW" dirty="0"/>
+            </a:br>
+            <a:r>
+              <a:rPr lang="en-US" altLang="zh-TW" dirty="0"/>
+              <a:t>      cars. However, among the detected cars, 100 of them are in fact other objects.</a:t>
+            </a:r>
+            <a:br>
+              <a:rPr lang="en-US" altLang="zh-TW" dirty="0"/>
+            </a:br>
+            <a:r>
+              <a:rPr lang="en-US" altLang="zh-TW" dirty="0"/>
+              <a:t>     Determine </a:t>
+            </a:r>
+            <a:r>
+              <a:rPr lang="en-US" altLang="zh-TW" u="sng" dirty="0"/>
+              <a:t>the precision, the recall, and the F-score</a:t>
+            </a:r>
+            <a:r>
+              <a:rPr lang="en-US" altLang="zh-TW" dirty="0"/>
+              <a:t> of the algorithm.    </a:t>
+            </a:r>
+          </a:p>
+          <a:p>
+            <a:pPr algn="just"/>
+            <a:r>
+              <a:rPr lang="en-US" altLang="zh-TW" dirty="0"/>
+              <a:t>                                                                                                             (10 scores)       </a:t>
+            </a:r>
+          </a:p>
+        </p:txBody>
+      </p:sp>
+    </p:spTree>
+    <p:extLst>
+      <p:ext uri="{BB962C8B-B14F-4D97-AF65-F5344CB8AC3E}">
+        <p14:creationId xmlns:p14="http://schemas.microsoft.com/office/powerpoint/2010/main" val="2099374115"/>
+      </p:ext>
+    </p:extLst>
+  </p:cSld>
+  <p:clrMapOvr>
+    <a:masterClrMapping/>
+  </p:clrMapOvr>
+</p:sld>
+</file>
+
+<file path=ppt/slides/slide7.xml><?xml version="1.0" encoding="utf-8"?>
+<p:sld xmlns:a="http://schemas.openxmlformats.org/drawingml/2006/main" xmlns:r="http://schemas.openxmlformats.org/officeDocument/2006/relationships" xmlns:p="http://schemas.openxmlformats.org/presentationml/2006/main">
+  <p:cSld>
+    <p:spTree>
+      <p:nvGrpSpPr>
+        <p:cNvPr id="1" name=""/>
+        <p:cNvGrpSpPr/>
+        <p:nvPr/>
+      </p:nvGrpSpPr>
+      <p:grpSpPr>
+        <a:xfrm>
+          <a:off x="0" y="0"/>
+          <a:ext cx="0" cy="0"/>
+          <a:chOff x="0" y="0"/>
+          <a:chExt cx="0" cy="0"/>
+        </a:xfrm>
+      </p:grpSpPr>
       <p:sp>
         <p:nvSpPr>
           <p:cNvPr id="15" name="Rectangle 3">
@@ -4909,13 +12944,17 @@
         </p:nvSpPr>
         <p:spPr bwMode="auto">
           <a:xfrm>
-            <a:off x="361661" y="3258324"/>
+            <a:off x="287337" y="116632"/>
             <a:ext cx="8569325" cy="3093154"/>
           </a:xfrm>
           <a:prstGeom prst="rect">
             <a:avLst/>
           </a:prstGeom>
-          <a:noFill/>
+          <a:solidFill>
+            <a:schemeClr val="bg1">
+              <a:lumMod val="75000"/>
+            </a:schemeClr>
+          </a:solidFill>
           <a:ln w="9525">
             <a:noFill/>
             <a:miter lim="800000"/>
@@ -5340,7 +13379,7 @@
     </p:spTree>
     <p:extLst>
       <p:ext uri="{BB962C8B-B14F-4D97-AF65-F5344CB8AC3E}">
-        <p14:creationId xmlns:p14="http://schemas.microsoft.com/office/powerpoint/2010/main" val="2043150483"/>
+        <p14:creationId xmlns:p14="http://schemas.microsoft.com/office/powerpoint/2010/main" val="2777671299"/>
       </p:ext>
     </p:extLst>
   </p:cSld>
@@ -5350,7 +13389,7 @@
 </p:sld>
 </file>
 
-<file path=ppt/slides/slide3.xml><?xml version="1.0" encoding="utf-8"?>
+<file path=ppt/slides/slide8.xml><?xml version="1.0" encoding="utf-8"?>
 <p:sld xmlns:a="http://schemas.openxmlformats.org/drawingml/2006/main" xmlns:r="http://schemas.openxmlformats.org/officeDocument/2006/relationships" xmlns:p="http://schemas.openxmlformats.org/presentationml/2006/main">
   <p:cSld>
     <p:spTree>

--- a/HW4/r10943181_HW4.pptx
+++ b/HW4/r10943181_HW4.pptx
@@ -5195,8 +5195,8 @@
           </a:graphicData>
         </a:graphic>
       </p:graphicFrame>
-      <mc:AlternateContent xmlns:mc="http://schemas.openxmlformats.org/markup-compatibility/2006">
-        <mc:Choice xmlns:a14="http://schemas.microsoft.com/office/drawing/2010/main" Requires="a14">
+      <mc:AlternateContent xmlns:mc="http://schemas.openxmlformats.org/markup-compatibility/2006" xmlns:a14="http://schemas.microsoft.com/office/drawing/2010/main">
+        <mc:Choice Requires="a14">
           <p:sp>
             <p:nvSpPr>
               <p:cNvPr id="3" name="文字方塊 2">
@@ -5243,6 +5243,7 @@
                 <a:endParaRPr kumimoji="1" lang="en-US" altLang="zh-TW" dirty="0"/>
               </a:p>
               <a:p>
+                <a:pPr/>
                 <a14:m>
                   <m:oMathPara xmlns:m="http://schemas.openxmlformats.org/officeDocument/2006/math">
                     <m:oMathParaPr>
@@ -5378,6 +5379,7 @@
                 <a:endParaRPr lang="en-US" altLang="zh-TW" b="0" dirty="0"/>
               </a:p>
               <a:p>
+                <a:pPr/>
                 <a14:m>
                   <m:oMathPara xmlns:m="http://schemas.openxmlformats.org/officeDocument/2006/math">
                     <m:oMathParaPr>
@@ -5468,6 +5470,7 @@
                 <a:endParaRPr lang="en-US" altLang="zh-TW" b="0" dirty="0"/>
               </a:p>
               <a:p>
+                <a:pPr/>
                 <a14:m>
                   <m:oMathPara xmlns:m="http://schemas.openxmlformats.org/officeDocument/2006/math">
                     <m:oMathParaPr>
@@ -6478,7 +6481,7 @@
             </p:txBody>
           </p:sp>
         </mc:Choice>
-        <mc:Fallback>
+        <mc:Fallback xmlns="">
           <p:sp>
             <p:nvSpPr>
               <p:cNvPr id="3" name="文字方塊 2">
@@ -6553,8 +6556,8 @@
           <a:chExt cx="0" cy="0"/>
         </a:xfrm>
       </p:grpSpPr>
-      <mc:AlternateContent xmlns:mc="http://schemas.openxmlformats.org/markup-compatibility/2006">
-        <mc:Choice xmlns:a14="http://schemas.microsoft.com/office/drawing/2010/main" Requires="a14">
+      <mc:AlternateContent xmlns:mc="http://schemas.openxmlformats.org/markup-compatibility/2006" xmlns:a14="http://schemas.microsoft.com/office/drawing/2010/main">
+        <mc:Choice Requires="a14">
           <p:sp>
             <p:nvSpPr>
               <p:cNvPr id="6" name="文字方塊 5">
@@ -6601,6 +6604,7 @@
                 <a:endParaRPr lang="en-US" altLang="zh-TW" sz="1600" dirty="0"/>
               </a:p>
               <a:p>
+                <a:pPr/>
                 <a14:m>
                   <m:oMathPara xmlns:m="http://schemas.openxmlformats.org/officeDocument/2006/math">
                     <m:oMathParaPr>
@@ -7185,6 +7189,7 @@
                 <a:endParaRPr kumimoji="1" lang="en-US" altLang="zh-TW" sz="1600" dirty="0"/>
               </a:p>
               <a:p>
+                <a:pPr/>
                 <a14:m>
                   <m:oMathPara xmlns:m="http://schemas.openxmlformats.org/officeDocument/2006/math">
                     <m:oMathParaPr>
@@ -7784,6 +7789,7 @@
                 <a:endParaRPr lang="en-US" altLang="zh-TW" sz="1600" dirty="0"/>
               </a:p>
               <a:p>
+                <a:pPr/>
                 <a14:m>
                   <m:oMathPara xmlns:m="http://schemas.openxmlformats.org/officeDocument/2006/math">
                     <m:oMathParaPr>
@@ -8368,6 +8374,7 @@
                 <a:endParaRPr kumimoji="1" lang="en-US" altLang="zh-TW" sz="1600" dirty="0"/>
               </a:p>
               <a:p>
+                <a:pPr/>
                 <a14:m>
                   <m:oMathPara xmlns:m="http://schemas.openxmlformats.org/officeDocument/2006/math">
                     <m:oMathParaPr>
@@ -9060,6 +9067,7 @@
                 <a:endParaRPr lang="en-US" altLang="zh-TW" sz="1600" dirty="0"/>
               </a:p>
               <a:p>
+                <a:pPr/>
                 <a14:m>
                   <m:oMathPara xmlns:m="http://schemas.openxmlformats.org/officeDocument/2006/math">
                     <m:oMathParaPr>
@@ -9752,6 +9760,7 @@
                 <a:endParaRPr kumimoji="1" lang="en-US" altLang="zh-TW" sz="1600" dirty="0"/>
               </a:p>
               <a:p>
+                <a:pPr/>
                 <a14:m>
                   <m:oMathPara xmlns:m="http://schemas.openxmlformats.org/officeDocument/2006/math">
                     <m:oMathParaPr>
@@ -9952,6 +9961,7 @@
                 </a:endParaRPr>
               </a:p>
               <a:p>
+                <a:pPr/>
                 <a14:m>
                   <m:oMathPara xmlns:m="http://schemas.openxmlformats.org/officeDocument/2006/math">
                     <m:oMathParaPr>
@@ -10554,6 +10564,7 @@
                 <a:endParaRPr kumimoji="1" lang="en-US" altLang="zh-TW" sz="1600" dirty="0"/>
               </a:p>
               <a:p>
+                <a:pPr/>
                 <a14:m>
                   <m:oMathPara xmlns:m="http://schemas.openxmlformats.org/officeDocument/2006/math">
                     <m:oMathParaPr>
@@ -11246,6 +11257,7 @@
                 <a:endParaRPr lang="en-US" altLang="zh-TW" sz="1600" dirty="0"/>
               </a:p>
               <a:p>
+                <a:pPr/>
                 <a14:m>
                   <m:oMathPara xmlns:m="http://schemas.openxmlformats.org/officeDocument/2006/math">
                     <m:oMathParaPr>
@@ -11550,6 +11562,7 @@
                 <a:endParaRPr lang="en-US" altLang="zh-TW" sz="1600" b="0" dirty="0"/>
               </a:p>
               <a:p>
+                <a:pPr/>
                 <a14:m>
                   <m:oMathPara xmlns:m="http://schemas.openxmlformats.org/officeDocument/2006/math">
                     <m:oMathParaPr>
@@ -11783,7 +11796,7 @@
             </p:txBody>
           </p:sp>
         </mc:Choice>
-        <mc:Fallback>
+        <mc:Fallback xmlns="">
           <p:sp>
             <p:nvSpPr>
               <p:cNvPr id="6" name="文字方塊 5">
@@ -12791,6 +12804,579 @@
           </a:graphicData>
         </a:graphic>
       </p:graphicFrame>
+      <mc:AlternateContent xmlns:mc="http://schemas.openxmlformats.org/markup-compatibility/2006">
+        <mc:Choice xmlns:a14="http://schemas.microsoft.com/office/drawing/2010/main" Requires="a14">
+          <p:sp>
+            <p:nvSpPr>
+              <p:cNvPr id="3" name="文字方塊 2">
+                <a:extLst>
+                  <a:ext uri="{FF2B5EF4-FFF2-40B4-BE49-F238E27FC236}">
+                    <a16:creationId xmlns:a16="http://schemas.microsoft.com/office/drawing/2014/main" id="{13D4817B-2B3B-FF0D-610E-B1142A069B2C}"/>
+                  </a:ext>
+                </a:extLst>
+              </p:cNvPr>
+              <p:cNvSpPr txBox="1"/>
+              <p:nvPr/>
+            </p:nvSpPr>
+            <p:spPr>
+              <a:xfrm>
+                <a:off x="349491" y="2132856"/>
+                <a:ext cx="8445019" cy="3785652"/>
+              </a:xfrm>
+              <a:prstGeom prst="rect">
+                <a:avLst/>
+              </a:prstGeom>
+              <a:noFill/>
+            </p:spPr>
+            <p:txBody>
+              <a:bodyPr wrap="square" rtlCol="0">
+                <a:spAutoFit/>
+              </a:bodyPr>
+              <a:lstStyle/>
+              <a:p>
+                <a:r>
+                  <a:rPr lang="en-US" altLang="zh-TW" dirty="0"/>
+                  <a:t>Complexity of the</a:t>
+                </a:r>
+                <a:r>
+                  <a:rPr lang="zh-TW" altLang="en-US" dirty="0"/>
+                  <a:t> </a:t>
+                </a:r>
+                <a:r>
+                  <a:rPr lang="en-US" altLang="zh-TW" dirty="0"/>
+                  <a:t>1-D N-point DFT:</a:t>
+                </a:r>
+              </a:p>
+              <a:p>
+                <a14:m>
+                  <m:oMathPara xmlns:m="http://schemas.openxmlformats.org/officeDocument/2006/math">
+                    <m:oMathParaPr>
+                      <m:jc m:val="centerGroup"/>
+                    </m:oMathParaPr>
+                    <m:oMath xmlns:m="http://schemas.openxmlformats.org/officeDocument/2006/math">
+                      <m:r>
+                        <a:rPr lang="en-US" altLang="zh-TW" b="0" i="1" smtClean="0">
+                          <a:latin typeface="Cambria Math" panose="02040503050406030204" pitchFamily="18" charset="0"/>
+                        </a:rPr>
+                        <m:t>𝑂</m:t>
+                      </m:r>
+                      <m:r>
+                        <a:rPr lang="en-US" altLang="zh-TW" b="0" i="1" smtClean="0">
+                          <a:latin typeface="Cambria Math" panose="02040503050406030204" pitchFamily="18" charset="0"/>
+                        </a:rPr>
+                        <m:t>(</m:t>
+                      </m:r>
+                      <m:r>
+                        <a:rPr lang="en-US" altLang="zh-TW" b="0" i="1" smtClean="0">
+                          <a:latin typeface="Cambria Math" panose="02040503050406030204" pitchFamily="18" charset="0"/>
+                        </a:rPr>
+                        <m:t>𝑁𝑙𝑜𝑔𝑁</m:t>
+                      </m:r>
+                      <m:r>
+                        <a:rPr lang="en-US" altLang="zh-TW" b="0" i="1" smtClean="0">
+                          <a:latin typeface="Cambria Math" panose="02040503050406030204" pitchFamily="18" charset="0"/>
+                        </a:rPr>
+                        <m:t>)</m:t>
+                      </m:r>
+                    </m:oMath>
+                  </m:oMathPara>
+                </a14:m>
+                <a:endParaRPr lang="en-US" altLang="zh-TW" dirty="0"/>
+              </a:p>
+              <a:p>
+                <a:endParaRPr lang="en-US" altLang="zh-TW" dirty="0"/>
+              </a:p>
+              <a:p>
+                <a:r>
+                  <a:rPr lang="en-US" altLang="zh-TW" dirty="0"/>
+                  <a:t>Complexity of the</a:t>
+                </a:r>
+                <a:r>
+                  <a:rPr lang="zh-TW" altLang="en-US" dirty="0"/>
+                  <a:t> </a:t>
+                </a:r>
+                <a:r>
+                  <a:rPr lang="en-US" altLang="zh-TW" dirty="0"/>
+                  <a:t>2-D MN-point DFT:</a:t>
+                </a:r>
+              </a:p>
+              <a:p>
+                <a14:m>
+                  <m:oMathPara xmlns:m="http://schemas.openxmlformats.org/officeDocument/2006/math">
+                    <m:oMathParaPr>
+                      <m:jc m:val="centerGroup"/>
+                    </m:oMathParaPr>
+                    <m:oMath xmlns:m="http://schemas.openxmlformats.org/officeDocument/2006/math">
+                      <m:r>
+                        <a:rPr lang="en-US" altLang="zh-TW" b="0" i="1" smtClean="0">
+                          <a:latin typeface="Cambria Math" panose="02040503050406030204" pitchFamily="18" charset="0"/>
+                        </a:rPr>
+                        <m:t>𝑀</m:t>
+                      </m:r>
+                      <m:d>
+                        <m:dPr>
+                          <m:ctrlPr>
+                            <a:rPr lang="en-US" altLang="zh-TW" b="0" i="1" smtClean="0">
+                              <a:latin typeface="Cambria Math" panose="02040503050406030204" pitchFamily="18" charset="0"/>
+                            </a:rPr>
+                          </m:ctrlPr>
+                        </m:dPr>
+                        <m:e>
+                          <m:r>
+                            <a:rPr lang="en-US" altLang="zh-TW" b="0" i="1" smtClean="0">
+                              <a:latin typeface="Cambria Math" panose="02040503050406030204" pitchFamily="18" charset="0"/>
+                            </a:rPr>
+                            <m:t>𝑁𝑙𝑜𝑔𝑁</m:t>
+                          </m:r>
+                        </m:e>
+                      </m:d>
+                      <m:r>
+                        <a:rPr lang="en-US" altLang="zh-TW" b="0" i="1" smtClean="0">
+                          <a:latin typeface="Cambria Math" panose="02040503050406030204" pitchFamily="18" charset="0"/>
+                        </a:rPr>
+                        <m:t>+</m:t>
+                      </m:r>
+                      <m:r>
+                        <a:rPr lang="en-US" altLang="zh-TW" b="0" i="1" smtClean="0">
+                          <a:latin typeface="Cambria Math" panose="02040503050406030204" pitchFamily="18" charset="0"/>
+                        </a:rPr>
+                        <m:t>𝑁</m:t>
+                      </m:r>
+                      <m:d>
+                        <m:dPr>
+                          <m:ctrlPr>
+                            <a:rPr lang="en-US" altLang="zh-TW" b="0" i="1" smtClean="0">
+                              <a:latin typeface="Cambria Math" panose="02040503050406030204" pitchFamily="18" charset="0"/>
+                            </a:rPr>
+                          </m:ctrlPr>
+                        </m:dPr>
+                        <m:e>
+                          <m:r>
+                            <a:rPr lang="en-US" altLang="zh-TW" b="0" i="1" smtClean="0">
+                              <a:latin typeface="Cambria Math" panose="02040503050406030204" pitchFamily="18" charset="0"/>
+                            </a:rPr>
+                            <m:t>𝑀𝑙𝑜𝑔𝑀</m:t>
+                          </m:r>
+                        </m:e>
+                      </m:d>
+                      <m:r>
+                        <a:rPr lang="en-US" altLang="zh-TW" b="0" i="1" smtClean="0">
+                          <a:latin typeface="Cambria Math" panose="02040503050406030204" pitchFamily="18" charset="0"/>
+                        </a:rPr>
+                        <m:t>=</m:t>
+                      </m:r>
+                      <m:r>
+                        <a:rPr lang="en-US" altLang="zh-TW" b="0" i="1" smtClean="0">
+                          <a:latin typeface="Cambria Math" panose="02040503050406030204" pitchFamily="18" charset="0"/>
+                        </a:rPr>
+                        <m:t>𝑀𝑁</m:t>
+                      </m:r>
+                      <m:d>
+                        <m:dPr>
+                          <m:ctrlPr>
+                            <a:rPr lang="en-US" altLang="zh-TW" b="0" i="1" smtClean="0">
+                              <a:latin typeface="Cambria Math" panose="02040503050406030204" pitchFamily="18" charset="0"/>
+                            </a:rPr>
+                          </m:ctrlPr>
+                        </m:dPr>
+                        <m:e>
+                          <m:r>
+                            <a:rPr lang="en-US" altLang="zh-TW" b="0" i="1" smtClean="0">
+                              <a:latin typeface="Cambria Math" panose="02040503050406030204" pitchFamily="18" charset="0"/>
+                            </a:rPr>
+                            <m:t>𝑙𝑜𝑔𝑁</m:t>
+                          </m:r>
+                          <m:r>
+                            <a:rPr lang="en-US" altLang="zh-TW" b="0" i="1" smtClean="0">
+                              <a:latin typeface="Cambria Math" panose="02040503050406030204" pitchFamily="18" charset="0"/>
+                            </a:rPr>
+                            <m:t>+</m:t>
+                          </m:r>
+                          <m:r>
+                            <a:rPr lang="en-US" altLang="zh-TW" b="0" i="1" smtClean="0">
+                              <a:latin typeface="Cambria Math" panose="02040503050406030204" pitchFamily="18" charset="0"/>
+                            </a:rPr>
+                            <m:t>𝑙𝑜𝑔𝑀</m:t>
+                          </m:r>
+                        </m:e>
+                      </m:d>
+                      <m:r>
+                        <a:rPr lang="en-US" altLang="zh-TW" b="0" i="1" smtClean="0">
+                          <a:latin typeface="Cambria Math" panose="02040503050406030204" pitchFamily="18" charset="0"/>
+                        </a:rPr>
+                        <m:t>=</m:t>
+                      </m:r>
+                      <m:r>
+                        <a:rPr lang="en-US" altLang="zh-TW" b="0" i="1" smtClean="0">
+                          <a:latin typeface="Cambria Math" panose="02040503050406030204" pitchFamily="18" charset="0"/>
+                        </a:rPr>
+                        <m:t>𝑀𝑁𝑙𝑜𝑔</m:t>
+                      </m:r>
+                      <m:d>
+                        <m:dPr>
+                          <m:ctrlPr>
+                            <a:rPr lang="en-US" altLang="zh-TW" b="0" i="1" smtClean="0">
+                              <a:latin typeface="Cambria Math" panose="02040503050406030204" pitchFamily="18" charset="0"/>
+                            </a:rPr>
+                          </m:ctrlPr>
+                        </m:dPr>
+                        <m:e>
+                          <m:r>
+                            <a:rPr lang="en-US" altLang="zh-TW" b="0" i="1" smtClean="0">
+                              <a:latin typeface="Cambria Math" panose="02040503050406030204" pitchFamily="18" charset="0"/>
+                            </a:rPr>
+                            <m:t>𝑀𝑁</m:t>
+                          </m:r>
+                        </m:e>
+                      </m:d>
+                    </m:oMath>
+                  </m:oMathPara>
+                </a14:m>
+                <a:endParaRPr lang="en-US" altLang="zh-TW" dirty="0"/>
+              </a:p>
+              <a:p>
+                <a:endParaRPr lang="en-US" altLang="zh-TW" dirty="0"/>
+              </a:p>
+              <a:p>
+                <a:r>
+                  <a:rPr lang="en-US" altLang="zh-TW" dirty="0"/>
+                  <a:t>Complexity of the</a:t>
+                </a:r>
+                <a:r>
+                  <a:rPr lang="zh-TW" altLang="en-US" dirty="0"/>
+                  <a:t> </a:t>
+                </a:r>
+                <a:r>
+                  <a:rPr lang="en-US" altLang="zh-TW" dirty="0"/>
+                  <a:t>3-D MNK-point DFT:</a:t>
+                </a:r>
+              </a:p>
+              <a:p>
+                <a14:m>
+                  <m:oMathPara xmlns:m="http://schemas.openxmlformats.org/officeDocument/2006/math">
+                    <m:oMathParaPr>
+                      <m:jc m:val="centerGroup"/>
+                    </m:oMathParaPr>
+                    <m:oMath xmlns:m="http://schemas.openxmlformats.org/officeDocument/2006/math">
+                      <m:r>
+                        <a:rPr lang="en-US" altLang="zh-TW" b="0" i="1" smtClean="0">
+                          <a:latin typeface="Cambria Math" panose="02040503050406030204" pitchFamily="18" charset="0"/>
+                        </a:rPr>
+                        <m:t>𝐾𝑀</m:t>
+                      </m:r>
+                      <m:d>
+                        <m:dPr>
+                          <m:ctrlPr>
+                            <a:rPr lang="en-US" altLang="zh-TW" b="0" i="1" smtClean="0">
+                              <a:latin typeface="Cambria Math" panose="02040503050406030204" pitchFamily="18" charset="0"/>
+                            </a:rPr>
+                          </m:ctrlPr>
+                        </m:dPr>
+                        <m:e>
+                          <m:r>
+                            <a:rPr lang="en-US" altLang="zh-TW" b="0" i="1" smtClean="0">
+                              <a:latin typeface="Cambria Math" panose="02040503050406030204" pitchFamily="18" charset="0"/>
+                            </a:rPr>
+                            <m:t>𝑁𝑙𝑜𝑔𝑁</m:t>
+                          </m:r>
+                        </m:e>
+                      </m:d>
+                      <m:r>
+                        <a:rPr lang="en-US" altLang="zh-TW" b="0" i="1" smtClean="0">
+                          <a:latin typeface="Cambria Math" panose="02040503050406030204" pitchFamily="18" charset="0"/>
+                        </a:rPr>
+                        <m:t>+</m:t>
+                      </m:r>
+                      <m:r>
+                        <a:rPr lang="en-US" altLang="zh-TW" b="0" i="1" smtClean="0">
+                          <a:latin typeface="Cambria Math" panose="02040503050406030204" pitchFamily="18" charset="0"/>
+                        </a:rPr>
+                        <m:t>𝐾</m:t>
+                      </m:r>
+                      <m:r>
+                        <a:rPr lang="en-US" altLang="zh-TW" b="0" i="1" smtClean="0">
+                          <a:latin typeface="Cambria Math" panose="02040503050406030204" pitchFamily="18" charset="0"/>
+                        </a:rPr>
+                        <m:t>𝑁</m:t>
+                      </m:r>
+                      <m:d>
+                        <m:dPr>
+                          <m:ctrlPr>
+                            <a:rPr lang="en-US" altLang="zh-TW" b="0" i="1" smtClean="0">
+                              <a:latin typeface="Cambria Math" panose="02040503050406030204" pitchFamily="18" charset="0"/>
+                            </a:rPr>
+                          </m:ctrlPr>
+                        </m:dPr>
+                        <m:e>
+                          <m:r>
+                            <a:rPr lang="en-US" altLang="zh-TW" b="0" i="1" smtClean="0">
+                              <a:latin typeface="Cambria Math" panose="02040503050406030204" pitchFamily="18" charset="0"/>
+                            </a:rPr>
+                            <m:t>𝑀𝑙𝑜𝑔𝑀</m:t>
+                          </m:r>
+                        </m:e>
+                      </m:d>
+                      <m:r>
+                        <a:rPr lang="en-US" altLang="zh-TW" b="0" i="1" smtClean="0">
+                          <a:latin typeface="Cambria Math" panose="02040503050406030204" pitchFamily="18" charset="0"/>
+                        </a:rPr>
+                        <m:t>+</m:t>
+                      </m:r>
+                      <m:r>
+                        <a:rPr lang="en-US" altLang="zh-TW" b="0" i="1" smtClean="0">
+                          <a:latin typeface="Cambria Math" panose="02040503050406030204" pitchFamily="18" charset="0"/>
+                        </a:rPr>
+                        <m:t>𝑀𝑁</m:t>
+                      </m:r>
+                      <m:d>
+                        <m:dPr>
+                          <m:ctrlPr>
+                            <a:rPr lang="en-US" altLang="zh-TW" b="0" i="1" smtClean="0">
+                              <a:latin typeface="Cambria Math" panose="02040503050406030204" pitchFamily="18" charset="0"/>
+                            </a:rPr>
+                          </m:ctrlPr>
+                        </m:dPr>
+                        <m:e>
+                          <m:r>
+                            <a:rPr lang="en-US" altLang="zh-TW" b="0" i="1" smtClean="0">
+                              <a:latin typeface="Cambria Math" panose="02040503050406030204" pitchFamily="18" charset="0"/>
+                            </a:rPr>
+                            <m:t>𝐾𝑙𝑜𝑔𝐾</m:t>
+                          </m:r>
+                        </m:e>
+                      </m:d>
+                    </m:oMath>
+                  </m:oMathPara>
+                </a14:m>
+                <a:endParaRPr lang="en-US" altLang="zh-TW" b="0" i="1" dirty="0">
+                  <a:latin typeface="Cambria Math" panose="02040503050406030204" pitchFamily="18" charset="0"/>
+                </a:endParaRPr>
+              </a:p>
+              <a:p>
+                <a14:m>
+                  <m:oMathPara xmlns:m="http://schemas.openxmlformats.org/officeDocument/2006/math">
+                    <m:oMathParaPr>
+                      <m:jc m:val="centerGroup"/>
+                    </m:oMathParaPr>
+                    <m:oMath xmlns:m="http://schemas.openxmlformats.org/officeDocument/2006/math">
+                      <m:r>
+                        <a:rPr lang="en-US" altLang="zh-TW" b="0" i="1" smtClean="0">
+                          <a:latin typeface="Cambria Math" panose="02040503050406030204" pitchFamily="18" charset="0"/>
+                        </a:rPr>
+                        <m:t>=</m:t>
+                      </m:r>
+                      <m:r>
+                        <a:rPr lang="en-US" altLang="zh-TW" b="0" i="1" smtClean="0">
+                          <a:latin typeface="Cambria Math" panose="02040503050406030204" pitchFamily="18" charset="0"/>
+                        </a:rPr>
+                        <m:t>𝑀𝑁𝐾</m:t>
+                      </m:r>
+                      <m:d>
+                        <m:dPr>
+                          <m:ctrlPr>
+                            <a:rPr lang="en-US" altLang="zh-TW" b="0" i="1" smtClean="0">
+                              <a:latin typeface="Cambria Math" panose="02040503050406030204" pitchFamily="18" charset="0"/>
+                            </a:rPr>
+                          </m:ctrlPr>
+                        </m:dPr>
+                        <m:e>
+                          <m:r>
+                            <a:rPr lang="en-US" altLang="zh-TW" b="0" i="1" smtClean="0">
+                              <a:latin typeface="Cambria Math" panose="02040503050406030204" pitchFamily="18" charset="0"/>
+                            </a:rPr>
+                            <m:t>𝑙𝑜𝑔𝑁</m:t>
+                          </m:r>
+                          <m:r>
+                            <a:rPr lang="en-US" altLang="zh-TW" b="0" i="1" smtClean="0">
+                              <a:latin typeface="Cambria Math" panose="02040503050406030204" pitchFamily="18" charset="0"/>
+                            </a:rPr>
+                            <m:t>+</m:t>
+                          </m:r>
+                          <m:r>
+                            <a:rPr lang="en-US" altLang="zh-TW" b="0" i="1" smtClean="0">
+                              <a:latin typeface="Cambria Math" panose="02040503050406030204" pitchFamily="18" charset="0"/>
+                            </a:rPr>
+                            <m:t>𝑙𝑜𝑔𝑀</m:t>
+                          </m:r>
+                          <m:r>
+                            <a:rPr lang="en-US" altLang="zh-TW" b="0" i="1" smtClean="0">
+                              <a:latin typeface="Cambria Math" panose="02040503050406030204" pitchFamily="18" charset="0"/>
+                            </a:rPr>
+                            <m:t>+</m:t>
+                          </m:r>
+                          <m:r>
+                            <a:rPr lang="en-US" altLang="zh-TW" b="0" i="1" smtClean="0">
+                              <a:latin typeface="Cambria Math" panose="02040503050406030204" pitchFamily="18" charset="0"/>
+                            </a:rPr>
+                            <m:t>𝑙𝑜𝑔𝐾</m:t>
+                          </m:r>
+                        </m:e>
+                      </m:d>
+                    </m:oMath>
+                  </m:oMathPara>
+                </a14:m>
+                <a:endParaRPr lang="en-US" altLang="zh-TW" b="0" i="1" dirty="0">
+                  <a:latin typeface="Cambria Math" panose="02040503050406030204" pitchFamily="18" charset="0"/>
+                </a:endParaRPr>
+              </a:p>
+              <a:p>
+                <a14:m>
+                  <m:oMathPara xmlns:m="http://schemas.openxmlformats.org/officeDocument/2006/math">
+                    <m:oMathParaPr>
+                      <m:jc m:val="centerGroup"/>
+                    </m:oMathParaPr>
+                    <m:oMath xmlns:m="http://schemas.openxmlformats.org/officeDocument/2006/math">
+                      <m:r>
+                        <a:rPr lang="en-US" altLang="zh-TW" b="0" i="1" smtClean="0">
+                          <a:latin typeface="Cambria Math" panose="02040503050406030204" pitchFamily="18" charset="0"/>
+                        </a:rPr>
+                        <m:t>=</m:t>
+                      </m:r>
+                      <m:r>
+                        <a:rPr lang="en-US" altLang="zh-TW" b="0" i="1" smtClean="0">
+                          <a:latin typeface="Cambria Math" panose="02040503050406030204" pitchFamily="18" charset="0"/>
+                        </a:rPr>
+                        <m:t>𝑀𝑁𝐾</m:t>
+                      </m:r>
+                      <m:r>
+                        <a:rPr lang="en-US" altLang="zh-TW" b="0" i="1" smtClean="0">
+                          <a:latin typeface="Cambria Math" panose="02040503050406030204" pitchFamily="18" charset="0"/>
+                        </a:rPr>
+                        <m:t>𝑙𝑜𝑔</m:t>
+                      </m:r>
+                      <m:d>
+                        <m:dPr>
+                          <m:ctrlPr>
+                            <a:rPr lang="en-US" altLang="zh-TW" b="0" i="1" smtClean="0">
+                              <a:latin typeface="Cambria Math" panose="02040503050406030204" pitchFamily="18" charset="0"/>
+                            </a:rPr>
+                          </m:ctrlPr>
+                        </m:dPr>
+                        <m:e>
+                          <m:r>
+                            <a:rPr lang="en-US" altLang="zh-TW" b="0" i="1" smtClean="0">
+                              <a:latin typeface="Cambria Math" panose="02040503050406030204" pitchFamily="18" charset="0"/>
+                            </a:rPr>
+                            <m:t>𝑀𝑁</m:t>
+                          </m:r>
+                          <m:r>
+                            <a:rPr lang="en-US" altLang="zh-TW" b="0" i="1" smtClean="0">
+                              <a:latin typeface="Cambria Math" panose="02040503050406030204" pitchFamily="18" charset="0"/>
+                            </a:rPr>
+                            <m:t>𝐾</m:t>
+                          </m:r>
+                        </m:e>
+                      </m:d>
+                    </m:oMath>
+                  </m:oMathPara>
+                </a14:m>
+                <a:endParaRPr lang="en-US" altLang="zh-TW" dirty="0"/>
+              </a:p>
+              <a:p>
+                <a:endParaRPr lang="en-US" altLang="zh-TW" dirty="0"/>
+              </a:p>
+              <a:p>
+                <a14:m>
+                  <m:oMathPara xmlns:m="http://schemas.openxmlformats.org/officeDocument/2006/math">
+                    <m:oMathParaPr>
+                      <m:jc m:val="centerGroup"/>
+                    </m:oMathParaPr>
+                    <m:oMath xmlns:m="http://schemas.openxmlformats.org/officeDocument/2006/math">
+                      <m:r>
+                        <a:rPr lang="en-US" altLang="zh-TW" b="0" i="1" smtClean="0">
+                          <a:latin typeface="Cambria Math" panose="02040503050406030204" pitchFamily="18" charset="0"/>
+                        </a:rPr>
+                        <m:t>⇒</m:t>
+                      </m:r>
+                      <m:r>
+                        <a:rPr lang="en-US" altLang="zh-TW" b="0" i="1" smtClean="0">
+                          <a:latin typeface="Cambria Math" panose="02040503050406030204" pitchFamily="18" charset="0"/>
+                        </a:rPr>
+                        <m:t>𝑂</m:t>
+                      </m:r>
+                      <m:r>
+                        <a:rPr lang="en-US" altLang="zh-TW" b="0" i="1" smtClean="0">
+                          <a:latin typeface="Cambria Math" panose="02040503050406030204" pitchFamily="18" charset="0"/>
+                        </a:rPr>
+                        <m:t>(</m:t>
+                      </m:r>
+                      <m:r>
+                        <a:rPr lang="en-US" altLang="zh-TW" b="0" i="1" smtClean="0">
+                          <a:latin typeface="Cambria Math" panose="02040503050406030204" pitchFamily="18" charset="0"/>
+                        </a:rPr>
+                        <m:t>𝑀𝑁𝐾𝑙𝑜𝑔</m:t>
+                      </m:r>
+                      <m:r>
+                        <a:rPr lang="en-US" altLang="zh-TW" b="0" i="1" smtClean="0">
+                          <a:latin typeface="Cambria Math" panose="02040503050406030204" pitchFamily="18" charset="0"/>
+                        </a:rPr>
+                        <m:t>(</m:t>
+                      </m:r>
+                      <m:r>
+                        <a:rPr lang="en-US" altLang="zh-TW" b="0" i="1" smtClean="0">
+                          <a:latin typeface="Cambria Math" panose="02040503050406030204" pitchFamily="18" charset="0"/>
+                        </a:rPr>
+                        <m:t>𝑀𝑁𝐾</m:t>
+                      </m:r>
+                      <m:r>
+                        <a:rPr lang="en-US" altLang="zh-TW" b="0" i="1" smtClean="0">
+                          <a:latin typeface="Cambria Math" panose="02040503050406030204" pitchFamily="18" charset="0"/>
+                        </a:rPr>
+                        <m:t>))</m:t>
+                      </m:r>
+                    </m:oMath>
+                  </m:oMathPara>
+                </a14:m>
+                <a:endParaRPr lang="en-US" altLang="zh-TW" dirty="0"/>
+              </a:p>
+            </p:txBody>
+          </p:sp>
+        </mc:Choice>
+        <mc:Fallback>
+          <p:sp>
+            <p:nvSpPr>
+              <p:cNvPr id="3" name="文字方塊 2">
+                <a:extLst>
+                  <a:ext uri="{FF2B5EF4-FFF2-40B4-BE49-F238E27FC236}">
+                    <a16:creationId xmlns:a16="http://schemas.microsoft.com/office/drawing/2014/main" id="{13D4817B-2B3B-FF0D-610E-B1142A069B2C}"/>
+                  </a:ext>
+                </a:extLst>
+              </p:cNvPr>
+              <p:cNvSpPr txBox="1">
+                <a:spLocks noRot="1" noChangeAspect="1" noMove="1" noResize="1" noEditPoints="1" noAdjustHandles="1" noChangeArrowheads="1" noChangeShapeType="1" noTextEdit="1"/>
+              </p:cNvSpPr>
+              <p:nvPr/>
+            </p:nvSpPr>
+            <p:spPr>
+              <a:xfrm>
+                <a:off x="349491" y="2132856"/>
+                <a:ext cx="8445019" cy="3785652"/>
+              </a:xfrm>
+              <a:prstGeom prst="rect">
+                <a:avLst/>
+              </a:prstGeom>
+              <a:blipFill>
+                <a:blip r:embed="rId5"/>
+                <a:stretch>
+                  <a:fillRect l="-751" t="-1003" b="-669"/>
+                </a:stretch>
+              </a:blipFill>
+            </p:spPr>
+            <p:txBody>
+              <a:bodyPr/>
+              <a:lstStyle/>
+              <a:p>
+                <a:r>
+                  <a:rPr lang="zh-TW" altLang="en-US">
+                    <a:noFill/>
+                  </a:rPr>
+                  <a:t> </a:t>
+                </a:r>
+              </a:p>
+            </p:txBody>
+          </p:sp>
+        </mc:Fallback>
+      </mc:AlternateContent>
     </p:spTree>
     <p:extLst>
       <p:ext uri="{BB962C8B-B14F-4D97-AF65-F5344CB8AC3E}">

--- a/HW4/r10943181_HW4.pptx
+++ b/HW4/r10943181_HW4.pptx
@@ -12804,8 +12804,8 @@
           </a:graphicData>
         </a:graphic>
       </p:graphicFrame>
-      <mc:AlternateContent xmlns:mc="http://schemas.openxmlformats.org/markup-compatibility/2006">
-        <mc:Choice xmlns:a14="http://schemas.microsoft.com/office/drawing/2010/main" Requires="a14">
+      <mc:AlternateContent xmlns:mc="http://schemas.openxmlformats.org/markup-compatibility/2006" xmlns:a14="http://schemas.microsoft.com/office/drawing/2010/main">
+        <mc:Choice Requires="a14">
           <p:sp>
             <p:nvSpPr>
               <p:cNvPr id="3" name="文字方塊 2">
@@ -12848,6 +12848,7 @@
                 </a:r>
               </a:p>
               <a:p>
+                <a:pPr/>
                 <a14:m>
                   <m:oMathPara xmlns:m="http://schemas.openxmlformats.org/officeDocument/2006/math">
                     <m:oMathParaPr>
@@ -12901,6 +12902,7 @@
                 </a:r>
               </a:p>
               <a:p>
+                <a:pPr/>
                 <a14:m>
                   <m:oMathPara xmlns:m="http://schemas.openxmlformats.org/officeDocument/2006/math">
                     <m:oMathParaPr>
@@ -13052,6 +13054,7 @@
                 </a:r>
               </a:p>
               <a:p>
+                <a:pPr/>
                 <a14:m>
                   <m:oMathPara xmlns:m="http://schemas.openxmlformats.org/officeDocument/2006/math">
                     <m:oMathParaPr>
@@ -13091,13 +13094,7 @@
                         <a:rPr lang="en-US" altLang="zh-TW" b="0" i="1" smtClean="0">
                           <a:latin typeface="Cambria Math" panose="02040503050406030204" pitchFamily="18" charset="0"/>
                         </a:rPr>
-                        <m:t>𝐾</m:t>
-                      </m:r>
-                      <m:r>
-                        <a:rPr lang="en-US" altLang="zh-TW" b="0" i="1" smtClean="0">
-                          <a:latin typeface="Cambria Math" panose="02040503050406030204" pitchFamily="18" charset="0"/>
-                        </a:rPr>
-                        <m:t>𝑁</m:t>
+                        <m:t>𝐾𝑁</m:t>
                       </m:r>
                       <m:d>
                         <m:dPr>
@@ -13153,6 +13150,7 @@
                 </a:endParaRPr>
               </a:p>
               <a:p>
+                <a:pPr/>
                 <a14:m>
                   <m:oMathPara xmlns:m="http://schemas.openxmlformats.org/officeDocument/2006/math">
                     <m:oMathParaPr>
@@ -13220,6 +13218,7 @@
                 </a:endParaRPr>
               </a:p>
               <a:p>
+                <a:pPr/>
                 <a14:m>
                   <m:oMathPara xmlns:m="http://schemas.openxmlformats.org/officeDocument/2006/math">
                     <m:oMathParaPr>
@@ -13236,13 +13235,7 @@
                         <a:rPr lang="en-US" altLang="zh-TW" b="0" i="1" smtClean="0">
                           <a:latin typeface="Cambria Math" panose="02040503050406030204" pitchFamily="18" charset="0"/>
                         </a:rPr>
-                        <m:t>𝑀𝑁𝐾</m:t>
-                      </m:r>
-                      <m:r>
-                        <a:rPr lang="en-US" altLang="zh-TW" b="0" i="1" smtClean="0">
-                          <a:latin typeface="Cambria Math" panose="02040503050406030204" pitchFamily="18" charset="0"/>
-                        </a:rPr>
-                        <m:t>𝑙𝑜𝑔</m:t>
+                        <m:t>𝑀𝑁𝐾𝑙𝑜𝑔</m:t>
                       </m:r>
                       <m:d>
                         <m:dPr>
@@ -13257,13 +13250,7 @@
                             <a:rPr lang="en-US" altLang="zh-TW" b="0" i="1" smtClean="0">
                               <a:latin typeface="Cambria Math" panose="02040503050406030204" pitchFamily="18" charset="0"/>
                             </a:rPr>
-                            <m:t>𝑀𝑁</m:t>
-                          </m:r>
-                          <m:r>
-                            <a:rPr lang="en-US" altLang="zh-TW" b="0" i="1" smtClean="0">
-                              <a:latin typeface="Cambria Math" panose="02040503050406030204" pitchFamily="18" charset="0"/>
-                            </a:rPr>
-                            <m:t>𝐾</m:t>
+                            <m:t>𝑀𝑁𝐾</m:t>
                           </m:r>
                         </m:e>
                       </m:d>
@@ -13276,6 +13263,7 @@
                 <a:endParaRPr lang="en-US" altLang="zh-TW" dirty="0"/>
               </a:p>
               <a:p>
+                <a:pPr/>
                 <a14:m>
                   <m:oMathPara xmlns:m="http://schemas.openxmlformats.org/officeDocument/2006/math">
                     <m:oMathParaPr>
@@ -13332,7 +13320,7 @@
             </p:txBody>
           </p:sp>
         </mc:Choice>
-        <mc:Fallback>
+        <mc:Fallback xmlns="">
           <p:sp>
             <p:nvSpPr>
               <p:cNvPr id="3" name="文字方塊 2">
@@ -13484,6 +13472,528 @@
           </a:p>
         </p:txBody>
       </p:sp>
+      <mc:AlternateContent xmlns:mc="http://schemas.openxmlformats.org/markup-compatibility/2006">
+        <mc:Choice xmlns:a14="http://schemas.microsoft.com/office/drawing/2010/main" Requires="a14">
+          <p:sp>
+            <p:nvSpPr>
+              <p:cNvPr id="2" name="文字方塊 1">
+                <a:extLst>
+                  <a:ext uri="{FF2B5EF4-FFF2-40B4-BE49-F238E27FC236}">
+                    <a16:creationId xmlns:a16="http://schemas.microsoft.com/office/drawing/2014/main" id="{DEC52FEA-D119-8619-4180-319CAFACB2A3}"/>
+                  </a:ext>
+                </a:extLst>
+              </p:cNvPr>
+              <p:cNvSpPr txBox="1"/>
+              <p:nvPr/>
+            </p:nvSpPr>
+            <p:spPr>
+              <a:xfrm>
+                <a:off x="359532" y="1772816"/>
+                <a:ext cx="8424936" cy="4827155"/>
+              </a:xfrm>
+              <a:prstGeom prst="rect">
+                <a:avLst/>
+              </a:prstGeom>
+              <a:noFill/>
+            </p:spPr>
+            <p:txBody>
+              <a:bodyPr wrap="square" rtlCol="0">
+                <a:spAutoFit/>
+              </a:bodyPr>
+              <a:lstStyle/>
+              <a:p>
+                <a:r>
+                  <a:rPr kumimoji="1" lang="en-US" altLang="zh-TW" dirty="0"/>
+                  <a:t>True positive (TP):</a:t>
+                </a:r>
+                <a:r>
+                  <a:rPr kumimoji="1" lang="zh-TW" altLang="en-US" dirty="0"/>
+                  <a:t> </a:t>
+                </a:r>
+                <a:r>
+                  <a:rPr lang="zh-TW" altLang="en-US" dirty="0"/>
+                  <a:t>事實上為真，而且被我們的方法判斷為真的情形</a:t>
+                </a:r>
+                <a:endParaRPr kumimoji="1" lang="en-US" altLang="zh-TW" dirty="0"/>
+              </a:p>
+              <a:p>
+                <a:r>
+                  <a:rPr kumimoji="1" lang="en-US" altLang="zh-TW" dirty="0"/>
+                  <a:t>TP = 1000 - 100 = 900</a:t>
+                </a:r>
+              </a:p>
+              <a:p>
+                <a:r>
+                  <a:rPr kumimoji="1" lang="en-US" altLang="zh-TW" dirty="0"/>
+                  <a:t>False negative (FN):</a:t>
+                </a:r>
+                <a:r>
+                  <a:rPr kumimoji="1" lang="zh-TW" altLang="en-US" dirty="0"/>
+                  <a:t> 事實上為真，卻未我們的方法被判斷為真的情形</a:t>
+                </a:r>
+                <a:endParaRPr kumimoji="1" lang="en-US" altLang="zh-TW" dirty="0"/>
+              </a:p>
+              <a:p>
+                <a:r>
+                  <a:rPr kumimoji="1" lang="en-US" altLang="zh-TW" dirty="0"/>
+                  <a:t>FN = 1200 - 900 = 300</a:t>
+                </a:r>
+              </a:p>
+              <a:p>
+                <a:r>
+                  <a:rPr kumimoji="1" lang="en-US" altLang="zh-TW" dirty="0"/>
+                  <a:t>False positive (FP):</a:t>
+                </a:r>
+                <a:r>
+                  <a:rPr kumimoji="1" lang="zh-TW" altLang="en-US" dirty="0"/>
+                  <a:t> 事實上不為真，卻被我們的方法誤判為真的情形</a:t>
+                </a:r>
+                <a:endParaRPr kumimoji="1" lang="en-US" altLang="zh-TW" dirty="0"/>
+              </a:p>
+              <a:p>
+                <a:r>
+                  <a:rPr kumimoji="1" lang="en-US" altLang="zh-TW" dirty="0"/>
+                  <a:t>FP = 100</a:t>
+                </a:r>
+              </a:p>
+              <a:p>
+                <a:endParaRPr kumimoji="1" lang="en-US" altLang="zh-TW" dirty="0"/>
+              </a:p>
+              <a:p>
+                <a:r>
+                  <a:rPr kumimoji="1" lang="en-US" altLang="zh-TW" dirty="0"/>
+                  <a:t>Precision: </a:t>
+                </a:r>
+              </a:p>
+              <a:p>
+                <a:pPr algn="ctr"/>
+                <a14:m>
+                  <m:oMath xmlns:m="http://schemas.openxmlformats.org/officeDocument/2006/math">
+                    <m:f>
+                      <m:fPr>
+                        <m:ctrlPr>
+                          <a:rPr kumimoji="1" lang="en-US" altLang="zh-TW" i="1" smtClean="0">
+                            <a:latin typeface="Cambria Math" panose="02040503050406030204" pitchFamily="18" charset="0"/>
+                          </a:rPr>
+                        </m:ctrlPr>
+                      </m:fPr>
+                      <m:num>
+                        <m:r>
+                          <a:rPr kumimoji="1" lang="en-US" altLang="zh-TW" b="0" i="1" smtClean="0">
+                            <a:latin typeface="Cambria Math" panose="02040503050406030204" pitchFamily="18" charset="0"/>
+                          </a:rPr>
+                          <m:t>𝑇𝑃</m:t>
+                        </m:r>
+                      </m:num>
+                      <m:den>
+                        <m:r>
+                          <a:rPr kumimoji="1" lang="en-US" altLang="zh-TW" b="0" i="1" smtClean="0">
+                            <a:latin typeface="Cambria Math" panose="02040503050406030204" pitchFamily="18" charset="0"/>
+                          </a:rPr>
+                          <m:t>𝑇𝑃</m:t>
+                        </m:r>
+                        <m:r>
+                          <a:rPr kumimoji="1" lang="en-US" altLang="zh-TW" b="0" i="1" smtClean="0">
+                            <a:latin typeface="Cambria Math" panose="02040503050406030204" pitchFamily="18" charset="0"/>
+                          </a:rPr>
+                          <m:t>+</m:t>
+                        </m:r>
+                        <m:r>
+                          <a:rPr kumimoji="1" lang="en-US" altLang="zh-TW" b="0" i="1" smtClean="0">
+                            <a:latin typeface="Cambria Math" panose="02040503050406030204" pitchFamily="18" charset="0"/>
+                          </a:rPr>
+                          <m:t>𝐹𝑃</m:t>
+                        </m:r>
+                      </m:den>
+                    </m:f>
+                    <m:r>
+                      <a:rPr kumimoji="1" lang="en-US" altLang="zh-TW" b="0" i="1" smtClean="0">
+                        <a:latin typeface="Cambria Math" panose="02040503050406030204" pitchFamily="18" charset="0"/>
+                      </a:rPr>
+                      <m:t>=</m:t>
+                    </m:r>
+                    <m:f>
+                      <m:fPr>
+                        <m:ctrlPr>
+                          <a:rPr kumimoji="1" lang="en-US" altLang="zh-TW" b="0" i="1" smtClean="0">
+                            <a:latin typeface="Cambria Math" panose="02040503050406030204" pitchFamily="18" charset="0"/>
+                          </a:rPr>
+                        </m:ctrlPr>
+                      </m:fPr>
+                      <m:num>
+                        <m:r>
+                          <a:rPr kumimoji="1" lang="en-US" altLang="zh-TW" b="0" i="1" smtClean="0">
+                            <a:latin typeface="Cambria Math" panose="02040503050406030204" pitchFamily="18" charset="0"/>
+                          </a:rPr>
+                          <m:t>900</m:t>
+                        </m:r>
+                      </m:num>
+                      <m:den>
+                        <m:r>
+                          <a:rPr kumimoji="1" lang="en-US" altLang="zh-TW" b="0" i="1" smtClean="0">
+                            <a:latin typeface="Cambria Math" panose="02040503050406030204" pitchFamily="18" charset="0"/>
+                          </a:rPr>
+                          <m:t>900+100</m:t>
+                        </m:r>
+                      </m:den>
+                    </m:f>
+                    <m:r>
+                      <a:rPr kumimoji="1" lang="en-US" altLang="zh-TW" b="0" i="1" smtClean="0">
+                        <a:latin typeface="Cambria Math" panose="02040503050406030204" pitchFamily="18" charset="0"/>
+                      </a:rPr>
+                      <m:t>=</m:t>
+                    </m:r>
+                    <m:f>
+                      <m:fPr>
+                        <m:ctrlPr>
+                          <a:rPr kumimoji="1" lang="en-US" altLang="zh-TW" b="0" i="1" smtClean="0">
+                            <a:latin typeface="Cambria Math" panose="02040503050406030204" pitchFamily="18" charset="0"/>
+                          </a:rPr>
+                        </m:ctrlPr>
+                      </m:fPr>
+                      <m:num>
+                        <m:r>
+                          <a:rPr kumimoji="1" lang="en-US" altLang="zh-TW" b="0" i="1" smtClean="0">
+                            <a:latin typeface="Cambria Math" panose="02040503050406030204" pitchFamily="18" charset="0"/>
+                          </a:rPr>
+                          <m:t>900</m:t>
+                        </m:r>
+                      </m:num>
+                      <m:den>
+                        <m:r>
+                          <a:rPr kumimoji="1" lang="en-US" altLang="zh-TW" b="0" i="1" smtClean="0">
+                            <a:latin typeface="Cambria Math" panose="02040503050406030204" pitchFamily="18" charset="0"/>
+                          </a:rPr>
+                          <m:t>1000</m:t>
+                        </m:r>
+                      </m:den>
+                    </m:f>
+                    <m:r>
+                      <a:rPr kumimoji="1" lang="en-US" altLang="zh-TW" b="0" i="1" smtClean="0">
+                        <a:latin typeface="Cambria Math" panose="02040503050406030204" pitchFamily="18" charset="0"/>
+                      </a:rPr>
+                      <m:t>=0.9</m:t>
+                    </m:r>
+                  </m:oMath>
+                </a14:m>
+                <a:r>
+                  <a:rPr kumimoji="1" lang="zh-TW" altLang="en-US" dirty="0"/>
+                  <a:t> </a:t>
+                </a:r>
+                <a:endParaRPr lang="en-US" altLang="zh-TW" dirty="0"/>
+              </a:p>
+              <a:p>
+                <a:r>
+                  <a:rPr kumimoji="1" lang="en-US" altLang="zh-TW" dirty="0"/>
+                  <a:t>Recall:</a:t>
+                </a:r>
+              </a:p>
+              <a:p>
+                <a:pPr/>
+                <a14:m>
+                  <m:oMathPara xmlns:m="http://schemas.openxmlformats.org/officeDocument/2006/math">
+                    <m:oMathParaPr>
+                      <m:jc m:val="centerGroup"/>
+                    </m:oMathParaPr>
+                    <m:oMath xmlns:m="http://schemas.openxmlformats.org/officeDocument/2006/math">
+                      <m:f>
+                        <m:fPr>
+                          <m:ctrlPr>
+                            <a:rPr kumimoji="1" lang="en-US" altLang="zh-TW" i="1" smtClean="0">
+                              <a:latin typeface="Cambria Math" panose="02040503050406030204" pitchFamily="18" charset="0"/>
+                            </a:rPr>
+                          </m:ctrlPr>
+                        </m:fPr>
+                        <m:num>
+                          <m:r>
+                            <a:rPr kumimoji="1" lang="en-US" altLang="zh-TW" b="0" i="1" smtClean="0">
+                              <a:latin typeface="Cambria Math" panose="02040503050406030204" pitchFamily="18" charset="0"/>
+                            </a:rPr>
+                            <m:t>𝑇𝑃</m:t>
+                          </m:r>
+                        </m:num>
+                        <m:den>
+                          <m:r>
+                            <a:rPr kumimoji="1" lang="en-US" altLang="zh-TW" b="0" i="1" smtClean="0">
+                              <a:latin typeface="Cambria Math" panose="02040503050406030204" pitchFamily="18" charset="0"/>
+                            </a:rPr>
+                            <m:t>𝑇𝑃</m:t>
+                          </m:r>
+                          <m:r>
+                            <a:rPr kumimoji="1" lang="en-US" altLang="zh-TW" b="0" i="1" smtClean="0">
+                              <a:latin typeface="Cambria Math" panose="02040503050406030204" pitchFamily="18" charset="0"/>
+                            </a:rPr>
+                            <m:t>+</m:t>
+                          </m:r>
+                          <m:r>
+                            <a:rPr kumimoji="1" lang="en-US" altLang="zh-TW" b="0" i="1" smtClean="0">
+                              <a:latin typeface="Cambria Math" panose="02040503050406030204" pitchFamily="18" charset="0"/>
+                            </a:rPr>
+                            <m:t>𝐹𝑁</m:t>
+                          </m:r>
+                        </m:den>
+                      </m:f>
+                      <m:r>
+                        <a:rPr kumimoji="1" lang="en-US" altLang="zh-TW" b="0" i="1" smtClean="0">
+                          <a:latin typeface="Cambria Math" panose="02040503050406030204" pitchFamily="18" charset="0"/>
+                        </a:rPr>
+                        <m:t>=</m:t>
+                      </m:r>
+                      <m:f>
+                        <m:fPr>
+                          <m:ctrlPr>
+                            <a:rPr kumimoji="1" lang="en-US" altLang="zh-TW" b="0" i="1" smtClean="0">
+                              <a:latin typeface="Cambria Math" panose="02040503050406030204" pitchFamily="18" charset="0"/>
+                            </a:rPr>
+                          </m:ctrlPr>
+                        </m:fPr>
+                        <m:num>
+                          <m:r>
+                            <a:rPr kumimoji="1" lang="en-US" altLang="zh-TW" b="0" i="1" smtClean="0">
+                              <a:latin typeface="Cambria Math" panose="02040503050406030204" pitchFamily="18" charset="0"/>
+                            </a:rPr>
+                            <m:t>900</m:t>
+                          </m:r>
+                        </m:num>
+                        <m:den>
+                          <m:r>
+                            <a:rPr kumimoji="1" lang="en-US" altLang="zh-TW" b="0" i="1" smtClean="0">
+                              <a:latin typeface="Cambria Math" panose="02040503050406030204" pitchFamily="18" charset="0"/>
+                            </a:rPr>
+                            <m:t>900+300</m:t>
+                          </m:r>
+                        </m:den>
+                      </m:f>
+                      <m:r>
+                        <a:rPr kumimoji="1" lang="en-US" altLang="zh-TW" b="0" i="1" smtClean="0">
+                          <a:latin typeface="Cambria Math" panose="02040503050406030204" pitchFamily="18" charset="0"/>
+                        </a:rPr>
+                        <m:t>=</m:t>
+                      </m:r>
+                      <m:f>
+                        <m:fPr>
+                          <m:ctrlPr>
+                            <a:rPr kumimoji="1" lang="en-US" altLang="zh-TW" b="0" i="1" smtClean="0">
+                              <a:latin typeface="Cambria Math" panose="02040503050406030204" pitchFamily="18" charset="0"/>
+                            </a:rPr>
+                          </m:ctrlPr>
+                        </m:fPr>
+                        <m:num>
+                          <m:r>
+                            <a:rPr kumimoji="1" lang="en-US" altLang="zh-TW" b="0" i="1" smtClean="0">
+                              <a:latin typeface="Cambria Math" panose="02040503050406030204" pitchFamily="18" charset="0"/>
+                            </a:rPr>
+                            <m:t>900</m:t>
+                          </m:r>
+                        </m:num>
+                        <m:den>
+                          <m:r>
+                            <a:rPr kumimoji="1" lang="en-US" altLang="zh-TW" b="0" i="1" smtClean="0">
+                              <a:latin typeface="Cambria Math" panose="02040503050406030204" pitchFamily="18" charset="0"/>
+                            </a:rPr>
+                            <m:t>1200</m:t>
+                          </m:r>
+                        </m:den>
+                      </m:f>
+                      <m:r>
+                        <a:rPr kumimoji="1" lang="en-US" altLang="zh-TW" b="0" i="1" smtClean="0">
+                          <a:latin typeface="Cambria Math" panose="02040503050406030204" pitchFamily="18" charset="0"/>
+                        </a:rPr>
+                        <m:t>=0.75</m:t>
+                      </m:r>
+                    </m:oMath>
+                  </m:oMathPara>
+                </a14:m>
+                <a:endParaRPr kumimoji="1" lang="en-US" altLang="zh-TW" dirty="0"/>
+              </a:p>
+              <a:p>
+                <a:r>
+                  <a:rPr kumimoji="1" lang="en-US" altLang="zh-TW" dirty="0"/>
+                  <a:t>F-score:</a:t>
+                </a:r>
+              </a:p>
+              <a:p>
+                <a14:m>
+                  <m:oMathPara xmlns:m="http://schemas.openxmlformats.org/officeDocument/2006/math">
+                    <m:oMathParaPr>
+                      <m:jc m:val="centerGroup"/>
+                    </m:oMathParaPr>
+                    <m:oMath xmlns:m="http://schemas.openxmlformats.org/officeDocument/2006/math">
+                      <m:r>
+                        <a:rPr kumimoji="1" lang="en-US" altLang="zh-TW" b="0" i="1" smtClean="0">
+                          <a:latin typeface="Cambria Math" panose="02040503050406030204" pitchFamily="18" charset="0"/>
+                        </a:rPr>
+                        <m:t>2</m:t>
+                      </m:r>
+                      <m:f>
+                        <m:fPr>
+                          <m:ctrlPr>
+                            <a:rPr kumimoji="1" lang="en-US" altLang="zh-TW" b="0" i="1" smtClean="0">
+                              <a:latin typeface="Cambria Math" panose="02040503050406030204" pitchFamily="18" charset="0"/>
+                            </a:rPr>
+                          </m:ctrlPr>
+                        </m:fPr>
+                        <m:num>
+                          <m:r>
+                            <a:rPr kumimoji="1" lang="en-US" altLang="zh-TW" b="0" i="1" smtClean="0">
+                              <a:latin typeface="Cambria Math" panose="02040503050406030204" pitchFamily="18" charset="0"/>
+                            </a:rPr>
+                            <m:t>𝑝𝑟𝑒𝑐𝑒𝑖𝑠𝑖𝑜𝑛</m:t>
+                          </m:r>
+                          <m:r>
+                            <a:rPr kumimoji="1" lang="zh-TW" altLang="en-US" b="0" i="1" smtClean="0">
+                              <a:latin typeface="Cambria Math" panose="02040503050406030204" pitchFamily="18" charset="0"/>
+                            </a:rPr>
+                            <m:t> ∗ </m:t>
+                          </m:r>
+                          <m:r>
+                            <a:rPr kumimoji="1" lang="en-US" altLang="zh-TW" b="0" i="1" smtClean="0">
+                              <a:latin typeface="Cambria Math" panose="02040503050406030204" pitchFamily="18" charset="0"/>
+                            </a:rPr>
+                            <m:t>𝑟𝑒𝑐𝑎𝑙𝑙</m:t>
+                          </m:r>
+                        </m:num>
+                        <m:den>
+                          <m:r>
+                            <a:rPr kumimoji="1" lang="en-US" altLang="zh-TW" b="0" i="1" smtClean="0">
+                              <a:latin typeface="Cambria Math" panose="02040503050406030204" pitchFamily="18" charset="0"/>
+                            </a:rPr>
+                            <m:t>𝑝𝑟𝑒𝑐𝑖𝑠𝑖𝑜𝑛</m:t>
+                          </m:r>
+                          <m:r>
+                            <a:rPr kumimoji="1" lang="zh-TW" altLang="en-US" b="0" i="1" smtClean="0">
+                              <a:latin typeface="Cambria Math" panose="02040503050406030204" pitchFamily="18" charset="0"/>
+                            </a:rPr>
+                            <m:t> </m:t>
+                          </m:r>
+                          <m:r>
+                            <a:rPr kumimoji="1" lang="en-US" altLang="zh-TW" b="0" i="1" smtClean="0">
+                              <a:latin typeface="Cambria Math" panose="02040503050406030204" pitchFamily="18" charset="0"/>
+                            </a:rPr>
+                            <m:t>+</m:t>
+                          </m:r>
+                          <m:r>
+                            <a:rPr kumimoji="1" lang="zh-TW" altLang="en-US" b="0" i="1" smtClean="0">
+                              <a:latin typeface="Cambria Math" panose="02040503050406030204" pitchFamily="18" charset="0"/>
+                            </a:rPr>
+                            <m:t> </m:t>
+                          </m:r>
+                          <m:r>
+                            <a:rPr kumimoji="1" lang="en-US" altLang="zh-TW" b="0" i="1" smtClean="0">
+                              <a:latin typeface="Cambria Math" panose="02040503050406030204" pitchFamily="18" charset="0"/>
+                            </a:rPr>
+                            <m:t>𝑟𝑒𝑐𝑎𝑙𝑙</m:t>
+                          </m:r>
+                        </m:den>
+                      </m:f>
+                      <m:r>
+                        <a:rPr kumimoji="1" lang="en-US" altLang="zh-TW" b="0" i="1" smtClean="0">
+                          <a:latin typeface="Cambria Math" panose="02040503050406030204" pitchFamily="18" charset="0"/>
+                        </a:rPr>
+                        <m:t>=2</m:t>
+                      </m:r>
+                      <m:f>
+                        <m:fPr>
+                          <m:ctrlPr>
+                            <a:rPr kumimoji="1" lang="en-US" altLang="zh-TW" b="0" i="1" smtClean="0">
+                              <a:latin typeface="Cambria Math" panose="02040503050406030204" pitchFamily="18" charset="0"/>
+                            </a:rPr>
+                          </m:ctrlPr>
+                        </m:fPr>
+                        <m:num>
+                          <m:r>
+                            <a:rPr kumimoji="1" lang="en-US" altLang="zh-TW" b="0" i="1" smtClean="0">
+                              <a:latin typeface="Cambria Math" panose="02040503050406030204" pitchFamily="18" charset="0"/>
+                            </a:rPr>
+                            <m:t>0.9</m:t>
+                          </m:r>
+                          <m:r>
+                            <a:rPr kumimoji="1" lang="zh-TW" altLang="en-US" b="0" i="1" smtClean="0">
+                              <a:latin typeface="Cambria Math" panose="02040503050406030204" pitchFamily="18" charset="0"/>
+                            </a:rPr>
+                            <m:t>∗</m:t>
+                          </m:r>
+                          <m:r>
+                            <a:rPr kumimoji="1" lang="en-US" altLang="zh-TW" b="0" i="1" smtClean="0">
+                              <a:latin typeface="Cambria Math" panose="02040503050406030204" pitchFamily="18" charset="0"/>
+                            </a:rPr>
+                            <m:t>0.75</m:t>
+                          </m:r>
+                        </m:num>
+                        <m:den>
+                          <m:r>
+                            <a:rPr kumimoji="1" lang="en-US" altLang="zh-TW" b="0" i="1" smtClean="0">
+                              <a:latin typeface="Cambria Math" panose="02040503050406030204" pitchFamily="18" charset="0"/>
+                            </a:rPr>
+                            <m:t>0.9+0.75</m:t>
+                          </m:r>
+                        </m:den>
+                      </m:f>
+                      <m:r>
+                        <a:rPr lang="en-US" altLang="zh-TW">
+                          <a:latin typeface="Cambria Math" panose="02040503050406030204" pitchFamily="18" charset="0"/>
+                        </a:rPr>
+                        <m:t>=0.818</m:t>
+                      </m:r>
+                      <m:r>
+                        <a:rPr lang="en-US" altLang="zh-TW" b="0" i="0" smtClean="0">
+                          <a:latin typeface="Cambria Math" panose="02040503050406030204" pitchFamily="18" charset="0"/>
+                        </a:rPr>
+                        <m:t>2</m:t>
+                      </m:r>
+                    </m:oMath>
+                  </m:oMathPara>
+                </a14:m>
+                <a:endParaRPr kumimoji="1" lang="zh-TW" altLang="en-US" dirty="0"/>
+              </a:p>
+            </p:txBody>
+          </p:sp>
+        </mc:Choice>
+        <mc:Fallback>
+          <p:sp>
+            <p:nvSpPr>
+              <p:cNvPr id="2" name="文字方塊 1">
+                <a:extLst>
+                  <a:ext uri="{FF2B5EF4-FFF2-40B4-BE49-F238E27FC236}">
+                    <a16:creationId xmlns:a16="http://schemas.microsoft.com/office/drawing/2014/main" id="{DEC52FEA-D119-8619-4180-319CAFACB2A3}"/>
+                  </a:ext>
+                </a:extLst>
+              </p:cNvPr>
+              <p:cNvSpPr txBox="1">
+                <a:spLocks noRot="1" noChangeAspect="1" noMove="1" noResize="1" noEditPoints="1" noAdjustHandles="1" noChangeArrowheads="1" noChangeShapeType="1" noTextEdit="1"/>
+              </p:cNvSpPr>
+              <p:nvPr/>
+            </p:nvSpPr>
+            <p:spPr>
+              <a:xfrm>
+                <a:off x="359532" y="1772816"/>
+                <a:ext cx="8424936" cy="4827155"/>
+              </a:xfrm>
+              <a:prstGeom prst="rect">
+                <a:avLst/>
+              </a:prstGeom>
+              <a:blipFill>
+                <a:blip r:embed="rId3"/>
+                <a:stretch>
+                  <a:fillRect l="-753" t="-787" b="-1050"/>
+                </a:stretch>
+              </a:blipFill>
+            </p:spPr>
+            <p:txBody>
+              <a:bodyPr/>
+              <a:lstStyle/>
+              <a:p>
+                <a:r>
+                  <a:rPr lang="zh-TW" altLang="en-US">
+                    <a:noFill/>
+                  </a:rPr>
+                  <a:t> </a:t>
+                </a:r>
+              </a:p>
+            </p:txBody>
+          </p:sp>
+        </mc:Fallback>
+      </mc:AlternateContent>
     </p:spTree>
     <p:extLst>
       <p:ext uri="{BB962C8B-B14F-4D97-AF65-F5344CB8AC3E}">

--- a/HW4/r10943181_HW4.pptx
+++ b/HW4/r10943181_HW4.pptx
@@ -5,7 +5,7 @@
     <p:sldMasterId id="2147483648" r:id="rId1"/>
   </p:sldMasterIdLst>
   <p:notesMasterIdLst>
-    <p:notesMasterId r:id="rId10"/>
+    <p:notesMasterId r:id="rId13"/>
   </p:notesMasterIdLst>
   <p:sldIdLst>
     <p:sldId id="263" r:id="rId2"/>
@@ -15,7 +15,10 @@
     <p:sldId id="266" r:id="rId6"/>
     <p:sldId id="277" r:id="rId7"/>
     <p:sldId id="276" r:id="rId8"/>
-    <p:sldId id="273" r:id="rId9"/>
+    <p:sldId id="279" r:id="rId9"/>
+    <p:sldId id="280" r:id="rId10"/>
+    <p:sldId id="281" r:id="rId11"/>
+    <p:sldId id="273" r:id="rId12"/>
   </p:sldIdLst>
   <p:sldSz cx="9144000" cy="6858000" type="screen4x3"/>
   <p:notesSz cx="7099300" cy="10234613"/>
@@ -258,7 +261,7 @@
               <a:pPr>
                 <a:defRPr/>
               </a:pPr>
-              <a:t>2023/5/17</a:t>
+              <a:t>2023/5/21</a:t>
             </a:fld>
             <a:endParaRPr lang="zh-TW" altLang="en-US"/>
           </a:p>
@@ -666,6 +669,118 @@
         </p:txBody>
       </p:sp>
     </p:spTree>
+  </p:cSld>
+  <p:clrMapOvr>
+    <a:masterClrMapping/>
+  </p:clrMapOvr>
+</p:notes>
+</file>
+
+<file path=ppt/notesSlides/notesSlide10.xml><?xml version="1.0" encoding="utf-8"?>
+<p:notes xmlns:a="http://schemas.openxmlformats.org/drawingml/2006/main" xmlns:r="http://schemas.openxmlformats.org/officeDocument/2006/relationships" xmlns:p="http://schemas.openxmlformats.org/presentationml/2006/main">
+  <p:cSld>
+    <p:spTree>
+      <p:nvGrpSpPr>
+        <p:cNvPr id="1" name=""/>
+        <p:cNvGrpSpPr/>
+        <p:nvPr/>
+      </p:nvGrpSpPr>
+      <p:grpSpPr>
+        <a:xfrm>
+          <a:off x="0" y="0"/>
+          <a:ext cx="0" cy="0"/>
+          <a:chOff x="0" y="0"/>
+          <a:chExt cx="0" cy="0"/>
+        </a:xfrm>
+      </p:grpSpPr>
+      <p:sp>
+        <p:nvSpPr>
+          <p:cNvPr id="6146" name="投影片圖像版面配置區 1"/>
+          <p:cNvSpPr>
+            <a:spLocks noGrp="1" noRot="1" noChangeAspect="1" noTextEdit="1"/>
+          </p:cNvSpPr>
+          <p:nvPr>
+            <p:ph type="sldImg"/>
+          </p:nvPr>
+        </p:nvSpPr>
+        <p:spPr bwMode="auto">
+          <a:noFill/>
+          <a:ln>
+            <a:solidFill>
+              <a:srgbClr val="000000"/>
+            </a:solidFill>
+            <a:miter lim="800000"/>
+            <a:headEnd/>
+            <a:tailEnd/>
+          </a:ln>
+        </p:spPr>
+      </p:sp>
+      <p:sp>
+        <p:nvSpPr>
+          <p:cNvPr id="6147" name="備忘稿版面配置區 2"/>
+          <p:cNvSpPr>
+            <a:spLocks noGrp="1"/>
+          </p:cNvSpPr>
+          <p:nvPr>
+            <p:ph type="body" idx="1"/>
+          </p:nvPr>
+        </p:nvSpPr>
+        <p:spPr bwMode="auto">
+          <a:noFill/>
+        </p:spPr>
+        <p:txBody>
+          <a:bodyPr wrap="square" numCol="1" anchor="t" anchorCtr="0" compatLnSpc="1">
+            <a:prstTxWarp prst="textNoShape">
+              <a:avLst/>
+            </a:prstTxWarp>
+          </a:bodyPr>
+          <a:lstStyle/>
+          <a:p>
+            <a:endParaRPr lang="zh-TW" altLang="en-US" dirty="0"/>
+          </a:p>
+        </p:txBody>
+      </p:sp>
+      <p:sp>
+        <p:nvSpPr>
+          <p:cNvPr id="6148" name="投影片編號版面配置區 3"/>
+          <p:cNvSpPr>
+            <a:spLocks noGrp="1"/>
+          </p:cNvSpPr>
+          <p:nvPr>
+            <p:ph type="sldNum" sz="quarter" idx="5"/>
+          </p:nvPr>
+        </p:nvSpPr>
+        <p:spPr bwMode="auto">
+          <a:noFill/>
+          <a:ln>
+            <a:miter lim="800000"/>
+            <a:headEnd/>
+            <a:tailEnd/>
+          </a:ln>
+        </p:spPr>
+        <p:txBody>
+          <a:bodyPr wrap="square" numCol="1" anchorCtr="0" compatLnSpc="1">
+            <a:prstTxWarp prst="textNoShape">
+              <a:avLst/>
+            </a:prstTxWarp>
+          </a:bodyPr>
+          <a:lstStyle/>
+          <a:p>
+            <a:fld id="{D2532A9D-695A-4DFE-87A7-585EA27BEF2A}" type="slidenum">
+              <a:rPr lang="zh-TW" altLang="en-US" smtClean="0"/>
+              <a:pPr/>
+              <a:t>11</a:t>
+            </a:fld>
+            <a:endParaRPr lang="zh-TW" altLang="en-US"/>
+          </a:p>
+        </p:txBody>
+      </p:sp>
+    </p:spTree>
+    <p:extLst>
+      <p:ext uri="{BB962C8B-B14F-4D97-AF65-F5344CB8AC3E}">
+        <p14:creationId xmlns:p14="http://schemas.microsoft.com/office/powerpoint/2010/main" val="508094972"/>
+      </p:ext>
+    </p:extLst>
   </p:cSld>
   <p:clrMapOvr>
     <a:masterClrMapping/>
@@ -1335,7 +1450,231 @@
     </p:spTree>
     <p:extLst>
       <p:ext uri="{BB962C8B-B14F-4D97-AF65-F5344CB8AC3E}">
-        <p14:creationId xmlns:p14="http://schemas.microsoft.com/office/powerpoint/2010/main" val="508094972"/>
+        <p14:creationId xmlns:p14="http://schemas.microsoft.com/office/powerpoint/2010/main" val="1464519458"/>
+      </p:ext>
+    </p:extLst>
+  </p:cSld>
+  <p:clrMapOvr>
+    <a:masterClrMapping/>
+  </p:clrMapOvr>
+</p:notes>
+</file>
+
+<file path=ppt/notesSlides/notesSlide8.xml><?xml version="1.0" encoding="utf-8"?>
+<p:notes xmlns:a="http://schemas.openxmlformats.org/drawingml/2006/main" xmlns:r="http://schemas.openxmlformats.org/officeDocument/2006/relationships" xmlns:p="http://schemas.openxmlformats.org/presentationml/2006/main">
+  <p:cSld>
+    <p:spTree>
+      <p:nvGrpSpPr>
+        <p:cNvPr id="1" name=""/>
+        <p:cNvGrpSpPr/>
+        <p:nvPr/>
+      </p:nvGrpSpPr>
+      <p:grpSpPr>
+        <a:xfrm>
+          <a:off x="0" y="0"/>
+          <a:ext cx="0" cy="0"/>
+          <a:chOff x="0" y="0"/>
+          <a:chExt cx="0" cy="0"/>
+        </a:xfrm>
+      </p:grpSpPr>
+      <p:sp>
+        <p:nvSpPr>
+          <p:cNvPr id="6146" name="投影片圖像版面配置區 1"/>
+          <p:cNvSpPr>
+            <a:spLocks noGrp="1" noRot="1" noChangeAspect="1" noTextEdit="1"/>
+          </p:cNvSpPr>
+          <p:nvPr>
+            <p:ph type="sldImg"/>
+          </p:nvPr>
+        </p:nvSpPr>
+        <p:spPr bwMode="auto">
+          <a:noFill/>
+          <a:ln>
+            <a:solidFill>
+              <a:srgbClr val="000000"/>
+            </a:solidFill>
+            <a:miter lim="800000"/>
+            <a:headEnd/>
+            <a:tailEnd/>
+          </a:ln>
+        </p:spPr>
+      </p:sp>
+      <p:sp>
+        <p:nvSpPr>
+          <p:cNvPr id="6147" name="備忘稿版面配置區 2"/>
+          <p:cNvSpPr>
+            <a:spLocks noGrp="1"/>
+          </p:cNvSpPr>
+          <p:nvPr>
+            <p:ph type="body" idx="1"/>
+          </p:nvPr>
+        </p:nvSpPr>
+        <p:spPr bwMode="auto">
+          <a:noFill/>
+        </p:spPr>
+        <p:txBody>
+          <a:bodyPr wrap="square" numCol="1" anchor="t" anchorCtr="0" compatLnSpc="1">
+            <a:prstTxWarp prst="textNoShape">
+              <a:avLst/>
+            </a:prstTxWarp>
+          </a:bodyPr>
+          <a:lstStyle/>
+          <a:p>
+            <a:endParaRPr lang="zh-TW" altLang="en-US" dirty="0"/>
+          </a:p>
+        </p:txBody>
+      </p:sp>
+      <p:sp>
+        <p:nvSpPr>
+          <p:cNvPr id="6148" name="投影片編號版面配置區 3"/>
+          <p:cNvSpPr>
+            <a:spLocks noGrp="1"/>
+          </p:cNvSpPr>
+          <p:nvPr>
+            <p:ph type="sldNum" sz="quarter" idx="5"/>
+          </p:nvPr>
+        </p:nvSpPr>
+        <p:spPr bwMode="auto">
+          <a:noFill/>
+          <a:ln>
+            <a:miter lim="800000"/>
+            <a:headEnd/>
+            <a:tailEnd/>
+          </a:ln>
+        </p:spPr>
+        <p:txBody>
+          <a:bodyPr wrap="square" numCol="1" anchorCtr="0" compatLnSpc="1">
+            <a:prstTxWarp prst="textNoShape">
+              <a:avLst/>
+            </a:prstTxWarp>
+          </a:bodyPr>
+          <a:lstStyle/>
+          <a:p>
+            <a:fld id="{D2532A9D-695A-4DFE-87A7-585EA27BEF2A}" type="slidenum">
+              <a:rPr lang="zh-TW" altLang="en-US" smtClean="0"/>
+              <a:pPr/>
+              <a:t>9</a:t>
+            </a:fld>
+            <a:endParaRPr lang="zh-TW" altLang="en-US"/>
+          </a:p>
+        </p:txBody>
+      </p:sp>
+    </p:spTree>
+    <p:extLst>
+      <p:ext uri="{BB962C8B-B14F-4D97-AF65-F5344CB8AC3E}">
+        <p14:creationId xmlns:p14="http://schemas.microsoft.com/office/powerpoint/2010/main" val="3923305105"/>
+      </p:ext>
+    </p:extLst>
+  </p:cSld>
+  <p:clrMapOvr>
+    <a:masterClrMapping/>
+  </p:clrMapOvr>
+</p:notes>
+</file>
+
+<file path=ppt/notesSlides/notesSlide9.xml><?xml version="1.0" encoding="utf-8"?>
+<p:notes xmlns:a="http://schemas.openxmlformats.org/drawingml/2006/main" xmlns:r="http://schemas.openxmlformats.org/officeDocument/2006/relationships" xmlns:p="http://schemas.openxmlformats.org/presentationml/2006/main">
+  <p:cSld>
+    <p:spTree>
+      <p:nvGrpSpPr>
+        <p:cNvPr id="1" name=""/>
+        <p:cNvGrpSpPr/>
+        <p:nvPr/>
+      </p:nvGrpSpPr>
+      <p:grpSpPr>
+        <a:xfrm>
+          <a:off x="0" y="0"/>
+          <a:ext cx="0" cy="0"/>
+          <a:chOff x="0" y="0"/>
+          <a:chExt cx="0" cy="0"/>
+        </a:xfrm>
+      </p:grpSpPr>
+      <p:sp>
+        <p:nvSpPr>
+          <p:cNvPr id="6146" name="投影片圖像版面配置區 1"/>
+          <p:cNvSpPr>
+            <a:spLocks noGrp="1" noRot="1" noChangeAspect="1" noTextEdit="1"/>
+          </p:cNvSpPr>
+          <p:nvPr>
+            <p:ph type="sldImg"/>
+          </p:nvPr>
+        </p:nvSpPr>
+        <p:spPr bwMode="auto">
+          <a:noFill/>
+          <a:ln>
+            <a:solidFill>
+              <a:srgbClr val="000000"/>
+            </a:solidFill>
+            <a:miter lim="800000"/>
+            <a:headEnd/>
+            <a:tailEnd/>
+          </a:ln>
+        </p:spPr>
+      </p:sp>
+      <p:sp>
+        <p:nvSpPr>
+          <p:cNvPr id="6147" name="備忘稿版面配置區 2"/>
+          <p:cNvSpPr>
+            <a:spLocks noGrp="1"/>
+          </p:cNvSpPr>
+          <p:nvPr>
+            <p:ph type="body" idx="1"/>
+          </p:nvPr>
+        </p:nvSpPr>
+        <p:spPr bwMode="auto">
+          <a:noFill/>
+        </p:spPr>
+        <p:txBody>
+          <a:bodyPr wrap="square" numCol="1" anchor="t" anchorCtr="0" compatLnSpc="1">
+            <a:prstTxWarp prst="textNoShape">
+              <a:avLst/>
+            </a:prstTxWarp>
+          </a:bodyPr>
+          <a:lstStyle/>
+          <a:p>
+            <a:endParaRPr lang="zh-TW" altLang="en-US" dirty="0"/>
+          </a:p>
+        </p:txBody>
+      </p:sp>
+      <p:sp>
+        <p:nvSpPr>
+          <p:cNvPr id="6148" name="投影片編號版面配置區 3"/>
+          <p:cNvSpPr>
+            <a:spLocks noGrp="1"/>
+          </p:cNvSpPr>
+          <p:nvPr>
+            <p:ph type="sldNum" sz="quarter" idx="5"/>
+          </p:nvPr>
+        </p:nvSpPr>
+        <p:spPr bwMode="auto">
+          <a:noFill/>
+          <a:ln>
+            <a:miter lim="800000"/>
+            <a:headEnd/>
+            <a:tailEnd/>
+          </a:ln>
+        </p:spPr>
+        <p:txBody>
+          <a:bodyPr wrap="square" numCol="1" anchorCtr="0" compatLnSpc="1">
+            <a:prstTxWarp prst="textNoShape">
+              <a:avLst/>
+            </a:prstTxWarp>
+          </a:bodyPr>
+          <a:lstStyle/>
+          <a:p>
+            <a:fld id="{D2532A9D-695A-4DFE-87A7-585EA27BEF2A}" type="slidenum">
+              <a:rPr lang="zh-TW" altLang="en-US" smtClean="0"/>
+              <a:pPr/>
+              <a:t>10</a:t>
+            </a:fld>
+            <a:endParaRPr lang="zh-TW" altLang="en-US"/>
+          </a:p>
+        </p:txBody>
+      </p:sp>
+    </p:spTree>
+    <p:extLst>
+      <p:ext uri="{BB962C8B-B14F-4D97-AF65-F5344CB8AC3E}">
+        <p14:creationId xmlns:p14="http://schemas.microsoft.com/office/powerpoint/2010/main" val="1105345632"/>
       </p:ext>
     </p:extLst>
   </p:cSld>
@@ -4849,6 +5188,1385 @@
         </p:spPr>
       </p:pic>
     </p:spTree>
+  </p:cSld>
+  <p:clrMapOvr>
+    <a:masterClrMapping/>
+  </p:clrMapOvr>
+</p:sld>
+</file>
+
+<file path=ppt/slides/slide10.xml><?xml version="1.0" encoding="utf-8"?>
+<p:sld xmlns:a="http://schemas.openxmlformats.org/drawingml/2006/main" xmlns:r="http://schemas.openxmlformats.org/officeDocument/2006/relationships" xmlns:p="http://schemas.openxmlformats.org/presentationml/2006/main">
+  <p:cSld>
+    <p:spTree>
+      <p:nvGrpSpPr>
+        <p:cNvPr id="1" name=""/>
+        <p:cNvGrpSpPr/>
+        <p:nvPr/>
+      </p:nvGrpSpPr>
+      <p:grpSpPr>
+        <a:xfrm>
+          <a:off x="0" y="0"/>
+          <a:ext cx="0" cy="0"/>
+          <a:chOff x="0" y="0"/>
+          <a:chExt cx="0" cy="0"/>
+        </a:xfrm>
+      </p:grpSpPr>
+      <p:sp>
+        <p:nvSpPr>
+          <p:cNvPr id="15" name="Rectangle 3">
+            <a:extLst>
+              <a:ext uri="{FF2B5EF4-FFF2-40B4-BE49-F238E27FC236}">
+                <a16:creationId xmlns:a16="http://schemas.microsoft.com/office/drawing/2014/main" id="{FFC925CC-4204-4666-AF43-CBC2A82A0421}"/>
+              </a:ext>
+            </a:extLst>
+          </p:cNvPr>
+          <p:cNvSpPr>
+            <a:spLocks noChangeArrowheads="1"/>
+          </p:cNvSpPr>
+          <p:nvPr/>
+        </p:nvSpPr>
+        <p:spPr bwMode="auto">
+          <a:xfrm>
+            <a:off x="287337" y="116632"/>
+            <a:ext cx="8569325" cy="3093154"/>
+          </a:xfrm>
+          <a:prstGeom prst="rect">
+            <a:avLst/>
+          </a:prstGeom>
+          <a:solidFill>
+            <a:schemeClr val="bg1">
+              <a:lumMod val="75000"/>
+            </a:schemeClr>
+          </a:solidFill>
+          <a:ln w="9525">
+            <a:noFill/>
+            <a:miter lim="800000"/>
+            <a:headEnd/>
+            <a:tailEnd/>
+          </a:ln>
+        </p:spPr>
+        <p:txBody>
+          <a:bodyPr>
+            <a:spAutoFit/>
+          </a:bodyPr>
+          <a:lstStyle/>
+          <a:p>
+            <a:pPr>
+              <a:spcBef>
+                <a:spcPts val="600"/>
+              </a:spcBef>
+            </a:pPr>
+            <a:r>
+              <a:rPr lang="en-US" altLang="zh-TW" dirty="0">
+                <a:ea typeface="標楷體" pitchFamily="65" charset="-120"/>
+              </a:rPr>
+              <a:t>(6) Suppose that length(</a:t>
+            </a:r>
+            <a:r>
+              <a:rPr lang="en-US" altLang="zh-TW" i="1" dirty="0">
+                <a:ea typeface="標楷體" pitchFamily="65" charset="-120"/>
+              </a:rPr>
+              <a:t>x</a:t>
+            </a:r>
+            <a:r>
+              <a:rPr lang="en-US" altLang="zh-TW" dirty="0">
+                <a:ea typeface="標楷體" pitchFamily="65" charset="-120"/>
+              </a:rPr>
+              <a:t>[</a:t>
+            </a:r>
+            <a:r>
+              <a:rPr lang="en-US" altLang="zh-TW" i="1" dirty="0">
+                <a:ea typeface="標楷體" pitchFamily="65" charset="-120"/>
+              </a:rPr>
+              <a:t>n</a:t>
+            </a:r>
+            <a:r>
+              <a:rPr lang="en-US" altLang="zh-TW" dirty="0">
+                <a:ea typeface="標楷體" pitchFamily="65" charset="-120"/>
+              </a:rPr>
+              <a:t>]) = 1100. What is the </a:t>
+            </a:r>
+            <a:r>
+              <a:rPr lang="en-US" altLang="zh-TW" u="sng" dirty="0">
+                <a:ea typeface="標楷體" pitchFamily="65" charset="-120"/>
+              </a:rPr>
+              <a:t>best way </a:t>
+            </a:r>
+            <a:r>
+              <a:rPr lang="en-US" altLang="zh-TW" dirty="0">
+                <a:ea typeface="標楷體" pitchFamily="65" charset="-120"/>
+              </a:rPr>
+              <a:t>to implement the</a:t>
+            </a:r>
+            <a:br>
+              <a:rPr lang="en-US" altLang="zh-TW" dirty="0">
+                <a:ea typeface="標楷體" pitchFamily="65" charset="-120"/>
+              </a:rPr>
+            </a:br>
+            <a:r>
+              <a:rPr lang="en-US" altLang="zh-TW" dirty="0">
+                <a:ea typeface="標楷體" pitchFamily="65" charset="-120"/>
+              </a:rPr>
+              <a:t>     convolution of  </a:t>
+            </a:r>
+            <a:r>
+              <a:rPr lang="en-US" altLang="zh-TW" i="1" dirty="0">
+                <a:ea typeface="標楷體" pitchFamily="65" charset="-120"/>
+              </a:rPr>
+              <a:t>x</a:t>
+            </a:r>
+            <a:r>
+              <a:rPr lang="en-US" altLang="zh-TW" dirty="0">
+                <a:ea typeface="標楷體" pitchFamily="65" charset="-120"/>
+              </a:rPr>
+              <a:t>[</a:t>
+            </a:r>
+            <a:r>
+              <a:rPr lang="en-US" altLang="zh-TW" i="1" dirty="0">
+                <a:ea typeface="標楷體" pitchFamily="65" charset="-120"/>
+              </a:rPr>
+              <a:t>n</a:t>
+            </a:r>
+            <a:r>
+              <a:rPr lang="en-US" altLang="zh-TW" dirty="0">
+                <a:ea typeface="標楷體" pitchFamily="65" charset="-120"/>
+              </a:rPr>
+              <a:t>] and </a:t>
+            </a:r>
+            <a:r>
+              <a:rPr lang="en-US" altLang="zh-TW" i="1" dirty="0">
+                <a:ea typeface="標楷體" pitchFamily="65" charset="-120"/>
+              </a:rPr>
+              <a:t>y</a:t>
+            </a:r>
+            <a:r>
+              <a:rPr lang="en-US" altLang="zh-TW" dirty="0">
+                <a:ea typeface="標楷體" pitchFamily="65" charset="-120"/>
+              </a:rPr>
+              <a:t>[</a:t>
+            </a:r>
+            <a:r>
+              <a:rPr lang="en-US" altLang="zh-TW" i="1" dirty="0">
+                <a:ea typeface="標楷體" pitchFamily="65" charset="-120"/>
+              </a:rPr>
+              <a:t>n</a:t>
+            </a:r>
+            <a:r>
+              <a:rPr lang="en-US" altLang="zh-TW" dirty="0">
+                <a:ea typeface="標楷體" pitchFamily="65" charset="-120"/>
+              </a:rPr>
+              <a:t>] if </a:t>
+            </a:r>
+          </a:p>
+          <a:p>
+            <a:pPr>
+              <a:spcBef>
+                <a:spcPts val="600"/>
+              </a:spcBef>
+            </a:pPr>
+            <a:r>
+              <a:rPr lang="en-US" altLang="zh-TW" dirty="0">
+                <a:ea typeface="標楷體" pitchFamily="65" charset="-120"/>
+              </a:rPr>
+              <a:t>       (a) length(</a:t>
+            </a:r>
+            <a:r>
+              <a:rPr lang="en-US" altLang="zh-TW" i="1" dirty="0">
+                <a:ea typeface="標楷體" pitchFamily="65" charset="-120"/>
+              </a:rPr>
+              <a:t>y</a:t>
+            </a:r>
+            <a:r>
+              <a:rPr lang="en-US" altLang="zh-TW" dirty="0">
+                <a:ea typeface="標楷體" pitchFamily="65" charset="-120"/>
+              </a:rPr>
+              <a:t>[</a:t>
+            </a:r>
+            <a:r>
+              <a:rPr lang="en-US" altLang="zh-TW" i="1" dirty="0">
+                <a:ea typeface="標楷體" pitchFamily="65" charset="-120"/>
+              </a:rPr>
+              <a:t>n</a:t>
+            </a:r>
+            <a:r>
+              <a:rPr lang="en-US" altLang="zh-TW" dirty="0">
+                <a:ea typeface="標楷體" pitchFamily="65" charset="-120"/>
+              </a:rPr>
+              <a:t>]) =  500,           (b) length(</a:t>
+            </a:r>
+            <a:r>
+              <a:rPr lang="en-US" altLang="zh-TW" i="1" dirty="0">
+                <a:ea typeface="標楷體" pitchFamily="65" charset="-120"/>
+              </a:rPr>
+              <a:t>y</a:t>
+            </a:r>
+            <a:r>
+              <a:rPr lang="en-US" altLang="zh-TW" dirty="0">
+                <a:ea typeface="標楷體" pitchFamily="65" charset="-120"/>
+              </a:rPr>
+              <a:t>[</a:t>
+            </a:r>
+            <a:r>
+              <a:rPr lang="en-US" altLang="zh-TW" i="1" dirty="0">
+                <a:ea typeface="標楷體" pitchFamily="65" charset="-120"/>
+              </a:rPr>
+              <a:t>n</a:t>
+            </a:r>
+            <a:r>
+              <a:rPr lang="en-US" altLang="zh-TW" dirty="0">
+                <a:ea typeface="標楷體" pitchFamily="65" charset="-120"/>
+              </a:rPr>
+              <a:t>]) = 40, </a:t>
+            </a:r>
+          </a:p>
+          <a:p>
+            <a:pPr>
+              <a:spcBef>
+                <a:spcPts val="600"/>
+              </a:spcBef>
+            </a:pPr>
+            <a:r>
+              <a:rPr lang="en-US" altLang="zh-TW" dirty="0">
+                <a:ea typeface="標楷體" pitchFamily="65" charset="-120"/>
+              </a:rPr>
+              <a:t>       (c) length(</a:t>
+            </a:r>
+            <a:r>
+              <a:rPr lang="en-US" altLang="zh-TW" i="1" dirty="0">
+                <a:ea typeface="標楷體" pitchFamily="65" charset="-120"/>
+              </a:rPr>
+              <a:t>y</a:t>
+            </a:r>
+            <a:r>
+              <a:rPr lang="en-US" altLang="zh-TW" dirty="0">
+                <a:ea typeface="標楷體" pitchFamily="65" charset="-120"/>
+              </a:rPr>
+              <a:t>[</a:t>
+            </a:r>
+            <a:r>
+              <a:rPr lang="en-US" altLang="zh-TW" i="1" dirty="0">
+                <a:ea typeface="標楷體" pitchFamily="65" charset="-120"/>
+              </a:rPr>
+              <a:t>n</a:t>
+            </a:r>
+            <a:r>
+              <a:rPr lang="en-US" altLang="zh-TW" dirty="0">
+                <a:ea typeface="標楷體" pitchFamily="65" charset="-120"/>
+              </a:rPr>
+              <a:t>]) =  6,        and (d) length(</a:t>
+            </a:r>
+            <a:r>
+              <a:rPr lang="en-US" altLang="zh-TW" i="1" dirty="0">
+                <a:ea typeface="標楷體" pitchFamily="65" charset="-120"/>
+              </a:rPr>
+              <a:t>y</a:t>
+            </a:r>
+            <a:r>
+              <a:rPr lang="en-US" altLang="zh-TW" dirty="0">
+                <a:ea typeface="標楷體" pitchFamily="65" charset="-120"/>
+              </a:rPr>
+              <a:t>[</a:t>
+            </a:r>
+            <a:r>
+              <a:rPr lang="en-US" altLang="zh-TW" i="1" dirty="0">
+                <a:ea typeface="標楷體" pitchFamily="65" charset="-120"/>
+              </a:rPr>
+              <a:t>n</a:t>
+            </a:r>
+            <a:r>
+              <a:rPr lang="en-US" altLang="zh-TW" dirty="0">
+                <a:ea typeface="標楷體" pitchFamily="65" charset="-120"/>
+              </a:rPr>
+              <a:t>]) = 2 ?                     (25 scores)</a:t>
+            </a:r>
+          </a:p>
+          <a:p>
+            <a:pPr algn="just">
+              <a:spcBef>
+                <a:spcPts val="600"/>
+              </a:spcBef>
+            </a:pPr>
+            <a:r>
+              <a:rPr lang="en-US" altLang="zh-TW" dirty="0">
+                <a:ea typeface="標楷體" pitchFamily="65" charset="-120"/>
+              </a:rPr>
+              <a:t>     Please show (</a:t>
+            </a:r>
+            <a:r>
+              <a:rPr lang="en-US" altLang="zh-TW" dirty="0" err="1">
+                <a:ea typeface="標楷體" pitchFamily="65" charset="-120"/>
+              </a:rPr>
+              <a:t>i</a:t>
+            </a:r>
+            <a:r>
+              <a:rPr lang="en-US" altLang="zh-TW" dirty="0">
+                <a:ea typeface="標楷體" pitchFamily="65" charset="-120"/>
+              </a:rPr>
+              <a:t>) the </a:t>
+            </a:r>
+            <a:r>
+              <a:rPr lang="en-US" altLang="zh-TW" u="sng" dirty="0">
+                <a:ea typeface="標楷體" pitchFamily="65" charset="-120"/>
+              </a:rPr>
+              <a:t>convolution method</a:t>
+            </a:r>
+            <a:r>
+              <a:rPr lang="en-US" altLang="zh-TW" dirty="0">
+                <a:ea typeface="標楷體" pitchFamily="65" charset="-120"/>
+              </a:rPr>
+              <a:t> (direct, sectioned convolution, or </a:t>
+            </a:r>
+            <a:br>
+              <a:rPr lang="en-US" altLang="zh-TW" dirty="0">
+                <a:ea typeface="標楷體" pitchFamily="65" charset="-120"/>
+              </a:rPr>
+            </a:br>
+            <a:r>
+              <a:rPr lang="en-US" altLang="zh-TW" dirty="0">
+                <a:ea typeface="標楷體" pitchFamily="65" charset="-120"/>
+              </a:rPr>
+              <a:t>     non-sectioned convolution), (ii) the </a:t>
+            </a:r>
+            <a:r>
+              <a:rPr lang="en-US" altLang="zh-TW" u="sng" dirty="0">
+                <a:ea typeface="標楷體" pitchFamily="65" charset="-120"/>
+              </a:rPr>
+              <a:t>number of points of the FFT</a:t>
+            </a:r>
+            <a:r>
+              <a:rPr lang="en-US" altLang="zh-TW" dirty="0">
+                <a:ea typeface="標楷體" pitchFamily="65" charset="-120"/>
+              </a:rPr>
+              <a:t>, (iii) and the</a:t>
+            </a:r>
+            <a:br>
+              <a:rPr lang="en-US" altLang="zh-TW" dirty="0">
+                <a:ea typeface="標楷體" pitchFamily="65" charset="-120"/>
+              </a:rPr>
+            </a:br>
+            <a:r>
+              <a:rPr lang="en-US" altLang="zh-TW" dirty="0">
+                <a:ea typeface="標楷體" pitchFamily="65" charset="-120"/>
+              </a:rPr>
+              <a:t>     </a:t>
+            </a:r>
+            <a:r>
+              <a:rPr lang="en-US" altLang="zh-TW" u="sng" dirty="0">
+                <a:ea typeface="標楷體" pitchFamily="65" charset="-120"/>
+              </a:rPr>
+              <a:t>number of real multiplications</a:t>
+            </a:r>
+            <a:r>
+              <a:rPr lang="en-US" altLang="zh-TW" dirty="0">
+                <a:ea typeface="標楷體" pitchFamily="65" charset="-120"/>
+              </a:rPr>
+              <a:t> for the best implementation method. Also,</a:t>
+            </a:r>
+            <a:br>
+              <a:rPr lang="en-US" altLang="zh-TW" dirty="0">
+                <a:ea typeface="標楷體" pitchFamily="65" charset="-120"/>
+              </a:rPr>
+            </a:br>
+            <a:r>
+              <a:rPr lang="en-US" altLang="zh-TW" dirty="0">
+                <a:ea typeface="標楷體" pitchFamily="65" charset="-120"/>
+              </a:rPr>
+              <a:t>     consider the general case where </a:t>
+            </a:r>
+            <a:r>
+              <a:rPr lang="en-US" altLang="zh-TW" i="1" dirty="0">
+                <a:ea typeface="標楷體" pitchFamily="65" charset="-120"/>
+              </a:rPr>
+              <a:t>x</a:t>
+            </a:r>
+            <a:r>
+              <a:rPr lang="en-US" altLang="zh-TW" dirty="0">
+                <a:ea typeface="標楷體" pitchFamily="65" charset="-120"/>
+              </a:rPr>
+              <a:t>[</a:t>
+            </a:r>
+            <a:r>
+              <a:rPr lang="en-US" altLang="zh-TW" i="1" dirty="0">
+                <a:ea typeface="標楷體" pitchFamily="65" charset="-120"/>
+              </a:rPr>
+              <a:t>n</a:t>
+            </a:r>
+            <a:r>
+              <a:rPr lang="en-US" altLang="zh-TW" dirty="0">
+                <a:ea typeface="標楷體" pitchFamily="65" charset="-120"/>
+              </a:rPr>
+              <a:t>] and </a:t>
+            </a:r>
+            <a:r>
+              <a:rPr lang="en-US" altLang="zh-TW" i="1" dirty="0">
+                <a:ea typeface="標楷體" pitchFamily="65" charset="-120"/>
+              </a:rPr>
+              <a:t>y</a:t>
+            </a:r>
+            <a:r>
+              <a:rPr lang="en-US" altLang="zh-TW" dirty="0">
+                <a:ea typeface="標楷體" pitchFamily="65" charset="-120"/>
+              </a:rPr>
+              <a:t>[</a:t>
+            </a:r>
+            <a:r>
+              <a:rPr lang="en-US" altLang="zh-TW" i="1" dirty="0">
+                <a:ea typeface="標楷體" pitchFamily="65" charset="-120"/>
+              </a:rPr>
+              <a:t>n</a:t>
+            </a:r>
+            <a:r>
+              <a:rPr lang="en-US" altLang="zh-TW" dirty="0">
+                <a:ea typeface="標楷體" pitchFamily="65" charset="-120"/>
+              </a:rPr>
+              <a:t>] are complex sequences and the</a:t>
+            </a:r>
+            <a:br>
+              <a:rPr lang="en-US" altLang="zh-TW" dirty="0">
+                <a:ea typeface="標楷體" pitchFamily="65" charset="-120"/>
+              </a:rPr>
+            </a:br>
+            <a:r>
+              <a:rPr lang="en-US" altLang="zh-TW" dirty="0">
+                <a:ea typeface="標楷體" pitchFamily="65" charset="-120"/>
+              </a:rPr>
+              <a:t>     FFT of </a:t>
+            </a:r>
+            <a:r>
+              <a:rPr lang="en-US" altLang="zh-TW" i="1" dirty="0">
+                <a:ea typeface="標楷體" pitchFamily="65" charset="-120"/>
+              </a:rPr>
+              <a:t>y</a:t>
+            </a:r>
+            <a:r>
+              <a:rPr lang="en-US" altLang="zh-TW" dirty="0">
+                <a:ea typeface="標楷體" pitchFamily="65" charset="-120"/>
+              </a:rPr>
+              <a:t>[</a:t>
+            </a:r>
+            <a:r>
+              <a:rPr lang="en-US" altLang="zh-TW" i="1" dirty="0">
+                <a:ea typeface="標楷體" pitchFamily="65" charset="-120"/>
+              </a:rPr>
+              <a:t>n</a:t>
+            </a:r>
+            <a:r>
+              <a:rPr lang="en-US" altLang="zh-TW" dirty="0">
+                <a:ea typeface="標楷體" pitchFamily="65" charset="-120"/>
+              </a:rPr>
+              <a:t>] can be computed in prior. </a:t>
+            </a:r>
+          </a:p>
+        </p:txBody>
+      </p:sp>
+      <mc:AlternateContent xmlns:mc="http://schemas.openxmlformats.org/markup-compatibility/2006">
+        <mc:Choice xmlns:a14="http://schemas.microsoft.com/office/drawing/2010/main" Requires="a14">
+          <p:sp>
+            <p:nvSpPr>
+              <p:cNvPr id="2" name="文字方塊 1">
+                <a:extLst>
+                  <a:ext uri="{FF2B5EF4-FFF2-40B4-BE49-F238E27FC236}">
+                    <a16:creationId xmlns:a16="http://schemas.microsoft.com/office/drawing/2014/main" id="{9600202F-63A9-2C2F-1FE4-9BD3AFAACC51}"/>
+                  </a:ext>
+                </a:extLst>
+              </p:cNvPr>
+              <p:cNvSpPr txBox="1"/>
+              <p:nvPr/>
+            </p:nvSpPr>
+            <p:spPr>
+              <a:xfrm>
+                <a:off x="287337" y="3231707"/>
+                <a:ext cx="8569325" cy="3749424"/>
+              </a:xfrm>
+              <a:prstGeom prst="rect">
+                <a:avLst/>
+              </a:prstGeom>
+              <a:noFill/>
+            </p:spPr>
+            <p:txBody>
+              <a:bodyPr wrap="square" rtlCol="0">
+                <a:spAutoFit/>
+              </a:bodyPr>
+              <a:lstStyle/>
+              <a:p>
+                <a:r>
+                  <a:rPr kumimoji="1" lang="en-US" altLang="zh-TW" dirty="0"/>
+                  <a:t>(d)</a:t>
+                </a:r>
+              </a:p>
+              <a:p>
+                <a:pPr marL="400050" indent="-400050">
+                  <a:buFontTx/>
+                  <a:buAutoNum type="romanLcParenBoth"/>
+                </a:pPr>
+                <a:r>
+                  <a:rPr lang="zh-TW" altLang="en-US" dirty="0"/>
+                  <a:t>因為</a:t>
+                </a:r>
+                <a:r>
+                  <a:rPr lang="en-US" altLang="zh-TW" dirty="0"/>
+                  <a:t>M</a:t>
+                </a:r>
+                <a:r>
+                  <a:rPr lang="zh-TW" altLang="en-US" dirty="0"/>
+                  <a:t>是很小的整數，所以 </a:t>
+                </a:r>
+                <a:r>
+                  <a:rPr lang="en-US" altLang="zh-TW" dirty="0"/>
+                  <a:t>convolution method </a:t>
+                </a:r>
+                <a:r>
+                  <a:rPr lang="zh-TW" altLang="en-US" dirty="0"/>
+                  <a:t>先選擇 </a:t>
+                </a:r>
+                <a:r>
+                  <a:rPr lang="en-US" altLang="zh-TW" dirty="0"/>
+                  <a:t>case1</a:t>
+                </a:r>
+                <a:r>
+                  <a:rPr lang="zh-TW" altLang="en-US" dirty="0"/>
+                  <a:t>： </a:t>
+                </a:r>
+                <a:r>
+                  <a:rPr lang="en-US" altLang="zh-TW" dirty="0"/>
+                  <a:t>direct</a:t>
+                </a:r>
+              </a:p>
+              <a:p>
+                <a14:m>
+                  <m:oMathPara xmlns:m="http://schemas.openxmlformats.org/officeDocument/2006/math">
+                    <m:oMathParaPr>
+                      <m:jc m:val="centerGroup"/>
+                    </m:oMathParaPr>
+                    <m:oMath xmlns:m="http://schemas.openxmlformats.org/officeDocument/2006/math">
+                      <m:r>
+                        <a:rPr kumimoji="1" lang="en-US" altLang="zh-TW" b="0" i="1" smtClean="0">
+                          <a:latin typeface="Cambria Math" panose="02040503050406030204" pitchFamily="18" charset="0"/>
+                        </a:rPr>
+                        <m:t>3</m:t>
+                      </m:r>
+                      <m:r>
+                        <a:rPr kumimoji="1" lang="en-US" altLang="zh-TW" b="0" i="1" smtClean="0">
+                          <a:latin typeface="Cambria Math" panose="02040503050406030204" pitchFamily="18" charset="0"/>
+                        </a:rPr>
+                        <m:t>𝑁𝑀</m:t>
+                      </m:r>
+                      <m:r>
+                        <a:rPr kumimoji="1" lang="en-US" altLang="zh-TW" b="0" i="1" smtClean="0">
+                          <a:latin typeface="Cambria Math" panose="02040503050406030204" pitchFamily="18" charset="0"/>
+                        </a:rPr>
+                        <m:t>=3</m:t>
+                      </m:r>
+                      <m:r>
+                        <a:rPr kumimoji="1" lang="zh-TW" altLang="en-US" b="0" i="1" smtClean="0">
+                          <a:latin typeface="Cambria Math" panose="02040503050406030204" pitchFamily="18" charset="0"/>
+                        </a:rPr>
+                        <m:t>∗</m:t>
+                      </m:r>
+                      <m:r>
+                        <m:rPr>
+                          <m:nor/>
+                        </m:rPr>
+                        <a:rPr kumimoji="1" lang="en-US" altLang="zh-TW" b="0" i="0" smtClean="0">
+                          <a:latin typeface="Cambria Math" panose="02040503050406030204" pitchFamily="18" charset="0"/>
+                        </a:rPr>
+                        <m:t>1100</m:t>
+                      </m:r>
+                      <m:r>
+                        <a:rPr kumimoji="1" lang="en-US" altLang="zh-TW" b="0" i="1" smtClean="0">
+                          <a:latin typeface="Cambria Math" panose="02040503050406030204" pitchFamily="18" charset="0"/>
+                          <a:ea typeface="Cambria Math" panose="02040503050406030204" pitchFamily="18" charset="0"/>
+                        </a:rPr>
+                        <m:t>∗</m:t>
+                      </m:r>
+                      <m:r>
+                        <m:rPr>
+                          <m:nor/>
+                        </m:rPr>
+                        <a:rPr kumimoji="1" lang="en-US" altLang="zh-TW" b="0" i="0" smtClean="0">
+                          <a:latin typeface="Cambria Math" panose="02040503050406030204" pitchFamily="18" charset="0"/>
+                          <a:ea typeface="Cambria Math" panose="02040503050406030204" pitchFamily="18" charset="0"/>
+                        </a:rPr>
+                        <m:t>2</m:t>
+                      </m:r>
+                      <m:r>
+                        <m:rPr>
+                          <m:nor/>
+                        </m:rPr>
+                        <a:rPr kumimoji="1" lang="en-US" altLang="zh-TW" b="0" i="0" smtClean="0">
+                          <a:latin typeface="Cambria Math" panose="02040503050406030204" pitchFamily="18" charset="0"/>
+                        </a:rPr>
+                        <m:t>=</m:t>
+                      </m:r>
+                      <m:r>
+                        <m:rPr>
+                          <m:nor/>
+                        </m:rPr>
+                        <a:rPr lang="en-US" altLang="zh-TW">
+                          <a:latin typeface="Cambria Math" panose="02040503050406030204" pitchFamily="18" charset="0"/>
+                        </a:rPr>
+                        <m:t>6600</m:t>
+                      </m:r>
+                    </m:oMath>
+                  </m:oMathPara>
+                </a14:m>
+                <a:endParaRPr kumimoji="1" lang="en-US" altLang="zh-TW" dirty="0"/>
+              </a:p>
+              <a:p>
+                <a:r>
+                  <a:rPr lang="zh-TW" altLang="en-US" dirty="0"/>
+                  <a:t>但使用 </a:t>
+                </a:r>
+                <a:r>
+                  <a:rPr lang="en-US" altLang="zh-TW" dirty="0"/>
+                  <a:t>sectioned convolution</a:t>
+                </a:r>
+                <a:r>
+                  <a:rPr lang="zh-TW" altLang="en-US" dirty="0"/>
+                  <a:t> 計算會發現，它的</a:t>
+                </a:r>
+                <a:r>
+                  <a:rPr lang="en-US" altLang="zh-TW" dirty="0"/>
+                  <a:t> real multiplications </a:t>
+                </a:r>
+                <a:r>
+                  <a:rPr lang="zh-TW" altLang="en-US" dirty="0"/>
+                  <a:t>是最佳的。</a:t>
+                </a:r>
+                <a:endParaRPr lang="en-US" altLang="zh-TW" dirty="0"/>
+              </a:p>
+              <a:p>
+                <a:r>
+                  <a:rPr lang="en-US" altLang="zh-TW" dirty="0"/>
+                  <a:t>(ii)</a:t>
+                </a:r>
+              </a:p>
+              <a:p>
+                <a:pPr algn="ctr"/>
+                <a14:m>
+                  <m:oMathPara xmlns:m="http://schemas.openxmlformats.org/officeDocument/2006/math">
+                    <m:oMathParaPr>
+                      <m:jc m:val="centerGroup"/>
+                    </m:oMathParaPr>
+                    <m:oMath xmlns:m="http://schemas.openxmlformats.org/officeDocument/2006/math">
+                      <m:sSub>
+                        <m:sSubPr>
+                          <m:ctrlPr>
+                            <a:rPr kumimoji="1" lang="en-US" altLang="zh-TW" i="1" smtClean="0">
+                              <a:latin typeface="Cambria Math" panose="02040503050406030204" pitchFamily="18" charset="0"/>
+                            </a:rPr>
+                          </m:ctrlPr>
+                        </m:sSubPr>
+                        <m:e>
+                          <m:r>
+                            <a:rPr kumimoji="1" lang="en-US" altLang="zh-TW" b="0" i="1" smtClean="0">
+                              <a:latin typeface="Cambria Math" panose="02040503050406030204" pitchFamily="18" charset="0"/>
+                            </a:rPr>
+                            <m:t>𝐿</m:t>
+                          </m:r>
+                        </m:e>
+                        <m:sub>
+                          <m:r>
+                            <a:rPr kumimoji="1" lang="en-US" altLang="zh-TW" b="0" i="1" smtClean="0">
+                              <a:latin typeface="Cambria Math" panose="02040503050406030204" pitchFamily="18" charset="0"/>
+                            </a:rPr>
+                            <m:t>0</m:t>
+                          </m:r>
+                        </m:sub>
+                      </m:sSub>
+                      <m:r>
+                        <a:rPr kumimoji="1" lang="en-US" altLang="zh-TW" b="0" i="1" smtClean="0">
+                          <a:latin typeface="Cambria Math" panose="02040503050406030204" pitchFamily="18" charset="0"/>
+                        </a:rPr>
+                        <m:t>=</m:t>
+                      </m:r>
+                      <m:r>
+                        <a:rPr lang="en-US" altLang="zh-TW" i="1">
+                          <a:latin typeface="Cambria Math" panose="02040503050406030204" pitchFamily="18" charset="0"/>
+                        </a:rPr>
+                        <m:t>2</m:t>
+                      </m:r>
+                      <m:r>
+                        <a:rPr kumimoji="1" lang="en-US" altLang="zh-TW" b="0" i="1" smtClean="0">
+                          <a:latin typeface="Cambria Math" panose="02040503050406030204" pitchFamily="18" charset="0"/>
+                        </a:rPr>
+                        <m:t>,</m:t>
+                      </m:r>
+                      <m:r>
+                        <a:rPr kumimoji="1" lang="zh-TW" altLang="en-US" b="0" i="1" smtClean="0">
+                          <a:latin typeface="Cambria Math" panose="02040503050406030204" pitchFamily="18" charset="0"/>
+                        </a:rPr>
+                        <m:t> </m:t>
+                      </m:r>
+                      <m:sSub>
+                        <m:sSubPr>
+                          <m:ctrlPr>
+                            <a:rPr kumimoji="1" lang="en-US" altLang="zh-TW" b="0" i="1" smtClean="0">
+                              <a:latin typeface="Cambria Math" panose="02040503050406030204" pitchFamily="18" charset="0"/>
+                            </a:rPr>
+                          </m:ctrlPr>
+                        </m:sSubPr>
+                        <m:e>
+                          <m:r>
+                            <a:rPr kumimoji="1" lang="en-US" altLang="zh-TW" b="0" i="1" smtClean="0">
+                              <a:latin typeface="Cambria Math" panose="02040503050406030204" pitchFamily="18" charset="0"/>
+                            </a:rPr>
+                            <m:t>𝑃</m:t>
+                          </m:r>
+                        </m:e>
+                        <m:sub>
+                          <m:r>
+                            <a:rPr kumimoji="1" lang="en-US" altLang="zh-TW" b="0" i="1" smtClean="0">
+                              <a:latin typeface="Cambria Math" panose="02040503050406030204" pitchFamily="18" charset="0"/>
+                            </a:rPr>
+                            <m:t>0</m:t>
+                          </m:r>
+                        </m:sub>
+                      </m:sSub>
+                      <m:r>
+                        <a:rPr kumimoji="1" lang="en-US" altLang="zh-TW" b="0" i="1" smtClean="0">
+                          <a:latin typeface="Cambria Math" panose="02040503050406030204" pitchFamily="18" charset="0"/>
+                        </a:rPr>
+                        <m:t>=</m:t>
+                      </m:r>
+                      <m:sSub>
+                        <m:sSubPr>
+                          <m:ctrlPr>
+                            <a:rPr lang="en-US" altLang="zh-TW" i="1">
+                              <a:latin typeface="Cambria Math" panose="02040503050406030204" pitchFamily="18" charset="0"/>
+                            </a:rPr>
+                          </m:ctrlPr>
+                        </m:sSubPr>
+                        <m:e>
+                          <m:r>
+                            <a:rPr lang="en-US" altLang="zh-TW" i="1">
+                              <a:latin typeface="Cambria Math" panose="02040503050406030204" pitchFamily="18" charset="0"/>
+                            </a:rPr>
+                            <m:t>𝐿</m:t>
+                          </m:r>
+                        </m:e>
+                        <m:sub>
+                          <m:r>
+                            <a:rPr lang="en-US" altLang="zh-TW" i="1">
+                              <a:latin typeface="Cambria Math" panose="02040503050406030204" pitchFamily="18" charset="0"/>
+                            </a:rPr>
+                            <m:t>0</m:t>
+                          </m:r>
+                        </m:sub>
+                      </m:sSub>
+                      <m:r>
+                        <a:rPr lang="en-US" altLang="zh-TW" i="1">
+                          <a:latin typeface="Cambria Math" panose="02040503050406030204" pitchFamily="18" charset="0"/>
+                        </a:rPr>
+                        <m:t>+</m:t>
+                      </m:r>
+                      <m:r>
+                        <a:rPr lang="en-US" altLang="zh-TW" i="1">
+                          <a:latin typeface="Cambria Math" panose="02040503050406030204" pitchFamily="18" charset="0"/>
+                        </a:rPr>
+                        <m:t>𝑀</m:t>
+                      </m:r>
+                      <m:r>
+                        <a:rPr lang="en-US" altLang="zh-TW" i="1">
+                          <a:latin typeface="Cambria Math" panose="02040503050406030204" pitchFamily="18" charset="0"/>
+                        </a:rPr>
+                        <m:t>−1=3</m:t>
+                      </m:r>
+                    </m:oMath>
+                  </m:oMathPara>
+                </a14:m>
+                <a:endParaRPr kumimoji="1" lang="en-US" altLang="zh-TW" baseline="-25000" dirty="0"/>
+              </a:p>
+              <a:p>
+                <a:pPr algn="ctr"/>
+                <a:r>
+                  <a:rPr kumimoji="1" lang="en-US" altLang="zh-TW" b="0" i="0" dirty="0">
+                    <a:latin typeface="Cambria Math" panose="02040503050406030204" pitchFamily="18" charset="0"/>
+                  </a:rPr>
+                  <a:t>P</a:t>
+                </a:r>
+                <a:r>
+                  <a:rPr kumimoji="1" lang="zh-TW" altLang="en-US" b="0" i="0" dirty="0">
+                    <a:latin typeface="Cambria Math" panose="02040503050406030204" pitchFamily="18" charset="0"/>
+                  </a:rPr>
+                  <a:t> </a:t>
+                </a:r>
+                <a:r>
+                  <a:rPr kumimoji="1" lang="en-US" altLang="zh-TW" b="0" i="0" dirty="0">
+                    <a:latin typeface="Cambria Math" panose="02040503050406030204" pitchFamily="18" charset="0"/>
+                  </a:rPr>
+                  <a:t>choose</a:t>
+                </a:r>
+                <a:r>
+                  <a:rPr kumimoji="1" lang="zh-TW" altLang="en-US" b="0" i="0" dirty="0">
+                    <a:latin typeface="Cambria Math" panose="02040503050406030204" pitchFamily="18" charset="0"/>
+                  </a:rPr>
+                  <a:t> </a:t>
+                </a:r>
+                <a:r>
+                  <a:rPr kumimoji="1" lang="en-US" altLang="zh-TW" b="0" i="0" dirty="0">
+                    <a:latin typeface="Cambria Math" panose="02040503050406030204" pitchFamily="18" charset="0"/>
+                  </a:rPr>
+                  <a:t>4,</a:t>
+                </a:r>
+                <a:r>
+                  <a:rPr kumimoji="1" lang="zh-TW" altLang="en-US" b="0" i="0" dirty="0">
+                    <a:latin typeface="Cambria Math" panose="02040503050406030204" pitchFamily="18" charset="0"/>
+                  </a:rPr>
+                  <a:t> </a:t>
+                </a:r>
+                <a:r>
+                  <a:rPr kumimoji="1" lang="en-US" altLang="zh-TW" b="0" i="0" dirty="0">
+                    <a:latin typeface="Cambria Math" panose="02040503050406030204" pitchFamily="18" charset="0"/>
+                  </a:rPr>
+                  <a:t>MUL</a:t>
+                </a:r>
+                <a:r>
+                  <a:rPr kumimoji="1" lang="en-US" altLang="zh-TW" b="0" i="0" baseline="-25000" dirty="0">
+                    <a:latin typeface="Cambria Math" panose="02040503050406030204" pitchFamily="18" charset="0"/>
+                  </a:rPr>
+                  <a:t>4</a:t>
+                </a:r>
+                <a:r>
+                  <a:rPr kumimoji="1" lang="zh-TW" altLang="en-US" b="0" i="0" baseline="-25000" dirty="0">
+                    <a:latin typeface="Cambria Math" panose="02040503050406030204" pitchFamily="18" charset="0"/>
+                  </a:rPr>
+                  <a:t> </a:t>
+                </a:r>
+                <a:r>
+                  <a:rPr kumimoji="1" lang="en-US" altLang="zh-TW" b="0" i="0" dirty="0">
+                    <a:latin typeface="Cambria Math" panose="02040503050406030204" pitchFamily="18" charset="0"/>
+                  </a:rPr>
+                  <a:t>= </a:t>
+                </a:r>
+                <a:r>
+                  <a:rPr lang="en-US" altLang="zh-TW" dirty="0">
+                    <a:latin typeface="Cambria Math" panose="02040503050406030204" pitchFamily="18" charset="0"/>
+                  </a:rPr>
+                  <a:t>0</a:t>
+                </a:r>
+                <a:endParaRPr kumimoji="1" lang="en-US" altLang="zh-TW" b="0" i="0" dirty="0">
+                  <a:latin typeface="Cambria Math" panose="02040503050406030204" pitchFamily="18" charset="0"/>
+                </a:endParaRPr>
+              </a:p>
+              <a:p>
+                <a:r>
+                  <a:rPr lang="en-US" altLang="zh-TW" dirty="0">
+                    <a:latin typeface="Cambria Math" panose="02040503050406030204" pitchFamily="18" charset="0"/>
+                  </a:rPr>
+                  <a:t>(iii)</a:t>
+                </a:r>
+                <a:endParaRPr kumimoji="1" lang="en-US" altLang="zh-TW" b="0" i="0" dirty="0">
+                  <a:latin typeface="Cambria Math" panose="02040503050406030204" pitchFamily="18" charset="0"/>
+                </a:endParaRPr>
+              </a:p>
+              <a:p>
+                <a:pPr algn="ctr"/>
+                <a14:m>
+                  <m:oMathPara xmlns:m="http://schemas.openxmlformats.org/officeDocument/2006/math">
+                    <m:oMathParaPr>
+                      <m:jc m:val="centerGroup"/>
+                    </m:oMathParaPr>
+                    <m:oMath xmlns:m="http://schemas.openxmlformats.org/officeDocument/2006/math">
+                      <m:r>
+                        <a:rPr lang="en-US" altLang="zh-TW" i="1">
+                          <a:latin typeface="Cambria Math" panose="02040503050406030204" pitchFamily="18" charset="0"/>
+                        </a:rPr>
+                        <m:t>𝐿</m:t>
+                      </m:r>
+                      <m:r>
+                        <a:rPr lang="en-US" altLang="zh-TW" i="1">
+                          <a:latin typeface="Cambria Math" panose="02040503050406030204" pitchFamily="18" charset="0"/>
+                        </a:rPr>
+                        <m:t>=</m:t>
+                      </m:r>
+                      <m:r>
+                        <a:rPr lang="en-US" altLang="zh-TW" i="1">
+                          <a:latin typeface="Cambria Math" panose="02040503050406030204" pitchFamily="18" charset="0"/>
+                        </a:rPr>
+                        <m:t>𝑃</m:t>
+                      </m:r>
+                      <m:r>
+                        <a:rPr lang="en-US" altLang="zh-TW" i="1">
+                          <a:latin typeface="Cambria Math" panose="02040503050406030204" pitchFamily="18" charset="0"/>
+                        </a:rPr>
+                        <m:t>−</m:t>
+                      </m:r>
+                      <m:r>
+                        <a:rPr lang="en-US" altLang="zh-TW" i="1">
+                          <a:latin typeface="Cambria Math" panose="02040503050406030204" pitchFamily="18" charset="0"/>
+                        </a:rPr>
+                        <m:t>𝑀</m:t>
+                      </m:r>
+                      <m:r>
+                        <a:rPr lang="en-US" altLang="zh-TW" i="1">
+                          <a:latin typeface="Cambria Math" panose="02040503050406030204" pitchFamily="18" charset="0"/>
+                        </a:rPr>
+                        <m:t>+1=3</m:t>
+                      </m:r>
+                      <m:r>
+                        <a:rPr lang="zh-TW" altLang="en-US" b="0" i="1" smtClean="0">
+                          <a:latin typeface="Cambria Math" panose="02040503050406030204" pitchFamily="18" charset="0"/>
+                        </a:rPr>
+                        <m:t> </m:t>
+                      </m:r>
+                      <m:r>
+                        <a:rPr lang="en-US" altLang="zh-TW" b="0" i="1" smtClean="0">
+                          <a:latin typeface="Cambria Math" panose="02040503050406030204" pitchFamily="18" charset="0"/>
+                        </a:rPr>
+                        <m:t>𝑆</m:t>
+                      </m:r>
+                      <m:r>
+                        <a:rPr lang="en-US" altLang="zh-TW" b="0" i="1" smtClean="0">
+                          <a:latin typeface="Cambria Math" panose="02040503050406030204" pitchFamily="18" charset="0"/>
+                        </a:rPr>
+                        <m:t>=</m:t>
+                      </m:r>
+                      <m:d>
+                        <m:dPr>
+                          <m:begChr m:val="⌈"/>
+                          <m:endChr m:val="⌉"/>
+                          <m:ctrlPr>
+                            <a:rPr lang="en-US" altLang="zh-TW" b="0" i="1" smtClean="0">
+                              <a:latin typeface="Cambria Math" panose="02040503050406030204" pitchFamily="18" charset="0"/>
+                            </a:rPr>
+                          </m:ctrlPr>
+                        </m:dPr>
+                        <m:e>
+                          <m:f>
+                            <m:fPr>
+                              <m:ctrlPr>
+                                <a:rPr lang="en-US" altLang="zh-TW" b="0" i="1" smtClean="0">
+                                  <a:latin typeface="Cambria Math" panose="02040503050406030204" pitchFamily="18" charset="0"/>
+                                </a:rPr>
+                              </m:ctrlPr>
+                            </m:fPr>
+                            <m:num>
+                              <m:r>
+                                <a:rPr lang="en-US" altLang="zh-TW" b="0" i="1" smtClean="0">
+                                  <a:latin typeface="Cambria Math" panose="02040503050406030204" pitchFamily="18" charset="0"/>
+                                </a:rPr>
+                                <m:t>𝑁</m:t>
+                              </m:r>
+                            </m:num>
+                            <m:den>
+                              <m:r>
+                                <a:rPr lang="en-US" altLang="zh-TW" b="0" i="1" smtClean="0">
+                                  <a:latin typeface="Cambria Math" panose="02040503050406030204" pitchFamily="18" charset="0"/>
+                                </a:rPr>
+                                <m:t>𝐿</m:t>
+                              </m:r>
+                            </m:den>
+                          </m:f>
+                        </m:e>
+                      </m:d>
+                      <m:r>
+                        <a:rPr lang="en-US" altLang="zh-TW" b="0" i="1" smtClean="0">
+                          <a:latin typeface="Cambria Math" panose="02040503050406030204" pitchFamily="18" charset="0"/>
+                        </a:rPr>
+                        <m:t>=</m:t>
+                      </m:r>
+                      <m:d>
+                        <m:dPr>
+                          <m:begChr m:val="⌈"/>
+                          <m:endChr m:val="⌉"/>
+                          <m:ctrlPr>
+                            <a:rPr lang="en-US" altLang="zh-TW" i="1">
+                              <a:latin typeface="Cambria Math" panose="02040503050406030204" pitchFamily="18" charset="0"/>
+                            </a:rPr>
+                          </m:ctrlPr>
+                        </m:dPr>
+                        <m:e>
+                          <m:f>
+                            <m:fPr>
+                              <m:ctrlPr>
+                                <a:rPr lang="en-US" altLang="zh-TW" i="1">
+                                  <a:latin typeface="Cambria Math" panose="02040503050406030204" pitchFamily="18" charset="0"/>
+                                </a:rPr>
+                              </m:ctrlPr>
+                            </m:fPr>
+                            <m:num>
+                              <m:r>
+                                <a:rPr lang="en-US" altLang="zh-TW" b="0" i="1" smtClean="0">
+                                  <a:latin typeface="Cambria Math" panose="02040503050406030204" pitchFamily="18" charset="0"/>
+                                </a:rPr>
+                                <m:t>1100</m:t>
+                              </m:r>
+                            </m:num>
+                            <m:den>
+                              <m:r>
+                                <a:rPr lang="en-US" altLang="zh-TW" b="0" i="1" smtClean="0">
+                                  <a:latin typeface="Cambria Math" panose="02040503050406030204" pitchFamily="18" charset="0"/>
+                                </a:rPr>
+                                <m:t>3</m:t>
+                              </m:r>
+                            </m:den>
+                          </m:f>
+                        </m:e>
+                      </m:d>
+                      <m:r>
+                        <a:rPr lang="en-US" altLang="zh-TW" b="0" i="1" smtClean="0">
+                          <a:latin typeface="Cambria Math" panose="02040503050406030204" pitchFamily="18" charset="0"/>
+                        </a:rPr>
+                        <m:t>=</m:t>
+                      </m:r>
+                      <m:r>
+                        <a:rPr lang="en-US" altLang="zh-TW" b="0" i="1" smtClean="0">
+                          <a:latin typeface="Cambria Math" panose="02040503050406030204" pitchFamily="18" charset="0"/>
+                        </a:rPr>
+                        <m:t>367</m:t>
+                      </m:r>
+                    </m:oMath>
+                  </m:oMathPara>
+                </a14:m>
+                <a:endParaRPr lang="en-US" altLang="zh-TW" b="0" i="0" dirty="0">
+                  <a:latin typeface="Cambria Math" panose="02040503050406030204" pitchFamily="18" charset="0"/>
+                </a:endParaRPr>
+              </a:p>
+              <a:p>
+                <a:pPr algn="ctr"/>
+                <a:r>
+                  <a:rPr lang="en-US" altLang="zh-TW" b="0" i="0" dirty="0">
+                    <a:latin typeface="Cambria Math" panose="02040503050406030204" pitchFamily="18" charset="0"/>
+                  </a:rPr>
+                  <a:t>Number of real multiplications: </a:t>
+                </a:r>
+              </a:p>
+              <a:p>
+                <a:pPr algn="ctr"/>
+                <a14:m>
+                  <m:oMathPara xmlns:m="http://schemas.openxmlformats.org/officeDocument/2006/math">
+                    <m:oMathParaPr>
+                      <m:jc m:val="centerGroup"/>
+                    </m:oMathParaPr>
+                    <m:oMath xmlns:m="http://schemas.openxmlformats.org/officeDocument/2006/math">
+                      <m:r>
+                        <a:rPr kumimoji="1" lang="en-US" altLang="zh-TW" b="0" i="1" smtClean="0">
+                          <a:latin typeface="Cambria Math" panose="02040503050406030204" pitchFamily="18" charset="0"/>
+                        </a:rPr>
+                        <m:t>2</m:t>
+                      </m:r>
+                      <m:r>
+                        <a:rPr kumimoji="1" lang="en-US" altLang="zh-TW" b="0" i="1" smtClean="0">
+                          <a:latin typeface="Cambria Math" panose="02040503050406030204" pitchFamily="18" charset="0"/>
+                        </a:rPr>
+                        <m:t>𝑆</m:t>
+                      </m:r>
+                      <m:r>
+                        <a:rPr kumimoji="1" lang="en-US" altLang="zh-TW" b="0" i="1" smtClean="0">
+                          <a:latin typeface="Cambria Math" panose="02040503050406030204" pitchFamily="18" charset="0"/>
+                          <a:ea typeface="Cambria Math" panose="02040503050406030204" pitchFamily="18" charset="0"/>
+                        </a:rPr>
+                        <m:t>×</m:t>
+                      </m:r>
+                      <m:sSub>
+                        <m:sSubPr>
+                          <m:ctrlPr>
+                            <a:rPr kumimoji="1" lang="en-US" altLang="zh-TW" b="0" i="1" smtClean="0">
+                              <a:latin typeface="Cambria Math" panose="02040503050406030204" pitchFamily="18" charset="0"/>
+                              <a:ea typeface="Cambria Math" panose="02040503050406030204" pitchFamily="18" charset="0"/>
+                            </a:rPr>
+                          </m:ctrlPr>
+                        </m:sSubPr>
+                        <m:e>
+                          <m:r>
+                            <a:rPr kumimoji="1" lang="en-US" altLang="zh-TW" b="0" i="1" smtClean="0">
+                              <a:latin typeface="Cambria Math" panose="02040503050406030204" pitchFamily="18" charset="0"/>
+                              <a:ea typeface="Cambria Math" panose="02040503050406030204" pitchFamily="18" charset="0"/>
+                            </a:rPr>
+                            <m:t>𝑀𝑈𝐿</m:t>
+                          </m:r>
+                        </m:e>
+                        <m:sub>
+                          <m:r>
+                            <a:rPr kumimoji="1" lang="en-US" altLang="zh-TW" b="0" i="1" smtClean="0">
+                              <a:latin typeface="Cambria Math" panose="02040503050406030204" pitchFamily="18" charset="0"/>
+                              <a:ea typeface="Cambria Math" panose="02040503050406030204" pitchFamily="18" charset="0"/>
+                            </a:rPr>
+                            <m:t>𝑃</m:t>
+                          </m:r>
+                        </m:sub>
+                      </m:sSub>
+                      <m:r>
+                        <a:rPr kumimoji="1" lang="en-US" altLang="zh-TW" b="0" i="1" smtClean="0">
+                          <a:latin typeface="Cambria Math" panose="02040503050406030204" pitchFamily="18" charset="0"/>
+                          <a:ea typeface="Cambria Math" panose="02040503050406030204" pitchFamily="18" charset="0"/>
+                        </a:rPr>
+                        <m:t>+3</m:t>
+                      </m:r>
+                      <m:r>
+                        <a:rPr kumimoji="1" lang="en-US" altLang="zh-TW" b="0" i="1" smtClean="0">
+                          <a:latin typeface="Cambria Math" panose="02040503050406030204" pitchFamily="18" charset="0"/>
+                          <a:ea typeface="Cambria Math" panose="02040503050406030204" pitchFamily="18" charset="0"/>
+                        </a:rPr>
+                        <m:t>𝑆</m:t>
+                      </m:r>
+                      <m:r>
+                        <a:rPr kumimoji="1" lang="en-US" altLang="zh-TW" b="0" i="1" smtClean="0">
+                          <a:latin typeface="Cambria Math" panose="02040503050406030204" pitchFamily="18" charset="0"/>
+                          <a:ea typeface="Cambria Math" panose="02040503050406030204" pitchFamily="18" charset="0"/>
+                        </a:rPr>
+                        <m:t>×</m:t>
+                      </m:r>
+                      <m:r>
+                        <a:rPr kumimoji="1" lang="en-US" altLang="zh-TW" b="0" i="1" smtClean="0">
+                          <a:latin typeface="Cambria Math" panose="02040503050406030204" pitchFamily="18" charset="0"/>
+                          <a:ea typeface="Cambria Math" panose="02040503050406030204" pitchFamily="18" charset="0"/>
+                        </a:rPr>
+                        <m:t>𝑃</m:t>
+                      </m:r>
+                      <m:r>
+                        <a:rPr kumimoji="1" lang="en-US" altLang="zh-TW" b="0" i="1" smtClean="0">
+                          <a:latin typeface="Cambria Math" panose="02040503050406030204" pitchFamily="18" charset="0"/>
+                          <a:ea typeface="Cambria Math" panose="02040503050406030204" pitchFamily="18" charset="0"/>
+                        </a:rPr>
+                        <m:t>=2</m:t>
+                      </m:r>
+                      <m:r>
+                        <a:rPr kumimoji="1" lang="zh-TW" altLang="en-US" b="0" i="1" smtClean="0">
+                          <a:latin typeface="Cambria Math" panose="02040503050406030204" pitchFamily="18" charset="0"/>
+                          <a:ea typeface="Cambria Math" panose="02040503050406030204" pitchFamily="18" charset="0"/>
+                        </a:rPr>
+                        <m:t>∗</m:t>
+                      </m:r>
+                      <m:r>
+                        <a:rPr kumimoji="1" lang="en-US" altLang="zh-TW" b="0" i="1" smtClean="0">
+                          <a:latin typeface="Cambria Math" panose="02040503050406030204" pitchFamily="18" charset="0"/>
+                          <a:ea typeface="Cambria Math" panose="02040503050406030204" pitchFamily="18" charset="0"/>
+                        </a:rPr>
+                        <m:t>367</m:t>
+                      </m:r>
+                      <m:r>
+                        <a:rPr kumimoji="1" lang="zh-TW" altLang="en-US" b="0" i="1" smtClean="0">
+                          <a:latin typeface="Cambria Math" panose="02040503050406030204" pitchFamily="18" charset="0"/>
+                          <a:ea typeface="Cambria Math" panose="02040503050406030204" pitchFamily="18" charset="0"/>
+                        </a:rPr>
+                        <m:t>∗</m:t>
+                      </m:r>
+                      <m:r>
+                        <a:rPr kumimoji="1" lang="en-US" altLang="zh-TW" b="0" i="1" smtClean="0">
+                          <a:latin typeface="Cambria Math" panose="02040503050406030204" pitchFamily="18" charset="0"/>
+                          <a:ea typeface="Cambria Math" panose="02040503050406030204" pitchFamily="18" charset="0"/>
+                        </a:rPr>
+                        <m:t>0</m:t>
+                      </m:r>
+                      <m:r>
+                        <m:rPr>
+                          <m:nor/>
+                        </m:rPr>
+                        <a:rPr kumimoji="1" lang="en-US" altLang="zh-TW" b="0" i="0" smtClean="0">
+                          <a:latin typeface="Cambria Math" panose="02040503050406030204" pitchFamily="18" charset="0"/>
+                          <a:ea typeface="Cambria Math" panose="02040503050406030204" pitchFamily="18" charset="0"/>
+                        </a:rPr>
+                        <m:t>+3</m:t>
+                      </m:r>
+                      <m:r>
+                        <a:rPr lang="zh-TW" altLang="en-US" i="1">
+                          <a:latin typeface="Cambria Math" panose="02040503050406030204" pitchFamily="18" charset="0"/>
+                          <a:ea typeface="Cambria Math" panose="02040503050406030204" pitchFamily="18" charset="0"/>
+                        </a:rPr>
+                        <m:t>∗</m:t>
+                      </m:r>
+                      <m:r>
+                        <m:rPr>
+                          <m:nor/>
+                        </m:rPr>
+                        <a:rPr lang="en-US" altLang="zh-TW" b="0" i="0" smtClean="0">
+                          <a:latin typeface="Cambria Math" panose="02040503050406030204" pitchFamily="18" charset="0"/>
+                          <a:ea typeface="Cambria Math" panose="02040503050406030204" pitchFamily="18" charset="0"/>
+                        </a:rPr>
+                        <m:t>367</m:t>
+                      </m:r>
+                      <m:r>
+                        <a:rPr lang="zh-TW" altLang="en-US" i="1">
+                          <a:latin typeface="Cambria Math" panose="02040503050406030204" pitchFamily="18" charset="0"/>
+                          <a:ea typeface="Cambria Math" panose="02040503050406030204" pitchFamily="18" charset="0"/>
+                        </a:rPr>
+                        <m:t>∗</m:t>
+                      </m:r>
+                      <m:r>
+                        <m:rPr>
+                          <m:nor/>
+                        </m:rPr>
+                        <a:rPr lang="en-US" altLang="zh-TW" b="0" i="0" smtClean="0">
+                          <a:latin typeface="Cambria Math" panose="02040503050406030204" pitchFamily="18" charset="0"/>
+                          <a:ea typeface="Cambria Math" panose="02040503050406030204" pitchFamily="18" charset="0"/>
+                        </a:rPr>
+                        <m:t>4</m:t>
+                      </m:r>
+                      <m:r>
+                        <m:rPr>
+                          <m:nor/>
+                        </m:rPr>
+                        <a:rPr lang="en-US" altLang="zh-TW" b="0" i="0" dirty="0" smtClean="0">
+                          <a:latin typeface="Cambria Math" panose="02040503050406030204" pitchFamily="18" charset="0"/>
+                        </a:rPr>
+                        <m:t>=</m:t>
+                      </m:r>
+                      <m:r>
+                        <m:rPr>
+                          <m:nor/>
+                        </m:rPr>
+                        <a:rPr lang="en-US" altLang="zh-TW" dirty="0">
+                          <a:latin typeface="Cambria Math" panose="02040503050406030204" pitchFamily="18" charset="0"/>
+                        </a:rPr>
+                        <m:t>4404</m:t>
+                      </m:r>
+                    </m:oMath>
+                  </m:oMathPara>
+                </a14:m>
+                <a:endParaRPr lang="en-US" altLang="zh-TW" dirty="0"/>
+              </a:p>
+            </p:txBody>
+          </p:sp>
+        </mc:Choice>
+        <mc:Fallback>
+          <p:sp>
+            <p:nvSpPr>
+              <p:cNvPr id="2" name="文字方塊 1">
+                <a:extLst>
+                  <a:ext uri="{FF2B5EF4-FFF2-40B4-BE49-F238E27FC236}">
+                    <a16:creationId xmlns:a16="http://schemas.microsoft.com/office/drawing/2014/main" id="{9600202F-63A9-2C2F-1FE4-9BD3AFAACC51}"/>
+                  </a:ext>
+                </a:extLst>
+              </p:cNvPr>
+              <p:cNvSpPr txBox="1">
+                <a:spLocks noRot="1" noChangeAspect="1" noMove="1" noResize="1" noEditPoints="1" noAdjustHandles="1" noChangeArrowheads="1" noChangeShapeType="1" noTextEdit="1"/>
+              </p:cNvSpPr>
+              <p:nvPr/>
+            </p:nvSpPr>
+            <p:spPr>
+              <a:xfrm>
+                <a:off x="287337" y="3231707"/>
+                <a:ext cx="8569325" cy="3749424"/>
+              </a:xfrm>
+              <a:prstGeom prst="rect">
+                <a:avLst/>
+              </a:prstGeom>
+              <a:blipFill>
+                <a:blip r:embed="rId3"/>
+                <a:stretch>
+                  <a:fillRect l="-740" t="-676" r="-2219"/>
+                </a:stretch>
+              </a:blipFill>
+            </p:spPr>
+            <p:txBody>
+              <a:bodyPr/>
+              <a:lstStyle/>
+              <a:p>
+                <a:r>
+                  <a:rPr lang="zh-TW" altLang="en-US">
+                    <a:noFill/>
+                  </a:rPr>
+                  <a:t> </a:t>
+                </a:r>
+              </a:p>
+            </p:txBody>
+          </p:sp>
+        </mc:Fallback>
+      </mc:AlternateContent>
+    </p:spTree>
+    <p:extLst>
+      <p:ext uri="{BB962C8B-B14F-4D97-AF65-F5344CB8AC3E}">
+        <p14:creationId xmlns:p14="http://schemas.microsoft.com/office/powerpoint/2010/main" val="1649730675"/>
+      </p:ext>
+    </p:extLst>
+  </p:cSld>
+  <p:clrMapOvr>
+    <a:masterClrMapping/>
+  </p:clrMapOvr>
+</p:sld>
+</file>
+
+<file path=ppt/slides/slide11.xml><?xml version="1.0" encoding="utf-8"?>
+<p:sld xmlns:a="http://schemas.openxmlformats.org/drawingml/2006/main" xmlns:r="http://schemas.openxmlformats.org/officeDocument/2006/relationships" xmlns:p="http://schemas.openxmlformats.org/presentationml/2006/main">
+  <p:cSld>
+    <p:spTree>
+      <p:nvGrpSpPr>
+        <p:cNvPr id="1" name=""/>
+        <p:cNvGrpSpPr/>
+        <p:nvPr/>
+      </p:nvGrpSpPr>
+      <p:grpSpPr>
+        <a:xfrm>
+          <a:off x="0" y="0"/>
+          <a:ext cx="0" cy="0"/>
+          <a:chOff x="0" y="0"/>
+          <a:chExt cx="0" cy="0"/>
+        </a:xfrm>
+      </p:grpSpPr>
+      <p:sp>
+        <p:nvSpPr>
+          <p:cNvPr id="12" name="Text Box 31">
+            <a:extLst>
+              <a:ext uri="{FF2B5EF4-FFF2-40B4-BE49-F238E27FC236}">
+                <a16:creationId xmlns:a16="http://schemas.microsoft.com/office/drawing/2014/main" id="{4A1D3A94-9A21-4BD2-A07F-C369D434B33A}"/>
+              </a:ext>
+            </a:extLst>
+          </p:cNvPr>
+          <p:cNvSpPr txBox="1">
+            <a:spLocks noChangeArrowheads="1"/>
+          </p:cNvSpPr>
+          <p:nvPr/>
+        </p:nvSpPr>
+        <p:spPr bwMode="auto">
+          <a:xfrm>
+            <a:off x="338502" y="332656"/>
+            <a:ext cx="8466995" cy="798745"/>
+          </a:xfrm>
+          <a:prstGeom prst="rect">
+            <a:avLst/>
+          </a:prstGeom>
+          <a:noFill/>
+          <a:ln w="9525">
+            <a:noFill/>
+            <a:miter lim="800000"/>
+            <a:headEnd/>
+            <a:tailEnd/>
+          </a:ln>
+        </p:spPr>
+        <p:txBody>
+          <a:bodyPr wrap="square">
+            <a:spAutoFit/>
+          </a:bodyPr>
+          <a:lstStyle/>
+          <a:p>
+            <a:pPr algn="just">
+              <a:lnSpc>
+                <a:spcPct val="120000"/>
+              </a:lnSpc>
+              <a:spcBef>
+                <a:spcPts val="0"/>
+              </a:spcBef>
+            </a:pPr>
+            <a:r>
+              <a:rPr lang="en-US" altLang="zh-TW" dirty="0"/>
+              <a:t>(Extra): Answer the questions according to your student ID number.</a:t>
+            </a:r>
+          </a:p>
+          <a:p>
+            <a:pPr algn="just">
+              <a:lnSpc>
+                <a:spcPct val="120000"/>
+              </a:lnSpc>
+              <a:spcBef>
+                <a:spcPts val="0"/>
+              </a:spcBef>
+            </a:pPr>
+            <a:r>
+              <a:rPr lang="en-US" altLang="zh-TW" dirty="0"/>
+              <a:t>            (ended with (2, 7), (3, 8), (4, 9), (0, 5))  </a:t>
+            </a:r>
+          </a:p>
+        </p:txBody>
+      </p:sp>
+    </p:spTree>
+    <p:extLst>
+      <p:ext uri="{BB962C8B-B14F-4D97-AF65-F5344CB8AC3E}">
+        <p14:creationId xmlns:p14="http://schemas.microsoft.com/office/powerpoint/2010/main" val="672075108"/>
+      </p:ext>
+    </p:extLst>
   </p:cSld>
   <p:clrMapOvr>
     <a:masterClrMapping/>
@@ -13472,8 +15190,8 @@
           </a:p>
         </p:txBody>
       </p:sp>
-      <mc:AlternateContent xmlns:mc="http://schemas.openxmlformats.org/markup-compatibility/2006">
-        <mc:Choice xmlns:a14="http://schemas.microsoft.com/office/drawing/2010/main" Requires="a14">
+      <mc:AlternateContent xmlns:mc="http://schemas.openxmlformats.org/markup-compatibility/2006" xmlns:a14="http://schemas.microsoft.com/office/drawing/2010/main">
+        <mc:Choice Requires="a14">
           <p:sp>
             <p:nvSpPr>
               <p:cNvPr id="2" name="文字方塊 1">
@@ -13813,6 +15531,7 @@
                 </a:r>
               </a:p>
               <a:p>
+                <a:pPr/>
                 <a14:m>
                   <m:oMathPara xmlns:m="http://schemas.openxmlformats.org/officeDocument/2006/math">
                     <m:oMathParaPr>
@@ -13949,7 +15668,7 @@
             </p:txBody>
           </p:sp>
         </mc:Choice>
-        <mc:Fallback>
+        <mc:Fallback xmlns="">
           <p:sp>
             <p:nvSpPr>
               <p:cNvPr id="2" name="文字方塊 1">
@@ -14472,6 +16191,436 @@
           </a:p>
         </p:txBody>
       </p:sp>
+      <mc:AlternateContent xmlns:mc="http://schemas.openxmlformats.org/markup-compatibility/2006" xmlns:a14="http://schemas.microsoft.com/office/drawing/2010/main">
+        <mc:Choice Requires="a14">
+          <p:sp>
+            <p:nvSpPr>
+              <p:cNvPr id="2" name="文字方塊 1">
+                <a:extLst>
+                  <a:ext uri="{FF2B5EF4-FFF2-40B4-BE49-F238E27FC236}">
+                    <a16:creationId xmlns:a16="http://schemas.microsoft.com/office/drawing/2014/main" id="{9600202F-63A9-2C2F-1FE4-9BD3AFAACC51}"/>
+                  </a:ext>
+                </a:extLst>
+              </p:cNvPr>
+              <p:cNvSpPr txBox="1"/>
+              <p:nvPr/>
+            </p:nvSpPr>
+            <p:spPr>
+              <a:xfrm>
+                <a:off x="287337" y="3231707"/>
+                <a:ext cx="8569325" cy="3501536"/>
+              </a:xfrm>
+              <a:prstGeom prst="rect">
+                <a:avLst/>
+              </a:prstGeom>
+              <a:noFill/>
+            </p:spPr>
+            <p:txBody>
+              <a:bodyPr wrap="square" rtlCol="0">
+                <a:spAutoFit/>
+              </a:bodyPr>
+              <a:lstStyle/>
+              <a:p>
+                <a:r>
+                  <a:rPr kumimoji="1" lang="en-US" altLang="zh-TW" dirty="0"/>
+                  <a:t>(</a:t>
+                </a:r>
+                <a:r>
+                  <a:rPr lang="en-US" altLang="zh-TW" dirty="0"/>
+                  <a:t>a</a:t>
+                </a:r>
+                <a:r>
+                  <a:rPr kumimoji="1" lang="en-US" altLang="zh-TW" dirty="0"/>
+                  <a:t>)</a:t>
+                </a:r>
+              </a:p>
+              <a:p>
+                <a:pPr marL="514350" indent="-514350">
+                  <a:buAutoNum type="romanLcParenBoth"/>
+                </a:pPr>
+                <a:r>
+                  <a:rPr lang="zh-TW" altLang="en-US" dirty="0"/>
+                  <a:t>因為</a:t>
+                </a:r>
+                <a14:m>
+                  <m:oMath xmlns:m="http://schemas.openxmlformats.org/officeDocument/2006/math">
+                    <m:r>
+                      <a:rPr lang="en-US" altLang="zh-TW" b="0" i="1" smtClean="0">
+                        <a:latin typeface="Cambria Math" panose="02040503050406030204" pitchFamily="18" charset="0"/>
+                      </a:rPr>
+                      <m:t>𝑀</m:t>
+                    </m:r>
+                    <m:r>
+                      <a:rPr lang="en-US" altLang="zh-TW" b="0" i="1" smtClean="0">
+                        <a:latin typeface="Cambria Math" panose="02040503050406030204" pitchFamily="18" charset="0"/>
+                        <a:ea typeface="Cambria Math" panose="02040503050406030204" pitchFamily="18" charset="0"/>
+                      </a:rPr>
+                      <m:t>≈</m:t>
+                    </m:r>
+                    <m:r>
+                      <a:rPr lang="en-US" altLang="zh-TW" b="0" i="1" smtClean="0">
+                        <a:latin typeface="Cambria Math" panose="02040503050406030204" pitchFamily="18" charset="0"/>
+                        <a:ea typeface="Cambria Math" panose="02040503050406030204" pitchFamily="18" charset="0"/>
+                      </a:rPr>
+                      <m:t>𝑁</m:t>
+                    </m:r>
+                    <m:r>
+                      <a:rPr lang="zh-TW" altLang="en-US" i="1">
+                        <a:latin typeface="Cambria Math" panose="02040503050406030204" pitchFamily="18" charset="0"/>
+                        <a:ea typeface="Cambria Math" panose="02040503050406030204" pitchFamily="18" charset="0"/>
+                      </a:rPr>
+                      <m:t>，</m:t>
+                    </m:r>
+                    <m:r>
+                      <a:rPr lang="zh-TW" altLang="en-US" i="1" smtClean="0">
+                        <a:latin typeface="Cambria Math" panose="02040503050406030204" pitchFamily="18" charset="0"/>
+                        <a:ea typeface="Cambria Math" panose="02040503050406030204" pitchFamily="18" charset="0"/>
+                      </a:rPr>
+                      <m:t>所以</m:t>
+                    </m:r>
+                  </m:oMath>
+                </a14:m>
+                <a:r>
+                  <a:rPr lang="zh-TW" altLang="en-US" dirty="0">
+                    <a:ea typeface="標楷體" pitchFamily="65" charset="-120"/>
+                  </a:rPr>
+                  <a:t> </a:t>
+                </a:r>
+                <a:r>
+                  <a:rPr lang="en-US" altLang="zh-TW" dirty="0">
+                    <a:ea typeface="標楷體" pitchFamily="65" charset="-120"/>
+                  </a:rPr>
+                  <a:t>convolution method </a:t>
+                </a:r>
+                <a:r>
+                  <a:rPr lang="zh-TW" altLang="en-US" dirty="0">
+                    <a:ea typeface="標楷體" pitchFamily="65" charset="-120"/>
+                  </a:rPr>
+                  <a:t>選擇 </a:t>
+                </a:r>
+                <a:r>
+                  <a:rPr lang="en-US" altLang="zh-TW" dirty="0">
+                    <a:ea typeface="標楷體" pitchFamily="65" charset="-120"/>
+                  </a:rPr>
+                  <a:t>case3</a:t>
+                </a:r>
+                <a:r>
+                  <a:rPr lang="zh-TW" altLang="en-US" dirty="0">
+                    <a:ea typeface="標楷體" pitchFamily="65" charset="-120"/>
+                  </a:rPr>
+                  <a:t>：</a:t>
+                </a:r>
+                <a:r>
+                  <a:rPr lang="en-US" altLang="zh-TW" dirty="0">
+                    <a:ea typeface="標楷體" pitchFamily="65" charset="-120"/>
+                  </a:rPr>
+                  <a:t> non-sectioned convolution</a:t>
+                </a:r>
+              </a:p>
+              <a:p>
+                <a:endParaRPr lang="en-US" altLang="zh-TW" dirty="0">
+                  <a:ea typeface="標楷體" pitchFamily="65" charset="-120"/>
+                </a:endParaRPr>
+              </a:p>
+              <a:p>
+                <a:r>
+                  <a:rPr lang="en-US" altLang="zh-TW" dirty="0">
+                    <a:ea typeface="標楷體" pitchFamily="65" charset="-120"/>
+                  </a:rPr>
+                  <a:t>(ii)</a:t>
+                </a:r>
+              </a:p>
+              <a:p>
+                <a:pPr/>
+                <a14:m>
+                  <m:oMathPara xmlns:m="http://schemas.openxmlformats.org/officeDocument/2006/math">
+                    <m:oMathParaPr>
+                      <m:jc m:val="centerGroup"/>
+                    </m:oMathParaPr>
+                    <m:oMath xmlns:m="http://schemas.openxmlformats.org/officeDocument/2006/math">
+                      <m:r>
+                        <a:rPr lang="en-US" altLang="zh-TW" i="1" smtClean="0">
+                          <a:latin typeface="Cambria Math" panose="02040503050406030204" pitchFamily="18" charset="0"/>
+                        </a:rPr>
+                        <m:t>𝑃</m:t>
+                      </m:r>
+                      <m:r>
+                        <a:rPr lang="en-US" altLang="zh-TW" i="1">
+                          <a:latin typeface="Cambria Math" panose="02040503050406030204" pitchFamily="18" charset="0"/>
+                          <a:ea typeface="Cambria Math" panose="02040503050406030204" pitchFamily="18" charset="0"/>
+                        </a:rPr>
+                        <m:t>≥</m:t>
+                      </m:r>
+                      <m:r>
+                        <a:rPr lang="en-US" altLang="zh-TW" i="1">
+                          <a:latin typeface="Cambria Math" panose="02040503050406030204" pitchFamily="18" charset="0"/>
+                          <a:ea typeface="Cambria Math" panose="02040503050406030204" pitchFamily="18" charset="0"/>
+                        </a:rPr>
+                        <m:t>𝑀</m:t>
+                      </m:r>
+                      <m:r>
+                        <a:rPr lang="en-US" altLang="zh-TW" i="1">
+                          <a:latin typeface="Cambria Math" panose="02040503050406030204" pitchFamily="18" charset="0"/>
+                          <a:ea typeface="Cambria Math" panose="02040503050406030204" pitchFamily="18" charset="0"/>
+                        </a:rPr>
+                        <m:t>+</m:t>
+                      </m:r>
+                      <m:r>
+                        <a:rPr lang="en-US" altLang="zh-TW" i="1">
+                          <a:latin typeface="Cambria Math" panose="02040503050406030204" pitchFamily="18" charset="0"/>
+                          <a:ea typeface="Cambria Math" panose="02040503050406030204" pitchFamily="18" charset="0"/>
+                        </a:rPr>
+                        <m:t>𝑁</m:t>
+                      </m:r>
+                      <m:r>
+                        <a:rPr lang="en-US" altLang="zh-TW" i="1">
+                          <a:latin typeface="Cambria Math" panose="02040503050406030204" pitchFamily="18" charset="0"/>
+                          <a:ea typeface="Cambria Math" panose="02040503050406030204" pitchFamily="18" charset="0"/>
+                        </a:rPr>
+                        <m:t>−1⇒</m:t>
+                      </m:r>
+                      <m:r>
+                        <a:rPr lang="en-US" altLang="zh-TW" i="1">
+                          <a:latin typeface="Cambria Math" panose="02040503050406030204" pitchFamily="18" charset="0"/>
+                          <a:ea typeface="Cambria Math" panose="02040503050406030204" pitchFamily="18" charset="0"/>
+                        </a:rPr>
+                        <m:t>𝑃</m:t>
+                      </m:r>
+                      <m:r>
+                        <a:rPr lang="en-US" altLang="zh-TW" i="1">
+                          <a:latin typeface="Cambria Math" panose="02040503050406030204" pitchFamily="18" charset="0"/>
+                          <a:ea typeface="Cambria Math" panose="02040503050406030204" pitchFamily="18" charset="0"/>
+                        </a:rPr>
+                        <m:t>≥500+1100−1=1599</m:t>
+                      </m:r>
+                    </m:oMath>
+                  </m:oMathPara>
+                </a14:m>
+                <a:endParaRPr lang="en-US" altLang="zh-TW" i="1" dirty="0">
+                  <a:latin typeface="Cambria Math" panose="02040503050406030204" pitchFamily="18" charset="0"/>
+                  <a:ea typeface="Cambria Math" panose="02040503050406030204" pitchFamily="18" charset="0"/>
+                </a:endParaRPr>
+              </a:p>
+              <a:p>
+                <a:endParaRPr lang="en-US" altLang="zh-TW" i="1" dirty="0">
+                  <a:latin typeface="Cambria Math" panose="02040503050406030204" pitchFamily="18" charset="0"/>
+                  <a:ea typeface="Cambria Math" panose="02040503050406030204" pitchFamily="18" charset="0"/>
+                </a:endParaRPr>
+              </a:p>
+              <a:p>
+                <a:r>
+                  <a:rPr kumimoji="1" lang="en-US" altLang="zh-TW" b="0" i="0" dirty="0">
+                    <a:latin typeface="Cambria Math" panose="02040503050406030204" pitchFamily="18" charset="0"/>
+                  </a:rPr>
+                  <a:t>(iii)</a:t>
+                </a:r>
+              </a:p>
+              <a:p>
+                <a:pPr algn="ctr"/>
+                <a:r>
+                  <a:rPr kumimoji="1" lang="en-US" altLang="zh-TW" b="0" i="0" dirty="0">
+                    <a:latin typeface="Cambria Math" panose="02040503050406030204" pitchFamily="18" charset="0"/>
+                  </a:rPr>
+                  <a:t>P</a:t>
+                </a:r>
+                <a:r>
+                  <a:rPr kumimoji="1" lang="zh-TW" altLang="en-US" b="0" i="0" dirty="0">
+                    <a:latin typeface="Cambria Math" panose="02040503050406030204" pitchFamily="18" charset="0"/>
+                  </a:rPr>
+                  <a:t> </a:t>
+                </a:r>
+                <a:r>
+                  <a:rPr kumimoji="1" lang="en-US" altLang="zh-TW" b="0" i="0" dirty="0">
+                    <a:latin typeface="Cambria Math" panose="02040503050406030204" pitchFamily="18" charset="0"/>
+                  </a:rPr>
+                  <a:t>choose</a:t>
+                </a:r>
+                <a:r>
+                  <a:rPr kumimoji="1" lang="zh-TW" altLang="en-US" b="0" i="0" dirty="0">
+                    <a:latin typeface="Cambria Math" panose="02040503050406030204" pitchFamily="18" charset="0"/>
+                  </a:rPr>
+                  <a:t> </a:t>
+                </a:r>
+                <a:r>
+                  <a:rPr kumimoji="1" lang="en-US" altLang="zh-TW" b="0" i="0" dirty="0">
+                    <a:latin typeface="Cambria Math" panose="02040503050406030204" pitchFamily="18" charset="0"/>
+                  </a:rPr>
+                  <a:t>1680,</a:t>
+                </a:r>
+                <a:r>
+                  <a:rPr kumimoji="1" lang="zh-TW" altLang="en-US" b="0" i="0" dirty="0">
+                    <a:latin typeface="Cambria Math" panose="02040503050406030204" pitchFamily="18" charset="0"/>
+                  </a:rPr>
+                  <a:t> </a:t>
+                </a:r>
+                <a:r>
+                  <a:rPr kumimoji="1" lang="en-US" altLang="zh-TW" b="0" i="0" dirty="0">
+                    <a:latin typeface="Cambria Math" panose="02040503050406030204" pitchFamily="18" charset="0"/>
+                  </a:rPr>
+                  <a:t>MUL</a:t>
+                </a:r>
+                <a:r>
+                  <a:rPr kumimoji="1" lang="en-US" altLang="zh-TW" b="0" i="0" baseline="-25000" dirty="0">
+                    <a:latin typeface="Cambria Math" panose="02040503050406030204" pitchFamily="18" charset="0"/>
+                  </a:rPr>
+                  <a:t>1680</a:t>
+                </a:r>
+                <a:r>
+                  <a:rPr kumimoji="1" lang="zh-TW" altLang="en-US" b="0" i="0" baseline="-25000" dirty="0">
+                    <a:latin typeface="Cambria Math" panose="02040503050406030204" pitchFamily="18" charset="0"/>
+                  </a:rPr>
+                  <a:t> </a:t>
+                </a:r>
+                <a:r>
+                  <a:rPr kumimoji="1" lang="en-US" altLang="zh-TW" b="0" i="0" dirty="0">
+                    <a:latin typeface="Cambria Math" panose="02040503050406030204" pitchFamily="18" charset="0"/>
+                  </a:rPr>
+                  <a:t>= 10420</a:t>
+                </a:r>
+              </a:p>
+              <a:p>
+                <a:pPr algn="ctr"/>
+                <a:r>
+                  <a:rPr kumimoji="1" lang="en-US" altLang="zh-TW" b="0" i="0" dirty="0">
+                    <a:latin typeface="Cambria Math" panose="02040503050406030204" pitchFamily="18" charset="0"/>
+                  </a:rPr>
+                  <a:t>Number of real multiplications: </a:t>
+                </a:r>
+              </a:p>
+              <a:p>
+                <a:pPr algn="ctr"/>
+                <a14:m>
+                  <m:oMathPara xmlns:m="http://schemas.openxmlformats.org/officeDocument/2006/math">
+                    <m:oMathParaPr>
+                      <m:jc m:val="centerGroup"/>
+                    </m:oMathParaPr>
+                    <m:oMath xmlns:m="http://schemas.openxmlformats.org/officeDocument/2006/math">
+                      <m:r>
+                        <a:rPr kumimoji="1" lang="en-US" altLang="zh-TW" b="0" i="1" smtClean="0">
+                          <a:latin typeface="Cambria Math" panose="02040503050406030204" pitchFamily="18" charset="0"/>
+                        </a:rPr>
+                        <m:t>2</m:t>
+                      </m:r>
+                      <m:sSub>
+                        <m:sSubPr>
+                          <m:ctrlPr>
+                            <a:rPr kumimoji="1" lang="en-US" altLang="zh-TW" b="0" i="1" smtClean="0">
+                              <a:latin typeface="Cambria Math" panose="02040503050406030204" pitchFamily="18" charset="0"/>
+                            </a:rPr>
+                          </m:ctrlPr>
+                        </m:sSubPr>
+                        <m:e>
+                          <m:r>
+                            <a:rPr kumimoji="1" lang="en-US" altLang="zh-TW" b="0" i="1" smtClean="0">
+                              <a:latin typeface="Cambria Math" panose="02040503050406030204" pitchFamily="18" charset="0"/>
+                            </a:rPr>
+                            <m:t>𝑀𝑈𝐿</m:t>
+                          </m:r>
+                        </m:e>
+                        <m:sub>
+                          <m:r>
+                            <a:rPr kumimoji="1" lang="en-US" altLang="zh-TW" b="0" i="1" smtClean="0">
+                              <a:latin typeface="Cambria Math" panose="02040503050406030204" pitchFamily="18" charset="0"/>
+                            </a:rPr>
+                            <m:t>𝑝</m:t>
+                          </m:r>
+                        </m:sub>
+                      </m:sSub>
+                      <m:r>
+                        <a:rPr kumimoji="1" lang="en-US" altLang="zh-TW" b="0" i="1" smtClean="0">
+                          <a:latin typeface="Cambria Math" panose="02040503050406030204" pitchFamily="18" charset="0"/>
+                        </a:rPr>
+                        <m:t>+3</m:t>
+                      </m:r>
+                      <m:r>
+                        <a:rPr kumimoji="1" lang="en-US" altLang="zh-TW" b="0" i="1" smtClean="0">
+                          <a:latin typeface="Cambria Math" panose="02040503050406030204" pitchFamily="18" charset="0"/>
+                        </a:rPr>
+                        <m:t>𝑃</m:t>
+                      </m:r>
+                      <m:r>
+                        <a:rPr kumimoji="1" lang="en-US" altLang="zh-TW" b="0" i="1" smtClean="0">
+                          <a:latin typeface="Cambria Math" panose="02040503050406030204" pitchFamily="18" charset="0"/>
+                        </a:rPr>
+                        <m:t>=2</m:t>
+                      </m:r>
+                      <m:r>
+                        <a:rPr kumimoji="1" lang="zh-TW" altLang="en-US" b="0" i="1" smtClean="0">
+                          <a:latin typeface="Cambria Math" panose="02040503050406030204" pitchFamily="18" charset="0"/>
+                        </a:rPr>
+                        <m:t>∗</m:t>
+                      </m:r>
+                      <m:r>
+                        <a:rPr kumimoji="1" lang="en-US" altLang="zh-TW" b="0" i="1" smtClean="0">
+                          <a:latin typeface="Cambria Math" panose="02040503050406030204" pitchFamily="18" charset="0"/>
+                        </a:rPr>
+                        <m:t>10420+3</m:t>
+                      </m:r>
+                      <m:r>
+                        <a:rPr kumimoji="1" lang="zh-TW" altLang="en-US" b="0" i="1" smtClean="0">
+                          <a:latin typeface="Cambria Math" panose="02040503050406030204" pitchFamily="18" charset="0"/>
+                        </a:rPr>
+                        <m:t>∗</m:t>
+                      </m:r>
+                      <m:r>
+                        <a:rPr lang="en-US" altLang="zh-TW" i="1">
+                          <a:latin typeface="Cambria Math" panose="02040503050406030204" pitchFamily="18" charset="0"/>
+                        </a:rPr>
+                        <m:t>1680=25880</m:t>
+                      </m:r>
+                    </m:oMath>
+                  </m:oMathPara>
+                </a14:m>
+                <a:endParaRPr kumimoji="1" lang="en-US" altLang="zh-TW" dirty="0"/>
+              </a:p>
+            </p:txBody>
+          </p:sp>
+        </mc:Choice>
+        <mc:Fallback xmlns="">
+          <p:sp>
+            <p:nvSpPr>
+              <p:cNvPr id="2" name="文字方塊 1">
+                <a:extLst>
+                  <a:ext uri="{FF2B5EF4-FFF2-40B4-BE49-F238E27FC236}">
+                    <a16:creationId xmlns:a16="http://schemas.microsoft.com/office/drawing/2014/main" id="{9600202F-63A9-2C2F-1FE4-9BD3AFAACC51}"/>
+                  </a:ext>
+                </a:extLst>
+              </p:cNvPr>
+              <p:cNvSpPr txBox="1">
+                <a:spLocks noRot="1" noChangeAspect="1" noMove="1" noResize="1" noEditPoints="1" noAdjustHandles="1" noChangeArrowheads="1" noChangeShapeType="1" noTextEdit="1"/>
+              </p:cNvSpPr>
+              <p:nvPr/>
+            </p:nvSpPr>
+            <p:spPr>
+              <a:xfrm>
+                <a:off x="287337" y="3231707"/>
+                <a:ext cx="8569325" cy="3501536"/>
+              </a:xfrm>
+              <a:prstGeom prst="rect">
+                <a:avLst/>
+              </a:prstGeom>
+              <a:blipFill>
+                <a:blip r:embed="rId3"/>
+                <a:stretch>
+                  <a:fillRect l="-740" t="-722"/>
+                </a:stretch>
+              </a:blipFill>
+            </p:spPr>
+            <p:txBody>
+              <a:bodyPr/>
+              <a:lstStyle/>
+              <a:p>
+                <a:r>
+                  <a:rPr lang="zh-TW" altLang="en-US">
+                    <a:noFill/>
+                  </a:rPr>
+                  <a:t> </a:t>
+                </a:r>
+              </a:p>
+            </p:txBody>
+          </p:sp>
+        </mc:Fallback>
+      </mc:AlternateContent>
     </p:spTree>
     <p:extLst>
       <p:ext uri="{BB962C8B-B14F-4D97-AF65-F5344CB8AC3E}">
@@ -14504,27 +16653,31 @@
       </p:grpSpPr>
       <p:sp>
         <p:nvSpPr>
-          <p:cNvPr id="12" name="Text Box 31">
+          <p:cNvPr id="15" name="Rectangle 3">
             <a:extLst>
               <a:ext uri="{FF2B5EF4-FFF2-40B4-BE49-F238E27FC236}">
-                <a16:creationId xmlns:a16="http://schemas.microsoft.com/office/drawing/2014/main" id="{4A1D3A94-9A21-4BD2-A07F-C369D434B33A}"/>
+                <a16:creationId xmlns:a16="http://schemas.microsoft.com/office/drawing/2014/main" id="{FFC925CC-4204-4666-AF43-CBC2A82A0421}"/>
               </a:ext>
             </a:extLst>
           </p:cNvPr>
-          <p:cNvSpPr txBox="1">
+          <p:cNvSpPr>
             <a:spLocks noChangeArrowheads="1"/>
           </p:cNvSpPr>
           <p:nvPr/>
         </p:nvSpPr>
         <p:spPr bwMode="auto">
           <a:xfrm>
-            <a:off x="338502" y="332656"/>
-            <a:ext cx="8466995" cy="798745"/>
+            <a:off x="287337" y="116632"/>
+            <a:ext cx="8569325" cy="3093154"/>
           </a:xfrm>
           <a:prstGeom prst="rect">
             <a:avLst/>
           </a:prstGeom>
-          <a:noFill/>
+          <a:solidFill>
+            <a:schemeClr val="bg1">
+              <a:lumMod val="75000"/>
+            </a:schemeClr>
+          </a:solidFill>
           <a:ln w="9525">
             <a:noFill/>
             <a:miter lim="800000"/>
@@ -14533,44 +16686,2330 @@
           </a:ln>
         </p:spPr>
         <p:txBody>
-          <a:bodyPr wrap="square">
+          <a:bodyPr>
             <a:spAutoFit/>
           </a:bodyPr>
           <a:lstStyle/>
           <a:p>
-            <a:pPr algn="just">
-              <a:lnSpc>
-                <a:spcPct val="120000"/>
-              </a:lnSpc>
+            <a:pPr>
               <a:spcBef>
-                <a:spcPts val="0"/>
+                <a:spcPts val="600"/>
               </a:spcBef>
             </a:pPr>
             <a:r>
-              <a:rPr lang="en-US" altLang="zh-TW" dirty="0"/>
-              <a:t>(Extra): Answer the questions according to your student ID number.</a:t>
+              <a:rPr lang="en-US" altLang="zh-TW" dirty="0">
+                <a:ea typeface="標楷體" pitchFamily="65" charset="-120"/>
+              </a:rPr>
+              <a:t>(6) Suppose that length(</a:t>
+            </a:r>
+            <a:r>
+              <a:rPr lang="en-US" altLang="zh-TW" i="1" dirty="0">
+                <a:ea typeface="標楷體" pitchFamily="65" charset="-120"/>
+              </a:rPr>
+              <a:t>x</a:t>
+            </a:r>
+            <a:r>
+              <a:rPr lang="en-US" altLang="zh-TW" dirty="0">
+                <a:ea typeface="標楷體" pitchFamily="65" charset="-120"/>
+              </a:rPr>
+              <a:t>[</a:t>
+            </a:r>
+            <a:r>
+              <a:rPr lang="en-US" altLang="zh-TW" i="1" dirty="0">
+                <a:ea typeface="標楷體" pitchFamily="65" charset="-120"/>
+              </a:rPr>
+              <a:t>n</a:t>
+            </a:r>
+            <a:r>
+              <a:rPr lang="en-US" altLang="zh-TW" dirty="0">
+                <a:ea typeface="標楷體" pitchFamily="65" charset="-120"/>
+              </a:rPr>
+              <a:t>]) = 1100. What is the </a:t>
+            </a:r>
+            <a:r>
+              <a:rPr lang="en-US" altLang="zh-TW" u="sng" dirty="0">
+                <a:ea typeface="標楷體" pitchFamily="65" charset="-120"/>
+              </a:rPr>
+              <a:t>best way </a:t>
+            </a:r>
+            <a:r>
+              <a:rPr lang="en-US" altLang="zh-TW" dirty="0">
+                <a:ea typeface="標楷體" pitchFamily="65" charset="-120"/>
+              </a:rPr>
+              <a:t>to implement the</a:t>
+            </a:r>
+            <a:br>
+              <a:rPr lang="en-US" altLang="zh-TW" dirty="0">
+                <a:ea typeface="標楷體" pitchFamily="65" charset="-120"/>
+              </a:rPr>
+            </a:br>
+            <a:r>
+              <a:rPr lang="en-US" altLang="zh-TW" dirty="0">
+                <a:ea typeface="標楷體" pitchFamily="65" charset="-120"/>
+              </a:rPr>
+              <a:t>     convolution of  </a:t>
+            </a:r>
+            <a:r>
+              <a:rPr lang="en-US" altLang="zh-TW" i="1" dirty="0">
+                <a:ea typeface="標楷體" pitchFamily="65" charset="-120"/>
+              </a:rPr>
+              <a:t>x</a:t>
+            </a:r>
+            <a:r>
+              <a:rPr lang="en-US" altLang="zh-TW" dirty="0">
+                <a:ea typeface="標楷體" pitchFamily="65" charset="-120"/>
+              </a:rPr>
+              <a:t>[</a:t>
+            </a:r>
+            <a:r>
+              <a:rPr lang="en-US" altLang="zh-TW" i="1" dirty="0">
+                <a:ea typeface="標楷體" pitchFamily="65" charset="-120"/>
+              </a:rPr>
+              <a:t>n</a:t>
+            </a:r>
+            <a:r>
+              <a:rPr lang="en-US" altLang="zh-TW" dirty="0">
+                <a:ea typeface="標楷體" pitchFamily="65" charset="-120"/>
+              </a:rPr>
+              <a:t>] and </a:t>
+            </a:r>
+            <a:r>
+              <a:rPr lang="en-US" altLang="zh-TW" i="1" dirty="0">
+                <a:ea typeface="標楷體" pitchFamily="65" charset="-120"/>
+              </a:rPr>
+              <a:t>y</a:t>
+            </a:r>
+            <a:r>
+              <a:rPr lang="en-US" altLang="zh-TW" dirty="0">
+                <a:ea typeface="標楷體" pitchFamily="65" charset="-120"/>
+              </a:rPr>
+              <a:t>[</a:t>
+            </a:r>
+            <a:r>
+              <a:rPr lang="en-US" altLang="zh-TW" i="1" dirty="0">
+                <a:ea typeface="標楷體" pitchFamily="65" charset="-120"/>
+              </a:rPr>
+              <a:t>n</a:t>
+            </a:r>
+            <a:r>
+              <a:rPr lang="en-US" altLang="zh-TW" dirty="0">
+                <a:ea typeface="標楷體" pitchFamily="65" charset="-120"/>
+              </a:rPr>
+              <a:t>] if </a:t>
+            </a:r>
+          </a:p>
+          <a:p>
+            <a:pPr>
+              <a:spcBef>
+                <a:spcPts val="600"/>
+              </a:spcBef>
+            </a:pPr>
+            <a:r>
+              <a:rPr lang="en-US" altLang="zh-TW" dirty="0">
+                <a:ea typeface="標楷體" pitchFamily="65" charset="-120"/>
+              </a:rPr>
+              <a:t>       (a) length(</a:t>
+            </a:r>
+            <a:r>
+              <a:rPr lang="en-US" altLang="zh-TW" i="1" dirty="0">
+                <a:ea typeface="標楷體" pitchFamily="65" charset="-120"/>
+              </a:rPr>
+              <a:t>y</a:t>
+            </a:r>
+            <a:r>
+              <a:rPr lang="en-US" altLang="zh-TW" dirty="0">
+                <a:ea typeface="標楷體" pitchFamily="65" charset="-120"/>
+              </a:rPr>
+              <a:t>[</a:t>
+            </a:r>
+            <a:r>
+              <a:rPr lang="en-US" altLang="zh-TW" i="1" dirty="0">
+                <a:ea typeface="標楷體" pitchFamily="65" charset="-120"/>
+              </a:rPr>
+              <a:t>n</a:t>
+            </a:r>
+            <a:r>
+              <a:rPr lang="en-US" altLang="zh-TW" dirty="0">
+                <a:ea typeface="標楷體" pitchFamily="65" charset="-120"/>
+              </a:rPr>
+              <a:t>]) =  500,           (b) length(</a:t>
+            </a:r>
+            <a:r>
+              <a:rPr lang="en-US" altLang="zh-TW" i="1" dirty="0">
+                <a:ea typeface="標楷體" pitchFamily="65" charset="-120"/>
+              </a:rPr>
+              <a:t>y</a:t>
+            </a:r>
+            <a:r>
+              <a:rPr lang="en-US" altLang="zh-TW" dirty="0">
+                <a:ea typeface="標楷體" pitchFamily="65" charset="-120"/>
+              </a:rPr>
+              <a:t>[</a:t>
+            </a:r>
+            <a:r>
+              <a:rPr lang="en-US" altLang="zh-TW" i="1" dirty="0">
+                <a:ea typeface="標楷體" pitchFamily="65" charset="-120"/>
+              </a:rPr>
+              <a:t>n</a:t>
+            </a:r>
+            <a:r>
+              <a:rPr lang="en-US" altLang="zh-TW" dirty="0">
+                <a:ea typeface="標楷體" pitchFamily="65" charset="-120"/>
+              </a:rPr>
+              <a:t>]) = 40, </a:t>
+            </a:r>
+          </a:p>
+          <a:p>
+            <a:pPr>
+              <a:spcBef>
+                <a:spcPts val="600"/>
+              </a:spcBef>
+            </a:pPr>
+            <a:r>
+              <a:rPr lang="en-US" altLang="zh-TW" dirty="0">
+                <a:ea typeface="標楷體" pitchFamily="65" charset="-120"/>
+              </a:rPr>
+              <a:t>       (c) length(</a:t>
+            </a:r>
+            <a:r>
+              <a:rPr lang="en-US" altLang="zh-TW" i="1" dirty="0">
+                <a:ea typeface="標楷體" pitchFamily="65" charset="-120"/>
+              </a:rPr>
+              <a:t>y</a:t>
+            </a:r>
+            <a:r>
+              <a:rPr lang="en-US" altLang="zh-TW" dirty="0">
+                <a:ea typeface="標楷體" pitchFamily="65" charset="-120"/>
+              </a:rPr>
+              <a:t>[</a:t>
+            </a:r>
+            <a:r>
+              <a:rPr lang="en-US" altLang="zh-TW" i="1" dirty="0">
+                <a:ea typeface="標楷體" pitchFamily="65" charset="-120"/>
+              </a:rPr>
+              <a:t>n</a:t>
+            </a:r>
+            <a:r>
+              <a:rPr lang="en-US" altLang="zh-TW" dirty="0">
+                <a:ea typeface="標楷體" pitchFamily="65" charset="-120"/>
+              </a:rPr>
+              <a:t>]) =  6,        and (d) length(</a:t>
+            </a:r>
+            <a:r>
+              <a:rPr lang="en-US" altLang="zh-TW" i="1" dirty="0">
+                <a:ea typeface="標楷體" pitchFamily="65" charset="-120"/>
+              </a:rPr>
+              <a:t>y</a:t>
+            </a:r>
+            <a:r>
+              <a:rPr lang="en-US" altLang="zh-TW" dirty="0">
+                <a:ea typeface="標楷體" pitchFamily="65" charset="-120"/>
+              </a:rPr>
+              <a:t>[</a:t>
+            </a:r>
+            <a:r>
+              <a:rPr lang="en-US" altLang="zh-TW" i="1" dirty="0">
+                <a:ea typeface="標楷體" pitchFamily="65" charset="-120"/>
+              </a:rPr>
+              <a:t>n</a:t>
+            </a:r>
+            <a:r>
+              <a:rPr lang="en-US" altLang="zh-TW" dirty="0">
+                <a:ea typeface="標楷體" pitchFamily="65" charset="-120"/>
+              </a:rPr>
+              <a:t>]) = 2 ?                     (25 scores)</a:t>
             </a:r>
           </a:p>
           <a:p>
             <a:pPr algn="just">
-              <a:lnSpc>
-                <a:spcPct val="120000"/>
-              </a:lnSpc>
               <a:spcBef>
-                <a:spcPts val="0"/>
+                <a:spcPts val="600"/>
               </a:spcBef>
             </a:pPr>
             <a:r>
-              <a:rPr lang="en-US" altLang="zh-TW" dirty="0"/>
-              <a:t>            (ended with (2, 7), (3, 8), (4, 9), (0, 5))  </a:t>
+              <a:rPr lang="en-US" altLang="zh-TW" dirty="0">
+                <a:ea typeface="標楷體" pitchFamily="65" charset="-120"/>
+              </a:rPr>
+              <a:t>     Please show (</a:t>
+            </a:r>
+            <a:r>
+              <a:rPr lang="en-US" altLang="zh-TW" dirty="0" err="1">
+                <a:ea typeface="標楷體" pitchFamily="65" charset="-120"/>
+              </a:rPr>
+              <a:t>i</a:t>
+            </a:r>
+            <a:r>
+              <a:rPr lang="en-US" altLang="zh-TW" dirty="0">
+                <a:ea typeface="標楷體" pitchFamily="65" charset="-120"/>
+              </a:rPr>
+              <a:t>) the </a:t>
+            </a:r>
+            <a:r>
+              <a:rPr lang="en-US" altLang="zh-TW" u="sng" dirty="0">
+                <a:ea typeface="標楷體" pitchFamily="65" charset="-120"/>
+              </a:rPr>
+              <a:t>convolution method</a:t>
+            </a:r>
+            <a:r>
+              <a:rPr lang="en-US" altLang="zh-TW" dirty="0">
+                <a:ea typeface="標楷體" pitchFamily="65" charset="-120"/>
+              </a:rPr>
+              <a:t> (direct, sectioned convolution, or </a:t>
+            </a:r>
+            <a:br>
+              <a:rPr lang="en-US" altLang="zh-TW" dirty="0">
+                <a:ea typeface="標楷體" pitchFamily="65" charset="-120"/>
+              </a:rPr>
+            </a:br>
+            <a:r>
+              <a:rPr lang="en-US" altLang="zh-TW" dirty="0">
+                <a:ea typeface="標楷體" pitchFamily="65" charset="-120"/>
+              </a:rPr>
+              <a:t>     non-sectioned convolution), (ii) the </a:t>
+            </a:r>
+            <a:r>
+              <a:rPr lang="en-US" altLang="zh-TW" u="sng" dirty="0">
+                <a:ea typeface="標楷體" pitchFamily="65" charset="-120"/>
+              </a:rPr>
+              <a:t>number of points of the FFT</a:t>
+            </a:r>
+            <a:r>
+              <a:rPr lang="en-US" altLang="zh-TW" dirty="0">
+                <a:ea typeface="標楷體" pitchFamily="65" charset="-120"/>
+              </a:rPr>
+              <a:t>, (iii) and the</a:t>
+            </a:r>
+            <a:br>
+              <a:rPr lang="en-US" altLang="zh-TW" dirty="0">
+                <a:ea typeface="標楷體" pitchFamily="65" charset="-120"/>
+              </a:rPr>
+            </a:br>
+            <a:r>
+              <a:rPr lang="en-US" altLang="zh-TW" dirty="0">
+                <a:ea typeface="標楷體" pitchFamily="65" charset="-120"/>
+              </a:rPr>
+              <a:t>     </a:t>
+            </a:r>
+            <a:r>
+              <a:rPr lang="en-US" altLang="zh-TW" u="sng" dirty="0">
+                <a:ea typeface="標楷體" pitchFamily="65" charset="-120"/>
+              </a:rPr>
+              <a:t>number of real multiplications</a:t>
+            </a:r>
+            <a:r>
+              <a:rPr lang="en-US" altLang="zh-TW" dirty="0">
+                <a:ea typeface="標楷體" pitchFamily="65" charset="-120"/>
+              </a:rPr>
+              <a:t> for the best implementation method. Also,</a:t>
+            </a:r>
+            <a:br>
+              <a:rPr lang="en-US" altLang="zh-TW" dirty="0">
+                <a:ea typeface="標楷體" pitchFamily="65" charset="-120"/>
+              </a:rPr>
+            </a:br>
+            <a:r>
+              <a:rPr lang="en-US" altLang="zh-TW" dirty="0">
+                <a:ea typeface="標楷體" pitchFamily="65" charset="-120"/>
+              </a:rPr>
+              <a:t>     consider the general case where </a:t>
+            </a:r>
+            <a:r>
+              <a:rPr lang="en-US" altLang="zh-TW" i="1" dirty="0">
+                <a:ea typeface="標楷體" pitchFamily="65" charset="-120"/>
+              </a:rPr>
+              <a:t>x</a:t>
+            </a:r>
+            <a:r>
+              <a:rPr lang="en-US" altLang="zh-TW" dirty="0">
+                <a:ea typeface="標楷體" pitchFamily="65" charset="-120"/>
+              </a:rPr>
+              <a:t>[</a:t>
+            </a:r>
+            <a:r>
+              <a:rPr lang="en-US" altLang="zh-TW" i="1" dirty="0">
+                <a:ea typeface="標楷體" pitchFamily="65" charset="-120"/>
+              </a:rPr>
+              <a:t>n</a:t>
+            </a:r>
+            <a:r>
+              <a:rPr lang="en-US" altLang="zh-TW" dirty="0">
+                <a:ea typeface="標楷體" pitchFamily="65" charset="-120"/>
+              </a:rPr>
+              <a:t>] and </a:t>
+            </a:r>
+            <a:r>
+              <a:rPr lang="en-US" altLang="zh-TW" i="1" dirty="0">
+                <a:ea typeface="標楷體" pitchFamily="65" charset="-120"/>
+              </a:rPr>
+              <a:t>y</a:t>
+            </a:r>
+            <a:r>
+              <a:rPr lang="en-US" altLang="zh-TW" dirty="0">
+                <a:ea typeface="標楷體" pitchFamily="65" charset="-120"/>
+              </a:rPr>
+              <a:t>[</a:t>
+            </a:r>
+            <a:r>
+              <a:rPr lang="en-US" altLang="zh-TW" i="1" dirty="0">
+                <a:ea typeface="標楷體" pitchFamily="65" charset="-120"/>
+              </a:rPr>
+              <a:t>n</a:t>
+            </a:r>
+            <a:r>
+              <a:rPr lang="en-US" altLang="zh-TW" dirty="0">
+                <a:ea typeface="標楷體" pitchFamily="65" charset="-120"/>
+              </a:rPr>
+              <a:t>] are complex sequences and the</a:t>
+            </a:r>
+            <a:br>
+              <a:rPr lang="en-US" altLang="zh-TW" dirty="0">
+                <a:ea typeface="標楷體" pitchFamily="65" charset="-120"/>
+              </a:rPr>
+            </a:br>
+            <a:r>
+              <a:rPr lang="en-US" altLang="zh-TW" dirty="0">
+                <a:ea typeface="標楷體" pitchFamily="65" charset="-120"/>
+              </a:rPr>
+              <a:t>     FFT of </a:t>
+            </a:r>
+            <a:r>
+              <a:rPr lang="en-US" altLang="zh-TW" i="1" dirty="0">
+                <a:ea typeface="標楷體" pitchFamily="65" charset="-120"/>
+              </a:rPr>
+              <a:t>y</a:t>
+            </a:r>
+            <a:r>
+              <a:rPr lang="en-US" altLang="zh-TW" dirty="0">
+                <a:ea typeface="標楷體" pitchFamily="65" charset="-120"/>
+              </a:rPr>
+              <a:t>[</a:t>
+            </a:r>
+            <a:r>
+              <a:rPr lang="en-US" altLang="zh-TW" i="1" dirty="0">
+                <a:ea typeface="標楷體" pitchFamily="65" charset="-120"/>
+              </a:rPr>
+              <a:t>n</a:t>
+            </a:r>
+            <a:r>
+              <a:rPr lang="en-US" altLang="zh-TW" dirty="0">
+                <a:ea typeface="標楷體" pitchFamily="65" charset="-120"/>
+              </a:rPr>
+              <a:t>] can be computed in prior. </a:t>
             </a:r>
           </a:p>
         </p:txBody>
       </p:sp>
+      <mc:AlternateContent xmlns:mc="http://schemas.openxmlformats.org/markup-compatibility/2006" xmlns:a14="http://schemas.microsoft.com/office/drawing/2010/main">
+        <mc:Choice Requires="a14">
+          <p:sp>
+            <p:nvSpPr>
+              <p:cNvPr id="2" name="文字方塊 1">
+                <a:extLst>
+                  <a:ext uri="{FF2B5EF4-FFF2-40B4-BE49-F238E27FC236}">
+                    <a16:creationId xmlns:a16="http://schemas.microsoft.com/office/drawing/2014/main" id="{9600202F-63A9-2C2F-1FE4-9BD3AFAACC51}"/>
+                  </a:ext>
+                </a:extLst>
+              </p:cNvPr>
+              <p:cNvSpPr txBox="1"/>
+              <p:nvPr/>
+            </p:nvSpPr>
+            <p:spPr>
+              <a:xfrm>
+                <a:off x="287337" y="3231707"/>
+                <a:ext cx="8569325" cy="3434530"/>
+              </a:xfrm>
+              <a:prstGeom prst="rect">
+                <a:avLst/>
+              </a:prstGeom>
+              <a:noFill/>
+            </p:spPr>
+            <p:txBody>
+              <a:bodyPr wrap="square" rtlCol="0">
+                <a:spAutoFit/>
+              </a:bodyPr>
+              <a:lstStyle/>
+              <a:p>
+                <a:r>
+                  <a:rPr kumimoji="1" lang="en-US" altLang="zh-TW" dirty="0"/>
+                  <a:t>(b)</a:t>
+                </a:r>
+              </a:p>
+              <a:p>
+                <a:pPr marL="400050" indent="-400050">
+                  <a:buFontTx/>
+                  <a:buAutoNum type="romanLcParenBoth"/>
+                </a:pPr>
+                <a:r>
+                  <a:rPr lang="zh-TW" altLang="en-US" dirty="0"/>
+                  <a:t>因為</a:t>
+                </a:r>
+                <a14:m>
+                  <m:oMath xmlns:m="http://schemas.openxmlformats.org/officeDocument/2006/math">
+                    <m:r>
+                      <a:rPr lang="en-US" altLang="zh-TW" b="0" i="1" smtClean="0">
+                        <a:latin typeface="Cambria Math" panose="02040503050406030204" pitchFamily="18" charset="0"/>
+                      </a:rPr>
+                      <m:t>𝑁</m:t>
+                    </m:r>
+                    <m:r>
+                      <a:rPr lang="en-US" altLang="zh-TW" b="0" i="1" smtClean="0">
+                        <a:latin typeface="Cambria Math" panose="02040503050406030204" pitchFamily="18" charset="0"/>
+                        <a:ea typeface="Cambria Math" panose="02040503050406030204" pitchFamily="18" charset="0"/>
+                      </a:rPr>
+                      <m:t>≫</m:t>
+                    </m:r>
+                    <m:r>
+                      <a:rPr lang="en-US" altLang="zh-TW" b="0" i="1" smtClean="0">
+                        <a:latin typeface="Cambria Math" panose="02040503050406030204" pitchFamily="18" charset="0"/>
+                        <a:ea typeface="Cambria Math" panose="02040503050406030204" pitchFamily="18" charset="0"/>
+                      </a:rPr>
+                      <m:t>𝑀</m:t>
+                    </m:r>
+                  </m:oMath>
+                </a14:m>
+                <a:r>
+                  <a:rPr lang="zh-TW" altLang="en-US" dirty="0"/>
+                  <a:t>，所以 </a:t>
+                </a:r>
+                <a:r>
+                  <a:rPr lang="en-US" altLang="zh-TW" dirty="0"/>
+                  <a:t>convolution method </a:t>
+                </a:r>
+                <a:r>
+                  <a:rPr lang="zh-TW" altLang="en-US" dirty="0"/>
+                  <a:t>選擇 </a:t>
+                </a:r>
+                <a:r>
+                  <a:rPr lang="en-US" altLang="zh-TW" dirty="0"/>
+                  <a:t>case2</a:t>
+                </a:r>
+                <a:r>
+                  <a:rPr lang="zh-TW" altLang="en-US" dirty="0"/>
+                  <a:t>： </a:t>
+                </a:r>
+                <a:r>
+                  <a:rPr lang="en-US" altLang="zh-TW" dirty="0"/>
+                  <a:t>sectioned convolution</a:t>
+                </a:r>
+              </a:p>
+              <a:p>
+                <a:r>
+                  <a:rPr lang="en-US" altLang="zh-TW" dirty="0"/>
+                  <a:t>(ii)</a:t>
+                </a:r>
+              </a:p>
+              <a:p>
+                <a:pPr algn="ctr"/>
+                <a14:m>
+                  <m:oMathPara xmlns:m="http://schemas.openxmlformats.org/officeDocument/2006/math">
+                    <m:oMathParaPr>
+                      <m:jc m:val="centerGroup"/>
+                    </m:oMathParaPr>
+                    <m:oMath xmlns:m="http://schemas.openxmlformats.org/officeDocument/2006/math">
+                      <m:sSub>
+                        <m:sSubPr>
+                          <m:ctrlPr>
+                            <a:rPr kumimoji="1" lang="en-US" altLang="zh-TW" i="1" smtClean="0">
+                              <a:latin typeface="Cambria Math" panose="02040503050406030204" pitchFamily="18" charset="0"/>
+                            </a:rPr>
+                          </m:ctrlPr>
+                        </m:sSubPr>
+                        <m:e>
+                          <m:r>
+                            <a:rPr kumimoji="1" lang="en-US" altLang="zh-TW" b="0" i="1" smtClean="0">
+                              <a:latin typeface="Cambria Math" panose="02040503050406030204" pitchFamily="18" charset="0"/>
+                            </a:rPr>
+                            <m:t>𝐿</m:t>
+                          </m:r>
+                        </m:e>
+                        <m:sub>
+                          <m:r>
+                            <a:rPr kumimoji="1" lang="en-US" altLang="zh-TW" b="0" i="1" smtClean="0">
+                              <a:latin typeface="Cambria Math" panose="02040503050406030204" pitchFamily="18" charset="0"/>
+                            </a:rPr>
+                            <m:t>0</m:t>
+                          </m:r>
+                        </m:sub>
+                      </m:sSub>
+                      <m:r>
+                        <a:rPr kumimoji="1" lang="en-US" altLang="zh-TW" b="0" i="1" smtClean="0">
+                          <a:latin typeface="Cambria Math" panose="02040503050406030204" pitchFamily="18" charset="0"/>
+                        </a:rPr>
+                        <m:t>=</m:t>
+                      </m:r>
+                      <m:r>
+                        <a:rPr lang="en-US" altLang="zh-TW" i="1">
+                          <a:latin typeface="Cambria Math" panose="02040503050406030204" pitchFamily="18" charset="0"/>
+                        </a:rPr>
+                        <m:t>248</m:t>
+                      </m:r>
+                      <m:r>
+                        <a:rPr kumimoji="1" lang="en-US" altLang="zh-TW" b="0" i="1" smtClean="0">
+                          <a:latin typeface="Cambria Math" panose="02040503050406030204" pitchFamily="18" charset="0"/>
+                        </a:rPr>
+                        <m:t>,</m:t>
+                      </m:r>
+                      <m:r>
+                        <a:rPr kumimoji="1" lang="zh-TW" altLang="en-US" b="0" i="1" smtClean="0">
+                          <a:latin typeface="Cambria Math" panose="02040503050406030204" pitchFamily="18" charset="0"/>
+                        </a:rPr>
+                        <m:t> </m:t>
+                      </m:r>
+                      <m:sSub>
+                        <m:sSubPr>
+                          <m:ctrlPr>
+                            <a:rPr kumimoji="1" lang="en-US" altLang="zh-TW" b="0" i="1" smtClean="0">
+                              <a:latin typeface="Cambria Math" panose="02040503050406030204" pitchFamily="18" charset="0"/>
+                            </a:rPr>
+                          </m:ctrlPr>
+                        </m:sSubPr>
+                        <m:e>
+                          <m:r>
+                            <a:rPr kumimoji="1" lang="en-US" altLang="zh-TW" b="0" i="1" smtClean="0">
+                              <a:latin typeface="Cambria Math" panose="02040503050406030204" pitchFamily="18" charset="0"/>
+                            </a:rPr>
+                            <m:t>𝑃</m:t>
+                          </m:r>
+                        </m:e>
+                        <m:sub>
+                          <m:r>
+                            <a:rPr kumimoji="1" lang="en-US" altLang="zh-TW" b="0" i="1" smtClean="0">
+                              <a:latin typeface="Cambria Math" panose="02040503050406030204" pitchFamily="18" charset="0"/>
+                            </a:rPr>
+                            <m:t>0</m:t>
+                          </m:r>
+                        </m:sub>
+                      </m:sSub>
+                      <m:r>
+                        <a:rPr kumimoji="1" lang="en-US" altLang="zh-TW" b="0" i="1" smtClean="0">
+                          <a:latin typeface="Cambria Math" panose="02040503050406030204" pitchFamily="18" charset="0"/>
+                        </a:rPr>
+                        <m:t>=</m:t>
+                      </m:r>
+                      <m:sSub>
+                        <m:sSubPr>
+                          <m:ctrlPr>
+                            <a:rPr lang="en-US" altLang="zh-TW" i="1">
+                              <a:latin typeface="Cambria Math" panose="02040503050406030204" pitchFamily="18" charset="0"/>
+                            </a:rPr>
+                          </m:ctrlPr>
+                        </m:sSubPr>
+                        <m:e>
+                          <m:r>
+                            <a:rPr lang="en-US" altLang="zh-TW" i="1">
+                              <a:latin typeface="Cambria Math" panose="02040503050406030204" pitchFamily="18" charset="0"/>
+                            </a:rPr>
+                            <m:t>𝐿</m:t>
+                          </m:r>
+                        </m:e>
+                        <m:sub>
+                          <m:r>
+                            <a:rPr lang="en-US" altLang="zh-TW" i="1">
+                              <a:latin typeface="Cambria Math" panose="02040503050406030204" pitchFamily="18" charset="0"/>
+                            </a:rPr>
+                            <m:t>0</m:t>
+                          </m:r>
+                        </m:sub>
+                      </m:sSub>
+                      <m:r>
+                        <a:rPr lang="en-US" altLang="zh-TW" i="1">
+                          <a:latin typeface="Cambria Math" panose="02040503050406030204" pitchFamily="18" charset="0"/>
+                        </a:rPr>
+                        <m:t>+</m:t>
+                      </m:r>
+                      <m:r>
+                        <a:rPr lang="en-US" altLang="zh-TW" i="1">
+                          <a:latin typeface="Cambria Math" panose="02040503050406030204" pitchFamily="18" charset="0"/>
+                        </a:rPr>
+                        <m:t>𝑀</m:t>
+                      </m:r>
+                      <m:r>
+                        <a:rPr lang="en-US" altLang="zh-TW" i="1">
+                          <a:latin typeface="Cambria Math" panose="02040503050406030204" pitchFamily="18" charset="0"/>
+                        </a:rPr>
+                        <m:t>−1=287</m:t>
+                      </m:r>
+                    </m:oMath>
+                  </m:oMathPara>
+                </a14:m>
+                <a:endParaRPr kumimoji="1" lang="en-US" altLang="zh-TW" baseline="-25000" dirty="0"/>
+              </a:p>
+              <a:p>
+                <a:pPr algn="ctr"/>
+                <a:r>
+                  <a:rPr kumimoji="1" lang="en-US" altLang="zh-TW" b="0" i="0" dirty="0">
+                    <a:latin typeface="Cambria Math" panose="02040503050406030204" pitchFamily="18" charset="0"/>
+                  </a:rPr>
+                  <a:t>P</a:t>
+                </a:r>
+                <a:r>
+                  <a:rPr kumimoji="1" lang="zh-TW" altLang="en-US" b="0" i="0" dirty="0">
+                    <a:latin typeface="Cambria Math" panose="02040503050406030204" pitchFamily="18" charset="0"/>
+                  </a:rPr>
+                  <a:t> </a:t>
+                </a:r>
+                <a:r>
+                  <a:rPr kumimoji="1" lang="en-US" altLang="zh-TW" b="0" i="0" dirty="0">
+                    <a:latin typeface="Cambria Math" panose="02040503050406030204" pitchFamily="18" charset="0"/>
+                  </a:rPr>
+                  <a:t>choose</a:t>
+                </a:r>
+                <a:r>
+                  <a:rPr kumimoji="1" lang="zh-TW" altLang="en-US" b="0" i="0" dirty="0">
+                    <a:latin typeface="Cambria Math" panose="02040503050406030204" pitchFamily="18" charset="0"/>
+                  </a:rPr>
+                  <a:t> </a:t>
+                </a:r>
+                <a:r>
+                  <a:rPr kumimoji="1" lang="en-US" altLang="zh-TW" b="0" i="0" dirty="0">
+                    <a:latin typeface="Cambria Math" panose="02040503050406030204" pitchFamily="18" charset="0"/>
+                  </a:rPr>
+                  <a:t>288,</a:t>
+                </a:r>
+                <a:r>
+                  <a:rPr kumimoji="1" lang="zh-TW" altLang="en-US" b="0" i="0" dirty="0">
+                    <a:latin typeface="Cambria Math" panose="02040503050406030204" pitchFamily="18" charset="0"/>
+                  </a:rPr>
+                  <a:t> </a:t>
+                </a:r>
+                <a:r>
+                  <a:rPr kumimoji="1" lang="en-US" altLang="zh-TW" b="0" i="0" dirty="0">
+                    <a:latin typeface="Cambria Math" panose="02040503050406030204" pitchFamily="18" charset="0"/>
+                  </a:rPr>
+                  <a:t>MUL</a:t>
+                </a:r>
+                <a:r>
+                  <a:rPr lang="en-US" altLang="zh-TW" baseline="-25000" dirty="0">
+                    <a:latin typeface="Cambria Math" panose="02040503050406030204" pitchFamily="18" charset="0"/>
+                  </a:rPr>
+                  <a:t>288</a:t>
+                </a:r>
+                <a:r>
+                  <a:rPr kumimoji="1" lang="zh-TW" altLang="en-US" b="0" i="0" baseline="-25000" dirty="0">
+                    <a:latin typeface="Cambria Math" panose="02040503050406030204" pitchFamily="18" charset="0"/>
+                  </a:rPr>
+                  <a:t> </a:t>
+                </a:r>
+                <a:r>
+                  <a:rPr kumimoji="1" lang="en-US" altLang="zh-TW" b="0" i="0" dirty="0">
+                    <a:latin typeface="Cambria Math" panose="02040503050406030204" pitchFamily="18" charset="0"/>
+                  </a:rPr>
+                  <a:t>= 1160</a:t>
+                </a:r>
+              </a:p>
+              <a:p>
+                <a:pPr algn="ctr"/>
+                <a:endParaRPr kumimoji="1" lang="en-US" altLang="zh-TW" b="0" i="0" dirty="0">
+                  <a:latin typeface="Cambria Math" panose="02040503050406030204" pitchFamily="18" charset="0"/>
+                </a:endParaRPr>
+              </a:p>
+              <a:p>
+                <a:r>
+                  <a:rPr lang="en-US" altLang="zh-TW" dirty="0">
+                    <a:latin typeface="Cambria Math" panose="02040503050406030204" pitchFamily="18" charset="0"/>
+                  </a:rPr>
+                  <a:t>(iii)</a:t>
+                </a:r>
+                <a:endParaRPr kumimoji="1" lang="en-US" altLang="zh-TW" b="0" i="0" dirty="0">
+                  <a:latin typeface="Cambria Math" panose="02040503050406030204" pitchFamily="18" charset="0"/>
+                </a:endParaRPr>
+              </a:p>
+              <a:p>
+                <a:pPr algn="ctr"/>
+                <a14:m>
+                  <m:oMathPara xmlns:m="http://schemas.openxmlformats.org/officeDocument/2006/math">
+                    <m:oMathParaPr>
+                      <m:jc m:val="centerGroup"/>
+                    </m:oMathParaPr>
+                    <m:oMath xmlns:m="http://schemas.openxmlformats.org/officeDocument/2006/math">
+                      <m:r>
+                        <a:rPr lang="en-US" altLang="zh-TW" i="1">
+                          <a:latin typeface="Cambria Math" panose="02040503050406030204" pitchFamily="18" charset="0"/>
+                        </a:rPr>
+                        <m:t>𝐿</m:t>
+                      </m:r>
+                      <m:r>
+                        <a:rPr lang="en-US" altLang="zh-TW" i="1">
+                          <a:latin typeface="Cambria Math" panose="02040503050406030204" pitchFamily="18" charset="0"/>
+                        </a:rPr>
+                        <m:t>=</m:t>
+                      </m:r>
+                      <m:r>
+                        <a:rPr lang="en-US" altLang="zh-TW" i="1">
+                          <a:latin typeface="Cambria Math" panose="02040503050406030204" pitchFamily="18" charset="0"/>
+                        </a:rPr>
+                        <m:t>𝑃</m:t>
+                      </m:r>
+                      <m:r>
+                        <a:rPr lang="en-US" altLang="zh-TW" i="1">
+                          <a:latin typeface="Cambria Math" panose="02040503050406030204" pitchFamily="18" charset="0"/>
+                        </a:rPr>
+                        <m:t>−</m:t>
+                      </m:r>
+                      <m:r>
+                        <a:rPr lang="en-US" altLang="zh-TW" i="1">
+                          <a:latin typeface="Cambria Math" panose="02040503050406030204" pitchFamily="18" charset="0"/>
+                        </a:rPr>
+                        <m:t>𝑀</m:t>
+                      </m:r>
+                      <m:r>
+                        <a:rPr lang="en-US" altLang="zh-TW" i="1">
+                          <a:latin typeface="Cambria Math" panose="02040503050406030204" pitchFamily="18" charset="0"/>
+                        </a:rPr>
+                        <m:t>+1=249,</m:t>
+                      </m:r>
+                      <m:r>
+                        <a:rPr lang="zh-TW" altLang="en-US" b="0" i="1" smtClean="0">
+                          <a:latin typeface="Cambria Math" panose="02040503050406030204" pitchFamily="18" charset="0"/>
+                        </a:rPr>
+                        <m:t> </m:t>
+                      </m:r>
+                      <m:r>
+                        <a:rPr lang="en-US" altLang="zh-TW" b="0" i="1" smtClean="0">
+                          <a:latin typeface="Cambria Math" panose="02040503050406030204" pitchFamily="18" charset="0"/>
+                        </a:rPr>
+                        <m:t>𝑆</m:t>
+                      </m:r>
+                      <m:r>
+                        <a:rPr lang="en-US" altLang="zh-TW" b="0" i="1" smtClean="0">
+                          <a:latin typeface="Cambria Math" panose="02040503050406030204" pitchFamily="18" charset="0"/>
+                        </a:rPr>
+                        <m:t>=</m:t>
+                      </m:r>
+                      <m:d>
+                        <m:dPr>
+                          <m:begChr m:val="⌈"/>
+                          <m:endChr m:val="⌉"/>
+                          <m:ctrlPr>
+                            <a:rPr lang="en-US" altLang="zh-TW" b="0" i="1" smtClean="0">
+                              <a:latin typeface="Cambria Math" panose="02040503050406030204" pitchFamily="18" charset="0"/>
+                            </a:rPr>
+                          </m:ctrlPr>
+                        </m:dPr>
+                        <m:e>
+                          <m:f>
+                            <m:fPr>
+                              <m:ctrlPr>
+                                <a:rPr lang="en-US" altLang="zh-TW" b="0" i="1" smtClean="0">
+                                  <a:latin typeface="Cambria Math" panose="02040503050406030204" pitchFamily="18" charset="0"/>
+                                </a:rPr>
+                              </m:ctrlPr>
+                            </m:fPr>
+                            <m:num>
+                              <m:r>
+                                <a:rPr lang="en-US" altLang="zh-TW" b="0" i="1" smtClean="0">
+                                  <a:latin typeface="Cambria Math" panose="02040503050406030204" pitchFamily="18" charset="0"/>
+                                </a:rPr>
+                                <m:t>𝑁</m:t>
+                              </m:r>
+                            </m:num>
+                            <m:den>
+                              <m:r>
+                                <a:rPr lang="en-US" altLang="zh-TW" b="0" i="1" smtClean="0">
+                                  <a:latin typeface="Cambria Math" panose="02040503050406030204" pitchFamily="18" charset="0"/>
+                                </a:rPr>
+                                <m:t>𝐿</m:t>
+                              </m:r>
+                            </m:den>
+                          </m:f>
+                        </m:e>
+                      </m:d>
+                      <m:r>
+                        <a:rPr lang="en-US" altLang="zh-TW" b="0" i="1" smtClean="0">
+                          <a:latin typeface="Cambria Math" panose="02040503050406030204" pitchFamily="18" charset="0"/>
+                        </a:rPr>
+                        <m:t>=</m:t>
+                      </m:r>
+                      <m:d>
+                        <m:dPr>
+                          <m:begChr m:val="⌈"/>
+                          <m:endChr m:val="⌉"/>
+                          <m:ctrlPr>
+                            <a:rPr lang="en-US" altLang="zh-TW" i="1">
+                              <a:latin typeface="Cambria Math" panose="02040503050406030204" pitchFamily="18" charset="0"/>
+                            </a:rPr>
+                          </m:ctrlPr>
+                        </m:dPr>
+                        <m:e>
+                          <m:f>
+                            <m:fPr>
+                              <m:ctrlPr>
+                                <a:rPr lang="en-US" altLang="zh-TW" i="1">
+                                  <a:latin typeface="Cambria Math" panose="02040503050406030204" pitchFamily="18" charset="0"/>
+                                </a:rPr>
+                              </m:ctrlPr>
+                            </m:fPr>
+                            <m:num>
+                              <m:r>
+                                <a:rPr lang="en-US" altLang="zh-TW" b="0" i="1" smtClean="0">
+                                  <a:latin typeface="Cambria Math" panose="02040503050406030204" pitchFamily="18" charset="0"/>
+                                </a:rPr>
+                                <m:t>1100</m:t>
+                              </m:r>
+                            </m:num>
+                            <m:den>
+                              <m:r>
+                                <a:rPr lang="en-US" altLang="zh-TW" b="0" i="1" smtClean="0">
+                                  <a:latin typeface="Cambria Math" panose="02040503050406030204" pitchFamily="18" charset="0"/>
+                                </a:rPr>
+                                <m:t>249</m:t>
+                              </m:r>
+                            </m:den>
+                          </m:f>
+                        </m:e>
+                      </m:d>
+                      <m:r>
+                        <a:rPr lang="en-US" altLang="zh-TW" b="0" i="1" smtClean="0">
+                          <a:latin typeface="Cambria Math" panose="02040503050406030204" pitchFamily="18" charset="0"/>
+                        </a:rPr>
+                        <m:t>=5</m:t>
+                      </m:r>
+                    </m:oMath>
+                  </m:oMathPara>
+                </a14:m>
+                <a:endParaRPr lang="en-US" altLang="zh-TW" b="0" i="0" dirty="0">
+                  <a:latin typeface="Cambria Math" panose="02040503050406030204" pitchFamily="18" charset="0"/>
+                </a:endParaRPr>
+              </a:p>
+              <a:p>
+                <a:pPr algn="ctr"/>
+                <a:r>
+                  <a:rPr lang="en-US" altLang="zh-TW" b="0" i="0" dirty="0">
+                    <a:latin typeface="Cambria Math" panose="02040503050406030204" pitchFamily="18" charset="0"/>
+                  </a:rPr>
+                  <a:t>Number of real multiplications: </a:t>
+                </a:r>
+              </a:p>
+              <a:p>
+                <a:pPr algn="ctr"/>
+                <a14:m>
+                  <m:oMathPara xmlns:m="http://schemas.openxmlformats.org/officeDocument/2006/math">
+                    <m:oMathParaPr>
+                      <m:jc m:val="centerGroup"/>
+                    </m:oMathParaPr>
+                    <m:oMath xmlns:m="http://schemas.openxmlformats.org/officeDocument/2006/math">
+                      <m:r>
+                        <a:rPr kumimoji="1" lang="en-US" altLang="zh-TW" b="0" i="1" smtClean="0">
+                          <a:latin typeface="Cambria Math" panose="02040503050406030204" pitchFamily="18" charset="0"/>
+                        </a:rPr>
+                        <m:t>2</m:t>
+                      </m:r>
+                      <m:r>
+                        <a:rPr kumimoji="1" lang="en-US" altLang="zh-TW" b="0" i="1" smtClean="0">
+                          <a:latin typeface="Cambria Math" panose="02040503050406030204" pitchFamily="18" charset="0"/>
+                        </a:rPr>
+                        <m:t>𝑆</m:t>
+                      </m:r>
+                      <m:r>
+                        <a:rPr kumimoji="1" lang="en-US" altLang="zh-TW" b="0" i="1" smtClean="0">
+                          <a:latin typeface="Cambria Math" panose="02040503050406030204" pitchFamily="18" charset="0"/>
+                          <a:ea typeface="Cambria Math" panose="02040503050406030204" pitchFamily="18" charset="0"/>
+                        </a:rPr>
+                        <m:t>×</m:t>
+                      </m:r>
+                      <m:sSub>
+                        <m:sSubPr>
+                          <m:ctrlPr>
+                            <a:rPr kumimoji="1" lang="en-US" altLang="zh-TW" b="0" i="1" smtClean="0">
+                              <a:latin typeface="Cambria Math" panose="02040503050406030204" pitchFamily="18" charset="0"/>
+                              <a:ea typeface="Cambria Math" panose="02040503050406030204" pitchFamily="18" charset="0"/>
+                            </a:rPr>
+                          </m:ctrlPr>
+                        </m:sSubPr>
+                        <m:e>
+                          <m:r>
+                            <a:rPr kumimoji="1" lang="en-US" altLang="zh-TW" b="0" i="1" smtClean="0">
+                              <a:latin typeface="Cambria Math" panose="02040503050406030204" pitchFamily="18" charset="0"/>
+                              <a:ea typeface="Cambria Math" panose="02040503050406030204" pitchFamily="18" charset="0"/>
+                            </a:rPr>
+                            <m:t>𝑀𝑈𝐿</m:t>
+                          </m:r>
+                        </m:e>
+                        <m:sub>
+                          <m:r>
+                            <a:rPr kumimoji="1" lang="en-US" altLang="zh-TW" b="0" i="1" smtClean="0">
+                              <a:latin typeface="Cambria Math" panose="02040503050406030204" pitchFamily="18" charset="0"/>
+                              <a:ea typeface="Cambria Math" panose="02040503050406030204" pitchFamily="18" charset="0"/>
+                            </a:rPr>
+                            <m:t>𝑃</m:t>
+                          </m:r>
+                        </m:sub>
+                      </m:sSub>
+                      <m:r>
+                        <a:rPr kumimoji="1" lang="en-US" altLang="zh-TW" b="0" i="1" smtClean="0">
+                          <a:latin typeface="Cambria Math" panose="02040503050406030204" pitchFamily="18" charset="0"/>
+                          <a:ea typeface="Cambria Math" panose="02040503050406030204" pitchFamily="18" charset="0"/>
+                        </a:rPr>
+                        <m:t>+3</m:t>
+                      </m:r>
+                      <m:r>
+                        <a:rPr kumimoji="1" lang="en-US" altLang="zh-TW" b="0" i="1" smtClean="0">
+                          <a:latin typeface="Cambria Math" panose="02040503050406030204" pitchFamily="18" charset="0"/>
+                          <a:ea typeface="Cambria Math" panose="02040503050406030204" pitchFamily="18" charset="0"/>
+                        </a:rPr>
+                        <m:t>𝑆</m:t>
+                      </m:r>
+                      <m:r>
+                        <a:rPr kumimoji="1" lang="en-US" altLang="zh-TW" b="0" i="1" smtClean="0">
+                          <a:latin typeface="Cambria Math" panose="02040503050406030204" pitchFamily="18" charset="0"/>
+                          <a:ea typeface="Cambria Math" panose="02040503050406030204" pitchFamily="18" charset="0"/>
+                        </a:rPr>
+                        <m:t>×</m:t>
+                      </m:r>
+                      <m:r>
+                        <a:rPr kumimoji="1" lang="en-US" altLang="zh-TW" b="0" i="1" smtClean="0">
+                          <a:latin typeface="Cambria Math" panose="02040503050406030204" pitchFamily="18" charset="0"/>
+                          <a:ea typeface="Cambria Math" panose="02040503050406030204" pitchFamily="18" charset="0"/>
+                        </a:rPr>
+                        <m:t>𝑃</m:t>
+                      </m:r>
+                      <m:r>
+                        <a:rPr kumimoji="1" lang="en-US" altLang="zh-TW" b="0" i="1" smtClean="0">
+                          <a:latin typeface="Cambria Math" panose="02040503050406030204" pitchFamily="18" charset="0"/>
+                          <a:ea typeface="Cambria Math" panose="02040503050406030204" pitchFamily="18" charset="0"/>
+                        </a:rPr>
+                        <m:t>=2</m:t>
+                      </m:r>
+                      <m:r>
+                        <a:rPr kumimoji="1" lang="zh-TW" altLang="en-US" b="0" i="1" smtClean="0">
+                          <a:latin typeface="Cambria Math" panose="02040503050406030204" pitchFamily="18" charset="0"/>
+                          <a:ea typeface="Cambria Math" panose="02040503050406030204" pitchFamily="18" charset="0"/>
+                        </a:rPr>
+                        <m:t>∗</m:t>
+                      </m:r>
+                      <m:r>
+                        <a:rPr kumimoji="1" lang="en-US" altLang="zh-TW" b="0" i="1" smtClean="0">
+                          <a:latin typeface="Cambria Math" panose="02040503050406030204" pitchFamily="18" charset="0"/>
+                          <a:ea typeface="Cambria Math" panose="02040503050406030204" pitchFamily="18" charset="0"/>
+                        </a:rPr>
+                        <m:t>5</m:t>
+                      </m:r>
+                      <m:r>
+                        <a:rPr kumimoji="1" lang="zh-TW" altLang="en-US" b="0" i="1" smtClean="0">
+                          <a:latin typeface="Cambria Math" panose="02040503050406030204" pitchFamily="18" charset="0"/>
+                          <a:ea typeface="Cambria Math" panose="02040503050406030204" pitchFamily="18" charset="0"/>
+                        </a:rPr>
+                        <m:t>∗</m:t>
+                      </m:r>
+                      <m:r>
+                        <a:rPr kumimoji="1" lang="en-US" altLang="zh-TW" b="0" i="1" smtClean="0">
+                          <a:latin typeface="Cambria Math" panose="02040503050406030204" pitchFamily="18" charset="0"/>
+                          <a:ea typeface="Cambria Math" panose="02040503050406030204" pitchFamily="18" charset="0"/>
+                        </a:rPr>
+                        <m:t>1160</m:t>
+                      </m:r>
+                      <m:r>
+                        <m:rPr>
+                          <m:nor/>
+                        </m:rPr>
+                        <a:rPr kumimoji="1" lang="en-US" altLang="zh-TW" b="0" i="0" smtClean="0">
+                          <a:latin typeface="Cambria Math" panose="02040503050406030204" pitchFamily="18" charset="0"/>
+                          <a:ea typeface="Cambria Math" panose="02040503050406030204" pitchFamily="18" charset="0"/>
+                        </a:rPr>
+                        <m:t>+3</m:t>
+                      </m:r>
+                      <m:r>
+                        <a:rPr lang="zh-TW" altLang="en-US" i="1">
+                          <a:latin typeface="Cambria Math" panose="02040503050406030204" pitchFamily="18" charset="0"/>
+                          <a:ea typeface="Cambria Math" panose="02040503050406030204" pitchFamily="18" charset="0"/>
+                        </a:rPr>
+                        <m:t>∗</m:t>
+                      </m:r>
+                      <m:r>
+                        <m:rPr>
+                          <m:nor/>
+                        </m:rPr>
+                        <a:rPr lang="en-US" altLang="zh-TW" b="0" i="0" smtClean="0">
+                          <a:latin typeface="Cambria Math" panose="02040503050406030204" pitchFamily="18" charset="0"/>
+                          <a:ea typeface="Cambria Math" panose="02040503050406030204" pitchFamily="18" charset="0"/>
+                        </a:rPr>
+                        <m:t>5</m:t>
+                      </m:r>
+                      <m:r>
+                        <a:rPr lang="zh-TW" altLang="en-US" i="1">
+                          <a:latin typeface="Cambria Math" panose="02040503050406030204" pitchFamily="18" charset="0"/>
+                          <a:ea typeface="Cambria Math" panose="02040503050406030204" pitchFamily="18" charset="0"/>
+                        </a:rPr>
+                        <m:t>∗</m:t>
+                      </m:r>
+                      <m:r>
+                        <m:rPr>
+                          <m:nor/>
+                        </m:rPr>
+                        <a:rPr lang="en-US" altLang="zh-TW" b="0" i="0" smtClean="0">
+                          <a:latin typeface="Cambria Math" panose="02040503050406030204" pitchFamily="18" charset="0"/>
+                          <a:ea typeface="Cambria Math" panose="02040503050406030204" pitchFamily="18" charset="0"/>
+                        </a:rPr>
+                        <m:t>288</m:t>
+                      </m:r>
+                      <m:r>
+                        <m:rPr>
+                          <m:nor/>
+                        </m:rPr>
+                        <a:rPr lang="en-US" altLang="zh-TW" b="0" i="0" dirty="0" smtClean="0">
+                          <a:latin typeface="Cambria Math" panose="02040503050406030204" pitchFamily="18" charset="0"/>
+                        </a:rPr>
+                        <m:t>=</m:t>
+                      </m:r>
+                      <m:r>
+                        <m:rPr>
+                          <m:nor/>
+                        </m:rPr>
+                        <a:rPr lang="en-US" altLang="zh-TW" dirty="0">
+                          <a:latin typeface="Cambria Math" panose="02040503050406030204" pitchFamily="18" charset="0"/>
+                        </a:rPr>
+                        <m:t>15920</m:t>
+                      </m:r>
+                    </m:oMath>
+                  </m:oMathPara>
+                </a14:m>
+                <a:endParaRPr kumimoji="1" lang="en-US" altLang="zh-TW" baseline="-25000" dirty="0"/>
+              </a:p>
+            </p:txBody>
+          </p:sp>
+        </mc:Choice>
+        <mc:Fallback xmlns="">
+          <p:sp>
+            <p:nvSpPr>
+              <p:cNvPr id="2" name="文字方塊 1">
+                <a:extLst>
+                  <a:ext uri="{FF2B5EF4-FFF2-40B4-BE49-F238E27FC236}">
+                    <a16:creationId xmlns:a16="http://schemas.microsoft.com/office/drawing/2014/main" id="{9600202F-63A9-2C2F-1FE4-9BD3AFAACC51}"/>
+                  </a:ext>
+                </a:extLst>
+              </p:cNvPr>
+              <p:cNvSpPr txBox="1">
+                <a:spLocks noRot="1" noChangeAspect="1" noMove="1" noResize="1" noEditPoints="1" noAdjustHandles="1" noChangeArrowheads="1" noChangeShapeType="1" noTextEdit="1"/>
+              </p:cNvSpPr>
+              <p:nvPr/>
+            </p:nvSpPr>
+            <p:spPr>
+              <a:xfrm>
+                <a:off x="287337" y="3231707"/>
+                <a:ext cx="8569325" cy="3434530"/>
+              </a:xfrm>
+              <a:prstGeom prst="rect">
+                <a:avLst/>
+              </a:prstGeom>
+              <a:blipFill>
+                <a:blip r:embed="rId3"/>
+                <a:stretch>
+                  <a:fillRect l="-740" t="-735"/>
+                </a:stretch>
+              </a:blipFill>
+            </p:spPr>
+            <p:txBody>
+              <a:bodyPr/>
+              <a:lstStyle/>
+              <a:p>
+                <a:r>
+                  <a:rPr lang="zh-TW" altLang="en-US">
+                    <a:noFill/>
+                  </a:rPr>
+                  <a:t> </a:t>
+                </a:r>
+              </a:p>
+            </p:txBody>
+          </p:sp>
+        </mc:Fallback>
+      </mc:AlternateContent>
     </p:spTree>
     <p:extLst>
       <p:ext uri="{BB962C8B-B14F-4D97-AF65-F5344CB8AC3E}">
-        <p14:creationId xmlns:p14="http://schemas.microsoft.com/office/powerpoint/2010/main" val="672075108"/>
+        <p14:creationId xmlns:p14="http://schemas.microsoft.com/office/powerpoint/2010/main" val="1806129579"/>
+      </p:ext>
+    </p:extLst>
+  </p:cSld>
+  <p:clrMapOvr>
+    <a:masterClrMapping/>
+  </p:clrMapOvr>
+</p:sld>
+</file>
+
+<file path=ppt/slides/slide9.xml><?xml version="1.0" encoding="utf-8"?>
+<p:sld xmlns:a="http://schemas.openxmlformats.org/drawingml/2006/main" xmlns:r="http://schemas.openxmlformats.org/officeDocument/2006/relationships" xmlns:p="http://schemas.openxmlformats.org/presentationml/2006/main">
+  <p:cSld>
+    <p:spTree>
+      <p:nvGrpSpPr>
+        <p:cNvPr id="1" name=""/>
+        <p:cNvGrpSpPr/>
+        <p:nvPr/>
+      </p:nvGrpSpPr>
+      <p:grpSpPr>
+        <a:xfrm>
+          <a:off x="0" y="0"/>
+          <a:ext cx="0" cy="0"/>
+          <a:chOff x="0" y="0"/>
+          <a:chExt cx="0" cy="0"/>
+        </a:xfrm>
+      </p:grpSpPr>
+      <p:sp>
+        <p:nvSpPr>
+          <p:cNvPr id="15" name="Rectangle 3">
+            <a:extLst>
+              <a:ext uri="{FF2B5EF4-FFF2-40B4-BE49-F238E27FC236}">
+                <a16:creationId xmlns:a16="http://schemas.microsoft.com/office/drawing/2014/main" id="{FFC925CC-4204-4666-AF43-CBC2A82A0421}"/>
+              </a:ext>
+            </a:extLst>
+          </p:cNvPr>
+          <p:cNvSpPr>
+            <a:spLocks noChangeArrowheads="1"/>
+          </p:cNvSpPr>
+          <p:nvPr/>
+        </p:nvSpPr>
+        <p:spPr bwMode="auto">
+          <a:xfrm>
+            <a:off x="287337" y="116632"/>
+            <a:ext cx="8569325" cy="3093154"/>
+          </a:xfrm>
+          <a:prstGeom prst="rect">
+            <a:avLst/>
+          </a:prstGeom>
+          <a:solidFill>
+            <a:schemeClr val="bg1">
+              <a:lumMod val="75000"/>
+            </a:schemeClr>
+          </a:solidFill>
+          <a:ln w="9525">
+            <a:noFill/>
+            <a:miter lim="800000"/>
+            <a:headEnd/>
+            <a:tailEnd/>
+          </a:ln>
+        </p:spPr>
+        <p:txBody>
+          <a:bodyPr>
+            <a:spAutoFit/>
+          </a:bodyPr>
+          <a:lstStyle/>
+          <a:p>
+            <a:pPr>
+              <a:spcBef>
+                <a:spcPts val="600"/>
+              </a:spcBef>
+            </a:pPr>
+            <a:r>
+              <a:rPr lang="en-US" altLang="zh-TW" dirty="0">
+                <a:ea typeface="標楷體" pitchFamily="65" charset="-120"/>
+              </a:rPr>
+              <a:t>(6) Suppose that length(</a:t>
+            </a:r>
+            <a:r>
+              <a:rPr lang="en-US" altLang="zh-TW" i="1" dirty="0">
+                <a:ea typeface="標楷體" pitchFamily="65" charset="-120"/>
+              </a:rPr>
+              <a:t>x</a:t>
+            </a:r>
+            <a:r>
+              <a:rPr lang="en-US" altLang="zh-TW" dirty="0">
+                <a:ea typeface="標楷體" pitchFamily="65" charset="-120"/>
+              </a:rPr>
+              <a:t>[</a:t>
+            </a:r>
+            <a:r>
+              <a:rPr lang="en-US" altLang="zh-TW" i="1" dirty="0">
+                <a:ea typeface="標楷體" pitchFamily="65" charset="-120"/>
+              </a:rPr>
+              <a:t>n</a:t>
+            </a:r>
+            <a:r>
+              <a:rPr lang="en-US" altLang="zh-TW" dirty="0">
+                <a:ea typeface="標楷體" pitchFamily="65" charset="-120"/>
+              </a:rPr>
+              <a:t>]) = 1100. What is the </a:t>
+            </a:r>
+            <a:r>
+              <a:rPr lang="en-US" altLang="zh-TW" u="sng" dirty="0">
+                <a:ea typeface="標楷體" pitchFamily="65" charset="-120"/>
+              </a:rPr>
+              <a:t>best way </a:t>
+            </a:r>
+            <a:r>
+              <a:rPr lang="en-US" altLang="zh-TW" dirty="0">
+                <a:ea typeface="標楷體" pitchFamily="65" charset="-120"/>
+              </a:rPr>
+              <a:t>to implement the</a:t>
+            </a:r>
+            <a:br>
+              <a:rPr lang="en-US" altLang="zh-TW" dirty="0">
+                <a:ea typeface="標楷體" pitchFamily="65" charset="-120"/>
+              </a:rPr>
+            </a:br>
+            <a:r>
+              <a:rPr lang="en-US" altLang="zh-TW" dirty="0">
+                <a:ea typeface="標楷體" pitchFamily="65" charset="-120"/>
+              </a:rPr>
+              <a:t>     convolution of  </a:t>
+            </a:r>
+            <a:r>
+              <a:rPr lang="en-US" altLang="zh-TW" i="1" dirty="0">
+                <a:ea typeface="標楷體" pitchFamily="65" charset="-120"/>
+              </a:rPr>
+              <a:t>x</a:t>
+            </a:r>
+            <a:r>
+              <a:rPr lang="en-US" altLang="zh-TW" dirty="0">
+                <a:ea typeface="標楷體" pitchFamily="65" charset="-120"/>
+              </a:rPr>
+              <a:t>[</a:t>
+            </a:r>
+            <a:r>
+              <a:rPr lang="en-US" altLang="zh-TW" i="1" dirty="0">
+                <a:ea typeface="標楷體" pitchFamily="65" charset="-120"/>
+              </a:rPr>
+              <a:t>n</a:t>
+            </a:r>
+            <a:r>
+              <a:rPr lang="en-US" altLang="zh-TW" dirty="0">
+                <a:ea typeface="標楷體" pitchFamily="65" charset="-120"/>
+              </a:rPr>
+              <a:t>] and </a:t>
+            </a:r>
+            <a:r>
+              <a:rPr lang="en-US" altLang="zh-TW" i="1" dirty="0">
+                <a:ea typeface="標楷體" pitchFamily="65" charset="-120"/>
+              </a:rPr>
+              <a:t>y</a:t>
+            </a:r>
+            <a:r>
+              <a:rPr lang="en-US" altLang="zh-TW" dirty="0">
+                <a:ea typeface="標楷體" pitchFamily="65" charset="-120"/>
+              </a:rPr>
+              <a:t>[</a:t>
+            </a:r>
+            <a:r>
+              <a:rPr lang="en-US" altLang="zh-TW" i="1" dirty="0">
+                <a:ea typeface="標楷體" pitchFamily="65" charset="-120"/>
+              </a:rPr>
+              <a:t>n</a:t>
+            </a:r>
+            <a:r>
+              <a:rPr lang="en-US" altLang="zh-TW" dirty="0">
+                <a:ea typeface="標楷體" pitchFamily="65" charset="-120"/>
+              </a:rPr>
+              <a:t>] if </a:t>
+            </a:r>
+          </a:p>
+          <a:p>
+            <a:pPr>
+              <a:spcBef>
+                <a:spcPts val="600"/>
+              </a:spcBef>
+            </a:pPr>
+            <a:r>
+              <a:rPr lang="en-US" altLang="zh-TW" dirty="0">
+                <a:ea typeface="標楷體" pitchFamily="65" charset="-120"/>
+              </a:rPr>
+              <a:t>       (a) length(</a:t>
+            </a:r>
+            <a:r>
+              <a:rPr lang="en-US" altLang="zh-TW" i="1" dirty="0">
+                <a:ea typeface="標楷體" pitchFamily="65" charset="-120"/>
+              </a:rPr>
+              <a:t>y</a:t>
+            </a:r>
+            <a:r>
+              <a:rPr lang="en-US" altLang="zh-TW" dirty="0">
+                <a:ea typeface="標楷體" pitchFamily="65" charset="-120"/>
+              </a:rPr>
+              <a:t>[</a:t>
+            </a:r>
+            <a:r>
+              <a:rPr lang="en-US" altLang="zh-TW" i="1" dirty="0">
+                <a:ea typeface="標楷體" pitchFamily="65" charset="-120"/>
+              </a:rPr>
+              <a:t>n</a:t>
+            </a:r>
+            <a:r>
+              <a:rPr lang="en-US" altLang="zh-TW" dirty="0">
+                <a:ea typeface="標楷體" pitchFamily="65" charset="-120"/>
+              </a:rPr>
+              <a:t>]) =  500,           (b) length(</a:t>
+            </a:r>
+            <a:r>
+              <a:rPr lang="en-US" altLang="zh-TW" i="1" dirty="0">
+                <a:ea typeface="標楷體" pitchFamily="65" charset="-120"/>
+              </a:rPr>
+              <a:t>y</a:t>
+            </a:r>
+            <a:r>
+              <a:rPr lang="en-US" altLang="zh-TW" dirty="0">
+                <a:ea typeface="標楷體" pitchFamily="65" charset="-120"/>
+              </a:rPr>
+              <a:t>[</a:t>
+            </a:r>
+            <a:r>
+              <a:rPr lang="en-US" altLang="zh-TW" i="1" dirty="0">
+                <a:ea typeface="標楷體" pitchFamily="65" charset="-120"/>
+              </a:rPr>
+              <a:t>n</a:t>
+            </a:r>
+            <a:r>
+              <a:rPr lang="en-US" altLang="zh-TW" dirty="0">
+                <a:ea typeface="標楷體" pitchFamily="65" charset="-120"/>
+              </a:rPr>
+              <a:t>]) = 40, </a:t>
+            </a:r>
+          </a:p>
+          <a:p>
+            <a:pPr>
+              <a:spcBef>
+                <a:spcPts val="600"/>
+              </a:spcBef>
+            </a:pPr>
+            <a:r>
+              <a:rPr lang="en-US" altLang="zh-TW" dirty="0">
+                <a:ea typeface="標楷體" pitchFamily="65" charset="-120"/>
+              </a:rPr>
+              <a:t>       (c) length(</a:t>
+            </a:r>
+            <a:r>
+              <a:rPr lang="en-US" altLang="zh-TW" i="1" dirty="0">
+                <a:ea typeface="標楷體" pitchFamily="65" charset="-120"/>
+              </a:rPr>
+              <a:t>y</a:t>
+            </a:r>
+            <a:r>
+              <a:rPr lang="en-US" altLang="zh-TW" dirty="0">
+                <a:ea typeface="標楷體" pitchFamily="65" charset="-120"/>
+              </a:rPr>
+              <a:t>[</a:t>
+            </a:r>
+            <a:r>
+              <a:rPr lang="en-US" altLang="zh-TW" i="1" dirty="0">
+                <a:ea typeface="標楷體" pitchFamily="65" charset="-120"/>
+              </a:rPr>
+              <a:t>n</a:t>
+            </a:r>
+            <a:r>
+              <a:rPr lang="en-US" altLang="zh-TW" dirty="0">
+                <a:ea typeface="標楷體" pitchFamily="65" charset="-120"/>
+              </a:rPr>
+              <a:t>]) =  6,        and (d) length(</a:t>
+            </a:r>
+            <a:r>
+              <a:rPr lang="en-US" altLang="zh-TW" i="1" dirty="0">
+                <a:ea typeface="標楷體" pitchFamily="65" charset="-120"/>
+              </a:rPr>
+              <a:t>y</a:t>
+            </a:r>
+            <a:r>
+              <a:rPr lang="en-US" altLang="zh-TW" dirty="0">
+                <a:ea typeface="標楷體" pitchFamily="65" charset="-120"/>
+              </a:rPr>
+              <a:t>[</a:t>
+            </a:r>
+            <a:r>
+              <a:rPr lang="en-US" altLang="zh-TW" i="1" dirty="0">
+                <a:ea typeface="標楷體" pitchFamily="65" charset="-120"/>
+              </a:rPr>
+              <a:t>n</a:t>
+            </a:r>
+            <a:r>
+              <a:rPr lang="en-US" altLang="zh-TW" dirty="0">
+                <a:ea typeface="標楷體" pitchFamily="65" charset="-120"/>
+              </a:rPr>
+              <a:t>]) = 2 ?                     (25 scores)</a:t>
+            </a:r>
+          </a:p>
+          <a:p>
+            <a:pPr algn="just">
+              <a:spcBef>
+                <a:spcPts val="600"/>
+              </a:spcBef>
+            </a:pPr>
+            <a:r>
+              <a:rPr lang="en-US" altLang="zh-TW" dirty="0">
+                <a:ea typeface="標楷體" pitchFamily="65" charset="-120"/>
+              </a:rPr>
+              <a:t>     Please show (</a:t>
+            </a:r>
+            <a:r>
+              <a:rPr lang="en-US" altLang="zh-TW" dirty="0" err="1">
+                <a:ea typeface="標楷體" pitchFamily="65" charset="-120"/>
+              </a:rPr>
+              <a:t>i</a:t>
+            </a:r>
+            <a:r>
+              <a:rPr lang="en-US" altLang="zh-TW" dirty="0">
+                <a:ea typeface="標楷體" pitchFamily="65" charset="-120"/>
+              </a:rPr>
+              <a:t>) the </a:t>
+            </a:r>
+            <a:r>
+              <a:rPr lang="en-US" altLang="zh-TW" u="sng" dirty="0">
+                <a:ea typeface="標楷體" pitchFamily="65" charset="-120"/>
+              </a:rPr>
+              <a:t>convolution method</a:t>
+            </a:r>
+            <a:r>
+              <a:rPr lang="en-US" altLang="zh-TW" dirty="0">
+                <a:ea typeface="標楷體" pitchFamily="65" charset="-120"/>
+              </a:rPr>
+              <a:t> (direct, sectioned convolution, or </a:t>
+            </a:r>
+            <a:br>
+              <a:rPr lang="en-US" altLang="zh-TW" dirty="0">
+                <a:ea typeface="標楷體" pitchFamily="65" charset="-120"/>
+              </a:rPr>
+            </a:br>
+            <a:r>
+              <a:rPr lang="en-US" altLang="zh-TW" dirty="0">
+                <a:ea typeface="標楷體" pitchFamily="65" charset="-120"/>
+              </a:rPr>
+              <a:t>     non-sectioned convolution), (ii) the </a:t>
+            </a:r>
+            <a:r>
+              <a:rPr lang="en-US" altLang="zh-TW" u="sng" dirty="0">
+                <a:ea typeface="標楷體" pitchFamily="65" charset="-120"/>
+              </a:rPr>
+              <a:t>number of points of the FFT</a:t>
+            </a:r>
+            <a:r>
+              <a:rPr lang="en-US" altLang="zh-TW" dirty="0">
+                <a:ea typeface="標楷體" pitchFamily="65" charset="-120"/>
+              </a:rPr>
+              <a:t>, (iii) and the</a:t>
+            </a:r>
+            <a:br>
+              <a:rPr lang="en-US" altLang="zh-TW" dirty="0">
+                <a:ea typeface="標楷體" pitchFamily="65" charset="-120"/>
+              </a:rPr>
+            </a:br>
+            <a:r>
+              <a:rPr lang="en-US" altLang="zh-TW" dirty="0">
+                <a:ea typeface="標楷體" pitchFamily="65" charset="-120"/>
+              </a:rPr>
+              <a:t>     </a:t>
+            </a:r>
+            <a:r>
+              <a:rPr lang="en-US" altLang="zh-TW" u="sng" dirty="0">
+                <a:ea typeface="標楷體" pitchFamily="65" charset="-120"/>
+              </a:rPr>
+              <a:t>number of real multiplications</a:t>
+            </a:r>
+            <a:r>
+              <a:rPr lang="en-US" altLang="zh-TW" dirty="0">
+                <a:ea typeface="標楷體" pitchFamily="65" charset="-120"/>
+              </a:rPr>
+              <a:t> for the best implementation method. Also,</a:t>
+            </a:r>
+            <a:br>
+              <a:rPr lang="en-US" altLang="zh-TW" dirty="0">
+                <a:ea typeface="標楷體" pitchFamily="65" charset="-120"/>
+              </a:rPr>
+            </a:br>
+            <a:r>
+              <a:rPr lang="en-US" altLang="zh-TW" dirty="0">
+                <a:ea typeface="標楷體" pitchFamily="65" charset="-120"/>
+              </a:rPr>
+              <a:t>     consider the general case where </a:t>
+            </a:r>
+            <a:r>
+              <a:rPr lang="en-US" altLang="zh-TW" i="1" dirty="0">
+                <a:ea typeface="標楷體" pitchFamily="65" charset="-120"/>
+              </a:rPr>
+              <a:t>x</a:t>
+            </a:r>
+            <a:r>
+              <a:rPr lang="en-US" altLang="zh-TW" dirty="0">
+                <a:ea typeface="標楷體" pitchFamily="65" charset="-120"/>
+              </a:rPr>
+              <a:t>[</a:t>
+            </a:r>
+            <a:r>
+              <a:rPr lang="en-US" altLang="zh-TW" i="1" dirty="0">
+                <a:ea typeface="標楷體" pitchFamily="65" charset="-120"/>
+              </a:rPr>
+              <a:t>n</a:t>
+            </a:r>
+            <a:r>
+              <a:rPr lang="en-US" altLang="zh-TW" dirty="0">
+                <a:ea typeface="標楷體" pitchFamily="65" charset="-120"/>
+              </a:rPr>
+              <a:t>] and </a:t>
+            </a:r>
+            <a:r>
+              <a:rPr lang="en-US" altLang="zh-TW" i="1" dirty="0">
+                <a:ea typeface="標楷體" pitchFamily="65" charset="-120"/>
+              </a:rPr>
+              <a:t>y</a:t>
+            </a:r>
+            <a:r>
+              <a:rPr lang="en-US" altLang="zh-TW" dirty="0">
+                <a:ea typeface="標楷體" pitchFamily="65" charset="-120"/>
+              </a:rPr>
+              <a:t>[</a:t>
+            </a:r>
+            <a:r>
+              <a:rPr lang="en-US" altLang="zh-TW" i="1" dirty="0">
+                <a:ea typeface="標楷體" pitchFamily="65" charset="-120"/>
+              </a:rPr>
+              <a:t>n</a:t>
+            </a:r>
+            <a:r>
+              <a:rPr lang="en-US" altLang="zh-TW" dirty="0">
+                <a:ea typeface="標楷體" pitchFamily="65" charset="-120"/>
+              </a:rPr>
+              <a:t>] are complex sequences and the</a:t>
+            </a:r>
+            <a:br>
+              <a:rPr lang="en-US" altLang="zh-TW" dirty="0">
+                <a:ea typeface="標楷體" pitchFamily="65" charset="-120"/>
+              </a:rPr>
+            </a:br>
+            <a:r>
+              <a:rPr lang="en-US" altLang="zh-TW" dirty="0">
+                <a:ea typeface="標楷體" pitchFamily="65" charset="-120"/>
+              </a:rPr>
+              <a:t>     FFT of </a:t>
+            </a:r>
+            <a:r>
+              <a:rPr lang="en-US" altLang="zh-TW" i="1" dirty="0">
+                <a:ea typeface="標楷體" pitchFamily="65" charset="-120"/>
+              </a:rPr>
+              <a:t>y</a:t>
+            </a:r>
+            <a:r>
+              <a:rPr lang="en-US" altLang="zh-TW" dirty="0">
+                <a:ea typeface="標楷體" pitchFamily="65" charset="-120"/>
+              </a:rPr>
+              <a:t>[</a:t>
+            </a:r>
+            <a:r>
+              <a:rPr lang="en-US" altLang="zh-TW" i="1" dirty="0">
+                <a:ea typeface="標楷體" pitchFamily="65" charset="-120"/>
+              </a:rPr>
+              <a:t>n</a:t>
+            </a:r>
+            <a:r>
+              <a:rPr lang="en-US" altLang="zh-TW" dirty="0">
+                <a:ea typeface="標楷體" pitchFamily="65" charset="-120"/>
+              </a:rPr>
+              <a:t>] can be computed in prior. </a:t>
+            </a:r>
+          </a:p>
+        </p:txBody>
+      </p:sp>
+      <mc:AlternateContent xmlns:mc="http://schemas.openxmlformats.org/markup-compatibility/2006" xmlns:a14="http://schemas.microsoft.com/office/drawing/2010/main">
+        <mc:Choice Requires="a14">
+          <p:sp>
+            <p:nvSpPr>
+              <p:cNvPr id="2" name="文字方塊 1">
+                <a:extLst>
+                  <a:ext uri="{FF2B5EF4-FFF2-40B4-BE49-F238E27FC236}">
+                    <a16:creationId xmlns:a16="http://schemas.microsoft.com/office/drawing/2014/main" id="{9600202F-63A9-2C2F-1FE4-9BD3AFAACC51}"/>
+                  </a:ext>
+                </a:extLst>
+              </p:cNvPr>
+              <p:cNvSpPr txBox="1"/>
+              <p:nvPr/>
+            </p:nvSpPr>
+            <p:spPr>
+              <a:xfrm>
+                <a:off x="287337" y="3231707"/>
+                <a:ext cx="8569325" cy="3126753"/>
+              </a:xfrm>
+              <a:prstGeom prst="rect">
+                <a:avLst/>
+              </a:prstGeom>
+              <a:noFill/>
+            </p:spPr>
+            <p:txBody>
+              <a:bodyPr wrap="square" rtlCol="0">
+                <a:spAutoFit/>
+              </a:bodyPr>
+              <a:lstStyle/>
+              <a:p>
+                <a:r>
+                  <a:rPr kumimoji="1" lang="en-US" altLang="zh-TW" dirty="0"/>
+                  <a:t>(c)</a:t>
+                </a:r>
+              </a:p>
+              <a:p>
+                <a:pPr marL="400050" indent="-400050">
+                  <a:buFontTx/>
+                  <a:buAutoNum type="romanLcParenBoth"/>
+                </a:pPr>
+                <a:r>
+                  <a:rPr lang="zh-TW" altLang="en-US" dirty="0"/>
+                  <a:t>因為</a:t>
+                </a:r>
+                <a14:m>
+                  <m:oMath xmlns:m="http://schemas.openxmlformats.org/officeDocument/2006/math">
+                    <m:r>
+                      <a:rPr lang="en-US" altLang="zh-TW" b="0" i="1" smtClean="0">
+                        <a:latin typeface="Cambria Math" panose="02040503050406030204" pitchFamily="18" charset="0"/>
+                      </a:rPr>
+                      <m:t>𝑁</m:t>
+                    </m:r>
+                    <m:r>
+                      <a:rPr lang="en-US" altLang="zh-TW" b="0" i="1" smtClean="0">
+                        <a:latin typeface="Cambria Math" panose="02040503050406030204" pitchFamily="18" charset="0"/>
+                        <a:ea typeface="Cambria Math" panose="02040503050406030204" pitchFamily="18" charset="0"/>
+                      </a:rPr>
+                      <m:t>≫</m:t>
+                    </m:r>
+                    <m:r>
+                      <a:rPr lang="en-US" altLang="zh-TW" b="0" i="1" smtClean="0">
+                        <a:latin typeface="Cambria Math" panose="02040503050406030204" pitchFamily="18" charset="0"/>
+                        <a:ea typeface="Cambria Math" panose="02040503050406030204" pitchFamily="18" charset="0"/>
+                      </a:rPr>
+                      <m:t>𝑀</m:t>
+                    </m:r>
+                  </m:oMath>
+                </a14:m>
+                <a:r>
+                  <a:rPr lang="zh-TW" altLang="en-US" dirty="0"/>
+                  <a:t>，所以 </a:t>
+                </a:r>
+                <a:r>
+                  <a:rPr lang="en-US" altLang="zh-TW" dirty="0"/>
+                  <a:t>convolution method </a:t>
+                </a:r>
+                <a:r>
+                  <a:rPr lang="zh-TW" altLang="en-US" dirty="0"/>
+                  <a:t>選擇 </a:t>
+                </a:r>
+                <a:r>
+                  <a:rPr lang="en-US" altLang="zh-TW" dirty="0"/>
+                  <a:t>case2</a:t>
+                </a:r>
+                <a:r>
+                  <a:rPr lang="zh-TW" altLang="en-US" dirty="0"/>
+                  <a:t>： </a:t>
+                </a:r>
+                <a:r>
+                  <a:rPr lang="en-US" altLang="zh-TW" dirty="0"/>
+                  <a:t>sectioned convolution</a:t>
+                </a:r>
+              </a:p>
+              <a:p>
+                <a:r>
+                  <a:rPr lang="en-US" altLang="zh-TW" dirty="0"/>
+                  <a:t>(ii)</a:t>
+                </a:r>
+                <a:endParaRPr kumimoji="1" lang="en-US" altLang="zh-TW" dirty="0"/>
+              </a:p>
+              <a:p>
+                <a:pPr algn="ctr"/>
+                <a14:m>
+                  <m:oMathPara xmlns:m="http://schemas.openxmlformats.org/officeDocument/2006/math">
+                    <m:oMathParaPr>
+                      <m:jc m:val="centerGroup"/>
+                    </m:oMathParaPr>
+                    <m:oMath xmlns:m="http://schemas.openxmlformats.org/officeDocument/2006/math">
+                      <m:sSub>
+                        <m:sSubPr>
+                          <m:ctrlPr>
+                            <a:rPr kumimoji="1" lang="en-US" altLang="zh-TW" i="1" smtClean="0">
+                              <a:latin typeface="Cambria Math" panose="02040503050406030204" pitchFamily="18" charset="0"/>
+                            </a:rPr>
+                          </m:ctrlPr>
+                        </m:sSubPr>
+                        <m:e>
+                          <m:r>
+                            <a:rPr kumimoji="1" lang="en-US" altLang="zh-TW" b="0" i="1" smtClean="0">
+                              <a:latin typeface="Cambria Math" panose="02040503050406030204" pitchFamily="18" charset="0"/>
+                            </a:rPr>
+                            <m:t>𝐿</m:t>
+                          </m:r>
+                        </m:e>
+                        <m:sub>
+                          <m:r>
+                            <a:rPr kumimoji="1" lang="en-US" altLang="zh-TW" b="0" i="1" smtClean="0">
+                              <a:latin typeface="Cambria Math" panose="02040503050406030204" pitchFamily="18" charset="0"/>
+                            </a:rPr>
+                            <m:t>0</m:t>
+                          </m:r>
+                        </m:sub>
+                      </m:sSub>
+                      <m:r>
+                        <a:rPr kumimoji="1" lang="en-US" altLang="zh-TW" b="0" i="1" smtClean="0">
+                          <a:latin typeface="Cambria Math" panose="02040503050406030204" pitchFamily="18" charset="0"/>
+                        </a:rPr>
+                        <m:t>=</m:t>
+                      </m:r>
+                      <m:r>
+                        <a:rPr lang="en-US" altLang="zh-TW" i="1">
+                          <a:latin typeface="Cambria Math" panose="02040503050406030204" pitchFamily="18" charset="0"/>
+                        </a:rPr>
+                        <m:t>19</m:t>
+                      </m:r>
+                      <m:r>
+                        <a:rPr kumimoji="1" lang="en-US" altLang="zh-TW" b="0" i="1" smtClean="0">
+                          <a:latin typeface="Cambria Math" panose="02040503050406030204" pitchFamily="18" charset="0"/>
+                        </a:rPr>
+                        <m:t>,</m:t>
+                      </m:r>
+                      <m:r>
+                        <a:rPr kumimoji="1" lang="zh-TW" altLang="en-US" b="0" i="1" smtClean="0">
+                          <a:latin typeface="Cambria Math" panose="02040503050406030204" pitchFamily="18" charset="0"/>
+                        </a:rPr>
+                        <m:t> </m:t>
+                      </m:r>
+                      <m:sSub>
+                        <m:sSubPr>
+                          <m:ctrlPr>
+                            <a:rPr kumimoji="1" lang="en-US" altLang="zh-TW" b="0" i="1" smtClean="0">
+                              <a:latin typeface="Cambria Math" panose="02040503050406030204" pitchFamily="18" charset="0"/>
+                            </a:rPr>
+                          </m:ctrlPr>
+                        </m:sSubPr>
+                        <m:e>
+                          <m:r>
+                            <a:rPr kumimoji="1" lang="en-US" altLang="zh-TW" b="0" i="1" smtClean="0">
+                              <a:latin typeface="Cambria Math" panose="02040503050406030204" pitchFamily="18" charset="0"/>
+                            </a:rPr>
+                            <m:t>𝑃</m:t>
+                          </m:r>
+                        </m:e>
+                        <m:sub>
+                          <m:r>
+                            <a:rPr kumimoji="1" lang="en-US" altLang="zh-TW" b="0" i="1" smtClean="0">
+                              <a:latin typeface="Cambria Math" panose="02040503050406030204" pitchFamily="18" charset="0"/>
+                            </a:rPr>
+                            <m:t>0</m:t>
+                          </m:r>
+                        </m:sub>
+                      </m:sSub>
+                      <m:r>
+                        <a:rPr kumimoji="1" lang="en-US" altLang="zh-TW" b="0" i="1" smtClean="0">
+                          <a:latin typeface="Cambria Math" panose="02040503050406030204" pitchFamily="18" charset="0"/>
+                        </a:rPr>
+                        <m:t>=</m:t>
+                      </m:r>
+                      <m:sSub>
+                        <m:sSubPr>
+                          <m:ctrlPr>
+                            <a:rPr lang="en-US" altLang="zh-TW" i="1">
+                              <a:latin typeface="Cambria Math" panose="02040503050406030204" pitchFamily="18" charset="0"/>
+                            </a:rPr>
+                          </m:ctrlPr>
+                        </m:sSubPr>
+                        <m:e>
+                          <m:r>
+                            <a:rPr lang="en-US" altLang="zh-TW" i="1">
+                              <a:latin typeface="Cambria Math" panose="02040503050406030204" pitchFamily="18" charset="0"/>
+                            </a:rPr>
+                            <m:t>𝐿</m:t>
+                          </m:r>
+                        </m:e>
+                        <m:sub>
+                          <m:r>
+                            <a:rPr lang="en-US" altLang="zh-TW" i="1">
+                              <a:latin typeface="Cambria Math" panose="02040503050406030204" pitchFamily="18" charset="0"/>
+                            </a:rPr>
+                            <m:t>0</m:t>
+                          </m:r>
+                        </m:sub>
+                      </m:sSub>
+                      <m:r>
+                        <a:rPr lang="en-US" altLang="zh-TW" i="1">
+                          <a:latin typeface="Cambria Math" panose="02040503050406030204" pitchFamily="18" charset="0"/>
+                        </a:rPr>
+                        <m:t>+</m:t>
+                      </m:r>
+                      <m:r>
+                        <a:rPr lang="en-US" altLang="zh-TW" i="1">
+                          <a:latin typeface="Cambria Math" panose="02040503050406030204" pitchFamily="18" charset="0"/>
+                        </a:rPr>
+                        <m:t>𝑀</m:t>
+                      </m:r>
+                      <m:r>
+                        <a:rPr lang="en-US" altLang="zh-TW" i="1">
+                          <a:latin typeface="Cambria Math" panose="02040503050406030204" pitchFamily="18" charset="0"/>
+                        </a:rPr>
+                        <m:t>−1=24</m:t>
+                      </m:r>
+                    </m:oMath>
+                  </m:oMathPara>
+                </a14:m>
+                <a:endParaRPr kumimoji="1" lang="en-US" altLang="zh-TW" baseline="-25000" dirty="0"/>
+              </a:p>
+              <a:p>
+                <a:pPr algn="ctr"/>
+                <a:r>
+                  <a:rPr kumimoji="1" lang="en-US" altLang="zh-TW" b="0" i="0" dirty="0">
+                    <a:latin typeface="Cambria Math" panose="02040503050406030204" pitchFamily="18" charset="0"/>
+                  </a:rPr>
+                  <a:t>P</a:t>
+                </a:r>
+                <a:r>
+                  <a:rPr kumimoji="1" lang="zh-TW" altLang="en-US" b="0" i="0" dirty="0">
+                    <a:latin typeface="Cambria Math" panose="02040503050406030204" pitchFamily="18" charset="0"/>
+                  </a:rPr>
+                  <a:t> </a:t>
+                </a:r>
+                <a:r>
+                  <a:rPr kumimoji="1" lang="en-US" altLang="zh-TW" b="0" i="0" dirty="0">
+                    <a:latin typeface="Cambria Math" panose="02040503050406030204" pitchFamily="18" charset="0"/>
+                  </a:rPr>
+                  <a:t>choose</a:t>
+                </a:r>
+                <a:r>
+                  <a:rPr kumimoji="1" lang="zh-TW" altLang="en-US" b="0" i="0" dirty="0">
+                    <a:latin typeface="Cambria Math" panose="02040503050406030204" pitchFamily="18" charset="0"/>
+                  </a:rPr>
+                  <a:t> </a:t>
+                </a:r>
+                <a:r>
+                  <a:rPr lang="en-US" altLang="zh-TW" dirty="0">
+                    <a:latin typeface="Cambria Math" panose="02040503050406030204" pitchFamily="18" charset="0"/>
+                  </a:rPr>
+                  <a:t>24</a:t>
+                </a:r>
+                <a:r>
+                  <a:rPr kumimoji="1" lang="en-US" altLang="zh-TW" b="0" i="0" dirty="0">
+                    <a:latin typeface="Cambria Math" panose="02040503050406030204" pitchFamily="18" charset="0"/>
+                  </a:rPr>
+                  <a:t>,</a:t>
+                </a:r>
+                <a:r>
+                  <a:rPr kumimoji="1" lang="zh-TW" altLang="en-US" b="0" i="0" dirty="0">
+                    <a:latin typeface="Cambria Math" panose="02040503050406030204" pitchFamily="18" charset="0"/>
+                  </a:rPr>
+                  <a:t> </a:t>
+                </a:r>
+                <a:r>
+                  <a:rPr kumimoji="1" lang="en-US" altLang="zh-TW" b="0" i="0" dirty="0">
+                    <a:latin typeface="Cambria Math" panose="02040503050406030204" pitchFamily="18" charset="0"/>
+                  </a:rPr>
+                  <a:t>MUL</a:t>
+                </a:r>
+                <a:r>
+                  <a:rPr lang="en-US" altLang="zh-TW" baseline="-25000" dirty="0">
+                    <a:latin typeface="Cambria Math" panose="02040503050406030204" pitchFamily="18" charset="0"/>
+                  </a:rPr>
+                  <a:t>24</a:t>
+                </a:r>
+                <a:r>
+                  <a:rPr kumimoji="1" lang="zh-TW" altLang="en-US" b="0" i="0" baseline="-25000" dirty="0">
+                    <a:latin typeface="Cambria Math" panose="02040503050406030204" pitchFamily="18" charset="0"/>
+                  </a:rPr>
+                  <a:t> </a:t>
+                </a:r>
+                <a:r>
+                  <a:rPr kumimoji="1" lang="en-US" altLang="zh-TW" b="0" i="0" dirty="0">
+                    <a:latin typeface="Cambria Math" panose="02040503050406030204" pitchFamily="18" charset="0"/>
+                  </a:rPr>
+                  <a:t>= 28</a:t>
+                </a:r>
+              </a:p>
+              <a:p>
+                <a:r>
+                  <a:rPr lang="en-US" altLang="zh-TW" dirty="0">
+                    <a:latin typeface="Cambria Math" panose="02040503050406030204" pitchFamily="18" charset="0"/>
+                  </a:rPr>
+                  <a:t>(iii)</a:t>
+                </a:r>
+                <a:endParaRPr kumimoji="1" lang="en-US" altLang="zh-TW" b="0" i="0" dirty="0">
+                  <a:latin typeface="Cambria Math" panose="02040503050406030204" pitchFamily="18" charset="0"/>
+                </a:endParaRPr>
+              </a:p>
+              <a:p>
+                <a:pPr algn="ctr"/>
+                <a14:m>
+                  <m:oMathPara xmlns:m="http://schemas.openxmlformats.org/officeDocument/2006/math">
+                    <m:oMathParaPr>
+                      <m:jc m:val="centerGroup"/>
+                    </m:oMathParaPr>
+                    <m:oMath xmlns:m="http://schemas.openxmlformats.org/officeDocument/2006/math">
+                      <m:r>
+                        <a:rPr lang="en-US" altLang="zh-TW" i="1">
+                          <a:latin typeface="Cambria Math" panose="02040503050406030204" pitchFamily="18" charset="0"/>
+                        </a:rPr>
+                        <m:t>𝐿</m:t>
+                      </m:r>
+                      <m:r>
+                        <a:rPr lang="en-US" altLang="zh-TW" i="1">
+                          <a:latin typeface="Cambria Math" panose="02040503050406030204" pitchFamily="18" charset="0"/>
+                        </a:rPr>
+                        <m:t>=</m:t>
+                      </m:r>
+                      <m:r>
+                        <a:rPr lang="en-US" altLang="zh-TW" i="1">
+                          <a:latin typeface="Cambria Math" panose="02040503050406030204" pitchFamily="18" charset="0"/>
+                        </a:rPr>
+                        <m:t>𝑃</m:t>
+                      </m:r>
+                      <m:r>
+                        <a:rPr lang="en-US" altLang="zh-TW" i="1">
+                          <a:latin typeface="Cambria Math" panose="02040503050406030204" pitchFamily="18" charset="0"/>
+                        </a:rPr>
+                        <m:t>−</m:t>
+                      </m:r>
+                      <m:r>
+                        <a:rPr lang="en-US" altLang="zh-TW" i="1">
+                          <a:latin typeface="Cambria Math" panose="02040503050406030204" pitchFamily="18" charset="0"/>
+                        </a:rPr>
+                        <m:t>𝑀</m:t>
+                      </m:r>
+                      <m:r>
+                        <a:rPr lang="en-US" altLang="zh-TW" i="1">
+                          <a:latin typeface="Cambria Math" panose="02040503050406030204" pitchFamily="18" charset="0"/>
+                        </a:rPr>
+                        <m:t>+1=19,</m:t>
+                      </m:r>
+                      <m:r>
+                        <a:rPr lang="zh-TW" altLang="en-US" b="0" i="1" smtClean="0">
+                          <a:latin typeface="Cambria Math" panose="02040503050406030204" pitchFamily="18" charset="0"/>
+                        </a:rPr>
+                        <m:t> </m:t>
+                      </m:r>
+                      <m:r>
+                        <a:rPr lang="en-US" altLang="zh-TW" b="0" i="1" smtClean="0">
+                          <a:latin typeface="Cambria Math" panose="02040503050406030204" pitchFamily="18" charset="0"/>
+                        </a:rPr>
+                        <m:t>𝑆</m:t>
+                      </m:r>
+                      <m:r>
+                        <a:rPr lang="en-US" altLang="zh-TW" b="0" i="1" smtClean="0">
+                          <a:latin typeface="Cambria Math" panose="02040503050406030204" pitchFamily="18" charset="0"/>
+                        </a:rPr>
+                        <m:t>=</m:t>
+                      </m:r>
+                      <m:d>
+                        <m:dPr>
+                          <m:begChr m:val="⌈"/>
+                          <m:endChr m:val="⌉"/>
+                          <m:ctrlPr>
+                            <a:rPr lang="en-US" altLang="zh-TW" b="0" i="1" smtClean="0">
+                              <a:latin typeface="Cambria Math" panose="02040503050406030204" pitchFamily="18" charset="0"/>
+                            </a:rPr>
+                          </m:ctrlPr>
+                        </m:dPr>
+                        <m:e>
+                          <m:f>
+                            <m:fPr>
+                              <m:ctrlPr>
+                                <a:rPr lang="en-US" altLang="zh-TW" b="0" i="1" smtClean="0">
+                                  <a:latin typeface="Cambria Math" panose="02040503050406030204" pitchFamily="18" charset="0"/>
+                                </a:rPr>
+                              </m:ctrlPr>
+                            </m:fPr>
+                            <m:num>
+                              <m:r>
+                                <a:rPr lang="en-US" altLang="zh-TW" b="0" i="1" smtClean="0">
+                                  <a:latin typeface="Cambria Math" panose="02040503050406030204" pitchFamily="18" charset="0"/>
+                                </a:rPr>
+                                <m:t>𝑁</m:t>
+                              </m:r>
+                            </m:num>
+                            <m:den>
+                              <m:r>
+                                <a:rPr lang="en-US" altLang="zh-TW" b="0" i="1" smtClean="0">
+                                  <a:latin typeface="Cambria Math" panose="02040503050406030204" pitchFamily="18" charset="0"/>
+                                </a:rPr>
+                                <m:t>𝐿</m:t>
+                              </m:r>
+                            </m:den>
+                          </m:f>
+                        </m:e>
+                      </m:d>
+                      <m:r>
+                        <a:rPr lang="en-US" altLang="zh-TW" b="0" i="1" smtClean="0">
+                          <a:latin typeface="Cambria Math" panose="02040503050406030204" pitchFamily="18" charset="0"/>
+                        </a:rPr>
+                        <m:t>=</m:t>
+                      </m:r>
+                      <m:d>
+                        <m:dPr>
+                          <m:begChr m:val="⌈"/>
+                          <m:endChr m:val="⌉"/>
+                          <m:ctrlPr>
+                            <a:rPr lang="en-US" altLang="zh-TW" i="1">
+                              <a:latin typeface="Cambria Math" panose="02040503050406030204" pitchFamily="18" charset="0"/>
+                            </a:rPr>
+                          </m:ctrlPr>
+                        </m:dPr>
+                        <m:e>
+                          <m:f>
+                            <m:fPr>
+                              <m:ctrlPr>
+                                <a:rPr lang="en-US" altLang="zh-TW" i="1">
+                                  <a:latin typeface="Cambria Math" panose="02040503050406030204" pitchFamily="18" charset="0"/>
+                                </a:rPr>
+                              </m:ctrlPr>
+                            </m:fPr>
+                            <m:num>
+                              <m:r>
+                                <a:rPr lang="en-US" altLang="zh-TW" b="0" i="1" smtClean="0">
+                                  <a:latin typeface="Cambria Math" panose="02040503050406030204" pitchFamily="18" charset="0"/>
+                                </a:rPr>
+                                <m:t>1100</m:t>
+                              </m:r>
+                            </m:num>
+                            <m:den>
+                              <m:r>
+                                <a:rPr lang="en-US" altLang="zh-TW" b="0" i="1" smtClean="0">
+                                  <a:latin typeface="Cambria Math" panose="02040503050406030204" pitchFamily="18" charset="0"/>
+                                </a:rPr>
+                                <m:t>19</m:t>
+                              </m:r>
+                            </m:den>
+                          </m:f>
+                        </m:e>
+                      </m:d>
+                      <m:r>
+                        <a:rPr lang="en-US" altLang="zh-TW" b="0" i="1" smtClean="0">
+                          <a:latin typeface="Cambria Math" panose="02040503050406030204" pitchFamily="18" charset="0"/>
+                        </a:rPr>
+                        <m:t>=58</m:t>
+                      </m:r>
+                    </m:oMath>
+                  </m:oMathPara>
+                </a14:m>
+                <a:endParaRPr lang="en-US" altLang="zh-TW" b="0" i="0" dirty="0">
+                  <a:latin typeface="Cambria Math" panose="02040503050406030204" pitchFamily="18" charset="0"/>
+                </a:endParaRPr>
+              </a:p>
+              <a:p>
+                <a:pPr algn="ctr"/>
+                <a:r>
+                  <a:rPr lang="en-US" altLang="zh-TW" b="0" i="0" dirty="0">
+                    <a:latin typeface="Cambria Math" panose="02040503050406030204" pitchFamily="18" charset="0"/>
+                  </a:rPr>
+                  <a:t>Number of real multiplications: </a:t>
+                </a:r>
+              </a:p>
+              <a:p>
+                <a:pPr algn="ctr"/>
+                <a14:m>
+                  <m:oMathPara xmlns:m="http://schemas.openxmlformats.org/officeDocument/2006/math">
+                    <m:oMathParaPr>
+                      <m:jc m:val="centerGroup"/>
+                    </m:oMathParaPr>
+                    <m:oMath xmlns:m="http://schemas.openxmlformats.org/officeDocument/2006/math">
+                      <m:r>
+                        <a:rPr kumimoji="1" lang="en-US" altLang="zh-TW" b="0" i="1" smtClean="0">
+                          <a:latin typeface="Cambria Math" panose="02040503050406030204" pitchFamily="18" charset="0"/>
+                        </a:rPr>
+                        <m:t>2</m:t>
+                      </m:r>
+                      <m:r>
+                        <a:rPr kumimoji="1" lang="en-US" altLang="zh-TW" b="0" i="1" smtClean="0">
+                          <a:latin typeface="Cambria Math" panose="02040503050406030204" pitchFamily="18" charset="0"/>
+                        </a:rPr>
+                        <m:t>𝑆</m:t>
+                      </m:r>
+                      <m:r>
+                        <a:rPr kumimoji="1" lang="en-US" altLang="zh-TW" b="0" i="1" smtClean="0">
+                          <a:latin typeface="Cambria Math" panose="02040503050406030204" pitchFamily="18" charset="0"/>
+                          <a:ea typeface="Cambria Math" panose="02040503050406030204" pitchFamily="18" charset="0"/>
+                        </a:rPr>
+                        <m:t>×</m:t>
+                      </m:r>
+                      <m:sSub>
+                        <m:sSubPr>
+                          <m:ctrlPr>
+                            <a:rPr kumimoji="1" lang="en-US" altLang="zh-TW" b="0" i="1" smtClean="0">
+                              <a:latin typeface="Cambria Math" panose="02040503050406030204" pitchFamily="18" charset="0"/>
+                              <a:ea typeface="Cambria Math" panose="02040503050406030204" pitchFamily="18" charset="0"/>
+                            </a:rPr>
+                          </m:ctrlPr>
+                        </m:sSubPr>
+                        <m:e>
+                          <m:r>
+                            <a:rPr kumimoji="1" lang="en-US" altLang="zh-TW" b="0" i="1" smtClean="0">
+                              <a:latin typeface="Cambria Math" panose="02040503050406030204" pitchFamily="18" charset="0"/>
+                              <a:ea typeface="Cambria Math" panose="02040503050406030204" pitchFamily="18" charset="0"/>
+                            </a:rPr>
+                            <m:t>𝑀𝑈𝐿</m:t>
+                          </m:r>
+                        </m:e>
+                        <m:sub>
+                          <m:r>
+                            <a:rPr kumimoji="1" lang="en-US" altLang="zh-TW" b="0" i="1" smtClean="0">
+                              <a:latin typeface="Cambria Math" panose="02040503050406030204" pitchFamily="18" charset="0"/>
+                              <a:ea typeface="Cambria Math" panose="02040503050406030204" pitchFamily="18" charset="0"/>
+                            </a:rPr>
+                            <m:t>𝑃</m:t>
+                          </m:r>
+                        </m:sub>
+                      </m:sSub>
+                      <m:r>
+                        <a:rPr kumimoji="1" lang="en-US" altLang="zh-TW" b="0" i="1" smtClean="0">
+                          <a:latin typeface="Cambria Math" panose="02040503050406030204" pitchFamily="18" charset="0"/>
+                          <a:ea typeface="Cambria Math" panose="02040503050406030204" pitchFamily="18" charset="0"/>
+                        </a:rPr>
+                        <m:t>+3</m:t>
+                      </m:r>
+                      <m:r>
+                        <a:rPr kumimoji="1" lang="en-US" altLang="zh-TW" b="0" i="1" smtClean="0">
+                          <a:latin typeface="Cambria Math" panose="02040503050406030204" pitchFamily="18" charset="0"/>
+                          <a:ea typeface="Cambria Math" panose="02040503050406030204" pitchFamily="18" charset="0"/>
+                        </a:rPr>
+                        <m:t>𝑆</m:t>
+                      </m:r>
+                      <m:r>
+                        <a:rPr kumimoji="1" lang="en-US" altLang="zh-TW" b="0" i="1" smtClean="0">
+                          <a:latin typeface="Cambria Math" panose="02040503050406030204" pitchFamily="18" charset="0"/>
+                          <a:ea typeface="Cambria Math" panose="02040503050406030204" pitchFamily="18" charset="0"/>
+                        </a:rPr>
+                        <m:t>×</m:t>
+                      </m:r>
+                      <m:r>
+                        <a:rPr kumimoji="1" lang="en-US" altLang="zh-TW" b="0" i="1" smtClean="0">
+                          <a:latin typeface="Cambria Math" panose="02040503050406030204" pitchFamily="18" charset="0"/>
+                          <a:ea typeface="Cambria Math" panose="02040503050406030204" pitchFamily="18" charset="0"/>
+                        </a:rPr>
+                        <m:t>𝑃</m:t>
+                      </m:r>
+                      <m:r>
+                        <a:rPr kumimoji="1" lang="en-US" altLang="zh-TW" b="0" i="1" smtClean="0">
+                          <a:latin typeface="Cambria Math" panose="02040503050406030204" pitchFamily="18" charset="0"/>
+                          <a:ea typeface="Cambria Math" panose="02040503050406030204" pitchFamily="18" charset="0"/>
+                        </a:rPr>
+                        <m:t>=2</m:t>
+                      </m:r>
+                      <m:r>
+                        <a:rPr kumimoji="1" lang="zh-TW" altLang="en-US" b="0" i="1" smtClean="0">
+                          <a:latin typeface="Cambria Math" panose="02040503050406030204" pitchFamily="18" charset="0"/>
+                          <a:ea typeface="Cambria Math" panose="02040503050406030204" pitchFamily="18" charset="0"/>
+                        </a:rPr>
+                        <m:t>∗</m:t>
+                      </m:r>
+                      <m:r>
+                        <a:rPr kumimoji="1" lang="en-US" altLang="zh-TW" b="0" i="1" smtClean="0">
+                          <a:latin typeface="Cambria Math" panose="02040503050406030204" pitchFamily="18" charset="0"/>
+                          <a:ea typeface="Cambria Math" panose="02040503050406030204" pitchFamily="18" charset="0"/>
+                        </a:rPr>
+                        <m:t>58</m:t>
+                      </m:r>
+                      <m:r>
+                        <a:rPr kumimoji="1" lang="zh-TW" altLang="en-US" b="0" i="1" smtClean="0">
+                          <a:latin typeface="Cambria Math" panose="02040503050406030204" pitchFamily="18" charset="0"/>
+                          <a:ea typeface="Cambria Math" panose="02040503050406030204" pitchFamily="18" charset="0"/>
+                        </a:rPr>
+                        <m:t>∗</m:t>
+                      </m:r>
+                      <m:r>
+                        <a:rPr kumimoji="1" lang="en-US" altLang="zh-TW" b="0" i="1" smtClean="0">
+                          <a:latin typeface="Cambria Math" panose="02040503050406030204" pitchFamily="18" charset="0"/>
+                          <a:ea typeface="Cambria Math" panose="02040503050406030204" pitchFamily="18" charset="0"/>
+                        </a:rPr>
+                        <m:t>28</m:t>
+                      </m:r>
+                      <m:r>
+                        <m:rPr>
+                          <m:nor/>
+                        </m:rPr>
+                        <a:rPr kumimoji="1" lang="en-US" altLang="zh-TW" b="0" i="0" smtClean="0">
+                          <a:latin typeface="Cambria Math" panose="02040503050406030204" pitchFamily="18" charset="0"/>
+                          <a:ea typeface="Cambria Math" panose="02040503050406030204" pitchFamily="18" charset="0"/>
+                        </a:rPr>
+                        <m:t>+3</m:t>
+                      </m:r>
+                      <m:r>
+                        <a:rPr lang="zh-TW" altLang="en-US" i="1">
+                          <a:latin typeface="Cambria Math" panose="02040503050406030204" pitchFamily="18" charset="0"/>
+                          <a:ea typeface="Cambria Math" panose="02040503050406030204" pitchFamily="18" charset="0"/>
+                        </a:rPr>
+                        <m:t>∗</m:t>
+                      </m:r>
+                      <m:r>
+                        <m:rPr>
+                          <m:nor/>
+                        </m:rPr>
+                        <a:rPr lang="en-US" altLang="zh-TW" b="0" i="0" smtClean="0">
+                          <a:latin typeface="Cambria Math" panose="02040503050406030204" pitchFamily="18" charset="0"/>
+                          <a:ea typeface="Cambria Math" panose="02040503050406030204" pitchFamily="18" charset="0"/>
+                        </a:rPr>
+                        <m:t>58</m:t>
+                      </m:r>
+                      <m:r>
+                        <a:rPr lang="zh-TW" altLang="en-US" i="1">
+                          <a:latin typeface="Cambria Math" panose="02040503050406030204" pitchFamily="18" charset="0"/>
+                          <a:ea typeface="Cambria Math" panose="02040503050406030204" pitchFamily="18" charset="0"/>
+                        </a:rPr>
+                        <m:t>∗</m:t>
+                      </m:r>
+                      <m:r>
+                        <m:rPr>
+                          <m:nor/>
+                        </m:rPr>
+                        <a:rPr lang="en-US" altLang="zh-TW" b="0" i="0" smtClean="0">
+                          <a:latin typeface="Cambria Math" panose="02040503050406030204" pitchFamily="18" charset="0"/>
+                          <a:ea typeface="Cambria Math" panose="02040503050406030204" pitchFamily="18" charset="0"/>
+                        </a:rPr>
+                        <m:t>24</m:t>
+                      </m:r>
+                      <m:r>
+                        <m:rPr>
+                          <m:nor/>
+                        </m:rPr>
+                        <a:rPr lang="en-US" altLang="zh-TW" b="0" i="0" dirty="0" smtClean="0">
+                          <a:latin typeface="Cambria Math" panose="02040503050406030204" pitchFamily="18" charset="0"/>
+                        </a:rPr>
+                        <m:t>=</m:t>
+                      </m:r>
+                      <m:r>
+                        <m:rPr>
+                          <m:nor/>
+                        </m:rPr>
+                        <a:rPr lang="en-US" altLang="zh-TW" dirty="0">
+                          <a:latin typeface="Cambria Math" panose="02040503050406030204" pitchFamily="18" charset="0"/>
+                        </a:rPr>
+                        <m:t>7424</m:t>
+                      </m:r>
+                    </m:oMath>
+                  </m:oMathPara>
+                </a14:m>
+                <a:endParaRPr kumimoji="1" lang="en-US" altLang="zh-TW" baseline="-25000" dirty="0"/>
+              </a:p>
+            </p:txBody>
+          </p:sp>
+        </mc:Choice>
+        <mc:Fallback xmlns="">
+          <p:sp>
+            <p:nvSpPr>
+              <p:cNvPr id="2" name="文字方塊 1">
+                <a:extLst>
+                  <a:ext uri="{FF2B5EF4-FFF2-40B4-BE49-F238E27FC236}">
+                    <a16:creationId xmlns:a16="http://schemas.microsoft.com/office/drawing/2014/main" id="{9600202F-63A9-2C2F-1FE4-9BD3AFAACC51}"/>
+                  </a:ext>
+                </a:extLst>
+              </p:cNvPr>
+              <p:cNvSpPr txBox="1">
+                <a:spLocks noRot="1" noChangeAspect="1" noMove="1" noResize="1" noEditPoints="1" noAdjustHandles="1" noChangeArrowheads="1" noChangeShapeType="1" noTextEdit="1"/>
+              </p:cNvSpPr>
+              <p:nvPr/>
+            </p:nvSpPr>
+            <p:spPr>
+              <a:xfrm>
+                <a:off x="287337" y="3231707"/>
+                <a:ext cx="8569325" cy="3126753"/>
+              </a:xfrm>
+              <a:prstGeom prst="rect">
+                <a:avLst/>
+              </a:prstGeom>
+              <a:blipFill>
+                <a:blip r:embed="rId3"/>
+                <a:stretch>
+                  <a:fillRect l="-740" t="-810"/>
+                </a:stretch>
+              </a:blipFill>
+            </p:spPr>
+            <p:txBody>
+              <a:bodyPr/>
+              <a:lstStyle/>
+              <a:p>
+                <a:r>
+                  <a:rPr lang="zh-TW" altLang="en-US">
+                    <a:noFill/>
+                  </a:rPr>
+                  <a:t> </a:t>
+                </a:r>
+              </a:p>
+            </p:txBody>
+          </p:sp>
+        </mc:Fallback>
+      </mc:AlternateContent>
+    </p:spTree>
+    <p:extLst>
+      <p:ext uri="{BB962C8B-B14F-4D97-AF65-F5344CB8AC3E}">
+        <p14:creationId xmlns:p14="http://schemas.microsoft.com/office/powerpoint/2010/main" val="2240408271"/>
       </p:ext>
     </p:extLst>
   </p:cSld>
